--- a/slides/Report1.pptx
+++ b/slides/Report1.pptx
@@ -5,24 +5,26 @@
     <p:sldMasterId id="2147483648" r:id="rId1"/>
   </p:sldMasterIdLst>
   <p:notesMasterIdLst>
-    <p:notesMasterId r:id="rId17"/>
+    <p:notesMasterId r:id="rId5"/>
   </p:notesMasterIdLst>
   <p:sldIdLst>
-    <p:sldId id="256" r:id="rId2"/>
-    <p:sldId id="257" r:id="rId3"/>
-    <p:sldId id="261" r:id="rId4"/>
-    <p:sldId id="265" r:id="rId5"/>
-    <p:sldId id="294" r:id="rId6"/>
-    <p:sldId id="286" r:id="rId7"/>
-    <p:sldId id="289" r:id="rId8"/>
-    <p:sldId id="292" r:id="rId9"/>
-    <p:sldId id="287" r:id="rId10"/>
-    <p:sldId id="290" r:id="rId11"/>
-    <p:sldId id="295" r:id="rId12"/>
-    <p:sldId id="297" r:id="rId13"/>
-    <p:sldId id="296" r:id="rId14"/>
-    <p:sldId id="288" r:id="rId15"/>
-    <p:sldId id="291" r:id="rId16"/>
+    <p:sldId id="256" r:id="rId3"/>
+    <p:sldId id="257" r:id="rId4"/>
+    <p:sldId id="261" r:id="rId6"/>
+    <p:sldId id="306" r:id="rId7"/>
+    <p:sldId id="265" r:id="rId8"/>
+    <p:sldId id="294" r:id="rId9"/>
+    <p:sldId id="308" r:id="rId10"/>
+    <p:sldId id="286" r:id="rId11"/>
+    <p:sldId id="289" r:id="rId12"/>
+    <p:sldId id="292" r:id="rId13"/>
+    <p:sldId id="287" r:id="rId14"/>
+    <p:sldId id="290" r:id="rId15"/>
+    <p:sldId id="295" r:id="rId16"/>
+    <p:sldId id="297" r:id="rId17"/>
+    <p:sldId id="296" r:id="rId18"/>
+    <p:sldId id="288" r:id="rId19"/>
+    <p:sldId id="291" r:id="rId20"/>
   </p:sldIdLst>
   <p:sldSz cx="12192000" cy="6858000"/>
   <p:notesSz cx="6858000" cy="9144000"/>
@@ -121,22 +123,6 @@
       </a:defRPr>
     </a:lvl9pPr>
   </p:defaultTextStyle>
-  <p:extLst>
-    <p:ext uri="{EFAFB233-063F-42B5-8137-9DF3F51BA10A}">
-      <p15:sldGuideLst xmlns:p15="http://schemas.microsoft.com/office/powerpoint/2012/main">
-        <p15:guide id="1" orient="horz" pos="2160">
-          <p15:clr>
-            <a:srgbClr val="A4A3A4"/>
-          </p15:clr>
-        </p15:guide>
-        <p15:guide id="2" pos="3840">
-          <p15:clr>
-            <a:srgbClr val="A4A3A4"/>
-          </p15:clr>
-        </p15:guide>
-      </p15:sldGuideLst>
-    </p:ext>
-  </p:extLst>
 </p:presentation>
 </file>
 
@@ -222,7 +208,6 @@
           <a:p>
             <a:fld id="{3D37EDBB-4C7E-458C-8081-732E81F2C989}" type="datetimeFigureOut">
               <a:rPr lang="zh-CN" altLang="en-US" smtClean="0"/>
-              <a:t>2020/10/26</a:t>
             </a:fld>
             <a:endParaRPr lang="zh-CN" altLang="en-US"/>
           </a:p>
@@ -289,6 +274,7 @@
               <a:rPr lang="zh-CN" altLang="en-US"/>
               <a:t>单击此处编辑母版文本样式</a:t>
             </a:r>
+            <a:endParaRPr lang="zh-CN" altLang="en-US"/>
           </a:p>
           <a:p>
             <a:pPr lvl="1"/>
@@ -296,6 +282,7 @@
               <a:rPr lang="zh-CN" altLang="en-US"/>
               <a:t>二级</a:t>
             </a:r>
+            <a:endParaRPr lang="zh-CN" altLang="en-US"/>
           </a:p>
           <a:p>
             <a:pPr lvl="2"/>
@@ -303,6 +290,7 @@
               <a:rPr lang="zh-CN" altLang="en-US"/>
               <a:t>三级</a:t>
             </a:r>
+            <a:endParaRPr lang="zh-CN" altLang="en-US"/>
           </a:p>
           <a:p>
             <a:pPr lvl="3"/>
@@ -310,6 +298,7 @@
               <a:rPr lang="zh-CN" altLang="en-US"/>
               <a:t>四级</a:t>
             </a:r>
+            <a:endParaRPr lang="zh-CN" altLang="en-US"/>
           </a:p>
           <a:p>
             <a:pPr lvl="4"/>
@@ -317,6 +306,7 @@
               <a:rPr lang="zh-CN" altLang="en-US"/>
               <a:t>五级</a:t>
             </a:r>
+            <a:endParaRPr lang="zh-CN" altLang="en-US"/>
           </a:p>
         </p:txBody>
       </p:sp>
@@ -380,18 +370,12 @@
           <a:p>
             <a:fld id="{0F864D19-9D93-47A8-8EC6-5175BEEC192E}" type="slidenum">
               <a:rPr lang="zh-CN" altLang="en-US" smtClean="0"/>
-              <a:t>‹#›</a:t>
             </a:fld>
             <a:endParaRPr lang="zh-CN" altLang="en-US"/>
           </a:p>
         </p:txBody>
       </p:sp>
     </p:spTree>
-    <p:extLst>
-      <p:ext uri="{BB962C8B-B14F-4D97-AF65-F5344CB8AC3E}">
-        <p14:creationId xmlns:p14="http://schemas.microsoft.com/office/powerpoint/2010/main" val="4065225191"/>
-      </p:ext>
-    </p:extLst>
   </p:cSld>
   <p:clrMap bg1="lt1" tx1="dk1" bg2="lt2" tx2="dk2" accent1="accent1" accent2="accent2" accent3="accent3" accent4="accent4" accent5="accent5" accent6="accent6" hlink="hlink" folHlink="folHlink"/>
   <p:notesStyle>
@@ -554,18 +538,12 @@
           <a:p>
             <a:fld id="{0F864D19-9D93-47A8-8EC6-5175BEEC192E}" type="slidenum">
               <a:rPr lang="zh-CN" altLang="en-US" smtClean="0"/>
-              <a:t>2</a:t>
             </a:fld>
             <a:endParaRPr lang="zh-CN" altLang="en-US"/>
           </a:p>
         </p:txBody>
       </p:sp>
     </p:spTree>
-    <p:extLst>
-      <p:ext uri="{BB962C8B-B14F-4D97-AF65-F5344CB8AC3E}">
-        <p14:creationId xmlns:p14="http://schemas.microsoft.com/office/powerpoint/2010/main" val="2051857224"/>
-      </p:ext>
-    </p:extLst>
   </p:cSld>
   <p:clrMapOvr>
     <a:masterClrMapping/>
@@ -638,18 +616,90 @@
           <a:p>
             <a:fld id="{0F864D19-9D93-47A8-8EC6-5175BEEC192E}" type="slidenum">
               <a:rPr lang="zh-CN" altLang="en-US" smtClean="0"/>
-              <a:t>15</a:t>
             </a:fld>
             <a:endParaRPr lang="zh-CN" altLang="en-US"/>
           </a:p>
         </p:txBody>
       </p:sp>
     </p:spTree>
-    <p:extLst>
-      <p:ext uri="{BB962C8B-B14F-4D97-AF65-F5344CB8AC3E}">
-        <p14:creationId xmlns:p14="http://schemas.microsoft.com/office/powerpoint/2010/main" val="2606891737"/>
-      </p:ext>
-    </p:extLst>
+  </p:cSld>
+  <p:clrMapOvr>
+    <a:masterClrMapping/>
+  </p:clrMapOvr>
+</p:notes>
+</file>
+
+<file path=ppt/notesSlides/notesSlide11.xml><?xml version="1.0" encoding="utf-8"?>
+<p:notes xmlns:a="http://schemas.openxmlformats.org/drawingml/2006/main" xmlns:r="http://schemas.openxmlformats.org/officeDocument/2006/relationships" xmlns:p="http://schemas.openxmlformats.org/presentationml/2006/main">
+  <p:cSld>
+    <p:spTree>
+      <p:nvGrpSpPr>
+        <p:cNvPr id="1" name=""/>
+        <p:cNvGrpSpPr/>
+        <p:nvPr/>
+      </p:nvGrpSpPr>
+      <p:grpSpPr>
+        <a:xfrm>
+          <a:off x="0" y="0"/>
+          <a:ext cx="0" cy="0"/>
+          <a:chOff x="0" y="0"/>
+          <a:chExt cx="0" cy="0"/>
+        </a:xfrm>
+      </p:grpSpPr>
+      <p:sp>
+        <p:nvSpPr>
+          <p:cNvPr id="2" name="幻灯片图像占位符 1"/>
+          <p:cNvSpPr>
+            <a:spLocks noGrp="1" noRot="1" noChangeAspect="1"/>
+          </p:cNvSpPr>
+          <p:nvPr>
+            <p:ph type="sldImg"/>
+          </p:nvPr>
+        </p:nvSpPr>
+        <p:spPr/>
+      </p:sp>
+      <p:sp>
+        <p:nvSpPr>
+          <p:cNvPr id="3" name="备注占位符 2"/>
+          <p:cNvSpPr>
+            <a:spLocks noGrp="1"/>
+          </p:cNvSpPr>
+          <p:nvPr>
+            <p:ph type="body" idx="1"/>
+          </p:nvPr>
+        </p:nvSpPr>
+        <p:spPr/>
+        <p:txBody>
+          <a:bodyPr/>
+          <a:lstStyle/>
+          <a:p>
+            <a:endParaRPr lang="zh-CN" altLang="en-US" dirty="0"/>
+          </a:p>
+        </p:txBody>
+      </p:sp>
+      <p:sp>
+        <p:nvSpPr>
+          <p:cNvPr id="4" name="灯片编号占位符 3"/>
+          <p:cNvSpPr>
+            <a:spLocks noGrp="1"/>
+          </p:cNvSpPr>
+          <p:nvPr>
+            <p:ph type="sldNum" sz="quarter" idx="5"/>
+          </p:nvPr>
+        </p:nvSpPr>
+        <p:spPr/>
+        <p:txBody>
+          <a:bodyPr/>
+          <a:lstStyle/>
+          <a:p>
+            <a:fld id="{0F864D19-9D93-47A8-8EC6-5175BEEC192E}" type="slidenum">
+              <a:rPr lang="zh-CN" altLang="en-US" smtClean="0"/>
+            </a:fld>
+            <a:endParaRPr lang="zh-CN" altLang="en-US"/>
+          </a:p>
+        </p:txBody>
+      </p:sp>
+    </p:spTree>
   </p:cSld>
   <p:clrMapOvr>
     <a:masterClrMapping/>
@@ -722,18 +772,12 @@
           <a:p>
             <a:fld id="{0F864D19-9D93-47A8-8EC6-5175BEEC192E}" type="slidenum">
               <a:rPr lang="zh-CN" altLang="en-US" smtClean="0"/>
-              <a:t>4</a:t>
             </a:fld>
             <a:endParaRPr lang="zh-CN" altLang="en-US"/>
           </a:p>
         </p:txBody>
       </p:sp>
     </p:spTree>
-    <p:extLst>
-      <p:ext uri="{BB962C8B-B14F-4D97-AF65-F5344CB8AC3E}">
-        <p14:creationId xmlns:p14="http://schemas.microsoft.com/office/powerpoint/2010/main" val="262444909"/>
-      </p:ext>
-    </p:extLst>
   </p:cSld>
   <p:clrMapOvr>
     <a:masterClrMapping/>
@@ -806,18 +850,12 @@
           <a:p>
             <a:fld id="{0F864D19-9D93-47A8-8EC6-5175BEEC192E}" type="slidenum">
               <a:rPr lang="zh-CN" altLang="en-US" smtClean="0"/>
-              <a:t>5</a:t>
             </a:fld>
             <a:endParaRPr lang="zh-CN" altLang="en-US"/>
           </a:p>
         </p:txBody>
       </p:sp>
     </p:spTree>
-    <p:extLst>
-      <p:ext uri="{BB962C8B-B14F-4D97-AF65-F5344CB8AC3E}">
-        <p14:creationId xmlns:p14="http://schemas.microsoft.com/office/powerpoint/2010/main" val="1808688762"/>
-      </p:ext>
-    </p:extLst>
   </p:cSld>
   <p:clrMapOvr>
     <a:masterClrMapping/>
@@ -890,18 +928,12 @@
           <a:p>
             <a:fld id="{0F864D19-9D93-47A8-8EC6-5175BEEC192E}" type="slidenum">
               <a:rPr lang="zh-CN" altLang="en-US" smtClean="0"/>
-              <a:t>7</a:t>
             </a:fld>
             <a:endParaRPr lang="zh-CN" altLang="en-US"/>
           </a:p>
         </p:txBody>
       </p:sp>
     </p:spTree>
-    <p:extLst>
-      <p:ext uri="{BB962C8B-B14F-4D97-AF65-F5344CB8AC3E}">
-        <p14:creationId xmlns:p14="http://schemas.microsoft.com/office/powerpoint/2010/main" val="829594901"/>
-      </p:ext>
-    </p:extLst>
   </p:cSld>
   <p:clrMapOvr>
     <a:masterClrMapping/>
@@ -974,18 +1006,12 @@
           <a:p>
             <a:fld id="{0F864D19-9D93-47A8-8EC6-5175BEEC192E}" type="slidenum">
               <a:rPr lang="zh-CN" altLang="en-US" smtClean="0"/>
-              <a:t>8</a:t>
             </a:fld>
             <a:endParaRPr lang="zh-CN" altLang="en-US"/>
           </a:p>
         </p:txBody>
       </p:sp>
     </p:spTree>
-    <p:extLst>
-      <p:ext uri="{BB962C8B-B14F-4D97-AF65-F5344CB8AC3E}">
-        <p14:creationId xmlns:p14="http://schemas.microsoft.com/office/powerpoint/2010/main" val="1833956680"/>
-      </p:ext>
-    </p:extLst>
   </p:cSld>
   <p:clrMapOvr>
     <a:masterClrMapping/>
@@ -1058,18 +1084,12 @@
           <a:p>
             <a:fld id="{0F864D19-9D93-47A8-8EC6-5175BEEC192E}" type="slidenum">
               <a:rPr lang="zh-CN" altLang="en-US" smtClean="0"/>
-              <a:t>10</a:t>
             </a:fld>
             <a:endParaRPr lang="zh-CN" altLang="en-US"/>
           </a:p>
         </p:txBody>
       </p:sp>
     </p:spTree>
-    <p:extLst>
-      <p:ext uri="{BB962C8B-B14F-4D97-AF65-F5344CB8AC3E}">
-        <p14:creationId xmlns:p14="http://schemas.microsoft.com/office/powerpoint/2010/main" val="985484385"/>
-      </p:ext>
-    </p:extLst>
   </p:cSld>
   <p:clrMapOvr>
     <a:masterClrMapping/>
@@ -1142,18 +1162,12 @@
           <a:p>
             <a:fld id="{0F864D19-9D93-47A8-8EC6-5175BEEC192E}" type="slidenum">
               <a:rPr lang="zh-CN" altLang="en-US" smtClean="0"/>
-              <a:t>11</a:t>
             </a:fld>
             <a:endParaRPr lang="zh-CN" altLang="en-US"/>
           </a:p>
         </p:txBody>
       </p:sp>
     </p:spTree>
-    <p:extLst>
-      <p:ext uri="{BB962C8B-B14F-4D97-AF65-F5344CB8AC3E}">
-        <p14:creationId xmlns:p14="http://schemas.microsoft.com/office/powerpoint/2010/main" val="4033015142"/>
-      </p:ext>
-    </p:extLst>
   </p:cSld>
   <p:clrMapOvr>
     <a:masterClrMapping/>
@@ -1226,18 +1240,12 @@
           <a:p>
             <a:fld id="{0F864D19-9D93-47A8-8EC6-5175BEEC192E}" type="slidenum">
               <a:rPr lang="zh-CN" altLang="en-US" smtClean="0"/>
-              <a:t>12</a:t>
             </a:fld>
             <a:endParaRPr lang="zh-CN" altLang="en-US"/>
           </a:p>
         </p:txBody>
       </p:sp>
     </p:spTree>
-    <p:extLst>
-      <p:ext uri="{BB962C8B-B14F-4D97-AF65-F5344CB8AC3E}">
-        <p14:creationId xmlns:p14="http://schemas.microsoft.com/office/powerpoint/2010/main" val="201779609"/>
-      </p:ext>
-    </p:extLst>
   </p:cSld>
   <p:clrMapOvr>
     <a:masterClrMapping/>
@@ -1310,18 +1318,12 @@
           <a:p>
             <a:fld id="{0F864D19-9D93-47A8-8EC6-5175BEEC192E}" type="slidenum">
               <a:rPr lang="zh-CN" altLang="en-US" smtClean="0"/>
-              <a:t>13</a:t>
             </a:fld>
             <a:endParaRPr lang="zh-CN" altLang="en-US"/>
           </a:p>
         </p:txBody>
       </p:sp>
     </p:spTree>
-    <p:extLst>
-      <p:ext uri="{BB962C8B-B14F-4D97-AF65-F5344CB8AC3E}">
-        <p14:creationId xmlns:p14="http://schemas.microsoft.com/office/powerpoint/2010/main" val="2021575021"/>
-      </p:ext>
-    </p:extLst>
   </p:cSld>
   <p:clrMapOvr>
     <a:masterClrMapping/>
@@ -1374,6 +1376,7 @@
               <a:rPr lang="zh-CN" altLang="en-US"/>
               <a:t>单击此处编辑母版标题样式</a:t>
             </a:r>
+            <a:endParaRPr lang="zh-CN" altLang="en-US"/>
           </a:p>
         </p:txBody>
       </p:sp>
@@ -1438,6 +1441,7 @@
               <a:rPr lang="zh-CN" altLang="en-US"/>
               <a:t>单击此处编辑母版副标题样式</a:t>
             </a:r>
+            <a:endParaRPr lang="zh-CN" altLang="en-US"/>
           </a:p>
         </p:txBody>
       </p:sp>
@@ -1458,7 +1462,6 @@
           <a:p>
             <a:fld id="{A640CAB6-B07E-4BA4-BC4B-DDB8D129D594}" type="datetimeFigureOut">
               <a:rPr lang="zh-CN" altLang="en-US" smtClean="0"/>
-              <a:t>2020/10/26</a:t>
             </a:fld>
             <a:endParaRPr lang="zh-CN" altLang="en-US"/>
           </a:p>
@@ -1500,7 +1503,6 @@
           <a:p>
             <a:fld id="{997B4A21-C178-4EF4-9692-581FD3539F5E}" type="slidenum">
               <a:rPr lang="zh-CN" altLang="en-US" smtClean="0"/>
-              <a:t>‹#›</a:t>
             </a:fld>
             <a:endParaRPr lang="zh-CN" altLang="en-US"/>
           </a:p>
@@ -1550,6 +1552,7 @@
               <a:rPr lang="zh-CN" altLang="en-US"/>
               <a:t>单击此处编辑母版标题样式</a:t>
             </a:r>
+            <a:endParaRPr lang="zh-CN" altLang="en-US"/>
           </a:p>
         </p:txBody>
       </p:sp>
@@ -1573,6 +1576,7 @@
               <a:rPr lang="zh-CN" altLang="en-US"/>
               <a:t>单击此处编辑母版文本样式</a:t>
             </a:r>
+            <a:endParaRPr lang="zh-CN" altLang="en-US"/>
           </a:p>
           <a:p>
             <a:pPr lvl="1"/>
@@ -1580,6 +1584,7 @@
               <a:rPr lang="zh-CN" altLang="en-US"/>
               <a:t>二级</a:t>
             </a:r>
+            <a:endParaRPr lang="zh-CN" altLang="en-US"/>
           </a:p>
           <a:p>
             <a:pPr lvl="2"/>
@@ -1587,6 +1592,7 @@
               <a:rPr lang="zh-CN" altLang="en-US"/>
               <a:t>三级</a:t>
             </a:r>
+            <a:endParaRPr lang="zh-CN" altLang="en-US"/>
           </a:p>
           <a:p>
             <a:pPr lvl="3"/>
@@ -1594,6 +1600,7 @@
               <a:rPr lang="zh-CN" altLang="en-US"/>
               <a:t>四级</a:t>
             </a:r>
+            <a:endParaRPr lang="zh-CN" altLang="en-US"/>
           </a:p>
           <a:p>
             <a:pPr lvl="4"/>
@@ -1601,6 +1608,7 @@
               <a:rPr lang="zh-CN" altLang="en-US"/>
               <a:t>五级</a:t>
             </a:r>
+            <a:endParaRPr lang="zh-CN" altLang="en-US"/>
           </a:p>
         </p:txBody>
       </p:sp>
@@ -1621,7 +1629,6 @@
           <a:p>
             <a:fld id="{A640CAB6-B07E-4BA4-BC4B-DDB8D129D594}" type="datetimeFigureOut">
               <a:rPr lang="zh-CN" altLang="en-US" smtClean="0"/>
-              <a:t>2020/10/26</a:t>
             </a:fld>
             <a:endParaRPr lang="zh-CN" altLang="en-US"/>
           </a:p>
@@ -1663,7 +1670,6 @@
           <a:p>
             <a:fld id="{997B4A21-C178-4EF4-9692-581FD3539F5E}" type="slidenum">
               <a:rPr lang="zh-CN" altLang="en-US" smtClean="0"/>
-              <a:t>‹#›</a:t>
             </a:fld>
             <a:endParaRPr lang="zh-CN" altLang="en-US"/>
           </a:p>
@@ -1718,6 +1724,7 @@
               <a:rPr lang="zh-CN" altLang="en-US"/>
               <a:t>单击此处编辑母版标题样式</a:t>
             </a:r>
+            <a:endParaRPr lang="zh-CN" altLang="en-US"/>
           </a:p>
         </p:txBody>
       </p:sp>
@@ -1746,6 +1753,7 @@
               <a:rPr lang="zh-CN" altLang="en-US"/>
               <a:t>单击此处编辑母版文本样式</a:t>
             </a:r>
+            <a:endParaRPr lang="zh-CN" altLang="en-US"/>
           </a:p>
           <a:p>
             <a:pPr lvl="1"/>
@@ -1753,6 +1761,7 @@
               <a:rPr lang="zh-CN" altLang="en-US"/>
               <a:t>二级</a:t>
             </a:r>
+            <a:endParaRPr lang="zh-CN" altLang="en-US"/>
           </a:p>
           <a:p>
             <a:pPr lvl="2"/>
@@ -1760,6 +1769,7 @@
               <a:rPr lang="zh-CN" altLang="en-US"/>
               <a:t>三级</a:t>
             </a:r>
+            <a:endParaRPr lang="zh-CN" altLang="en-US"/>
           </a:p>
           <a:p>
             <a:pPr lvl="3"/>
@@ -1767,6 +1777,7 @@
               <a:rPr lang="zh-CN" altLang="en-US"/>
               <a:t>四级</a:t>
             </a:r>
+            <a:endParaRPr lang="zh-CN" altLang="en-US"/>
           </a:p>
           <a:p>
             <a:pPr lvl="4"/>
@@ -1774,6 +1785,7 @@
               <a:rPr lang="zh-CN" altLang="en-US"/>
               <a:t>五级</a:t>
             </a:r>
+            <a:endParaRPr lang="zh-CN" altLang="en-US"/>
           </a:p>
         </p:txBody>
       </p:sp>
@@ -1794,7 +1806,6 @@
           <a:p>
             <a:fld id="{A640CAB6-B07E-4BA4-BC4B-DDB8D129D594}" type="datetimeFigureOut">
               <a:rPr lang="zh-CN" altLang="en-US" smtClean="0"/>
-              <a:t>2020/10/26</a:t>
             </a:fld>
             <a:endParaRPr lang="zh-CN" altLang="en-US"/>
           </a:p>
@@ -1836,7 +1847,6 @@
           <a:p>
             <a:fld id="{997B4A21-C178-4EF4-9692-581FD3539F5E}" type="slidenum">
               <a:rPr lang="zh-CN" altLang="en-US" smtClean="0"/>
-              <a:t>‹#›</a:t>
             </a:fld>
             <a:endParaRPr lang="zh-CN" altLang="en-US"/>
           </a:p>
@@ -1886,6 +1896,7 @@
               <a:rPr lang="zh-CN" altLang="en-US"/>
               <a:t>单击此处编辑母版标题样式</a:t>
             </a:r>
+            <a:endParaRPr lang="zh-CN" altLang="en-US"/>
           </a:p>
         </p:txBody>
       </p:sp>
@@ -1909,6 +1920,7 @@
               <a:rPr lang="zh-CN" altLang="en-US"/>
               <a:t>单击此处编辑母版文本样式</a:t>
             </a:r>
+            <a:endParaRPr lang="zh-CN" altLang="en-US"/>
           </a:p>
           <a:p>
             <a:pPr lvl="1"/>
@@ -1916,6 +1928,7 @@
               <a:rPr lang="zh-CN" altLang="en-US"/>
               <a:t>二级</a:t>
             </a:r>
+            <a:endParaRPr lang="zh-CN" altLang="en-US"/>
           </a:p>
           <a:p>
             <a:pPr lvl="2"/>
@@ -1923,6 +1936,7 @@
               <a:rPr lang="zh-CN" altLang="en-US"/>
               <a:t>三级</a:t>
             </a:r>
+            <a:endParaRPr lang="zh-CN" altLang="en-US"/>
           </a:p>
           <a:p>
             <a:pPr lvl="3"/>
@@ -1930,6 +1944,7 @@
               <a:rPr lang="zh-CN" altLang="en-US"/>
               <a:t>四级</a:t>
             </a:r>
+            <a:endParaRPr lang="zh-CN" altLang="en-US"/>
           </a:p>
           <a:p>
             <a:pPr lvl="4"/>
@@ -1937,6 +1952,7 @@
               <a:rPr lang="zh-CN" altLang="en-US"/>
               <a:t>五级</a:t>
             </a:r>
+            <a:endParaRPr lang="zh-CN" altLang="en-US"/>
           </a:p>
         </p:txBody>
       </p:sp>
@@ -1957,7 +1973,6 @@
           <a:p>
             <a:fld id="{A640CAB6-B07E-4BA4-BC4B-DDB8D129D594}" type="datetimeFigureOut">
               <a:rPr lang="zh-CN" altLang="en-US" smtClean="0"/>
-              <a:t>2020/10/26</a:t>
             </a:fld>
             <a:endParaRPr lang="zh-CN" altLang="en-US"/>
           </a:p>
@@ -1999,7 +2014,6 @@
           <a:p>
             <a:fld id="{997B4A21-C178-4EF4-9692-581FD3539F5E}" type="slidenum">
               <a:rPr lang="zh-CN" altLang="en-US" smtClean="0"/>
-              <a:t>‹#›</a:t>
             </a:fld>
             <a:endParaRPr lang="zh-CN" altLang="en-US"/>
           </a:p>
@@ -2058,6 +2072,7 @@
               <a:rPr lang="zh-CN" altLang="en-US"/>
               <a:t>单击此处编辑母版标题样式</a:t>
             </a:r>
+            <a:endParaRPr lang="zh-CN" altLang="en-US"/>
           </a:p>
         </p:txBody>
       </p:sp>
@@ -2177,6 +2192,7 @@
               <a:rPr lang="zh-CN" altLang="en-US"/>
               <a:t>单击此处编辑母版文本样式</a:t>
             </a:r>
+            <a:endParaRPr lang="zh-CN" altLang="en-US"/>
           </a:p>
         </p:txBody>
       </p:sp>
@@ -2197,7 +2213,6 @@
           <a:p>
             <a:fld id="{A640CAB6-B07E-4BA4-BC4B-DDB8D129D594}" type="datetimeFigureOut">
               <a:rPr lang="zh-CN" altLang="en-US" smtClean="0"/>
-              <a:t>2020/10/26</a:t>
             </a:fld>
             <a:endParaRPr lang="zh-CN" altLang="en-US"/>
           </a:p>
@@ -2239,7 +2254,6 @@
           <a:p>
             <a:fld id="{997B4A21-C178-4EF4-9692-581FD3539F5E}" type="slidenum">
               <a:rPr lang="zh-CN" altLang="en-US" smtClean="0"/>
-              <a:t>‹#›</a:t>
             </a:fld>
             <a:endParaRPr lang="zh-CN" altLang="en-US"/>
           </a:p>
@@ -2289,6 +2303,7 @@
               <a:rPr lang="zh-CN" altLang="en-US"/>
               <a:t>单击此处编辑母版标题样式</a:t>
             </a:r>
+            <a:endParaRPr lang="zh-CN" altLang="en-US"/>
           </a:p>
         </p:txBody>
       </p:sp>
@@ -2317,6 +2332,7 @@
               <a:rPr lang="zh-CN" altLang="en-US"/>
               <a:t>单击此处编辑母版文本样式</a:t>
             </a:r>
+            <a:endParaRPr lang="zh-CN" altLang="en-US"/>
           </a:p>
           <a:p>
             <a:pPr lvl="1"/>
@@ -2324,6 +2340,7 @@
               <a:rPr lang="zh-CN" altLang="en-US"/>
               <a:t>二级</a:t>
             </a:r>
+            <a:endParaRPr lang="zh-CN" altLang="en-US"/>
           </a:p>
           <a:p>
             <a:pPr lvl="2"/>
@@ -2331,6 +2348,7 @@
               <a:rPr lang="zh-CN" altLang="en-US"/>
               <a:t>三级</a:t>
             </a:r>
+            <a:endParaRPr lang="zh-CN" altLang="en-US"/>
           </a:p>
           <a:p>
             <a:pPr lvl="3"/>
@@ -2338,6 +2356,7 @@
               <a:rPr lang="zh-CN" altLang="en-US"/>
               <a:t>四级</a:t>
             </a:r>
+            <a:endParaRPr lang="zh-CN" altLang="en-US"/>
           </a:p>
           <a:p>
             <a:pPr lvl="4"/>
@@ -2345,6 +2364,7 @@
               <a:rPr lang="zh-CN" altLang="en-US"/>
               <a:t>五级</a:t>
             </a:r>
+            <a:endParaRPr lang="zh-CN" altLang="en-US"/>
           </a:p>
         </p:txBody>
       </p:sp>
@@ -2373,6 +2393,7 @@
               <a:rPr lang="zh-CN" altLang="en-US"/>
               <a:t>单击此处编辑母版文本样式</a:t>
             </a:r>
+            <a:endParaRPr lang="zh-CN" altLang="en-US"/>
           </a:p>
           <a:p>
             <a:pPr lvl="1"/>
@@ -2380,6 +2401,7 @@
               <a:rPr lang="zh-CN" altLang="en-US"/>
               <a:t>二级</a:t>
             </a:r>
+            <a:endParaRPr lang="zh-CN" altLang="en-US"/>
           </a:p>
           <a:p>
             <a:pPr lvl="2"/>
@@ -2387,6 +2409,7 @@
               <a:rPr lang="zh-CN" altLang="en-US"/>
               <a:t>三级</a:t>
             </a:r>
+            <a:endParaRPr lang="zh-CN" altLang="en-US"/>
           </a:p>
           <a:p>
             <a:pPr lvl="3"/>
@@ -2394,6 +2417,7 @@
               <a:rPr lang="zh-CN" altLang="en-US"/>
               <a:t>四级</a:t>
             </a:r>
+            <a:endParaRPr lang="zh-CN" altLang="en-US"/>
           </a:p>
           <a:p>
             <a:pPr lvl="4"/>
@@ -2401,6 +2425,7 @@
               <a:rPr lang="zh-CN" altLang="en-US"/>
               <a:t>五级</a:t>
             </a:r>
+            <a:endParaRPr lang="zh-CN" altLang="en-US"/>
           </a:p>
         </p:txBody>
       </p:sp>
@@ -2421,7 +2446,6 @@
           <a:p>
             <a:fld id="{A640CAB6-B07E-4BA4-BC4B-DDB8D129D594}" type="datetimeFigureOut">
               <a:rPr lang="zh-CN" altLang="en-US" smtClean="0"/>
-              <a:t>2020/10/26</a:t>
             </a:fld>
             <a:endParaRPr lang="zh-CN" altLang="en-US"/>
           </a:p>
@@ -2463,7 +2487,6 @@
           <a:p>
             <a:fld id="{997B4A21-C178-4EF4-9692-581FD3539F5E}" type="slidenum">
               <a:rPr lang="zh-CN" altLang="en-US" smtClean="0"/>
-              <a:t>‹#›</a:t>
             </a:fld>
             <a:endParaRPr lang="zh-CN" altLang="en-US"/>
           </a:p>
@@ -2518,6 +2541,7 @@
               <a:rPr lang="zh-CN" altLang="en-US"/>
               <a:t>单击此处编辑母版标题样式</a:t>
             </a:r>
+            <a:endParaRPr lang="zh-CN" altLang="en-US"/>
           </a:p>
         </p:txBody>
       </p:sp>
@@ -2583,6 +2607,7 @@
               <a:rPr lang="zh-CN" altLang="en-US"/>
               <a:t>单击此处编辑母版文本样式</a:t>
             </a:r>
+            <a:endParaRPr lang="zh-CN" altLang="en-US"/>
           </a:p>
         </p:txBody>
       </p:sp>
@@ -2611,6 +2636,7 @@
               <a:rPr lang="zh-CN" altLang="en-US"/>
               <a:t>单击此处编辑母版文本样式</a:t>
             </a:r>
+            <a:endParaRPr lang="zh-CN" altLang="en-US"/>
           </a:p>
           <a:p>
             <a:pPr lvl="1"/>
@@ -2618,6 +2644,7 @@
               <a:rPr lang="zh-CN" altLang="en-US"/>
               <a:t>二级</a:t>
             </a:r>
+            <a:endParaRPr lang="zh-CN" altLang="en-US"/>
           </a:p>
           <a:p>
             <a:pPr lvl="2"/>
@@ -2625,6 +2652,7 @@
               <a:rPr lang="zh-CN" altLang="en-US"/>
               <a:t>三级</a:t>
             </a:r>
+            <a:endParaRPr lang="zh-CN" altLang="en-US"/>
           </a:p>
           <a:p>
             <a:pPr lvl="3"/>
@@ -2632,6 +2660,7 @@
               <a:rPr lang="zh-CN" altLang="en-US"/>
               <a:t>四级</a:t>
             </a:r>
+            <a:endParaRPr lang="zh-CN" altLang="en-US"/>
           </a:p>
           <a:p>
             <a:pPr lvl="4"/>
@@ -2639,6 +2668,7 @@
               <a:rPr lang="zh-CN" altLang="en-US"/>
               <a:t>五级</a:t>
             </a:r>
+            <a:endParaRPr lang="zh-CN" altLang="en-US"/>
           </a:p>
         </p:txBody>
       </p:sp>
@@ -2704,6 +2734,7 @@
               <a:rPr lang="zh-CN" altLang="en-US"/>
               <a:t>单击此处编辑母版文本样式</a:t>
             </a:r>
+            <a:endParaRPr lang="zh-CN" altLang="en-US"/>
           </a:p>
         </p:txBody>
       </p:sp>
@@ -2732,6 +2763,7 @@
               <a:rPr lang="zh-CN" altLang="en-US"/>
               <a:t>单击此处编辑母版文本样式</a:t>
             </a:r>
+            <a:endParaRPr lang="zh-CN" altLang="en-US"/>
           </a:p>
           <a:p>
             <a:pPr lvl="1"/>
@@ -2739,6 +2771,7 @@
               <a:rPr lang="zh-CN" altLang="en-US"/>
               <a:t>二级</a:t>
             </a:r>
+            <a:endParaRPr lang="zh-CN" altLang="en-US"/>
           </a:p>
           <a:p>
             <a:pPr lvl="2"/>
@@ -2746,6 +2779,7 @@
               <a:rPr lang="zh-CN" altLang="en-US"/>
               <a:t>三级</a:t>
             </a:r>
+            <a:endParaRPr lang="zh-CN" altLang="en-US"/>
           </a:p>
           <a:p>
             <a:pPr lvl="3"/>
@@ -2753,6 +2787,7 @@
               <a:rPr lang="zh-CN" altLang="en-US"/>
               <a:t>四级</a:t>
             </a:r>
+            <a:endParaRPr lang="zh-CN" altLang="en-US"/>
           </a:p>
           <a:p>
             <a:pPr lvl="4"/>
@@ -2760,6 +2795,7 @@
               <a:rPr lang="zh-CN" altLang="en-US"/>
               <a:t>五级</a:t>
             </a:r>
+            <a:endParaRPr lang="zh-CN" altLang="en-US"/>
           </a:p>
         </p:txBody>
       </p:sp>
@@ -2780,7 +2816,6 @@
           <a:p>
             <a:fld id="{A640CAB6-B07E-4BA4-BC4B-DDB8D129D594}" type="datetimeFigureOut">
               <a:rPr lang="zh-CN" altLang="en-US" smtClean="0"/>
-              <a:t>2020/10/26</a:t>
             </a:fld>
             <a:endParaRPr lang="zh-CN" altLang="en-US"/>
           </a:p>
@@ -2822,7 +2857,6 @@
           <a:p>
             <a:fld id="{997B4A21-C178-4EF4-9692-581FD3539F5E}" type="slidenum">
               <a:rPr lang="zh-CN" altLang="en-US" smtClean="0"/>
-              <a:t>‹#›</a:t>
             </a:fld>
             <a:endParaRPr lang="zh-CN" altLang="en-US"/>
           </a:p>
@@ -2854,8 +2888,8 @@
                 <a:solidFill>
                   <a:prstClr val="white"/>
                 </a:solidFill>
-                <a:latin typeface="Calibri"/>
-                <a:ea typeface="宋体"/>
+                <a:latin typeface="Calibri" panose="020F0502020204030204"/>
+                <a:ea typeface="宋体" panose="02010600030101010101" pitchFamily="2" charset="-122"/>
               </a:rPr>
               <a:t>PPT</a:t>
             </a:r>
@@ -2864,8 +2898,8 @@
                 <a:solidFill>
                   <a:prstClr val="white"/>
                 </a:solidFill>
-                <a:latin typeface="Calibri"/>
-                <a:ea typeface="宋体"/>
+                <a:latin typeface="Calibri" panose="020F0502020204030204"/>
+                <a:ea typeface="宋体" panose="02010600030101010101" pitchFamily="2" charset="-122"/>
               </a:rPr>
               <a:t>模板下载：</a:t>
             </a:r>
@@ -2874,8 +2908,8 @@
                 <a:solidFill>
                   <a:prstClr val="white"/>
                 </a:solidFill>
-                <a:latin typeface="Calibri"/>
-                <a:ea typeface="宋体"/>
+                <a:latin typeface="Calibri" panose="020F0502020204030204"/>
+                <a:ea typeface="宋体" panose="02010600030101010101" pitchFamily="2" charset="-122"/>
               </a:rPr>
               <a:t>www.1ppt.com/moban/          </a:t>
             </a:r>
@@ -2884,8 +2918,8 @@
                 <a:solidFill>
                   <a:prstClr val="white"/>
                 </a:solidFill>
-                <a:latin typeface="Calibri"/>
-                <a:ea typeface="宋体"/>
+                <a:latin typeface="Calibri" panose="020F0502020204030204"/>
+                <a:ea typeface="宋体" panose="02010600030101010101" pitchFamily="2" charset="-122"/>
               </a:rPr>
               <a:t>行业</a:t>
             </a:r>
@@ -2894,8 +2928,8 @@
                 <a:solidFill>
                   <a:prstClr val="white"/>
                 </a:solidFill>
-                <a:latin typeface="Calibri"/>
-                <a:ea typeface="宋体"/>
+                <a:latin typeface="Calibri" panose="020F0502020204030204"/>
+                <a:ea typeface="宋体" panose="02010600030101010101" pitchFamily="2" charset="-122"/>
               </a:rPr>
               <a:t>PPT</a:t>
             </a:r>
@@ -2904,8 +2938,8 @@
                 <a:solidFill>
                   <a:prstClr val="white"/>
                 </a:solidFill>
-                <a:latin typeface="Calibri"/>
-                <a:ea typeface="宋体"/>
+                <a:latin typeface="Calibri" panose="020F0502020204030204"/>
+                <a:ea typeface="宋体" panose="02010600030101010101" pitchFamily="2" charset="-122"/>
               </a:rPr>
               <a:t>模板：</a:t>
             </a:r>
@@ -2914,11 +2948,18 @@
                 <a:solidFill>
                   <a:prstClr val="white"/>
                 </a:solidFill>
-                <a:latin typeface="Calibri"/>
-                <a:ea typeface="宋体"/>
+                <a:latin typeface="Calibri" panose="020F0502020204030204"/>
+                <a:ea typeface="宋体" panose="02010600030101010101" pitchFamily="2" charset="-122"/>
               </a:rPr>
               <a:t>www.1ppt.com/hangye/ </a:t>
             </a:r>
+            <a:endParaRPr lang="en-US" altLang="zh-CN" sz="100" dirty="0">
+              <a:solidFill>
+                <a:prstClr val="white"/>
+              </a:solidFill>
+              <a:latin typeface="Calibri" panose="020F0502020204030204"/>
+              <a:ea typeface="宋体" panose="02010600030101010101" pitchFamily="2" charset="-122"/>
+            </a:endParaRPr>
           </a:p>
           <a:p>
             <a:r>
@@ -2926,8 +2967,8 @@
                 <a:solidFill>
                   <a:prstClr val="white"/>
                 </a:solidFill>
-                <a:latin typeface="Calibri"/>
-                <a:ea typeface="宋体"/>
+                <a:latin typeface="Calibri" panose="020F0502020204030204"/>
+                <a:ea typeface="宋体" panose="02010600030101010101" pitchFamily="2" charset="-122"/>
               </a:rPr>
               <a:t>节日</a:t>
             </a:r>
@@ -2936,8 +2977,8 @@
                 <a:solidFill>
                   <a:prstClr val="white"/>
                 </a:solidFill>
-                <a:latin typeface="Calibri"/>
-                <a:ea typeface="宋体"/>
+                <a:latin typeface="Calibri" panose="020F0502020204030204"/>
+                <a:ea typeface="宋体" panose="02010600030101010101" pitchFamily="2" charset="-122"/>
               </a:rPr>
               <a:t>PPT</a:t>
             </a:r>
@@ -2946,8 +2987,8 @@
                 <a:solidFill>
                   <a:prstClr val="white"/>
                 </a:solidFill>
-                <a:latin typeface="Calibri"/>
-                <a:ea typeface="宋体"/>
+                <a:latin typeface="Calibri" panose="020F0502020204030204"/>
+                <a:ea typeface="宋体" panose="02010600030101010101" pitchFamily="2" charset="-122"/>
               </a:rPr>
               <a:t>模板：</a:t>
             </a:r>
@@ -2956,8 +2997,8 @@
                 <a:solidFill>
                   <a:prstClr val="white"/>
                 </a:solidFill>
-                <a:latin typeface="Calibri"/>
-                <a:ea typeface="宋体"/>
+                <a:latin typeface="Calibri" panose="020F0502020204030204"/>
+                <a:ea typeface="宋体" panose="02010600030101010101" pitchFamily="2" charset="-122"/>
               </a:rPr>
               <a:t>www.1ppt.com/jieri/          PPT</a:t>
             </a:r>
@@ -2966,8 +3007,8 @@
                 <a:solidFill>
                   <a:prstClr val="white"/>
                 </a:solidFill>
-                <a:latin typeface="Calibri"/>
-                <a:ea typeface="宋体"/>
+                <a:latin typeface="Calibri" panose="020F0502020204030204"/>
+                <a:ea typeface="宋体" panose="02010600030101010101" pitchFamily="2" charset="-122"/>
               </a:rPr>
               <a:t>素材：</a:t>
             </a:r>
@@ -2976,11 +3017,18 @@
                 <a:solidFill>
                   <a:prstClr val="white"/>
                 </a:solidFill>
-                <a:latin typeface="Calibri"/>
-                <a:ea typeface="宋体"/>
+                <a:latin typeface="Calibri" panose="020F0502020204030204"/>
+                <a:ea typeface="宋体" panose="02010600030101010101" pitchFamily="2" charset="-122"/>
               </a:rPr>
               <a:t>www.1ppt.com/sucai/</a:t>
             </a:r>
+            <a:endParaRPr lang="en-US" altLang="zh-CN" sz="100" dirty="0">
+              <a:solidFill>
+                <a:prstClr val="white"/>
+              </a:solidFill>
+              <a:latin typeface="Calibri" panose="020F0502020204030204"/>
+              <a:ea typeface="宋体" panose="02010600030101010101" pitchFamily="2" charset="-122"/>
+            </a:endParaRPr>
           </a:p>
           <a:p>
             <a:r>
@@ -2988,8 +3036,8 @@
                 <a:solidFill>
                   <a:prstClr val="white"/>
                 </a:solidFill>
-                <a:latin typeface="Calibri"/>
-                <a:ea typeface="宋体"/>
+                <a:latin typeface="Calibri" panose="020F0502020204030204"/>
+                <a:ea typeface="宋体" panose="02010600030101010101" pitchFamily="2" charset="-122"/>
               </a:rPr>
               <a:t>PPT</a:t>
             </a:r>
@@ -2998,8 +3046,8 @@
                 <a:solidFill>
                   <a:prstClr val="white"/>
                 </a:solidFill>
-                <a:latin typeface="Calibri"/>
-                <a:ea typeface="宋体"/>
+                <a:latin typeface="Calibri" panose="020F0502020204030204"/>
+                <a:ea typeface="宋体" panose="02010600030101010101" pitchFamily="2" charset="-122"/>
               </a:rPr>
               <a:t>背景图片：</a:t>
             </a:r>
@@ -3008,8 +3056,8 @@
                 <a:solidFill>
                   <a:prstClr val="white"/>
                 </a:solidFill>
-                <a:latin typeface="Calibri"/>
-                <a:ea typeface="宋体"/>
+                <a:latin typeface="Calibri" panose="020F0502020204030204"/>
+                <a:ea typeface="宋体" panose="02010600030101010101" pitchFamily="2" charset="-122"/>
               </a:rPr>
               <a:t>www.1ppt.com/beijing/        PPT</a:t>
             </a:r>
@@ -3018,8 +3066,8 @@
                 <a:solidFill>
                   <a:prstClr val="white"/>
                 </a:solidFill>
-                <a:latin typeface="Calibri"/>
-                <a:ea typeface="宋体"/>
+                <a:latin typeface="Calibri" panose="020F0502020204030204"/>
+                <a:ea typeface="宋体" panose="02010600030101010101" pitchFamily="2" charset="-122"/>
               </a:rPr>
               <a:t>图表：</a:t>
             </a:r>
@@ -3028,11 +3076,18 @@
                 <a:solidFill>
                   <a:prstClr val="white"/>
                 </a:solidFill>
-                <a:latin typeface="Calibri"/>
-                <a:ea typeface="宋体"/>
+                <a:latin typeface="Calibri" panose="020F0502020204030204"/>
+                <a:ea typeface="宋体" panose="02010600030101010101" pitchFamily="2" charset="-122"/>
               </a:rPr>
               <a:t>www.1ppt.com/tubiao/      </a:t>
             </a:r>
+            <a:endParaRPr lang="en-US" altLang="zh-CN" sz="100" dirty="0">
+              <a:solidFill>
+                <a:prstClr val="white"/>
+              </a:solidFill>
+              <a:latin typeface="Calibri" panose="020F0502020204030204"/>
+              <a:ea typeface="宋体" panose="02010600030101010101" pitchFamily="2" charset="-122"/>
+            </a:endParaRPr>
           </a:p>
           <a:p>
             <a:r>
@@ -3040,8 +3095,8 @@
                 <a:solidFill>
                   <a:prstClr val="white"/>
                 </a:solidFill>
-                <a:latin typeface="Calibri"/>
-                <a:ea typeface="宋体"/>
+                <a:latin typeface="Calibri" panose="020F0502020204030204"/>
+                <a:ea typeface="宋体" panose="02010600030101010101" pitchFamily="2" charset="-122"/>
               </a:rPr>
               <a:t>精美</a:t>
             </a:r>
@@ -3050,8 +3105,8 @@
                 <a:solidFill>
                   <a:prstClr val="white"/>
                 </a:solidFill>
-                <a:latin typeface="Calibri"/>
-                <a:ea typeface="宋体"/>
+                <a:latin typeface="Calibri" panose="020F0502020204030204"/>
+                <a:ea typeface="宋体" panose="02010600030101010101" pitchFamily="2" charset="-122"/>
               </a:rPr>
               <a:t>PPT</a:t>
             </a:r>
@@ -3060,8 +3115,8 @@
                 <a:solidFill>
                   <a:prstClr val="white"/>
                 </a:solidFill>
-                <a:latin typeface="Calibri"/>
-                <a:ea typeface="宋体"/>
+                <a:latin typeface="Calibri" panose="020F0502020204030204"/>
+                <a:ea typeface="宋体" panose="02010600030101010101" pitchFamily="2" charset="-122"/>
               </a:rPr>
               <a:t>下载：</a:t>
             </a:r>
@@ -3070,8 +3125,8 @@
                 <a:solidFill>
                   <a:prstClr val="white"/>
                 </a:solidFill>
-                <a:latin typeface="Calibri"/>
-                <a:ea typeface="宋体"/>
+                <a:latin typeface="Calibri" panose="020F0502020204030204"/>
+                <a:ea typeface="宋体" panose="02010600030101010101" pitchFamily="2" charset="-122"/>
               </a:rPr>
               <a:t>www.1ppt.com/xiazai/         PPT</a:t>
             </a:r>
@@ -3080,8 +3135,8 @@
                 <a:solidFill>
                   <a:prstClr val="white"/>
                 </a:solidFill>
-                <a:latin typeface="Calibri"/>
-                <a:ea typeface="宋体"/>
+                <a:latin typeface="Calibri" panose="020F0502020204030204"/>
+                <a:ea typeface="宋体" panose="02010600030101010101" pitchFamily="2" charset="-122"/>
               </a:rPr>
               <a:t>教程： </a:t>
             </a:r>
@@ -3090,11 +3145,18 @@
                 <a:solidFill>
                   <a:prstClr val="white"/>
                 </a:solidFill>
-                <a:latin typeface="Calibri"/>
-                <a:ea typeface="宋体"/>
+                <a:latin typeface="Calibri" panose="020F0502020204030204"/>
+                <a:ea typeface="宋体" panose="02010600030101010101" pitchFamily="2" charset="-122"/>
               </a:rPr>
               <a:t>www.1ppt.com/powerpoint/      </a:t>
             </a:r>
+            <a:endParaRPr lang="en-US" altLang="zh-CN" sz="100" dirty="0">
+              <a:solidFill>
+                <a:prstClr val="white"/>
+              </a:solidFill>
+              <a:latin typeface="Calibri" panose="020F0502020204030204"/>
+              <a:ea typeface="宋体" panose="02010600030101010101" pitchFamily="2" charset="-122"/>
+            </a:endParaRPr>
           </a:p>
           <a:p>
             <a:r>
@@ -3102,8 +3164,8 @@
                 <a:solidFill>
                   <a:prstClr val="white"/>
                 </a:solidFill>
-                <a:latin typeface="Calibri"/>
-                <a:ea typeface="宋体"/>
+                <a:latin typeface="Calibri" panose="020F0502020204030204"/>
+                <a:ea typeface="宋体" panose="02010600030101010101" pitchFamily="2" charset="-122"/>
               </a:rPr>
               <a:t>PPT</a:t>
             </a:r>
@@ -3112,8 +3174,8 @@
                 <a:solidFill>
                   <a:prstClr val="white"/>
                 </a:solidFill>
-                <a:latin typeface="Calibri"/>
-                <a:ea typeface="宋体"/>
+                <a:latin typeface="Calibri" panose="020F0502020204030204"/>
+                <a:ea typeface="宋体" panose="02010600030101010101" pitchFamily="2" charset="-122"/>
               </a:rPr>
               <a:t>课件：</a:t>
             </a:r>
@@ -3122,8 +3184,8 @@
                 <a:solidFill>
                   <a:prstClr val="white"/>
                 </a:solidFill>
-                <a:latin typeface="Calibri"/>
-                <a:ea typeface="宋体"/>
+                <a:latin typeface="Calibri" panose="020F0502020204030204"/>
+                <a:ea typeface="宋体" panose="02010600030101010101" pitchFamily="2" charset="-122"/>
               </a:rPr>
               <a:t>www.1ppt.com/kejian/             </a:t>
             </a:r>
@@ -3132,8 +3194,8 @@
                 <a:solidFill>
                   <a:prstClr val="white"/>
                 </a:solidFill>
-                <a:latin typeface="Calibri"/>
-                <a:ea typeface="宋体"/>
+                <a:latin typeface="Calibri" panose="020F0502020204030204"/>
+                <a:ea typeface="宋体" panose="02010600030101010101" pitchFamily="2" charset="-122"/>
               </a:rPr>
               <a:t>字体下载：</a:t>
             </a:r>
@@ -3142,11 +3204,18 @@
                 <a:solidFill>
                   <a:prstClr val="white"/>
                 </a:solidFill>
-                <a:latin typeface="Calibri"/>
-                <a:ea typeface="宋体"/>
+                <a:latin typeface="Calibri" panose="020F0502020204030204"/>
+                <a:ea typeface="宋体" panose="02010600030101010101" pitchFamily="2" charset="-122"/>
               </a:rPr>
               <a:t>www.1ppt.com/ziti/</a:t>
             </a:r>
+            <a:endParaRPr lang="en-US" altLang="zh-CN" sz="100" dirty="0">
+              <a:solidFill>
+                <a:prstClr val="white"/>
+              </a:solidFill>
+              <a:latin typeface="Calibri" panose="020F0502020204030204"/>
+              <a:ea typeface="宋体" panose="02010600030101010101" pitchFamily="2" charset="-122"/>
+            </a:endParaRPr>
           </a:p>
           <a:p>
             <a:r>
@@ -3154,8 +3223,8 @@
                 <a:solidFill>
                   <a:prstClr val="white"/>
                 </a:solidFill>
-                <a:latin typeface="Calibri"/>
-                <a:ea typeface="宋体"/>
+                <a:latin typeface="Calibri" panose="020F0502020204030204"/>
+                <a:ea typeface="宋体" panose="02010600030101010101" pitchFamily="2" charset="-122"/>
               </a:rPr>
               <a:t>工作总结</a:t>
             </a:r>
@@ -3164,8 +3233,8 @@
                 <a:solidFill>
                   <a:prstClr val="white"/>
                 </a:solidFill>
-                <a:latin typeface="Calibri"/>
-                <a:ea typeface="宋体"/>
+                <a:latin typeface="Calibri" panose="020F0502020204030204"/>
+                <a:ea typeface="宋体" panose="02010600030101010101" pitchFamily="2" charset="-122"/>
               </a:rPr>
               <a:t>PPT</a:t>
             </a:r>
@@ -3174,8 +3243,8 @@
                 <a:solidFill>
                   <a:prstClr val="white"/>
                 </a:solidFill>
-                <a:latin typeface="Calibri"/>
-                <a:ea typeface="宋体"/>
+                <a:latin typeface="Calibri" panose="020F0502020204030204"/>
+                <a:ea typeface="宋体" panose="02010600030101010101" pitchFamily="2" charset="-122"/>
               </a:rPr>
               <a:t>：</a:t>
             </a:r>
@@ -3184,8 +3253,8 @@
                 <a:solidFill>
                   <a:prstClr val="white"/>
                 </a:solidFill>
-                <a:latin typeface="Calibri"/>
-                <a:ea typeface="宋体"/>
+                <a:latin typeface="Calibri" panose="020F0502020204030204"/>
+                <a:ea typeface="宋体" panose="02010600030101010101" pitchFamily="2" charset="-122"/>
               </a:rPr>
               <a:t>www.1ppt.com/xiazai/zongjie/ </a:t>
             </a:r>
@@ -3194,8 +3263,8 @@
                 <a:solidFill>
                   <a:prstClr val="white"/>
                 </a:solidFill>
-                <a:latin typeface="Calibri"/>
-                <a:ea typeface="宋体"/>
+                <a:latin typeface="Calibri" panose="020F0502020204030204"/>
+                <a:ea typeface="宋体" panose="02010600030101010101" pitchFamily="2" charset="-122"/>
               </a:rPr>
               <a:t>工作计划：</a:t>
             </a:r>
@@ -3204,11 +3273,18 @@
                 <a:solidFill>
                   <a:prstClr val="white"/>
                 </a:solidFill>
-                <a:latin typeface="Calibri"/>
-                <a:ea typeface="宋体"/>
+                <a:latin typeface="Calibri" panose="020F0502020204030204"/>
+                <a:ea typeface="宋体" panose="02010600030101010101" pitchFamily="2" charset="-122"/>
               </a:rPr>
               <a:t>www.1ppt.com/xiazai/jihua/</a:t>
             </a:r>
+            <a:endParaRPr lang="en-US" altLang="zh-CN" sz="100" dirty="0">
+              <a:solidFill>
+                <a:prstClr val="white"/>
+              </a:solidFill>
+              <a:latin typeface="Calibri" panose="020F0502020204030204"/>
+              <a:ea typeface="宋体" panose="02010600030101010101" pitchFamily="2" charset="-122"/>
+            </a:endParaRPr>
           </a:p>
           <a:p>
             <a:r>
@@ -3216,8 +3292,8 @@
                 <a:solidFill>
                   <a:prstClr val="white"/>
                 </a:solidFill>
-                <a:latin typeface="Calibri"/>
-                <a:ea typeface="宋体"/>
+                <a:latin typeface="Calibri" panose="020F0502020204030204"/>
+                <a:ea typeface="宋体" panose="02010600030101010101" pitchFamily="2" charset="-122"/>
               </a:rPr>
               <a:t>商务</a:t>
             </a:r>
@@ -3226,8 +3302,8 @@
                 <a:solidFill>
                   <a:prstClr val="white"/>
                 </a:solidFill>
-                <a:latin typeface="Calibri"/>
-                <a:ea typeface="宋体"/>
+                <a:latin typeface="Calibri" panose="020F0502020204030204"/>
+                <a:ea typeface="宋体" panose="02010600030101010101" pitchFamily="2" charset="-122"/>
               </a:rPr>
               <a:t>PPT</a:t>
             </a:r>
@@ -3236,8 +3312,8 @@
                 <a:solidFill>
                   <a:prstClr val="white"/>
                 </a:solidFill>
-                <a:latin typeface="Calibri"/>
-                <a:ea typeface="宋体"/>
+                <a:latin typeface="Calibri" panose="020F0502020204030204"/>
+                <a:ea typeface="宋体" panose="02010600030101010101" pitchFamily="2" charset="-122"/>
               </a:rPr>
               <a:t>模板：</a:t>
             </a:r>
@@ -3246,8 +3322,8 @@
                 <a:solidFill>
                   <a:prstClr val="white"/>
                 </a:solidFill>
-                <a:latin typeface="Calibri"/>
-                <a:ea typeface="宋体"/>
+                <a:latin typeface="Calibri" panose="020F0502020204030204"/>
+                <a:ea typeface="宋体" panose="02010600030101010101" pitchFamily="2" charset="-122"/>
               </a:rPr>
               <a:t>www.1ppt.com/moban/shangwu/  </a:t>
             </a:r>
@@ -3256,8 +3332,8 @@
                 <a:solidFill>
                   <a:prstClr val="white"/>
                 </a:solidFill>
-                <a:latin typeface="Calibri"/>
-                <a:ea typeface="宋体"/>
+                <a:latin typeface="Calibri" panose="020F0502020204030204"/>
+                <a:ea typeface="宋体" panose="02010600030101010101" pitchFamily="2" charset="-122"/>
               </a:rPr>
               <a:t>个人简历</a:t>
             </a:r>
@@ -3266,8 +3342,8 @@
                 <a:solidFill>
                   <a:prstClr val="white"/>
                 </a:solidFill>
-                <a:latin typeface="Calibri"/>
-                <a:ea typeface="宋体"/>
+                <a:latin typeface="Calibri" panose="020F0502020204030204"/>
+                <a:ea typeface="宋体" panose="02010600030101010101" pitchFamily="2" charset="-122"/>
               </a:rPr>
               <a:t>PPT</a:t>
             </a:r>
@@ -3276,8 +3352,8 @@
                 <a:solidFill>
                   <a:prstClr val="white"/>
                 </a:solidFill>
-                <a:latin typeface="Calibri"/>
-                <a:ea typeface="宋体"/>
+                <a:latin typeface="Calibri" panose="020F0502020204030204"/>
+                <a:ea typeface="宋体" panose="02010600030101010101" pitchFamily="2" charset="-122"/>
               </a:rPr>
               <a:t>：</a:t>
             </a:r>
@@ -3286,11 +3362,18 @@
                 <a:solidFill>
                   <a:prstClr val="white"/>
                 </a:solidFill>
-                <a:latin typeface="Calibri"/>
-                <a:ea typeface="宋体"/>
+                <a:latin typeface="Calibri" panose="020F0502020204030204"/>
+                <a:ea typeface="宋体" panose="02010600030101010101" pitchFamily="2" charset="-122"/>
               </a:rPr>
               <a:t>www.1ppt.com/xiazai/jianli/  </a:t>
             </a:r>
+            <a:endParaRPr lang="en-US" altLang="zh-CN" sz="100" dirty="0">
+              <a:solidFill>
+                <a:prstClr val="white"/>
+              </a:solidFill>
+              <a:latin typeface="Calibri" panose="020F0502020204030204"/>
+              <a:ea typeface="宋体" panose="02010600030101010101" pitchFamily="2" charset="-122"/>
+            </a:endParaRPr>
           </a:p>
           <a:p>
             <a:r>
@@ -3298,8 +3381,8 @@
                 <a:solidFill>
                   <a:prstClr val="white"/>
                 </a:solidFill>
-                <a:latin typeface="Calibri"/>
-                <a:ea typeface="宋体"/>
+                <a:latin typeface="Calibri" panose="020F0502020204030204"/>
+                <a:ea typeface="宋体" panose="02010600030101010101" pitchFamily="2" charset="-122"/>
               </a:rPr>
               <a:t>毕业答辩</a:t>
             </a:r>
@@ -3308,8 +3391,8 @@
                 <a:solidFill>
                   <a:prstClr val="white"/>
                 </a:solidFill>
-                <a:latin typeface="Calibri"/>
-                <a:ea typeface="宋体"/>
+                <a:latin typeface="Calibri" panose="020F0502020204030204"/>
+                <a:ea typeface="宋体" panose="02010600030101010101" pitchFamily="2" charset="-122"/>
               </a:rPr>
               <a:t>PPT</a:t>
             </a:r>
@@ -3318,8 +3401,8 @@
                 <a:solidFill>
                   <a:prstClr val="white"/>
                 </a:solidFill>
-                <a:latin typeface="Calibri"/>
-                <a:ea typeface="宋体"/>
+                <a:latin typeface="Calibri" panose="020F0502020204030204"/>
+                <a:ea typeface="宋体" panose="02010600030101010101" pitchFamily="2" charset="-122"/>
               </a:rPr>
               <a:t>：</a:t>
             </a:r>
@@ -3328,8 +3411,8 @@
                 <a:solidFill>
                   <a:prstClr val="white"/>
                 </a:solidFill>
-                <a:latin typeface="Calibri"/>
-                <a:ea typeface="宋体"/>
+                <a:latin typeface="Calibri" panose="020F0502020204030204"/>
+                <a:ea typeface="宋体" panose="02010600030101010101" pitchFamily="2" charset="-122"/>
               </a:rPr>
               <a:t>www.1ppt.com/xiazai/dabian/  </a:t>
             </a:r>
@@ -3338,8 +3421,8 @@
                 <a:solidFill>
                   <a:prstClr val="white"/>
                 </a:solidFill>
-                <a:latin typeface="Calibri"/>
-                <a:ea typeface="宋体"/>
+                <a:latin typeface="Calibri" panose="020F0502020204030204"/>
+                <a:ea typeface="宋体" panose="02010600030101010101" pitchFamily="2" charset="-122"/>
               </a:rPr>
               <a:t>工作汇报</a:t>
             </a:r>
@@ -3348,8 +3431,8 @@
                 <a:solidFill>
                   <a:prstClr val="white"/>
                 </a:solidFill>
-                <a:latin typeface="Calibri"/>
-                <a:ea typeface="宋体"/>
+                <a:latin typeface="Calibri" panose="020F0502020204030204"/>
+                <a:ea typeface="宋体" panose="02010600030101010101" pitchFamily="2" charset="-122"/>
               </a:rPr>
               <a:t>PPT</a:t>
             </a:r>
@@ -3358,8 +3441,8 @@
                 <a:solidFill>
                   <a:prstClr val="white"/>
                 </a:solidFill>
-                <a:latin typeface="Calibri"/>
-                <a:ea typeface="宋体"/>
+                <a:latin typeface="Calibri" panose="020F0502020204030204"/>
+                <a:ea typeface="宋体" panose="02010600030101010101" pitchFamily="2" charset="-122"/>
               </a:rPr>
               <a:t>：</a:t>
             </a:r>
@@ -3368,11 +3451,18 @@
                 <a:solidFill>
                   <a:prstClr val="white"/>
                 </a:solidFill>
-                <a:latin typeface="Calibri"/>
-                <a:ea typeface="宋体"/>
+                <a:latin typeface="Calibri" panose="020F0502020204030204"/>
+                <a:ea typeface="宋体" panose="02010600030101010101" pitchFamily="2" charset="-122"/>
               </a:rPr>
               <a:t>www.1ppt.com/xiazai/huibao/    </a:t>
             </a:r>
+            <a:endParaRPr lang="en-US" altLang="zh-CN" sz="100" dirty="0">
+              <a:solidFill>
+                <a:prstClr val="white"/>
+              </a:solidFill>
+              <a:latin typeface="Calibri" panose="020F0502020204030204"/>
+              <a:ea typeface="宋体" panose="02010600030101010101" pitchFamily="2" charset="-122"/>
+            </a:endParaRPr>
           </a:p>
           <a:p>
             <a:r>
@@ -3380,11 +3470,18 @@
                 <a:solidFill>
                   <a:prstClr val="white"/>
                 </a:solidFill>
-                <a:latin typeface="Calibri"/>
-                <a:ea typeface="宋体"/>
+                <a:latin typeface="Calibri" panose="020F0502020204030204"/>
+                <a:ea typeface="宋体" panose="02010600030101010101" pitchFamily="2" charset="-122"/>
               </a:rPr>
               <a:t> </a:t>
             </a:r>
+            <a:endParaRPr lang="en-US" altLang="zh-CN" sz="100" dirty="0">
+              <a:solidFill>
+                <a:prstClr val="white"/>
+              </a:solidFill>
+              <a:latin typeface="Calibri" panose="020F0502020204030204"/>
+              <a:ea typeface="宋体" panose="02010600030101010101" pitchFamily="2" charset="-122"/>
+            </a:endParaRPr>
           </a:p>
         </p:txBody>
       </p:sp>
@@ -3432,6 +3529,7 @@
               <a:rPr lang="zh-CN" altLang="en-US"/>
               <a:t>单击此处编辑母版标题样式</a:t>
             </a:r>
+            <a:endParaRPr lang="zh-CN" altLang="en-US"/>
           </a:p>
         </p:txBody>
       </p:sp>
@@ -3452,7 +3550,6 @@
           <a:p>
             <a:fld id="{A640CAB6-B07E-4BA4-BC4B-DDB8D129D594}" type="datetimeFigureOut">
               <a:rPr lang="zh-CN" altLang="en-US" smtClean="0"/>
-              <a:t>2020/10/26</a:t>
             </a:fld>
             <a:endParaRPr lang="zh-CN" altLang="en-US"/>
           </a:p>
@@ -3494,7 +3591,6 @@
           <a:p>
             <a:fld id="{997B4A21-C178-4EF4-9692-581FD3539F5E}" type="slidenum">
               <a:rPr lang="zh-CN" altLang="en-US" smtClean="0"/>
-              <a:t>‹#›</a:t>
             </a:fld>
             <a:endParaRPr lang="zh-CN" altLang="en-US"/>
           </a:p>
@@ -3725,6 +3821,7 @@
               <a:rPr lang="zh-CN" altLang="en-US"/>
               <a:t>单击此处编辑母版标题样式</a:t>
             </a:r>
+            <a:endParaRPr lang="zh-CN" altLang="en-US"/>
           </a:p>
         </p:txBody>
       </p:sp>
@@ -3781,6 +3878,7 @@
               <a:rPr lang="zh-CN" altLang="en-US"/>
               <a:t>单击此处编辑母版文本样式</a:t>
             </a:r>
+            <a:endParaRPr lang="zh-CN" altLang="en-US"/>
           </a:p>
           <a:p>
             <a:pPr lvl="1"/>
@@ -3788,6 +3886,7 @@
               <a:rPr lang="zh-CN" altLang="en-US"/>
               <a:t>二级</a:t>
             </a:r>
+            <a:endParaRPr lang="zh-CN" altLang="en-US"/>
           </a:p>
           <a:p>
             <a:pPr lvl="2"/>
@@ -3795,6 +3894,7 @@
               <a:rPr lang="zh-CN" altLang="en-US"/>
               <a:t>三级</a:t>
             </a:r>
+            <a:endParaRPr lang="zh-CN" altLang="en-US"/>
           </a:p>
           <a:p>
             <a:pPr lvl="3"/>
@@ -3802,6 +3902,7 @@
               <a:rPr lang="zh-CN" altLang="en-US"/>
               <a:t>四级</a:t>
             </a:r>
+            <a:endParaRPr lang="zh-CN" altLang="en-US"/>
           </a:p>
           <a:p>
             <a:pPr lvl="4"/>
@@ -3809,6 +3910,7 @@
               <a:rPr lang="zh-CN" altLang="en-US"/>
               <a:t>五级</a:t>
             </a:r>
+            <a:endParaRPr lang="zh-CN" altLang="en-US"/>
           </a:p>
         </p:txBody>
       </p:sp>
@@ -3874,6 +3976,7 @@
               <a:rPr lang="zh-CN" altLang="en-US"/>
               <a:t>单击此处编辑母版文本样式</a:t>
             </a:r>
+            <a:endParaRPr lang="zh-CN" altLang="en-US"/>
           </a:p>
         </p:txBody>
       </p:sp>
@@ -3894,7 +3997,6 @@
           <a:p>
             <a:fld id="{A640CAB6-B07E-4BA4-BC4B-DDB8D129D594}" type="datetimeFigureOut">
               <a:rPr lang="zh-CN" altLang="en-US" smtClean="0"/>
-              <a:t>2020/10/26</a:t>
             </a:fld>
             <a:endParaRPr lang="zh-CN" altLang="en-US"/>
           </a:p>
@@ -3936,7 +4038,6 @@
           <a:p>
             <a:fld id="{997B4A21-C178-4EF4-9692-581FD3539F5E}" type="slidenum">
               <a:rPr lang="zh-CN" altLang="en-US" smtClean="0"/>
-              <a:t>‹#›</a:t>
             </a:fld>
             <a:endParaRPr lang="zh-CN" altLang="en-US"/>
           </a:p>
@@ -3995,6 +4096,7 @@
               <a:rPr lang="zh-CN" altLang="en-US"/>
               <a:t>单击此处编辑母版标题样式</a:t>
             </a:r>
+            <a:endParaRPr lang="zh-CN" altLang="en-US"/>
           </a:p>
         </p:txBody>
       </p:sp>
@@ -4121,6 +4223,7 @@
               <a:rPr lang="zh-CN" altLang="en-US"/>
               <a:t>单击此处编辑母版文本样式</a:t>
             </a:r>
+            <a:endParaRPr lang="zh-CN" altLang="en-US"/>
           </a:p>
         </p:txBody>
       </p:sp>
@@ -4141,7 +4244,6 @@
           <a:p>
             <a:fld id="{A640CAB6-B07E-4BA4-BC4B-DDB8D129D594}" type="datetimeFigureOut">
               <a:rPr lang="zh-CN" altLang="en-US" smtClean="0"/>
-              <a:t>2020/10/26</a:t>
             </a:fld>
             <a:endParaRPr lang="zh-CN" altLang="en-US"/>
           </a:p>
@@ -4183,7 +4285,6 @@
           <a:p>
             <a:fld id="{997B4A21-C178-4EF4-9692-581FD3539F5E}" type="slidenum">
               <a:rPr lang="zh-CN" altLang="en-US" smtClean="0"/>
-              <a:t>‹#›</a:t>
             </a:fld>
             <a:endParaRPr lang="zh-CN" altLang="en-US"/>
           </a:p>
@@ -4251,6 +4352,7 @@
               <a:rPr lang="zh-CN" altLang="en-US"/>
               <a:t>单击此处编辑母版标题样式</a:t>
             </a:r>
+            <a:endParaRPr lang="zh-CN" altLang="en-US"/>
           </a:p>
         </p:txBody>
       </p:sp>
@@ -4284,6 +4386,7 @@
               <a:rPr lang="zh-CN" altLang="en-US"/>
               <a:t>单击此处编辑母版文本样式</a:t>
             </a:r>
+            <a:endParaRPr lang="zh-CN" altLang="en-US"/>
           </a:p>
           <a:p>
             <a:pPr lvl="1"/>
@@ -4291,6 +4394,7 @@
               <a:rPr lang="zh-CN" altLang="en-US"/>
               <a:t>二级</a:t>
             </a:r>
+            <a:endParaRPr lang="zh-CN" altLang="en-US"/>
           </a:p>
           <a:p>
             <a:pPr lvl="2"/>
@@ -4298,6 +4402,7 @@
               <a:rPr lang="zh-CN" altLang="en-US"/>
               <a:t>三级</a:t>
             </a:r>
+            <a:endParaRPr lang="zh-CN" altLang="en-US"/>
           </a:p>
           <a:p>
             <a:pPr lvl="3"/>
@@ -4305,6 +4410,7 @@
               <a:rPr lang="zh-CN" altLang="en-US"/>
               <a:t>四级</a:t>
             </a:r>
+            <a:endParaRPr lang="zh-CN" altLang="en-US"/>
           </a:p>
           <a:p>
             <a:pPr lvl="4"/>
@@ -4312,6 +4418,7 @@
               <a:rPr lang="zh-CN" altLang="en-US"/>
               <a:t>五级</a:t>
             </a:r>
+            <a:endParaRPr lang="zh-CN" altLang="en-US"/>
           </a:p>
         </p:txBody>
       </p:sp>
@@ -4350,7 +4457,6 @@
           <a:p>
             <a:fld id="{A640CAB6-B07E-4BA4-BC4B-DDB8D129D594}" type="datetimeFigureOut">
               <a:rPr lang="zh-CN" altLang="en-US" smtClean="0"/>
-              <a:t>2020/10/26</a:t>
             </a:fld>
             <a:endParaRPr lang="zh-CN" altLang="en-US"/>
           </a:p>
@@ -4428,7 +4534,6 @@
           <a:p>
             <a:fld id="{997B4A21-C178-4EF4-9692-581FD3539F5E}" type="slidenum">
               <a:rPr lang="zh-CN" altLang="en-US" smtClean="0"/>
-              <a:t>‹#›</a:t>
             </a:fld>
             <a:endParaRPr lang="zh-CN" altLang="en-US"/>
           </a:p>
@@ -4784,6 +4889,15 @@
               </a:rPr>
               <a:t>Academic Certification System </a:t>
             </a:r>
+            <a:endParaRPr lang="en-US" altLang="zh-CN" sz="4000" b="1" dirty="0">
+              <a:solidFill>
+                <a:srgbClr val="C00000"/>
+              </a:solidFill>
+              <a:latin typeface="方正细谭黑简体" panose="02000000000000000000" pitchFamily="2" charset="-122"/>
+              <a:ea typeface="方正细谭黑简体" panose="02000000000000000000" pitchFamily="2" charset="-122"/>
+              <a:cs typeface="+mn-ea"/>
+              <a:sym typeface="+mn-lt"/>
+            </a:endParaRPr>
           </a:p>
           <a:p>
             <a:r>
@@ -4798,6 +4912,15 @@
               </a:rPr>
               <a:t>based on </a:t>
             </a:r>
+            <a:endParaRPr lang="en-US" altLang="zh-CN" sz="4000" b="1" dirty="0">
+              <a:solidFill>
+                <a:srgbClr val="526188"/>
+              </a:solidFill>
+              <a:latin typeface="方正细谭黑简体" panose="02000000000000000000" pitchFamily="2" charset="-122"/>
+              <a:ea typeface="方正细谭黑简体" panose="02000000000000000000" pitchFamily="2" charset="-122"/>
+              <a:cs typeface="+mn-ea"/>
+              <a:sym typeface="+mn-lt"/>
+            </a:endParaRPr>
           </a:p>
           <a:p>
             <a:r>
@@ -4908,6 +5031,15 @@
               </a:rPr>
               <a:t>程蕴玉</a:t>
             </a:r>
+            <a:endParaRPr lang="zh-CN" altLang="en-US" sz="1600" dirty="0">
+              <a:solidFill>
+                <a:schemeClr val="bg2">
+                  <a:lumMod val="50000"/>
+                </a:schemeClr>
+              </a:solidFill>
+              <a:cs typeface="+mn-ea"/>
+              <a:sym typeface="+mn-lt"/>
+            </a:endParaRPr>
           </a:p>
           <a:p>
             <a:pPr algn="dist"/>
@@ -4923,6 +5055,15 @@
               </a:rPr>
               <a:t>任博涛</a:t>
             </a:r>
+            <a:endParaRPr lang="zh-CN" altLang="en-US" sz="1600" dirty="0">
+              <a:solidFill>
+                <a:schemeClr val="bg2">
+                  <a:lumMod val="50000"/>
+                </a:schemeClr>
+              </a:solidFill>
+              <a:cs typeface="+mn-ea"/>
+              <a:sym typeface="+mn-lt"/>
+            </a:endParaRPr>
           </a:p>
           <a:p>
             <a:pPr algn="dist"/>
@@ -4938,6 +5079,15 @@
               </a:rPr>
               <a:t>黎原朝</a:t>
             </a:r>
+            <a:endParaRPr lang="zh-CN" altLang="en-US" sz="1600" dirty="0">
+              <a:solidFill>
+                <a:schemeClr val="bg2">
+                  <a:lumMod val="50000"/>
+                </a:schemeClr>
+              </a:solidFill>
+              <a:cs typeface="+mn-ea"/>
+              <a:sym typeface="+mn-lt"/>
+            </a:endParaRPr>
           </a:p>
         </p:txBody>
       </p:sp>
@@ -4999,7 +5149,7 @@
             <p:nvPr/>
           </p:nvPicPr>
           <p:blipFill>
-            <a:blip r:embed="rId2"/>
+            <a:blip r:embed="rId1"/>
             <a:stretch>
               <a:fillRect/>
             </a:stretch>
@@ -5023,7 +5173,7 @@
             <p:nvPr/>
           </p:nvPicPr>
           <p:blipFill>
-            <a:blip r:embed="rId3"/>
+            <a:blip r:embed="rId2"/>
             <a:stretch>
               <a:fillRect/>
             </a:stretch>
@@ -5047,7 +5197,7 @@
             <p:nvPr/>
           </p:nvPicPr>
           <p:blipFill>
-            <a:blip r:embed="rId4"/>
+            <a:blip r:embed="rId3"/>
             <a:stretch>
               <a:fillRect/>
             </a:stretch>
@@ -5071,7 +5221,7 @@
             <p:nvPr/>
           </p:nvPicPr>
           <p:blipFill>
-            <a:blip r:embed="rId5">
+            <a:blip r:embed="rId4">
               <a:duotone>
                 <a:prstClr val="black"/>
                 <a:srgbClr val="D9C3A5">
@@ -5103,7 +5253,7 @@
             <p:nvPr/>
           </p:nvPicPr>
           <p:blipFill>
-            <a:blip r:embed="rId6"/>
+            <a:blip r:embed="rId5"/>
             <a:stretch>
               <a:fillRect/>
             </a:stretch>
@@ -5121,13 +5271,7 @@
       </p:grpSp>
       <p:sp>
         <p:nvSpPr>
-          <p:cNvPr id="3" name="文本框 2">
-            <a:extLst>
-              <a:ext uri="{FF2B5EF4-FFF2-40B4-BE49-F238E27FC236}">
-                <a16:creationId xmlns:a16="http://schemas.microsoft.com/office/drawing/2014/main" id="{C4928B98-536E-415A-8D9C-94A084BB7028}"/>
-              </a:ext>
-            </a:extLst>
-          </p:cNvPr>
+          <p:cNvPr id="3" name="文本框 2"/>
           <p:cNvSpPr txBox="1"/>
           <p:nvPr/>
         </p:nvSpPr>
@@ -5208,9 +5352,9 @@
         <p:grpSpPr>
           <a:xfrm>
             <a:off x="346076" y="364699"/>
-            <a:ext cx="2506852" cy="759031"/>
+            <a:ext cx="2142268" cy="507162"/>
             <a:chOff x="384176" y="307549"/>
-            <a:chExt cx="2230868" cy="759031"/>
+            <a:chExt cx="2142268" cy="507162"/>
           </a:xfrm>
         </p:grpSpPr>
         <p:grpSp>
@@ -5334,8 +5478,8 @@
           </p:nvSpPr>
           <p:spPr>
             <a:xfrm>
-              <a:off x="786321" y="358694"/>
-              <a:ext cx="1828723" cy="707886"/>
+              <a:off x="786322" y="358694"/>
+              <a:ext cx="1740122" cy="400110"/>
             </a:xfrm>
             <a:prstGeom prst="rect">
               <a:avLst/>
@@ -5356,7 +5500,7 @@
                   <a:cs typeface="+mn-ea"/>
                   <a:sym typeface="+mn-lt"/>
                 </a:rPr>
-                <a:t>System Design</a:t>
+                <a:t>Techniques</a:t>
               </a:r>
               <a:endParaRPr lang="zh-CN" altLang="en-US" sz="2000" b="1" dirty="0">
                 <a:solidFill>
@@ -5516,70 +5660,16 @@
           </a:p>
         </p:txBody>
       </p:sp>
-      <p:pic>
-        <p:nvPicPr>
-          <p:cNvPr id="5" name="图片 4" descr="图示&#10;&#10;描述已自动生成">
-            <a:extLst>
-              <a:ext uri="{FF2B5EF4-FFF2-40B4-BE49-F238E27FC236}">
-                <a16:creationId xmlns:a16="http://schemas.microsoft.com/office/drawing/2014/main" id="{8BFF6581-D5D5-4720-8250-29748EDB12D9}"/>
-              </a:ext>
-            </a:extLst>
-          </p:cNvPr>
-          <p:cNvPicPr>
-            <a:picLocks noChangeAspect="1"/>
-          </p:cNvPicPr>
+      <p:sp>
+        <p:nvSpPr>
+          <p:cNvPr id="3" name="文本框 2"/>
+          <p:cNvSpPr txBox="1"/>
           <p:nvPr/>
-        </p:nvPicPr>
-        <p:blipFill rotWithShape="1">
-          <a:blip r:embed="rId3">
-            <a:extLst>
-              <a:ext uri="{28A0092B-C50C-407E-A947-70E740481C1C}">
-                <a14:useLocalDpi xmlns:a14="http://schemas.microsoft.com/office/drawing/2010/main" val="0"/>
-              </a:ext>
-            </a:extLst>
-          </a:blip>
-          <a:srcRect r="18177"/>
-          <a:stretch/>
-        </p:blipFill>
+        </p:nvSpPr>
         <p:spPr>
           <a:xfrm>
-            <a:off x="5460418" y="1286890"/>
-            <a:ext cx="6047132" cy="4187087"/>
-          </a:xfrm>
-          <a:prstGeom prst="roundRect">
-            <a:avLst>
-              <a:gd name="adj" fmla="val 8594"/>
-            </a:avLst>
-          </a:prstGeom>
-          <a:solidFill>
-            <a:srgbClr val="FFFFFF">
-              <a:shade val="85000"/>
-            </a:srgbClr>
-          </a:solidFill>
-          <a:ln>
-            <a:noFill/>
-          </a:ln>
-          <a:effectLst>
-            <a:reflection blurRad="12700" stA="38000" endPos="28000" dist="5000" dir="5400000" sy="-100000" algn="bl" rotWithShape="0"/>
-          </a:effectLst>
-        </p:spPr>
-      </p:pic>
-      <p:sp>
-        <p:nvSpPr>
-          <p:cNvPr id="6" name="文本框 5">
-            <a:extLst>
-              <a:ext uri="{FF2B5EF4-FFF2-40B4-BE49-F238E27FC236}">
-                <a16:creationId xmlns:a16="http://schemas.microsoft.com/office/drawing/2014/main" id="{CC2100E7-160A-451F-AB17-7C8D345EF918}"/>
-              </a:ext>
-            </a:extLst>
-          </p:cNvPr>
-          <p:cNvSpPr txBox="1"/>
-          <p:nvPr/>
-        </p:nvSpPr>
-        <p:spPr>
-          <a:xfrm>
-            <a:off x="429541" y="1736801"/>
-            <a:ext cx="4599659" cy="3521157"/>
+            <a:off x="1618283" y="1514044"/>
+            <a:ext cx="7068518" cy="2528321"/>
           </a:xfrm>
           <a:prstGeom prst="rect">
             <a:avLst/>
@@ -5614,86 +5704,8 @@
                 <a:cs typeface="+mn-ea"/>
                 <a:sym typeface="+mn-lt"/>
               </a:rPr>
-              <a:t>Store</a:t>
-            </a:r>
-          </a:p>
-          <a:p>
-            <a:pPr marL="514350" indent="-514350" algn="l">
-              <a:buFont typeface="+mj-lt"/>
-              <a:buAutoNum type="arabicPeriod"/>
-            </a:pPr>
-            <a:r>
-              <a:rPr lang="en-US" altLang="zh-CN" dirty="0">
-                <a:latin typeface="+mn-lt"/>
-                <a:ea typeface="+mn-ea"/>
-                <a:cs typeface="+mn-ea"/>
-                <a:sym typeface="+mn-lt"/>
-              </a:rPr>
-              <a:t>Authenticator(Professor) sign the certification</a:t>
-            </a:r>
-          </a:p>
-          <a:p>
-            <a:pPr marL="514350" indent="-514350" algn="l">
-              <a:buFont typeface="+mj-lt"/>
-              <a:buAutoNum type="arabicPeriod"/>
-            </a:pPr>
-            <a:endParaRPr lang="en-US" altLang="zh-CN" dirty="0">
-              <a:latin typeface="+mn-lt"/>
-              <a:ea typeface="+mn-ea"/>
-              <a:cs typeface="+mn-ea"/>
-              <a:sym typeface="+mn-lt"/>
-            </a:endParaRPr>
-          </a:p>
-          <a:p>
-            <a:pPr marL="514350" indent="-514350" algn="l">
-              <a:buFont typeface="+mj-lt"/>
-              <a:buAutoNum type="arabicPeriod"/>
-            </a:pPr>
-            <a:r>
-              <a:rPr lang="en-US" altLang="zh-CN" dirty="0">
-                <a:latin typeface="+mn-lt"/>
-                <a:ea typeface="+mn-ea"/>
-                <a:cs typeface="+mn-ea"/>
-                <a:sym typeface="+mn-lt"/>
-              </a:rPr>
-              <a:t>Authenticator store the certification into the database of university</a:t>
-            </a:r>
-          </a:p>
-          <a:p>
-            <a:pPr marL="514350" indent="-514350" algn="l">
-              <a:buFont typeface="+mj-lt"/>
-              <a:buAutoNum type="arabicPeriod"/>
-            </a:pPr>
-            <a:endParaRPr lang="en-US" altLang="zh-CN" dirty="0">
-              <a:latin typeface="+mn-lt"/>
-              <a:ea typeface="+mn-ea"/>
-              <a:cs typeface="+mn-ea"/>
-              <a:sym typeface="+mn-lt"/>
-            </a:endParaRPr>
-          </a:p>
-          <a:p>
-            <a:pPr marL="514350" indent="-514350" algn="l">
-              <a:buFont typeface="+mj-lt"/>
-              <a:buAutoNum type="arabicPeriod"/>
-            </a:pPr>
-            <a:r>
-              <a:rPr lang="en-US" altLang="zh-CN" dirty="0">
-                <a:latin typeface="+mn-lt"/>
-                <a:ea typeface="+mn-ea"/>
-                <a:cs typeface="+mn-ea"/>
-                <a:sym typeface="+mn-lt"/>
-              </a:rPr>
-              <a:t>Authenticator store the hash value of certification into the blockchain</a:t>
-            </a:r>
-          </a:p>
-          <a:p>
-            <a:pPr marL="514350" indent="-514350" algn="l">
-              <a:lnSpc>
-                <a:spcPct val="150000"/>
-              </a:lnSpc>
-              <a:buFont typeface="+mj-lt"/>
-              <a:buAutoNum type="arabicPeriod"/>
-            </a:pPr>
+              <a:t>Smart Contract</a:t>
+            </a:r>
             <a:endParaRPr lang="en-US" altLang="zh-CN" sz="2800" dirty="0">
               <a:latin typeface="+mn-lt"/>
               <a:ea typeface="+mn-ea"/>
@@ -5701,14 +5713,106 @@
               <a:sym typeface="+mn-lt"/>
             </a:endParaRPr>
           </a:p>
+          <a:p>
+            <a:pPr marL="285750" indent="-285750" algn="l">
+              <a:lnSpc>
+                <a:spcPct val="150000"/>
+              </a:lnSpc>
+              <a:buFont typeface="Arial" panose="020B0604020202020204" pitchFamily="34" charset="0"/>
+              <a:buChar char="•"/>
+            </a:pPr>
+            <a:r>
+              <a:rPr lang="en-US" altLang="zh-CN" sz="2000" dirty="0">
+                <a:latin typeface="+mn-lt"/>
+                <a:ea typeface="+mn-ea"/>
+                <a:cs typeface="+mn-ea"/>
+                <a:sym typeface="+mn-lt"/>
+              </a:rPr>
+              <a:t>Ethereum: a decentralized global state machine </a:t>
+            </a:r>
+            <a:endParaRPr lang="en-US" altLang="zh-CN" sz="2000" dirty="0">
+              <a:latin typeface="+mn-lt"/>
+              <a:ea typeface="+mn-ea"/>
+              <a:cs typeface="+mn-ea"/>
+              <a:sym typeface="+mn-lt"/>
+            </a:endParaRPr>
+          </a:p>
+          <a:p>
+            <a:pPr marL="285750" indent="-285750" algn="l">
+              <a:lnSpc>
+                <a:spcPct val="150000"/>
+              </a:lnSpc>
+              <a:buFont typeface="Arial" panose="020B0604020202020204" pitchFamily="34" charset="0"/>
+              <a:buChar char="•"/>
+            </a:pPr>
+            <a:r>
+              <a:rPr lang="en-US" altLang="zh-CN" sz="2000" dirty="0">
+                <a:latin typeface="+mn-lt"/>
+                <a:ea typeface="+mn-ea"/>
+                <a:cs typeface="+mn-ea"/>
+                <a:sym typeface="+mn-lt"/>
+              </a:rPr>
+              <a:t>Solidity: Turing-complete languages of smart contract</a:t>
+            </a:r>
+            <a:endParaRPr lang="en-US" altLang="zh-CN" sz="2000" dirty="0">
+              <a:latin typeface="+mn-lt"/>
+              <a:ea typeface="+mn-ea"/>
+              <a:cs typeface="+mn-ea"/>
+              <a:sym typeface="+mn-lt"/>
+            </a:endParaRPr>
+          </a:p>
+          <a:p>
+            <a:pPr marL="285750" indent="-285750" algn="l">
+              <a:lnSpc>
+                <a:spcPct val="150000"/>
+              </a:lnSpc>
+              <a:buFont typeface="Arial" panose="020B0604020202020204" pitchFamily="34" charset="0"/>
+              <a:buChar char="•"/>
+            </a:pPr>
+            <a:r>
+              <a:rPr lang="en-US" altLang="zh-CN" sz="2000" dirty="0">
+                <a:latin typeface="+mn-lt"/>
+                <a:ea typeface="+mn-ea"/>
+                <a:cs typeface="+mn-ea"/>
+                <a:sym typeface="+mn-lt"/>
+              </a:rPr>
+              <a:t>Smart Contract: a kind of program execute in blockchain</a:t>
+            </a:r>
+            <a:endParaRPr lang="en-US" altLang="zh-CN" sz="2000" dirty="0">
+              <a:latin typeface="+mn-lt"/>
+              <a:ea typeface="+mn-ea"/>
+              <a:cs typeface="+mn-ea"/>
+              <a:sym typeface="+mn-lt"/>
+            </a:endParaRPr>
+          </a:p>
+          <a:p>
+            <a:pPr marL="285750" indent="-285750" algn="l">
+              <a:lnSpc>
+                <a:spcPct val="150000"/>
+              </a:lnSpc>
+              <a:buFont typeface="Arial" panose="020B0604020202020204" pitchFamily="34" charset="0"/>
+              <a:buChar char="•"/>
+            </a:pPr>
+            <a:r>
+              <a:rPr lang="en-US" altLang="zh-CN" sz="2000" b="0" i="0" dirty="0">
+                <a:solidFill>
+                  <a:srgbClr val="333333"/>
+                </a:solidFill>
+                <a:effectLst/>
+                <a:latin typeface="Arial" panose="020B0604020202020204" pitchFamily="34" charset="0"/>
+              </a:rPr>
+              <a:t>Execution: Execute in EVM and cost gas</a:t>
+            </a:r>
+            <a:endParaRPr lang="en-US" altLang="zh-CN" sz="2000" dirty="0">
+              <a:latin typeface="+mn-lt"/>
+              <a:ea typeface="+mn-ea"/>
+              <a:cs typeface="+mn-ea"/>
+              <a:sym typeface="+mn-lt"/>
+            </a:endParaRPr>
+          </a:p>
         </p:txBody>
       </p:sp>
     </p:spTree>
-    <p:extLst>
-      <p:ext uri="{BB962C8B-B14F-4D97-AF65-F5344CB8AC3E}">
-        <p14:creationId xmlns:p14="http://schemas.microsoft.com/office/powerpoint/2010/main" val="282888622"/>
-      </p:ext>
-    </p:extLst>
   </p:cSld>
   <p:clrMapOvr>
     <a:masterClrMapping/>
@@ -5733,179 +5837,9 @@
           <a:chExt cx="0" cy="0"/>
         </a:xfrm>
       </p:grpSpPr>
-      <p:grpSp>
-        <p:nvGrpSpPr>
-          <p:cNvPr id="32" name="组合 31"/>
-          <p:cNvGrpSpPr/>
-          <p:nvPr/>
-        </p:nvGrpSpPr>
-        <p:grpSpPr>
-          <a:xfrm>
-            <a:off x="346076" y="364699"/>
-            <a:ext cx="2506852" cy="759031"/>
-            <a:chOff x="384176" y="307549"/>
-            <a:chExt cx="2230868" cy="759031"/>
-          </a:xfrm>
-        </p:grpSpPr>
-        <p:grpSp>
-          <p:nvGrpSpPr>
-            <p:cNvPr id="16" name="组合 15"/>
-            <p:cNvGrpSpPr/>
-            <p:nvPr/>
-          </p:nvGrpSpPr>
-          <p:grpSpPr>
-            <a:xfrm>
-              <a:off x="384176" y="307549"/>
-              <a:ext cx="377371" cy="507162"/>
-              <a:chOff x="899886" y="361978"/>
-              <a:chExt cx="377371" cy="507162"/>
-            </a:xfrm>
-          </p:grpSpPr>
-          <p:sp>
-            <p:nvSpPr>
-              <p:cNvPr id="14" name="等腰三角形 13"/>
-              <p:cNvSpPr/>
-              <p:nvPr/>
-            </p:nvSpPr>
-            <p:spPr>
-              <a:xfrm>
-                <a:off x="899886" y="613178"/>
-                <a:ext cx="377371" cy="255962"/>
-              </a:xfrm>
-              <a:prstGeom prst="triangle">
-                <a:avLst/>
-              </a:prstGeom>
-              <a:solidFill>
-                <a:srgbClr val="526188"/>
-              </a:solidFill>
-              <a:ln>
-                <a:noFill/>
-              </a:ln>
-            </p:spPr>
-            <p:style>
-              <a:lnRef idx="2">
-                <a:schemeClr val="accent1">
-                  <a:shade val="50000"/>
-                </a:schemeClr>
-              </a:lnRef>
-              <a:fillRef idx="1">
-                <a:schemeClr val="accent1"/>
-              </a:fillRef>
-              <a:effectRef idx="0">
-                <a:schemeClr val="accent1"/>
-              </a:effectRef>
-              <a:fontRef idx="minor">
-                <a:schemeClr val="lt1"/>
-              </a:fontRef>
-            </p:style>
-            <p:txBody>
-              <a:bodyPr rtlCol="0" anchor="ctr"/>
-              <a:lstStyle/>
-              <a:p>
-                <a:pPr algn="ctr"/>
-                <a:endParaRPr lang="zh-CN" altLang="en-US">
-                  <a:cs typeface="+mn-ea"/>
-                  <a:sym typeface="+mn-lt"/>
-                </a:endParaRPr>
-              </a:p>
-            </p:txBody>
-          </p:sp>
-          <p:sp>
-            <p:nvSpPr>
-              <p:cNvPr id="15" name="等腰三角形 14"/>
-              <p:cNvSpPr/>
-              <p:nvPr/>
-            </p:nvSpPr>
-            <p:spPr>
-              <a:xfrm rot="10800000">
-                <a:off x="899886" y="361978"/>
-                <a:ext cx="377371" cy="255962"/>
-              </a:xfrm>
-              <a:prstGeom prst="triangle">
-                <a:avLst/>
-              </a:prstGeom>
-              <a:solidFill>
-                <a:srgbClr val="E7C7A0"/>
-              </a:solidFill>
-              <a:ln>
-                <a:noFill/>
-              </a:ln>
-            </p:spPr>
-            <p:style>
-              <a:lnRef idx="2">
-                <a:schemeClr val="accent1">
-                  <a:shade val="50000"/>
-                </a:schemeClr>
-              </a:lnRef>
-              <a:fillRef idx="1">
-                <a:schemeClr val="accent1"/>
-              </a:fillRef>
-              <a:effectRef idx="0">
-                <a:schemeClr val="accent1"/>
-              </a:effectRef>
-              <a:fontRef idx="minor">
-                <a:schemeClr val="lt1"/>
-              </a:fontRef>
-            </p:style>
-            <p:txBody>
-              <a:bodyPr rtlCol="0" anchor="ctr"/>
-              <a:lstStyle/>
-              <a:p>
-                <a:pPr algn="ctr"/>
-                <a:endParaRPr lang="zh-CN" altLang="en-US">
-                  <a:cs typeface="+mn-ea"/>
-                  <a:sym typeface="+mn-lt"/>
-                </a:endParaRPr>
-              </a:p>
-            </p:txBody>
-          </p:sp>
-        </p:grpSp>
-        <p:sp>
-          <p:nvSpPr>
-            <p:cNvPr id="29" name="文本框 28"/>
-            <p:cNvSpPr txBox="1"/>
-            <p:nvPr/>
-          </p:nvSpPr>
-          <p:spPr>
-            <a:xfrm>
-              <a:off x="786321" y="358694"/>
-              <a:ext cx="1828723" cy="707886"/>
-            </a:xfrm>
-            <a:prstGeom prst="rect">
-              <a:avLst/>
-            </a:prstGeom>
-            <a:noFill/>
-          </p:spPr>
-          <p:txBody>
-            <a:bodyPr wrap="square" rtlCol="0">
-              <a:spAutoFit/>
-            </a:bodyPr>
-            <a:lstStyle/>
-            <a:p>
-              <a:r>
-                <a:rPr lang="en-US" altLang="zh-CN" sz="2000" b="1" dirty="0">
-                  <a:solidFill>
-                    <a:srgbClr val="526188"/>
-                  </a:solidFill>
-                  <a:cs typeface="+mn-ea"/>
-                  <a:sym typeface="+mn-lt"/>
-                </a:rPr>
-                <a:t>System Design</a:t>
-              </a:r>
-              <a:endParaRPr lang="zh-CN" altLang="en-US" sz="2000" b="1" dirty="0">
-                <a:solidFill>
-                  <a:srgbClr val="526188"/>
-                </a:solidFill>
-                <a:cs typeface="+mn-ea"/>
-                <a:sym typeface="+mn-lt"/>
-              </a:endParaRPr>
-            </a:p>
-          </p:txBody>
-        </p:sp>
-      </p:grpSp>
-      <p:sp>
-        <p:nvSpPr>
-          <p:cNvPr id="12" name="任意多边形: 形状 11"/>
+      <p:sp>
+        <p:nvSpPr>
+          <p:cNvPr id="5" name="任意多边形: 形状 4"/>
           <p:cNvSpPr/>
           <p:nvPr/>
         </p:nvSpPr>
@@ -6050,22 +5984,225 @@
           </a:p>
         </p:txBody>
       </p:sp>
-      <p:sp>
-        <p:nvSpPr>
-          <p:cNvPr id="6" name="文本框 5">
-            <a:extLst>
-              <a:ext uri="{FF2B5EF4-FFF2-40B4-BE49-F238E27FC236}">
-                <a16:creationId xmlns:a16="http://schemas.microsoft.com/office/drawing/2014/main" id="{CC2100E7-160A-451F-AB17-7C8D345EF918}"/>
-              </a:ext>
-            </a:extLst>
-          </p:cNvPr>
+      <p:grpSp>
+        <p:nvGrpSpPr>
+          <p:cNvPr id="6" name="组合 5"/>
+          <p:cNvGrpSpPr/>
+          <p:nvPr/>
+        </p:nvGrpSpPr>
+        <p:grpSpPr>
+          <a:xfrm>
+            <a:off x="574686" y="530846"/>
+            <a:ext cx="5376171" cy="5485135"/>
+            <a:chOff x="6698566" y="879190"/>
+            <a:chExt cx="5376171" cy="5485135"/>
+          </a:xfrm>
+        </p:grpSpPr>
+        <p:pic>
+          <p:nvPicPr>
+            <p:cNvPr id="7" name="图片 6"/>
+            <p:cNvPicPr>
+              <a:picLocks noChangeAspect="1"/>
+            </p:cNvPicPr>
+            <p:nvPr/>
+          </p:nvPicPr>
+          <p:blipFill>
+            <a:blip r:embed="rId1"/>
+            <a:stretch>
+              <a:fillRect/>
+            </a:stretch>
+          </p:blipFill>
+          <p:spPr>
+            <a:xfrm>
+              <a:off x="8811925" y="5470844"/>
+              <a:ext cx="573074" cy="652329"/>
+            </a:xfrm>
+            <a:prstGeom prst="rect">
+              <a:avLst/>
+            </a:prstGeom>
+          </p:spPr>
+        </p:pic>
+        <p:pic>
+          <p:nvPicPr>
+            <p:cNvPr id="8" name="图片 7"/>
+            <p:cNvPicPr>
+              <a:picLocks noChangeAspect="1"/>
+            </p:cNvPicPr>
+            <p:nvPr/>
+          </p:nvPicPr>
+          <p:blipFill>
+            <a:blip r:embed="rId2"/>
+            <a:stretch>
+              <a:fillRect/>
+            </a:stretch>
+          </p:blipFill>
+          <p:spPr>
+            <a:xfrm>
+              <a:off x="7483297" y="4565510"/>
+              <a:ext cx="1438781" cy="1231499"/>
+            </a:xfrm>
+            <a:prstGeom prst="rect">
+              <a:avLst/>
+            </a:prstGeom>
+          </p:spPr>
+        </p:pic>
+        <p:pic>
+          <p:nvPicPr>
+            <p:cNvPr id="9" name="图片 8"/>
+            <p:cNvPicPr>
+              <a:picLocks noChangeAspect="1"/>
+            </p:cNvPicPr>
+            <p:nvPr/>
+          </p:nvPicPr>
+          <p:blipFill>
+            <a:blip r:embed="rId3"/>
+            <a:stretch>
+              <a:fillRect/>
+            </a:stretch>
+          </p:blipFill>
+          <p:spPr>
+            <a:xfrm>
+              <a:off x="6698566" y="879190"/>
+              <a:ext cx="3828620" cy="3298222"/>
+            </a:xfrm>
+            <a:prstGeom prst="rect">
+              <a:avLst/>
+            </a:prstGeom>
+          </p:spPr>
+        </p:pic>
+        <p:pic>
+          <p:nvPicPr>
+            <p:cNvPr id="10" name="图片 9"/>
+            <p:cNvPicPr>
+              <a:picLocks noChangeAspect="1"/>
+            </p:cNvPicPr>
+            <p:nvPr/>
+          </p:nvPicPr>
+          <p:blipFill>
+            <a:blip r:embed="rId4">
+              <a:duotone>
+                <a:prstClr val="black"/>
+                <a:srgbClr val="D9C3A5">
+                  <a:tint val="50000"/>
+                  <a:satMod val="180000"/>
+                </a:srgbClr>
+              </a:duotone>
+            </a:blip>
+            <a:stretch>
+              <a:fillRect/>
+            </a:stretch>
+          </p:blipFill>
+          <p:spPr>
+            <a:xfrm>
+              <a:off x="8574362" y="1163521"/>
+              <a:ext cx="2962913" cy="2091109"/>
+            </a:xfrm>
+            <a:prstGeom prst="rect">
+              <a:avLst/>
+            </a:prstGeom>
+          </p:spPr>
+        </p:pic>
+        <p:pic>
+          <p:nvPicPr>
+            <p:cNvPr id="11" name="图片 10"/>
+            <p:cNvPicPr>
+              <a:picLocks noChangeAspect="1"/>
+            </p:cNvPicPr>
+            <p:nvPr/>
+          </p:nvPicPr>
+          <p:blipFill>
+            <a:blip r:embed="rId5"/>
+            <a:stretch>
+              <a:fillRect/>
+            </a:stretch>
+          </p:blipFill>
+          <p:spPr>
+            <a:xfrm>
+              <a:off x="8520461" y="3297771"/>
+              <a:ext cx="3554276" cy="3066554"/>
+            </a:xfrm>
+            <a:prstGeom prst="rect">
+              <a:avLst/>
+            </a:prstGeom>
+          </p:spPr>
+        </p:pic>
+      </p:grpSp>
+      <p:sp>
+        <p:nvSpPr>
+          <p:cNvPr id="12" name="文本框 11"/>
           <p:cNvSpPr txBox="1"/>
           <p:nvPr/>
         </p:nvSpPr>
         <p:spPr>
           <a:xfrm>
-            <a:off x="6895821" y="1610867"/>
-            <a:ext cx="4982415" cy="3521157"/>
+            <a:off x="6154908" y="2536791"/>
+            <a:ext cx="5833041" cy="1107996"/>
+          </a:xfrm>
+          <a:prstGeom prst="rect">
+            <a:avLst/>
+          </a:prstGeom>
+          <a:noFill/>
+          <a:ln>
+            <a:noFill/>
+          </a:ln>
+          <a:effectLst/>
+          <a:scene3d>
+            <a:camera prst="orthographicFront">
+              <a:rot lat="0" lon="0" rev="0"/>
+            </a:camera>
+            <a:lightRig rig="contrasting" dir="t">
+              <a:rot lat="0" lon="0" rev="7800000"/>
+            </a:lightRig>
+          </a:scene3d>
+          <a:sp3d>
+            <a:bevelT w="139700" h="139700"/>
+          </a:sp3d>
+        </p:spPr>
+        <p:txBody>
+          <a:bodyPr wrap="square" rtlCol="0">
+            <a:spAutoFit/>
+          </a:bodyPr>
+          <a:lstStyle/>
+          <a:p>
+            <a:pPr algn="ctr"/>
+            <a:r>
+              <a:rPr lang="en-US" altLang="zh-CN" sz="6600" dirty="0">
+                <a:effectLst>
+                  <a:outerShdw blurRad="50800" dist="38100" dir="5400000" algn="t" rotWithShape="0">
+                    <a:prstClr val="black">
+                      <a:alpha val="40000"/>
+                    </a:prstClr>
+                  </a:outerShdw>
+                </a:effectLst>
+                <a:cs typeface="+mn-ea"/>
+                <a:sym typeface="+mn-lt"/>
+              </a:rPr>
+              <a:t>System Design</a:t>
+            </a:r>
+            <a:endParaRPr lang="zh-CN" altLang="en-US" sz="6600" dirty="0">
+              <a:effectLst>
+                <a:outerShdw blurRad="50800" dist="38100" dir="5400000" algn="t" rotWithShape="0">
+                  <a:prstClr val="black">
+                    <a:alpha val="40000"/>
+                  </a:prstClr>
+                </a:outerShdw>
+              </a:effectLst>
+              <a:cs typeface="+mn-ea"/>
+              <a:sym typeface="+mn-lt"/>
+            </a:endParaRPr>
+          </a:p>
+        </p:txBody>
+      </p:sp>
+      <p:sp>
+        <p:nvSpPr>
+          <p:cNvPr id="15" name="文本框 14"/>
+          <p:cNvSpPr txBox="1"/>
+          <p:nvPr/>
+        </p:nvSpPr>
+        <p:spPr>
+          <a:xfrm>
+            <a:off x="2974582" y="3090789"/>
+            <a:ext cx="2613936" cy="923330"/>
           </a:xfrm>
           <a:prstGeom prst="rect">
             <a:avLst/>
@@ -6076,174 +6213,29 @@
           <a:bodyPr wrap="square" rtlCol="0">
             <a:spAutoFit/>
           </a:bodyPr>
-          <a:lstStyle>
-            <a:defPPr>
-              <a:defRPr lang="zh-CN"/>
-            </a:defPPr>
-            <a:lvl1pPr algn="dist">
-              <a:defRPr>
-                <a:latin typeface="华文仿宋" panose="02010600040101010101" pitchFamily="2" charset="-122"/>
-                <a:ea typeface="华文仿宋" panose="02010600040101010101" pitchFamily="2" charset="-122"/>
-              </a:defRPr>
-            </a:lvl1pPr>
-          </a:lstStyle>
-          <a:p>
-            <a:pPr algn="l">
-              <a:lnSpc>
-                <a:spcPct val="150000"/>
-              </a:lnSpc>
-            </a:pPr>
-            <a:r>
-              <a:rPr lang="en-US" altLang="zh-CN" sz="2800" dirty="0">
-                <a:latin typeface="+mn-lt"/>
-                <a:ea typeface="+mn-ea"/>
+          <a:lstStyle/>
+          <a:p>
+            <a:r>
+              <a:rPr lang="en-US" altLang="zh-CN" sz="5400" b="1" dirty="0">
+                <a:solidFill>
+                  <a:srgbClr val="F2F2F2"/>
+                </a:solidFill>
                 <a:cs typeface="+mn-ea"/>
                 <a:sym typeface="+mn-lt"/>
               </a:rPr>
-              <a:t>Verify</a:t>
-            </a:r>
-          </a:p>
-          <a:p>
-            <a:pPr marL="514350" indent="-514350" algn="l">
-              <a:buFont typeface="+mj-lt"/>
-              <a:buAutoNum type="arabicPeriod"/>
-            </a:pPr>
-            <a:r>
-              <a:rPr lang="en-US" altLang="zh-CN" dirty="0">
-                <a:latin typeface="+mn-lt"/>
-                <a:ea typeface="+mn-ea"/>
-                <a:cs typeface="+mn-ea"/>
-                <a:sym typeface="+mn-lt"/>
-              </a:rPr>
-              <a:t>Verifier search the academic certification in Certification Authority(University)</a:t>
-            </a:r>
-          </a:p>
-          <a:p>
-            <a:pPr marL="514350" indent="-514350" algn="l">
-              <a:buFont typeface="+mj-lt"/>
-              <a:buAutoNum type="arabicPeriod"/>
-            </a:pPr>
-            <a:endParaRPr lang="en-US" altLang="zh-CN" dirty="0">
-              <a:latin typeface="+mn-lt"/>
-              <a:ea typeface="+mn-ea"/>
+              <a:t>PART.3</a:t>
+            </a:r>
+            <a:endParaRPr lang="zh-CN" altLang="en-US" sz="5400" b="1" dirty="0">
+              <a:solidFill>
+                <a:srgbClr val="F2F2F2"/>
+              </a:solidFill>
               <a:cs typeface="+mn-ea"/>
               <a:sym typeface="+mn-lt"/>
             </a:endParaRPr>
           </a:p>
-          <a:p>
-            <a:pPr marL="514350" indent="-514350" algn="l">
-              <a:buFont typeface="+mj-lt"/>
-              <a:buAutoNum type="arabicPeriod"/>
-            </a:pPr>
-            <a:r>
-              <a:rPr lang="en-US" altLang="zh-CN" dirty="0">
-                <a:latin typeface="+mn-lt"/>
-                <a:ea typeface="+mn-ea"/>
-                <a:cs typeface="+mn-ea"/>
-                <a:sym typeface="+mn-lt"/>
-              </a:rPr>
-              <a:t>Verifier search the hash of certification in blockchain</a:t>
-            </a:r>
-          </a:p>
-          <a:p>
-            <a:pPr marL="514350" indent="-514350" algn="l">
-              <a:buFont typeface="+mj-lt"/>
-              <a:buAutoNum type="arabicPeriod"/>
-            </a:pPr>
-            <a:endParaRPr lang="en-US" altLang="zh-CN" dirty="0">
-              <a:latin typeface="+mn-lt"/>
-              <a:ea typeface="+mn-ea"/>
-              <a:cs typeface="+mn-ea"/>
-              <a:sym typeface="+mn-lt"/>
-            </a:endParaRPr>
-          </a:p>
-          <a:p>
-            <a:pPr marL="514350" indent="-514350" algn="l">
-              <a:buFont typeface="+mj-lt"/>
-              <a:buAutoNum type="arabicPeriod"/>
-            </a:pPr>
-            <a:r>
-              <a:rPr lang="en-US" altLang="zh-CN" dirty="0">
-                <a:latin typeface="+mn-lt"/>
-                <a:ea typeface="+mn-ea"/>
-                <a:cs typeface="+mn-ea"/>
-                <a:sym typeface="+mn-lt"/>
-              </a:rPr>
-              <a:t>Verifier compare with the hash values of 1 and 2.</a:t>
-            </a:r>
-          </a:p>
-          <a:p>
-            <a:pPr marL="514350" indent="-514350" algn="l">
-              <a:lnSpc>
-                <a:spcPct val="150000"/>
-              </a:lnSpc>
-              <a:buFont typeface="+mj-lt"/>
-              <a:buAutoNum type="arabicPeriod"/>
-            </a:pPr>
-            <a:endParaRPr lang="en-US" altLang="zh-CN" sz="2800" dirty="0">
-              <a:latin typeface="+mn-lt"/>
-              <a:ea typeface="+mn-ea"/>
-              <a:cs typeface="+mn-ea"/>
-              <a:sym typeface="+mn-lt"/>
-            </a:endParaRPr>
-          </a:p>
         </p:txBody>
       </p:sp>
-      <p:pic>
-        <p:nvPicPr>
-          <p:cNvPr id="3" name="图片 2" descr="图片包含 图形用户界面&#10;&#10;描述已自动生成">
-            <a:extLst>
-              <a:ext uri="{FF2B5EF4-FFF2-40B4-BE49-F238E27FC236}">
-                <a16:creationId xmlns:a16="http://schemas.microsoft.com/office/drawing/2014/main" id="{D1A7FBE3-5750-4AA8-8084-0A74313FE514}"/>
-              </a:ext>
-            </a:extLst>
-          </p:cNvPr>
-          <p:cNvPicPr>
-            <a:picLocks noChangeAspect="1"/>
-          </p:cNvPicPr>
-          <p:nvPr/>
-        </p:nvPicPr>
-        <p:blipFill>
-          <a:blip r:embed="rId3">
-            <a:extLst>
-              <a:ext uri="{28A0092B-C50C-407E-A947-70E740481C1C}">
-                <a14:useLocalDpi xmlns:a14="http://schemas.microsoft.com/office/drawing/2010/main" val="0"/>
-              </a:ext>
-            </a:extLst>
-          </a:blip>
-          <a:stretch>
-            <a:fillRect/>
-          </a:stretch>
-        </p:blipFill>
-        <p:spPr>
-          <a:xfrm>
-            <a:off x="412377" y="1430492"/>
-            <a:ext cx="6185647" cy="3630706"/>
-          </a:xfrm>
-          <a:prstGeom prst="roundRect">
-            <a:avLst>
-              <a:gd name="adj" fmla="val 8594"/>
-            </a:avLst>
-          </a:prstGeom>
-          <a:solidFill>
-            <a:srgbClr val="FFFFFF">
-              <a:shade val="85000"/>
-            </a:srgbClr>
-          </a:solidFill>
-          <a:ln>
-            <a:noFill/>
-          </a:ln>
-          <a:effectLst>
-            <a:reflection blurRad="12700" stA="38000" endPos="28000" dist="5000" dir="5400000" sy="-100000" algn="bl" rotWithShape="0"/>
-          </a:effectLst>
-        </p:spPr>
-      </p:pic>
     </p:spTree>
-    <p:extLst>
-      <p:ext uri="{BB962C8B-B14F-4D97-AF65-F5344CB8AC3E}">
-        <p14:creationId xmlns:p14="http://schemas.microsoft.com/office/powerpoint/2010/main" val="2212044261"/>
-      </p:ext>
-    </p:extLst>
   </p:cSld>
   <p:clrMapOvr>
     <a:masterClrMapping/>
@@ -6585,22 +6577,60 @@
           </a:p>
         </p:txBody>
       </p:sp>
-      <p:sp>
-        <p:nvSpPr>
-          <p:cNvPr id="6" name="文本框 5">
+      <p:pic>
+        <p:nvPicPr>
+          <p:cNvPr id="5" name="图片 4" descr="图示&#10;&#10;描述已自动生成"/>
+          <p:cNvPicPr>
+            <a:picLocks noChangeAspect="1"/>
+          </p:cNvPicPr>
+          <p:nvPr/>
+        </p:nvPicPr>
+        <p:blipFill rotWithShape="1">
+          <a:blip r:embed="rId1">
             <a:extLst>
-              <a:ext uri="{FF2B5EF4-FFF2-40B4-BE49-F238E27FC236}">
-                <a16:creationId xmlns:a16="http://schemas.microsoft.com/office/drawing/2014/main" id="{CC2100E7-160A-451F-AB17-7C8D345EF918}"/>
+              <a:ext uri="{28A0092B-C50C-407E-A947-70E740481C1C}">
+                <a14:useLocalDpi xmlns:a14="http://schemas.microsoft.com/office/drawing/2010/main" val="0"/>
               </a:ext>
             </a:extLst>
-          </p:cNvPr>
+          </a:blip>
+          <a:srcRect r="18177"/>
+          <a:stretch>
+            <a:fillRect/>
+          </a:stretch>
+        </p:blipFill>
+        <p:spPr>
+          <a:xfrm>
+            <a:off x="5460418" y="1286890"/>
+            <a:ext cx="6047132" cy="4187087"/>
+          </a:xfrm>
+          <a:prstGeom prst="roundRect">
+            <a:avLst>
+              <a:gd name="adj" fmla="val 8594"/>
+            </a:avLst>
+          </a:prstGeom>
+          <a:solidFill>
+            <a:srgbClr val="FFFFFF">
+              <a:shade val="85000"/>
+            </a:srgbClr>
+          </a:solidFill>
+          <a:ln>
+            <a:noFill/>
+          </a:ln>
+          <a:effectLst>
+            <a:reflection blurRad="12700" stA="38000" endPos="28000" dist="5000" dir="5400000" sy="-100000" algn="bl" rotWithShape="0"/>
+          </a:effectLst>
+        </p:spPr>
+      </p:pic>
+      <p:sp>
+        <p:nvSpPr>
+          <p:cNvPr id="6" name="文本框 5"/>
           <p:cNvSpPr txBox="1"/>
           <p:nvPr/>
         </p:nvSpPr>
         <p:spPr>
           <a:xfrm>
-            <a:off x="1825449" y="1516045"/>
-            <a:ext cx="5314110" cy="3459601"/>
+            <a:off x="429541" y="1736801"/>
+            <a:ext cx="4599659" cy="3521157"/>
           </a:xfrm>
           <a:prstGeom prst="rect">
             <a:avLst/>
@@ -6627,12 +6657,6 @@
               <a:lnSpc>
                 <a:spcPct val="150000"/>
               </a:lnSpc>
-              <a:spcBef>
-                <a:spcPts val="600"/>
-              </a:spcBef>
-              <a:spcAft>
-                <a:spcPts val="600"/>
-              </a:spcAft>
             </a:pPr>
             <a:r>
               <a:rPr lang="en-US" altLang="zh-CN" sz="2800" dirty="0">
@@ -6641,83 +6665,107 @@
                 <a:cs typeface="+mn-ea"/>
                 <a:sym typeface="+mn-lt"/>
               </a:rPr>
-              <a:t>Innovation: credit rating</a:t>
-            </a:r>
-          </a:p>
-          <a:p>
-            <a:pPr marL="457200" indent="-457200" algn="l">
-              <a:spcBef>
-                <a:spcPts val="600"/>
-              </a:spcBef>
-              <a:spcAft>
-                <a:spcPts val="600"/>
-              </a:spcAft>
-              <a:buFont typeface="Arial" panose="020B0604020202020204" pitchFamily="34" charset="0"/>
-              <a:buChar char="•"/>
+              <a:t>Store</a:t>
+            </a:r>
+            <a:endParaRPr lang="en-US" altLang="zh-CN" sz="2800" dirty="0">
+              <a:latin typeface="+mn-lt"/>
+              <a:ea typeface="+mn-ea"/>
+              <a:cs typeface="+mn-ea"/>
+              <a:sym typeface="+mn-lt"/>
+            </a:endParaRPr>
+          </a:p>
+          <a:p>
+            <a:pPr marL="514350" indent="-514350" algn="l">
+              <a:buFont typeface="+mj-lt"/>
+              <a:buAutoNum type="arabicPeriod"/>
             </a:pPr>
             <a:r>
-              <a:rPr lang="en-US" altLang="zh-CN" sz="2000" dirty="0">
+              <a:rPr lang="en-US" altLang="zh-CN" dirty="0">
                 <a:latin typeface="+mn-lt"/>
                 <a:ea typeface="+mn-ea"/>
                 <a:cs typeface="+mn-ea"/>
                 <a:sym typeface="+mn-lt"/>
               </a:rPr>
-              <a:t>Credit rating is an indicator of the reliability of the CA(certification authority)</a:t>
-            </a:r>
-          </a:p>
-          <a:p>
-            <a:pPr marL="457200" indent="-457200" algn="l">
-              <a:spcBef>
-                <a:spcPts val="600"/>
-              </a:spcBef>
-              <a:spcAft>
-                <a:spcPts val="600"/>
-              </a:spcAft>
-              <a:buFont typeface="Arial" panose="020B0604020202020204" pitchFamily="34" charset="0"/>
-              <a:buChar char="•"/>
+              <a:t>Authenticator(Professor) sign the certification</a:t>
+            </a:r>
+            <a:endParaRPr lang="en-US" altLang="zh-CN" dirty="0">
+              <a:latin typeface="+mn-lt"/>
+              <a:ea typeface="+mn-ea"/>
+              <a:cs typeface="+mn-ea"/>
+              <a:sym typeface="+mn-lt"/>
+            </a:endParaRPr>
+          </a:p>
+          <a:p>
+            <a:pPr marL="514350" indent="-514350" algn="l">
+              <a:buFont typeface="+mj-lt"/>
+              <a:buAutoNum type="arabicPeriod"/>
             </a:pPr>
-            <a:r>
-              <a:rPr lang="en-US" altLang="zh-CN" sz="2000" dirty="0">
+            <a:endParaRPr lang="en-US" altLang="zh-CN" dirty="0">
+              <a:latin typeface="+mn-lt"/>
+              <a:ea typeface="+mn-ea"/>
+              <a:cs typeface="+mn-ea"/>
+              <a:sym typeface="+mn-lt"/>
+            </a:endParaRPr>
+          </a:p>
+          <a:p>
+            <a:pPr marL="514350" indent="-514350" algn="l">
+              <a:buFont typeface="+mj-lt"/>
+              <a:buAutoNum type="arabicPeriod"/>
+            </a:pPr>
+            <a:r>
+              <a:rPr lang="en-US" altLang="zh-CN" dirty="0">
                 <a:latin typeface="+mn-lt"/>
                 <a:ea typeface="+mn-ea"/>
                 <a:cs typeface="+mn-ea"/>
                 <a:sym typeface="+mn-lt"/>
               </a:rPr>
-              <a:t>Each certification of a CA be used, will make the rating of the CA higher. </a:t>
-            </a:r>
-          </a:p>
-          <a:p>
-            <a:pPr marL="457200" indent="-457200" algn="l">
-              <a:spcBef>
-                <a:spcPts val="600"/>
-              </a:spcBef>
-              <a:spcAft>
-                <a:spcPts val="600"/>
-              </a:spcAft>
-              <a:buFont typeface="Arial" panose="020B0604020202020204" pitchFamily="34" charset="0"/>
-              <a:buChar char="•"/>
+              <a:t>Authenticator store the certification into the database of university</a:t>
+            </a:r>
+            <a:endParaRPr lang="en-US" altLang="zh-CN" dirty="0">
+              <a:latin typeface="+mn-lt"/>
+              <a:ea typeface="+mn-ea"/>
+              <a:cs typeface="+mn-ea"/>
+              <a:sym typeface="+mn-lt"/>
+            </a:endParaRPr>
+          </a:p>
+          <a:p>
+            <a:pPr marL="514350" indent="-514350" algn="l">
+              <a:buFont typeface="+mj-lt"/>
+              <a:buAutoNum type="arabicPeriod"/>
             </a:pPr>
-            <a:r>
-              <a:rPr lang="en-US" altLang="zh-CN" sz="2000" dirty="0">
+            <a:endParaRPr lang="en-US" altLang="zh-CN" dirty="0">
+              <a:latin typeface="+mn-lt"/>
+              <a:ea typeface="+mn-ea"/>
+              <a:cs typeface="+mn-ea"/>
+              <a:sym typeface="+mn-lt"/>
+            </a:endParaRPr>
+          </a:p>
+          <a:p>
+            <a:pPr marL="514350" indent="-514350" algn="l">
+              <a:buFont typeface="+mj-lt"/>
+              <a:buAutoNum type="arabicPeriod"/>
+            </a:pPr>
+            <a:r>
+              <a:rPr lang="en-US" altLang="zh-CN" dirty="0">
                 <a:latin typeface="+mn-lt"/>
                 <a:ea typeface="+mn-ea"/>
                 <a:cs typeface="+mn-ea"/>
                 <a:sym typeface="+mn-lt"/>
               </a:rPr>
-              <a:t>Verifier can check the rating of the CA</a:t>
-            </a:r>
+              <a:t>Authenticator store the hash value of certification into the blockchain</a:t>
+            </a:r>
+            <a:endParaRPr lang="en-US" altLang="zh-CN" dirty="0">
+              <a:latin typeface="+mn-lt"/>
+              <a:ea typeface="+mn-ea"/>
+              <a:cs typeface="+mn-ea"/>
+              <a:sym typeface="+mn-lt"/>
+            </a:endParaRPr>
           </a:p>
           <a:p>
             <a:pPr marL="514350" indent="-514350" algn="l">
               <a:lnSpc>
                 <a:spcPct val="150000"/>
               </a:lnSpc>
-              <a:spcBef>
-                <a:spcPts val="600"/>
-              </a:spcBef>
-              <a:spcAft>
-                <a:spcPts val="600"/>
-              </a:spcAft>
               <a:buFont typeface="+mj-lt"/>
               <a:buAutoNum type="arabicPeriod"/>
             </a:pPr>
@@ -6731,11 +6779,6 @@
         </p:txBody>
       </p:sp>
     </p:spTree>
-    <p:extLst>
-      <p:ext uri="{BB962C8B-B14F-4D97-AF65-F5344CB8AC3E}">
-        <p14:creationId xmlns:p14="http://schemas.microsoft.com/office/powerpoint/2010/main" val="4127732103"/>
-      </p:ext>
-    </p:extLst>
   </p:cSld>
   <p:clrMapOvr>
     <a:masterClrMapping/>
@@ -7079,20 +7122,14 @@
       </p:sp>
       <p:sp>
         <p:nvSpPr>
-          <p:cNvPr id="6" name="文本框 5">
-            <a:extLst>
-              <a:ext uri="{FF2B5EF4-FFF2-40B4-BE49-F238E27FC236}">
-                <a16:creationId xmlns:a16="http://schemas.microsoft.com/office/drawing/2014/main" id="{CC2100E7-160A-451F-AB17-7C8D345EF918}"/>
-              </a:ext>
-            </a:extLst>
-          </p:cNvPr>
+          <p:cNvPr id="6" name="文本框 5"/>
           <p:cNvSpPr txBox="1"/>
           <p:nvPr/>
         </p:nvSpPr>
         <p:spPr>
           <a:xfrm>
-            <a:off x="346075" y="2159886"/>
-            <a:ext cx="5314110" cy="1920719"/>
+            <a:off x="6895821" y="1610867"/>
+            <a:ext cx="4982415" cy="3521157"/>
           </a:xfrm>
           <a:prstGeom prst="rect">
             <a:avLst/>
@@ -7119,12 +7156,6 @@
               <a:lnSpc>
                 <a:spcPct val="150000"/>
               </a:lnSpc>
-              <a:spcBef>
-                <a:spcPts val="600"/>
-              </a:spcBef>
-              <a:spcAft>
-                <a:spcPts val="600"/>
-              </a:spcAft>
             </a:pPr>
             <a:r>
               <a:rPr lang="en-US" altLang="zh-CN" sz="2800" dirty="0">
@@ -7133,41 +7164,107 @@
                 <a:cs typeface="+mn-ea"/>
                 <a:sym typeface="+mn-lt"/>
               </a:rPr>
-              <a:t>Addition: Raspberry Pi Cluster</a:t>
-            </a:r>
-          </a:p>
-          <a:p>
-            <a:pPr marL="457200" indent="-457200" algn="l">
-              <a:spcBef>
-                <a:spcPts val="600"/>
-              </a:spcBef>
-              <a:spcAft>
-                <a:spcPts val="600"/>
-              </a:spcAft>
-              <a:buFont typeface="Arial" panose="020B0604020202020204" pitchFamily="34" charset="0"/>
-              <a:buChar char="•"/>
+              <a:t>Verify</a:t>
+            </a:r>
+            <a:endParaRPr lang="en-US" altLang="zh-CN" sz="2800" dirty="0">
+              <a:latin typeface="+mn-lt"/>
+              <a:ea typeface="+mn-ea"/>
+              <a:cs typeface="+mn-ea"/>
+              <a:sym typeface="+mn-lt"/>
+            </a:endParaRPr>
+          </a:p>
+          <a:p>
+            <a:pPr marL="514350" indent="-514350" algn="l">
+              <a:buFont typeface="+mj-lt"/>
+              <a:buAutoNum type="arabicPeriod"/>
             </a:pPr>
             <a:r>
-              <a:rPr lang="en-US" altLang="zh-CN" sz="2000" dirty="0">
+              <a:rPr lang="en-US" altLang="zh-CN" dirty="0">
                 <a:latin typeface="+mn-lt"/>
                 <a:ea typeface="+mn-ea"/>
                 <a:cs typeface="+mn-ea"/>
                 <a:sym typeface="+mn-lt"/>
               </a:rPr>
-              <a:t>A cluster with 13+ raspberry pi 4b</a:t>
-            </a:r>
+              <a:t>Verifier search the academic certification in Certification Authority(University)</a:t>
+            </a:r>
+            <a:endParaRPr lang="en-US" altLang="zh-CN" dirty="0">
+              <a:latin typeface="+mn-lt"/>
+              <a:ea typeface="+mn-ea"/>
+              <a:cs typeface="+mn-ea"/>
+              <a:sym typeface="+mn-lt"/>
+            </a:endParaRPr>
+          </a:p>
+          <a:p>
+            <a:pPr marL="514350" indent="-514350" algn="l">
+              <a:buFont typeface="+mj-lt"/>
+              <a:buAutoNum type="arabicPeriod"/>
+            </a:pPr>
+            <a:endParaRPr lang="en-US" altLang="zh-CN" dirty="0">
+              <a:latin typeface="+mn-lt"/>
+              <a:ea typeface="+mn-ea"/>
+              <a:cs typeface="+mn-ea"/>
+              <a:sym typeface="+mn-lt"/>
+            </a:endParaRPr>
+          </a:p>
+          <a:p>
+            <a:pPr marL="514350" indent="-514350" algn="l">
+              <a:buFont typeface="+mj-lt"/>
+              <a:buAutoNum type="arabicPeriod"/>
+            </a:pPr>
+            <a:r>
+              <a:rPr lang="en-US" altLang="zh-CN" dirty="0">
+                <a:latin typeface="+mn-lt"/>
+                <a:ea typeface="+mn-ea"/>
+                <a:cs typeface="+mn-ea"/>
+                <a:sym typeface="+mn-lt"/>
+              </a:rPr>
+              <a:t>Verifier search the hash of certification in blockchain</a:t>
+            </a:r>
+            <a:endParaRPr lang="en-US" altLang="zh-CN" dirty="0">
+              <a:latin typeface="+mn-lt"/>
+              <a:ea typeface="+mn-ea"/>
+              <a:cs typeface="+mn-ea"/>
+              <a:sym typeface="+mn-lt"/>
+            </a:endParaRPr>
+          </a:p>
+          <a:p>
+            <a:pPr marL="514350" indent="-514350" algn="l">
+              <a:buFont typeface="+mj-lt"/>
+              <a:buAutoNum type="arabicPeriod"/>
+            </a:pPr>
+            <a:endParaRPr lang="en-US" altLang="zh-CN" dirty="0">
+              <a:latin typeface="+mn-lt"/>
+              <a:ea typeface="+mn-ea"/>
+              <a:cs typeface="+mn-ea"/>
+              <a:sym typeface="+mn-lt"/>
+            </a:endParaRPr>
+          </a:p>
+          <a:p>
+            <a:pPr marL="514350" indent="-514350" algn="l">
+              <a:buFont typeface="+mj-lt"/>
+              <a:buAutoNum type="arabicPeriod"/>
+            </a:pPr>
+            <a:r>
+              <a:rPr lang="en-US" altLang="zh-CN" dirty="0">
+                <a:latin typeface="+mn-lt"/>
+                <a:ea typeface="+mn-ea"/>
+                <a:cs typeface="+mn-ea"/>
+                <a:sym typeface="+mn-lt"/>
+              </a:rPr>
+              <a:t>Verifier compare with the hash values of 1 and 2.</a:t>
+            </a:r>
+            <a:endParaRPr lang="en-US" altLang="zh-CN" dirty="0">
+              <a:latin typeface="+mn-lt"/>
+              <a:ea typeface="+mn-ea"/>
+              <a:cs typeface="+mn-ea"/>
+              <a:sym typeface="+mn-lt"/>
+            </a:endParaRPr>
           </a:p>
           <a:p>
             <a:pPr marL="514350" indent="-514350" algn="l">
               <a:lnSpc>
                 <a:spcPct val="150000"/>
               </a:lnSpc>
-              <a:spcBef>
-                <a:spcPts val="600"/>
-              </a:spcBef>
-              <a:spcAft>
-                <a:spcPts val="600"/>
-              </a:spcAft>
               <a:buFont typeface="+mj-lt"/>
               <a:buAutoNum type="arabicPeriod"/>
             </a:pPr>
@@ -7182,20 +7279,14 @@
       </p:sp>
       <p:pic>
         <p:nvPicPr>
-          <p:cNvPr id="4" name="图片 3" descr="图片包含 室内, 灯光, 桌子, 蛋糕&#10;&#10;描述已自动生成">
-            <a:extLst>
-              <a:ext uri="{FF2B5EF4-FFF2-40B4-BE49-F238E27FC236}">
-                <a16:creationId xmlns:a16="http://schemas.microsoft.com/office/drawing/2014/main" id="{E633AAF9-D1FC-487F-A24B-8EE60942D117}"/>
-              </a:ext>
-            </a:extLst>
-          </p:cNvPr>
+          <p:cNvPr id="3" name="图片 2" descr="图片包含 图形用户界面&#10;&#10;描述已自动生成"/>
           <p:cNvPicPr>
             <a:picLocks noChangeAspect="1"/>
           </p:cNvPicPr>
           <p:nvPr/>
         </p:nvPicPr>
         <p:blipFill>
-          <a:blip r:embed="rId3" cstate="print">
+          <a:blip r:embed="rId1">
             <a:extLst>
               <a:ext uri="{28A0092B-C50C-407E-A947-70E740481C1C}">
                 <a14:useLocalDpi xmlns:a14="http://schemas.microsoft.com/office/drawing/2010/main" val="0"/>
@@ -7208,8 +7299,8 @@
         </p:blipFill>
         <p:spPr>
           <a:xfrm>
-            <a:off x="5384085" y="1559001"/>
-            <a:ext cx="6461840" cy="3739998"/>
+            <a:off x="412377" y="1430492"/>
+            <a:ext cx="6185647" cy="3630706"/>
           </a:xfrm>
           <a:prstGeom prst="roundRect">
             <a:avLst>
@@ -7230,11 +7321,6 @@
         </p:spPr>
       </p:pic>
     </p:spTree>
-    <p:extLst>
-      <p:ext uri="{BB962C8B-B14F-4D97-AF65-F5344CB8AC3E}">
-        <p14:creationId xmlns:p14="http://schemas.microsoft.com/office/powerpoint/2010/main" val="4099807956"/>
-      </p:ext>
-    </p:extLst>
   </p:cSld>
   <p:clrMapOvr>
     <a:masterClrMapping/>
@@ -7259,9 +7345,179 @@
           <a:chExt cx="0" cy="0"/>
         </a:xfrm>
       </p:grpSpPr>
-      <p:sp>
-        <p:nvSpPr>
-          <p:cNvPr id="5" name="任意多边形: 形状 4"/>
+      <p:grpSp>
+        <p:nvGrpSpPr>
+          <p:cNvPr id="32" name="组合 31"/>
+          <p:cNvGrpSpPr/>
+          <p:nvPr/>
+        </p:nvGrpSpPr>
+        <p:grpSpPr>
+          <a:xfrm>
+            <a:off x="346076" y="364699"/>
+            <a:ext cx="2506852" cy="759031"/>
+            <a:chOff x="384176" y="307549"/>
+            <a:chExt cx="2230868" cy="759031"/>
+          </a:xfrm>
+        </p:grpSpPr>
+        <p:grpSp>
+          <p:nvGrpSpPr>
+            <p:cNvPr id="16" name="组合 15"/>
+            <p:cNvGrpSpPr/>
+            <p:nvPr/>
+          </p:nvGrpSpPr>
+          <p:grpSpPr>
+            <a:xfrm>
+              <a:off x="384176" y="307549"/>
+              <a:ext cx="377371" cy="507162"/>
+              <a:chOff x="899886" y="361978"/>
+              <a:chExt cx="377371" cy="507162"/>
+            </a:xfrm>
+          </p:grpSpPr>
+          <p:sp>
+            <p:nvSpPr>
+              <p:cNvPr id="14" name="等腰三角形 13"/>
+              <p:cNvSpPr/>
+              <p:nvPr/>
+            </p:nvSpPr>
+            <p:spPr>
+              <a:xfrm>
+                <a:off x="899886" y="613178"/>
+                <a:ext cx="377371" cy="255962"/>
+              </a:xfrm>
+              <a:prstGeom prst="triangle">
+                <a:avLst/>
+              </a:prstGeom>
+              <a:solidFill>
+                <a:srgbClr val="526188"/>
+              </a:solidFill>
+              <a:ln>
+                <a:noFill/>
+              </a:ln>
+            </p:spPr>
+            <p:style>
+              <a:lnRef idx="2">
+                <a:schemeClr val="accent1">
+                  <a:shade val="50000"/>
+                </a:schemeClr>
+              </a:lnRef>
+              <a:fillRef idx="1">
+                <a:schemeClr val="accent1"/>
+              </a:fillRef>
+              <a:effectRef idx="0">
+                <a:schemeClr val="accent1"/>
+              </a:effectRef>
+              <a:fontRef idx="minor">
+                <a:schemeClr val="lt1"/>
+              </a:fontRef>
+            </p:style>
+            <p:txBody>
+              <a:bodyPr rtlCol="0" anchor="ctr"/>
+              <a:lstStyle/>
+              <a:p>
+                <a:pPr algn="ctr"/>
+                <a:endParaRPr lang="zh-CN" altLang="en-US">
+                  <a:cs typeface="+mn-ea"/>
+                  <a:sym typeface="+mn-lt"/>
+                </a:endParaRPr>
+              </a:p>
+            </p:txBody>
+          </p:sp>
+          <p:sp>
+            <p:nvSpPr>
+              <p:cNvPr id="15" name="等腰三角形 14"/>
+              <p:cNvSpPr/>
+              <p:nvPr/>
+            </p:nvSpPr>
+            <p:spPr>
+              <a:xfrm rot="10800000">
+                <a:off x="899886" y="361978"/>
+                <a:ext cx="377371" cy="255962"/>
+              </a:xfrm>
+              <a:prstGeom prst="triangle">
+                <a:avLst/>
+              </a:prstGeom>
+              <a:solidFill>
+                <a:srgbClr val="E7C7A0"/>
+              </a:solidFill>
+              <a:ln>
+                <a:noFill/>
+              </a:ln>
+            </p:spPr>
+            <p:style>
+              <a:lnRef idx="2">
+                <a:schemeClr val="accent1">
+                  <a:shade val="50000"/>
+                </a:schemeClr>
+              </a:lnRef>
+              <a:fillRef idx="1">
+                <a:schemeClr val="accent1"/>
+              </a:fillRef>
+              <a:effectRef idx="0">
+                <a:schemeClr val="accent1"/>
+              </a:effectRef>
+              <a:fontRef idx="minor">
+                <a:schemeClr val="lt1"/>
+              </a:fontRef>
+            </p:style>
+            <p:txBody>
+              <a:bodyPr rtlCol="0" anchor="ctr"/>
+              <a:lstStyle/>
+              <a:p>
+                <a:pPr algn="ctr"/>
+                <a:endParaRPr lang="zh-CN" altLang="en-US">
+                  <a:cs typeface="+mn-ea"/>
+                  <a:sym typeface="+mn-lt"/>
+                </a:endParaRPr>
+              </a:p>
+            </p:txBody>
+          </p:sp>
+        </p:grpSp>
+        <p:sp>
+          <p:nvSpPr>
+            <p:cNvPr id="29" name="文本框 28"/>
+            <p:cNvSpPr txBox="1"/>
+            <p:nvPr/>
+          </p:nvSpPr>
+          <p:spPr>
+            <a:xfrm>
+              <a:off x="786321" y="358694"/>
+              <a:ext cx="1828723" cy="707886"/>
+            </a:xfrm>
+            <a:prstGeom prst="rect">
+              <a:avLst/>
+            </a:prstGeom>
+            <a:noFill/>
+          </p:spPr>
+          <p:txBody>
+            <a:bodyPr wrap="square" rtlCol="0">
+              <a:spAutoFit/>
+            </a:bodyPr>
+            <a:lstStyle/>
+            <a:p>
+              <a:r>
+                <a:rPr lang="en-US" altLang="zh-CN" sz="2000" b="1" dirty="0">
+                  <a:solidFill>
+                    <a:srgbClr val="526188"/>
+                  </a:solidFill>
+                  <a:cs typeface="+mn-ea"/>
+                  <a:sym typeface="+mn-lt"/>
+                </a:rPr>
+                <a:t>System Design</a:t>
+              </a:r>
+              <a:endParaRPr lang="zh-CN" altLang="en-US" sz="2000" b="1" dirty="0">
+                <a:solidFill>
+                  <a:srgbClr val="526188"/>
+                </a:solidFill>
+                <a:cs typeface="+mn-ea"/>
+                <a:sym typeface="+mn-lt"/>
+              </a:endParaRPr>
+            </a:p>
+          </p:txBody>
+        </p:sp>
+      </p:grpSp>
+      <p:sp>
+        <p:nvSpPr>
+          <p:cNvPr id="12" name="任意多边形: 形状 11"/>
           <p:cNvSpPr/>
           <p:nvPr/>
         </p:nvSpPr>
@@ -7406,6 +7662,835 @@
           </a:p>
         </p:txBody>
       </p:sp>
+      <p:sp>
+        <p:nvSpPr>
+          <p:cNvPr id="6" name="文本框 5"/>
+          <p:cNvSpPr txBox="1"/>
+          <p:nvPr/>
+        </p:nvSpPr>
+        <p:spPr>
+          <a:xfrm>
+            <a:off x="1825449" y="1516045"/>
+            <a:ext cx="5314110" cy="3459601"/>
+          </a:xfrm>
+          <a:prstGeom prst="rect">
+            <a:avLst/>
+          </a:prstGeom>
+          <a:noFill/>
+        </p:spPr>
+        <p:txBody>
+          <a:bodyPr wrap="square" rtlCol="0">
+            <a:spAutoFit/>
+          </a:bodyPr>
+          <a:lstStyle>
+            <a:defPPr>
+              <a:defRPr lang="zh-CN"/>
+            </a:defPPr>
+            <a:lvl1pPr algn="dist">
+              <a:defRPr>
+                <a:latin typeface="华文仿宋" panose="02010600040101010101" pitchFamily="2" charset="-122"/>
+                <a:ea typeface="华文仿宋" panose="02010600040101010101" pitchFamily="2" charset="-122"/>
+              </a:defRPr>
+            </a:lvl1pPr>
+          </a:lstStyle>
+          <a:p>
+            <a:pPr algn="l">
+              <a:lnSpc>
+                <a:spcPct val="150000"/>
+              </a:lnSpc>
+              <a:spcBef>
+                <a:spcPts val="600"/>
+              </a:spcBef>
+              <a:spcAft>
+                <a:spcPts val="600"/>
+              </a:spcAft>
+            </a:pPr>
+            <a:r>
+              <a:rPr lang="en-US" altLang="zh-CN" sz="2800" dirty="0">
+                <a:latin typeface="+mn-lt"/>
+                <a:ea typeface="+mn-ea"/>
+                <a:cs typeface="+mn-ea"/>
+                <a:sym typeface="+mn-lt"/>
+              </a:rPr>
+              <a:t>Innovation: credit rating</a:t>
+            </a:r>
+            <a:endParaRPr lang="en-US" altLang="zh-CN" sz="2800" dirty="0">
+              <a:latin typeface="+mn-lt"/>
+              <a:ea typeface="+mn-ea"/>
+              <a:cs typeface="+mn-ea"/>
+              <a:sym typeface="+mn-lt"/>
+            </a:endParaRPr>
+          </a:p>
+          <a:p>
+            <a:pPr marL="457200" indent="-457200" algn="l">
+              <a:spcBef>
+                <a:spcPts val="600"/>
+              </a:spcBef>
+              <a:spcAft>
+                <a:spcPts val="600"/>
+              </a:spcAft>
+              <a:buFont typeface="Arial" panose="020B0604020202020204" pitchFamily="34" charset="0"/>
+              <a:buChar char="•"/>
+            </a:pPr>
+            <a:r>
+              <a:rPr lang="en-US" altLang="zh-CN" sz="2000" dirty="0">
+                <a:latin typeface="+mn-lt"/>
+                <a:ea typeface="+mn-ea"/>
+                <a:cs typeface="+mn-ea"/>
+                <a:sym typeface="+mn-lt"/>
+              </a:rPr>
+              <a:t>Credit rating is an indicator of the reliability of the CA(certification authority)</a:t>
+            </a:r>
+            <a:endParaRPr lang="en-US" altLang="zh-CN" sz="2000" dirty="0">
+              <a:latin typeface="+mn-lt"/>
+              <a:ea typeface="+mn-ea"/>
+              <a:cs typeface="+mn-ea"/>
+              <a:sym typeface="+mn-lt"/>
+            </a:endParaRPr>
+          </a:p>
+          <a:p>
+            <a:pPr marL="457200" indent="-457200" algn="l">
+              <a:spcBef>
+                <a:spcPts val="600"/>
+              </a:spcBef>
+              <a:spcAft>
+                <a:spcPts val="600"/>
+              </a:spcAft>
+              <a:buFont typeface="Arial" panose="020B0604020202020204" pitchFamily="34" charset="0"/>
+              <a:buChar char="•"/>
+            </a:pPr>
+            <a:r>
+              <a:rPr lang="en-US" altLang="zh-CN" sz="2000" dirty="0">
+                <a:latin typeface="+mn-lt"/>
+                <a:ea typeface="+mn-ea"/>
+                <a:cs typeface="+mn-ea"/>
+                <a:sym typeface="+mn-lt"/>
+              </a:rPr>
+              <a:t>Each certification of a CA be used, will make the rating of the CA higher. </a:t>
+            </a:r>
+            <a:endParaRPr lang="en-US" altLang="zh-CN" sz="2000" dirty="0">
+              <a:latin typeface="+mn-lt"/>
+              <a:ea typeface="+mn-ea"/>
+              <a:cs typeface="+mn-ea"/>
+              <a:sym typeface="+mn-lt"/>
+            </a:endParaRPr>
+          </a:p>
+          <a:p>
+            <a:pPr marL="457200" indent="-457200" algn="l">
+              <a:spcBef>
+                <a:spcPts val="600"/>
+              </a:spcBef>
+              <a:spcAft>
+                <a:spcPts val="600"/>
+              </a:spcAft>
+              <a:buFont typeface="Arial" panose="020B0604020202020204" pitchFamily="34" charset="0"/>
+              <a:buChar char="•"/>
+            </a:pPr>
+            <a:r>
+              <a:rPr lang="en-US" altLang="zh-CN" sz="2000" dirty="0">
+                <a:latin typeface="+mn-lt"/>
+                <a:ea typeface="+mn-ea"/>
+                <a:cs typeface="+mn-ea"/>
+                <a:sym typeface="+mn-lt"/>
+              </a:rPr>
+              <a:t>Verifier can check the rating of the CA</a:t>
+            </a:r>
+            <a:endParaRPr lang="en-US" altLang="zh-CN" sz="2000" dirty="0">
+              <a:latin typeface="+mn-lt"/>
+              <a:ea typeface="+mn-ea"/>
+              <a:cs typeface="+mn-ea"/>
+              <a:sym typeface="+mn-lt"/>
+            </a:endParaRPr>
+          </a:p>
+          <a:p>
+            <a:pPr marL="514350" indent="-514350" algn="l">
+              <a:lnSpc>
+                <a:spcPct val="150000"/>
+              </a:lnSpc>
+              <a:spcBef>
+                <a:spcPts val="600"/>
+              </a:spcBef>
+              <a:spcAft>
+                <a:spcPts val="600"/>
+              </a:spcAft>
+              <a:buFont typeface="+mj-lt"/>
+              <a:buAutoNum type="arabicPeriod"/>
+            </a:pPr>
+            <a:endParaRPr lang="en-US" altLang="zh-CN" sz="2800" dirty="0">
+              <a:latin typeface="+mn-lt"/>
+              <a:ea typeface="+mn-ea"/>
+              <a:cs typeface="+mn-ea"/>
+              <a:sym typeface="+mn-lt"/>
+            </a:endParaRPr>
+          </a:p>
+        </p:txBody>
+      </p:sp>
+    </p:spTree>
+  </p:cSld>
+  <p:clrMapOvr>
+    <a:masterClrMapping/>
+  </p:clrMapOvr>
+</p:sld>
+</file>
+
+<file path=ppt/slides/slide15.xml><?xml version="1.0" encoding="utf-8"?>
+<p:sld xmlns:a="http://schemas.openxmlformats.org/drawingml/2006/main" xmlns:r="http://schemas.openxmlformats.org/officeDocument/2006/relationships" xmlns:p="http://schemas.openxmlformats.org/presentationml/2006/main">
+  <p:cSld>
+    <p:spTree>
+      <p:nvGrpSpPr>
+        <p:cNvPr id="1" name=""/>
+        <p:cNvGrpSpPr/>
+        <p:nvPr/>
+      </p:nvGrpSpPr>
+      <p:grpSpPr>
+        <a:xfrm>
+          <a:off x="0" y="0"/>
+          <a:ext cx="0" cy="0"/>
+          <a:chOff x="0" y="0"/>
+          <a:chExt cx="0" cy="0"/>
+        </a:xfrm>
+      </p:grpSpPr>
+      <p:grpSp>
+        <p:nvGrpSpPr>
+          <p:cNvPr id="32" name="组合 31"/>
+          <p:cNvGrpSpPr/>
+          <p:nvPr/>
+        </p:nvGrpSpPr>
+        <p:grpSpPr>
+          <a:xfrm>
+            <a:off x="346076" y="364699"/>
+            <a:ext cx="2506852" cy="759031"/>
+            <a:chOff x="384176" y="307549"/>
+            <a:chExt cx="2230868" cy="759031"/>
+          </a:xfrm>
+        </p:grpSpPr>
+        <p:grpSp>
+          <p:nvGrpSpPr>
+            <p:cNvPr id="16" name="组合 15"/>
+            <p:cNvGrpSpPr/>
+            <p:nvPr/>
+          </p:nvGrpSpPr>
+          <p:grpSpPr>
+            <a:xfrm>
+              <a:off x="384176" y="307549"/>
+              <a:ext cx="377371" cy="507162"/>
+              <a:chOff x="899886" y="361978"/>
+              <a:chExt cx="377371" cy="507162"/>
+            </a:xfrm>
+          </p:grpSpPr>
+          <p:sp>
+            <p:nvSpPr>
+              <p:cNvPr id="14" name="等腰三角形 13"/>
+              <p:cNvSpPr/>
+              <p:nvPr/>
+            </p:nvSpPr>
+            <p:spPr>
+              <a:xfrm>
+                <a:off x="899886" y="613178"/>
+                <a:ext cx="377371" cy="255962"/>
+              </a:xfrm>
+              <a:prstGeom prst="triangle">
+                <a:avLst/>
+              </a:prstGeom>
+              <a:solidFill>
+                <a:srgbClr val="526188"/>
+              </a:solidFill>
+              <a:ln>
+                <a:noFill/>
+              </a:ln>
+            </p:spPr>
+            <p:style>
+              <a:lnRef idx="2">
+                <a:schemeClr val="accent1">
+                  <a:shade val="50000"/>
+                </a:schemeClr>
+              </a:lnRef>
+              <a:fillRef idx="1">
+                <a:schemeClr val="accent1"/>
+              </a:fillRef>
+              <a:effectRef idx="0">
+                <a:schemeClr val="accent1"/>
+              </a:effectRef>
+              <a:fontRef idx="minor">
+                <a:schemeClr val="lt1"/>
+              </a:fontRef>
+            </p:style>
+            <p:txBody>
+              <a:bodyPr rtlCol="0" anchor="ctr"/>
+              <a:lstStyle/>
+              <a:p>
+                <a:pPr algn="ctr"/>
+                <a:endParaRPr lang="zh-CN" altLang="en-US">
+                  <a:cs typeface="+mn-ea"/>
+                  <a:sym typeface="+mn-lt"/>
+                </a:endParaRPr>
+              </a:p>
+            </p:txBody>
+          </p:sp>
+          <p:sp>
+            <p:nvSpPr>
+              <p:cNvPr id="15" name="等腰三角形 14"/>
+              <p:cNvSpPr/>
+              <p:nvPr/>
+            </p:nvSpPr>
+            <p:spPr>
+              <a:xfrm rot="10800000">
+                <a:off x="899886" y="361978"/>
+                <a:ext cx="377371" cy="255962"/>
+              </a:xfrm>
+              <a:prstGeom prst="triangle">
+                <a:avLst/>
+              </a:prstGeom>
+              <a:solidFill>
+                <a:srgbClr val="E7C7A0"/>
+              </a:solidFill>
+              <a:ln>
+                <a:noFill/>
+              </a:ln>
+            </p:spPr>
+            <p:style>
+              <a:lnRef idx="2">
+                <a:schemeClr val="accent1">
+                  <a:shade val="50000"/>
+                </a:schemeClr>
+              </a:lnRef>
+              <a:fillRef idx="1">
+                <a:schemeClr val="accent1"/>
+              </a:fillRef>
+              <a:effectRef idx="0">
+                <a:schemeClr val="accent1"/>
+              </a:effectRef>
+              <a:fontRef idx="minor">
+                <a:schemeClr val="lt1"/>
+              </a:fontRef>
+            </p:style>
+            <p:txBody>
+              <a:bodyPr rtlCol="0" anchor="ctr"/>
+              <a:lstStyle/>
+              <a:p>
+                <a:pPr algn="ctr"/>
+                <a:endParaRPr lang="zh-CN" altLang="en-US">
+                  <a:cs typeface="+mn-ea"/>
+                  <a:sym typeface="+mn-lt"/>
+                </a:endParaRPr>
+              </a:p>
+            </p:txBody>
+          </p:sp>
+        </p:grpSp>
+        <p:sp>
+          <p:nvSpPr>
+            <p:cNvPr id="29" name="文本框 28"/>
+            <p:cNvSpPr txBox="1"/>
+            <p:nvPr/>
+          </p:nvSpPr>
+          <p:spPr>
+            <a:xfrm>
+              <a:off x="786321" y="358694"/>
+              <a:ext cx="1828723" cy="707886"/>
+            </a:xfrm>
+            <a:prstGeom prst="rect">
+              <a:avLst/>
+            </a:prstGeom>
+            <a:noFill/>
+          </p:spPr>
+          <p:txBody>
+            <a:bodyPr wrap="square" rtlCol="0">
+              <a:spAutoFit/>
+            </a:bodyPr>
+            <a:lstStyle/>
+            <a:p>
+              <a:r>
+                <a:rPr lang="en-US" altLang="zh-CN" sz="2000" b="1" dirty="0">
+                  <a:solidFill>
+                    <a:srgbClr val="526188"/>
+                  </a:solidFill>
+                  <a:cs typeface="+mn-ea"/>
+                  <a:sym typeface="+mn-lt"/>
+                </a:rPr>
+                <a:t>System Design</a:t>
+              </a:r>
+              <a:endParaRPr lang="zh-CN" altLang="en-US" sz="2000" b="1" dirty="0">
+                <a:solidFill>
+                  <a:srgbClr val="526188"/>
+                </a:solidFill>
+                <a:cs typeface="+mn-ea"/>
+                <a:sym typeface="+mn-lt"/>
+              </a:endParaRPr>
+            </a:p>
+          </p:txBody>
+        </p:sp>
+      </p:grpSp>
+      <p:sp>
+        <p:nvSpPr>
+          <p:cNvPr id="12" name="任意多边形: 形状 11"/>
+          <p:cNvSpPr/>
+          <p:nvPr/>
+        </p:nvSpPr>
+        <p:spPr bwMode="auto">
+          <a:xfrm flipH="1">
+            <a:off x="0" y="5871029"/>
+            <a:ext cx="12192000" cy="1012232"/>
+          </a:xfrm>
+          <a:custGeom>
+            <a:avLst/>
+            <a:gdLst>
+              <a:gd name="connsiteX0" fmla="*/ 2457949 w 12192000"/>
+              <a:gd name="connsiteY0" fmla="*/ 0 h 1012232"/>
+              <a:gd name="connsiteX1" fmla="*/ 9057549 w 12192000"/>
+              <a:gd name="connsiteY1" fmla="*/ 610553 h 1012232"/>
+              <a:gd name="connsiteX2" fmla="*/ 12192000 w 12192000"/>
+              <a:gd name="connsiteY2" fmla="*/ 305277 h 1012232"/>
+              <a:gd name="connsiteX3" fmla="*/ 12192000 w 12192000"/>
+              <a:gd name="connsiteY3" fmla="*/ 1012232 h 1012232"/>
+              <a:gd name="connsiteX4" fmla="*/ 114300 w 12192000"/>
+              <a:gd name="connsiteY4" fmla="*/ 1012232 h 1012232"/>
+              <a:gd name="connsiteX5" fmla="*/ 0 w 12192000"/>
+              <a:gd name="connsiteY5" fmla="*/ 1012232 h 1012232"/>
+              <a:gd name="connsiteX6" fmla="*/ 0 w 12192000"/>
+              <a:gd name="connsiteY6" fmla="*/ 160434 h 1012232"/>
+              <a:gd name="connsiteX7" fmla="*/ 270087 w 12192000"/>
+              <a:gd name="connsiteY7" fmla="*/ 129128 h 1012232"/>
+              <a:gd name="connsiteX8" fmla="*/ 2457949 w 12192000"/>
+              <a:gd name="connsiteY8" fmla="*/ 0 h 1012232"/>
+            </a:gdLst>
+            <a:ahLst/>
+            <a:cxnLst>
+              <a:cxn ang="0">
+                <a:pos x="connsiteX0" y="connsiteY0"/>
+              </a:cxn>
+              <a:cxn ang="0">
+                <a:pos x="connsiteX1" y="connsiteY1"/>
+              </a:cxn>
+              <a:cxn ang="0">
+                <a:pos x="connsiteX2" y="connsiteY2"/>
+              </a:cxn>
+              <a:cxn ang="0">
+                <a:pos x="connsiteX3" y="connsiteY3"/>
+              </a:cxn>
+              <a:cxn ang="0">
+                <a:pos x="connsiteX4" y="connsiteY4"/>
+              </a:cxn>
+              <a:cxn ang="0">
+                <a:pos x="connsiteX5" y="connsiteY5"/>
+              </a:cxn>
+              <a:cxn ang="0">
+                <a:pos x="connsiteX6" y="connsiteY6"/>
+              </a:cxn>
+              <a:cxn ang="0">
+                <a:pos x="connsiteX7" y="connsiteY7"/>
+              </a:cxn>
+              <a:cxn ang="0">
+                <a:pos x="connsiteX8" y="connsiteY8"/>
+              </a:cxn>
+            </a:cxnLst>
+            <a:rect l="l" t="t" r="r" b="b"/>
+            <a:pathLst>
+              <a:path w="12192000" h="1012232">
+                <a:moveTo>
+                  <a:pt x="2457949" y="0"/>
+                </a:moveTo>
+                <a:cubicBezTo>
+                  <a:pt x="4506845" y="0"/>
+                  <a:pt x="7360920" y="610553"/>
+                  <a:pt x="9057549" y="610553"/>
+                </a:cubicBezTo>
+                <a:cubicBezTo>
+                  <a:pt x="10754179" y="610553"/>
+                  <a:pt x="12192000" y="305277"/>
+                  <a:pt x="12192000" y="305277"/>
+                </a:cubicBezTo>
+                <a:cubicBezTo>
+                  <a:pt x="12192000" y="1012232"/>
+                  <a:pt x="12192000" y="1012232"/>
+                  <a:pt x="12192000" y="1012232"/>
+                </a:cubicBezTo>
+                <a:cubicBezTo>
+                  <a:pt x="5290457" y="1012232"/>
+                  <a:pt x="1839686" y="1012232"/>
+                  <a:pt x="114300" y="1012232"/>
+                </a:cubicBezTo>
+                <a:lnTo>
+                  <a:pt x="0" y="1012232"/>
+                </a:lnTo>
+                <a:lnTo>
+                  <a:pt x="0" y="160434"/>
+                </a:lnTo>
+                <a:lnTo>
+                  <a:pt x="270087" y="129128"/>
+                </a:lnTo>
+                <a:cubicBezTo>
+                  <a:pt x="925321" y="57390"/>
+                  <a:pt x="1689613" y="0"/>
+                  <a:pt x="2457949" y="0"/>
+                </a:cubicBezTo>
+                <a:close/>
+              </a:path>
+            </a:pathLst>
+          </a:custGeom>
+          <a:solidFill>
+            <a:srgbClr val="526188"/>
+          </a:solidFill>
+          <a:ln>
+            <a:noFill/>
+          </a:ln>
+        </p:spPr>
+        <p:style>
+          <a:lnRef idx="2">
+            <a:schemeClr val="accent1">
+              <a:shade val="50000"/>
+            </a:schemeClr>
+          </a:lnRef>
+          <a:fillRef idx="1">
+            <a:schemeClr val="accent1"/>
+          </a:fillRef>
+          <a:effectRef idx="0">
+            <a:schemeClr val="accent1"/>
+          </a:effectRef>
+          <a:fontRef idx="minor">
+            <a:schemeClr val="lt1"/>
+          </a:fontRef>
+        </p:style>
+        <p:txBody>
+          <a:bodyPr rot="0" spcFirstLastPara="0" vertOverflow="overflow" horzOverflow="overflow" vert="horz" wrap="square" lIns="91440" tIns="45720" rIns="91440" bIns="45720" numCol="1" spcCol="0" rtlCol="0" fromWordArt="0" anchor="ctr" anchorCtr="0" forceAA="0" compatLnSpc="1">
+            <a:noAutofit/>
+          </a:bodyPr>
+          <a:lstStyle/>
+          <a:p>
+            <a:pPr algn="ctr"/>
+            <a:endParaRPr kumimoji="1" lang="zh-CN" altLang="en-US">
+              <a:solidFill>
+                <a:schemeClr val="lt1"/>
+              </a:solidFill>
+              <a:cs typeface="+mn-ea"/>
+              <a:sym typeface="+mn-lt"/>
+            </a:endParaRPr>
+          </a:p>
+        </p:txBody>
+      </p:sp>
+      <p:sp>
+        <p:nvSpPr>
+          <p:cNvPr id="6" name="文本框 5"/>
+          <p:cNvSpPr txBox="1"/>
+          <p:nvPr/>
+        </p:nvSpPr>
+        <p:spPr>
+          <a:xfrm>
+            <a:off x="346075" y="2159886"/>
+            <a:ext cx="5314110" cy="1920719"/>
+          </a:xfrm>
+          <a:prstGeom prst="rect">
+            <a:avLst/>
+          </a:prstGeom>
+          <a:noFill/>
+        </p:spPr>
+        <p:txBody>
+          <a:bodyPr wrap="square" rtlCol="0">
+            <a:spAutoFit/>
+          </a:bodyPr>
+          <a:lstStyle>
+            <a:defPPr>
+              <a:defRPr lang="zh-CN"/>
+            </a:defPPr>
+            <a:lvl1pPr algn="dist">
+              <a:defRPr>
+                <a:latin typeface="华文仿宋" panose="02010600040101010101" pitchFamily="2" charset="-122"/>
+                <a:ea typeface="华文仿宋" panose="02010600040101010101" pitchFamily="2" charset="-122"/>
+              </a:defRPr>
+            </a:lvl1pPr>
+          </a:lstStyle>
+          <a:p>
+            <a:pPr algn="l">
+              <a:lnSpc>
+                <a:spcPct val="150000"/>
+              </a:lnSpc>
+              <a:spcBef>
+                <a:spcPts val="600"/>
+              </a:spcBef>
+              <a:spcAft>
+                <a:spcPts val="600"/>
+              </a:spcAft>
+            </a:pPr>
+            <a:r>
+              <a:rPr lang="en-US" altLang="zh-CN" sz="2800" dirty="0">
+                <a:latin typeface="+mn-lt"/>
+                <a:ea typeface="+mn-ea"/>
+                <a:cs typeface="+mn-ea"/>
+                <a:sym typeface="+mn-lt"/>
+              </a:rPr>
+              <a:t>Addition: Raspberry Pi Cluster</a:t>
+            </a:r>
+            <a:endParaRPr lang="en-US" altLang="zh-CN" sz="2800" dirty="0">
+              <a:latin typeface="+mn-lt"/>
+              <a:ea typeface="+mn-ea"/>
+              <a:cs typeface="+mn-ea"/>
+              <a:sym typeface="+mn-lt"/>
+            </a:endParaRPr>
+          </a:p>
+          <a:p>
+            <a:pPr marL="457200" indent="-457200" algn="l">
+              <a:spcBef>
+                <a:spcPts val="600"/>
+              </a:spcBef>
+              <a:spcAft>
+                <a:spcPts val="600"/>
+              </a:spcAft>
+              <a:buFont typeface="Arial" panose="020B0604020202020204" pitchFamily="34" charset="0"/>
+              <a:buChar char="•"/>
+            </a:pPr>
+            <a:r>
+              <a:rPr lang="en-US" altLang="zh-CN" sz="2000" dirty="0">
+                <a:latin typeface="+mn-lt"/>
+                <a:ea typeface="+mn-ea"/>
+                <a:cs typeface="+mn-ea"/>
+                <a:sym typeface="+mn-lt"/>
+              </a:rPr>
+              <a:t>A cluster with 13+ raspberry pi 4b</a:t>
+            </a:r>
+            <a:endParaRPr lang="en-US" altLang="zh-CN" sz="2000" dirty="0">
+              <a:latin typeface="+mn-lt"/>
+              <a:ea typeface="+mn-ea"/>
+              <a:cs typeface="+mn-ea"/>
+              <a:sym typeface="+mn-lt"/>
+            </a:endParaRPr>
+          </a:p>
+          <a:p>
+            <a:pPr marL="514350" indent="-514350" algn="l">
+              <a:lnSpc>
+                <a:spcPct val="150000"/>
+              </a:lnSpc>
+              <a:spcBef>
+                <a:spcPts val="600"/>
+              </a:spcBef>
+              <a:spcAft>
+                <a:spcPts val="600"/>
+              </a:spcAft>
+              <a:buFont typeface="+mj-lt"/>
+              <a:buAutoNum type="arabicPeriod"/>
+            </a:pPr>
+            <a:endParaRPr lang="en-US" altLang="zh-CN" sz="2800" dirty="0">
+              <a:latin typeface="+mn-lt"/>
+              <a:ea typeface="+mn-ea"/>
+              <a:cs typeface="+mn-ea"/>
+              <a:sym typeface="+mn-lt"/>
+            </a:endParaRPr>
+          </a:p>
+        </p:txBody>
+      </p:sp>
+      <p:pic>
+        <p:nvPicPr>
+          <p:cNvPr id="4" name="图片 3" descr="图片包含 室内, 灯光, 桌子, 蛋糕&#10;&#10;描述已自动生成"/>
+          <p:cNvPicPr>
+            <a:picLocks noChangeAspect="1"/>
+          </p:cNvPicPr>
+          <p:nvPr/>
+        </p:nvPicPr>
+        <p:blipFill>
+          <a:blip r:embed="rId1" cstate="print">
+            <a:extLst>
+              <a:ext uri="{28A0092B-C50C-407E-A947-70E740481C1C}">
+                <a14:useLocalDpi xmlns:a14="http://schemas.microsoft.com/office/drawing/2010/main" val="0"/>
+              </a:ext>
+            </a:extLst>
+          </a:blip>
+          <a:stretch>
+            <a:fillRect/>
+          </a:stretch>
+        </p:blipFill>
+        <p:spPr>
+          <a:xfrm>
+            <a:off x="5384085" y="1559001"/>
+            <a:ext cx="6461840" cy="3739998"/>
+          </a:xfrm>
+          <a:prstGeom prst="roundRect">
+            <a:avLst>
+              <a:gd name="adj" fmla="val 8594"/>
+            </a:avLst>
+          </a:prstGeom>
+          <a:solidFill>
+            <a:srgbClr val="FFFFFF">
+              <a:shade val="85000"/>
+            </a:srgbClr>
+          </a:solidFill>
+          <a:ln>
+            <a:noFill/>
+          </a:ln>
+          <a:effectLst>
+            <a:reflection blurRad="12700" stA="38000" endPos="28000" dist="5000" dir="5400000" sy="-100000" algn="bl" rotWithShape="0"/>
+          </a:effectLst>
+        </p:spPr>
+      </p:pic>
+    </p:spTree>
+  </p:cSld>
+  <p:clrMapOvr>
+    <a:masterClrMapping/>
+  </p:clrMapOvr>
+</p:sld>
+</file>
+
+<file path=ppt/slides/slide16.xml><?xml version="1.0" encoding="utf-8"?>
+<p:sld xmlns:a="http://schemas.openxmlformats.org/drawingml/2006/main" xmlns:r="http://schemas.openxmlformats.org/officeDocument/2006/relationships" xmlns:p="http://schemas.openxmlformats.org/presentationml/2006/main">
+  <p:cSld>
+    <p:spTree>
+      <p:nvGrpSpPr>
+        <p:cNvPr id="1" name=""/>
+        <p:cNvGrpSpPr/>
+        <p:nvPr/>
+      </p:nvGrpSpPr>
+      <p:grpSpPr>
+        <a:xfrm>
+          <a:off x="0" y="0"/>
+          <a:ext cx="0" cy="0"/>
+          <a:chOff x="0" y="0"/>
+          <a:chExt cx="0" cy="0"/>
+        </a:xfrm>
+      </p:grpSpPr>
+      <p:sp>
+        <p:nvSpPr>
+          <p:cNvPr id="5" name="任意多边形: 形状 4"/>
+          <p:cNvSpPr/>
+          <p:nvPr/>
+        </p:nvSpPr>
+        <p:spPr bwMode="auto">
+          <a:xfrm flipH="1">
+            <a:off x="0" y="5871029"/>
+            <a:ext cx="12192000" cy="1012232"/>
+          </a:xfrm>
+          <a:custGeom>
+            <a:avLst/>
+            <a:gdLst>
+              <a:gd name="connsiteX0" fmla="*/ 2457949 w 12192000"/>
+              <a:gd name="connsiteY0" fmla="*/ 0 h 1012232"/>
+              <a:gd name="connsiteX1" fmla="*/ 9057549 w 12192000"/>
+              <a:gd name="connsiteY1" fmla="*/ 610553 h 1012232"/>
+              <a:gd name="connsiteX2" fmla="*/ 12192000 w 12192000"/>
+              <a:gd name="connsiteY2" fmla="*/ 305277 h 1012232"/>
+              <a:gd name="connsiteX3" fmla="*/ 12192000 w 12192000"/>
+              <a:gd name="connsiteY3" fmla="*/ 1012232 h 1012232"/>
+              <a:gd name="connsiteX4" fmla="*/ 114300 w 12192000"/>
+              <a:gd name="connsiteY4" fmla="*/ 1012232 h 1012232"/>
+              <a:gd name="connsiteX5" fmla="*/ 0 w 12192000"/>
+              <a:gd name="connsiteY5" fmla="*/ 1012232 h 1012232"/>
+              <a:gd name="connsiteX6" fmla="*/ 0 w 12192000"/>
+              <a:gd name="connsiteY6" fmla="*/ 160434 h 1012232"/>
+              <a:gd name="connsiteX7" fmla="*/ 270087 w 12192000"/>
+              <a:gd name="connsiteY7" fmla="*/ 129128 h 1012232"/>
+              <a:gd name="connsiteX8" fmla="*/ 2457949 w 12192000"/>
+              <a:gd name="connsiteY8" fmla="*/ 0 h 1012232"/>
+            </a:gdLst>
+            <a:ahLst/>
+            <a:cxnLst>
+              <a:cxn ang="0">
+                <a:pos x="connsiteX0" y="connsiteY0"/>
+              </a:cxn>
+              <a:cxn ang="0">
+                <a:pos x="connsiteX1" y="connsiteY1"/>
+              </a:cxn>
+              <a:cxn ang="0">
+                <a:pos x="connsiteX2" y="connsiteY2"/>
+              </a:cxn>
+              <a:cxn ang="0">
+                <a:pos x="connsiteX3" y="connsiteY3"/>
+              </a:cxn>
+              <a:cxn ang="0">
+                <a:pos x="connsiteX4" y="connsiteY4"/>
+              </a:cxn>
+              <a:cxn ang="0">
+                <a:pos x="connsiteX5" y="connsiteY5"/>
+              </a:cxn>
+              <a:cxn ang="0">
+                <a:pos x="connsiteX6" y="connsiteY6"/>
+              </a:cxn>
+              <a:cxn ang="0">
+                <a:pos x="connsiteX7" y="connsiteY7"/>
+              </a:cxn>
+              <a:cxn ang="0">
+                <a:pos x="connsiteX8" y="connsiteY8"/>
+              </a:cxn>
+            </a:cxnLst>
+            <a:rect l="l" t="t" r="r" b="b"/>
+            <a:pathLst>
+              <a:path w="12192000" h="1012232">
+                <a:moveTo>
+                  <a:pt x="2457949" y="0"/>
+                </a:moveTo>
+                <a:cubicBezTo>
+                  <a:pt x="4506845" y="0"/>
+                  <a:pt x="7360920" y="610553"/>
+                  <a:pt x="9057549" y="610553"/>
+                </a:cubicBezTo>
+                <a:cubicBezTo>
+                  <a:pt x="10754179" y="610553"/>
+                  <a:pt x="12192000" y="305277"/>
+                  <a:pt x="12192000" y="305277"/>
+                </a:cubicBezTo>
+                <a:cubicBezTo>
+                  <a:pt x="12192000" y="1012232"/>
+                  <a:pt x="12192000" y="1012232"/>
+                  <a:pt x="12192000" y="1012232"/>
+                </a:cubicBezTo>
+                <a:cubicBezTo>
+                  <a:pt x="5290457" y="1012232"/>
+                  <a:pt x="1839686" y="1012232"/>
+                  <a:pt x="114300" y="1012232"/>
+                </a:cubicBezTo>
+                <a:lnTo>
+                  <a:pt x="0" y="1012232"/>
+                </a:lnTo>
+                <a:lnTo>
+                  <a:pt x="0" y="160434"/>
+                </a:lnTo>
+                <a:lnTo>
+                  <a:pt x="270087" y="129128"/>
+                </a:lnTo>
+                <a:cubicBezTo>
+                  <a:pt x="925321" y="57390"/>
+                  <a:pt x="1689613" y="0"/>
+                  <a:pt x="2457949" y="0"/>
+                </a:cubicBezTo>
+                <a:close/>
+              </a:path>
+            </a:pathLst>
+          </a:custGeom>
+          <a:solidFill>
+            <a:srgbClr val="526188"/>
+          </a:solidFill>
+          <a:ln>
+            <a:noFill/>
+          </a:ln>
+        </p:spPr>
+        <p:style>
+          <a:lnRef idx="2">
+            <a:schemeClr val="accent1">
+              <a:shade val="50000"/>
+            </a:schemeClr>
+          </a:lnRef>
+          <a:fillRef idx="1">
+            <a:schemeClr val="accent1"/>
+          </a:fillRef>
+          <a:effectRef idx="0">
+            <a:schemeClr val="accent1"/>
+          </a:effectRef>
+          <a:fontRef idx="minor">
+            <a:schemeClr val="lt1"/>
+          </a:fontRef>
+        </p:style>
+        <p:txBody>
+          <a:bodyPr rot="0" spcFirstLastPara="0" vertOverflow="overflow" horzOverflow="overflow" vert="horz" wrap="square" lIns="91440" tIns="45720" rIns="91440" bIns="45720" numCol="1" spcCol="0" rtlCol="0" fromWordArt="0" anchor="ctr" anchorCtr="0" forceAA="0" compatLnSpc="1">
+            <a:noAutofit/>
+          </a:bodyPr>
+          <a:lstStyle/>
+          <a:p>
+            <a:pPr algn="ctr"/>
+            <a:endParaRPr kumimoji="1" lang="zh-CN" altLang="en-US">
+              <a:solidFill>
+                <a:schemeClr val="lt1"/>
+              </a:solidFill>
+              <a:cs typeface="+mn-ea"/>
+              <a:sym typeface="+mn-lt"/>
+            </a:endParaRPr>
+          </a:p>
+        </p:txBody>
+      </p:sp>
       <p:grpSp>
         <p:nvGrpSpPr>
           <p:cNvPr id="6" name="组合 5"/>
@@ -7429,7 +8514,7 @@
             <p:nvPr/>
           </p:nvPicPr>
           <p:blipFill>
-            <a:blip r:embed="rId2"/>
+            <a:blip r:embed="rId1"/>
             <a:stretch>
               <a:fillRect/>
             </a:stretch>
@@ -7453,7 +8538,7 @@
             <p:nvPr/>
           </p:nvPicPr>
           <p:blipFill>
-            <a:blip r:embed="rId3"/>
+            <a:blip r:embed="rId2"/>
             <a:stretch>
               <a:fillRect/>
             </a:stretch>
@@ -7477,7 +8562,7 @@
             <p:nvPr/>
           </p:nvPicPr>
           <p:blipFill>
-            <a:blip r:embed="rId4"/>
+            <a:blip r:embed="rId3"/>
             <a:stretch>
               <a:fillRect/>
             </a:stretch>
@@ -7501,7 +8586,7 @@
             <p:nvPr/>
           </p:nvPicPr>
           <p:blipFill>
-            <a:blip r:embed="rId5">
+            <a:blip r:embed="rId4">
               <a:duotone>
                 <a:prstClr val="black"/>
                 <a:srgbClr val="D9C3A5">
@@ -7533,7 +8618,7 @@
             <p:nvPr/>
           </p:nvPicPr>
           <p:blipFill>
-            <a:blip r:embed="rId6"/>
+            <a:blip r:embed="rId5"/>
             <a:stretch>
               <a:fillRect/>
             </a:stretch>
@@ -7658,11 +8743,6 @@
         </p:txBody>
       </p:sp>
     </p:spTree>
-    <p:extLst>
-      <p:ext uri="{BB962C8B-B14F-4D97-AF65-F5344CB8AC3E}">
-        <p14:creationId xmlns:p14="http://schemas.microsoft.com/office/powerpoint/2010/main" val="4234044469"/>
-      </p:ext>
-    </p:extLst>
   </p:cSld>
   <p:clrMapOvr>
     <a:masterClrMapping/>
@@ -7670,7 +8750,7 @@
 </p:sld>
 </file>
 
-<file path=ppt/slides/slide15.xml><?xml version="1.0" encoding="utf-8"?>
+<file path=ppt/slides/slide17.xml><?xml version="1.0" encoding="utf-8"?>
 <p:sld xmlns:a="http://schemas.openxmlformats.org/drawingml/2006/main" xmlns:r="http://schemas.openxmlformats.org/officeDocument/2006/relationships" xmlns:p="http://schemas.openxmlformats.org/presentationml/2006/main">
   <p:cSld>
     <p:spTree>
@@ -8006,13 +9086,7 @@
       </p:sp>
       <p:sp>
         <p:nvSpPr>
-          <p:cNvPr id="3" name="文本框 2">
-            <a:extLst>
-              <a:ext uri="{FF2B5EF4-FFF2-40B4-BE49-F238E27FC236}">
-                <a16:creationId xmlns:a16="http://schemas.microsoft.com/office/drawing/2014/main" id="{7B240F5D-F9F7-49C2-9F5D-9B835EA96388}"/>
-              </a:ext>
-            </a:extLst>
-          </p:cNvPr>
+          <p:cNvPr id="3" name="文本框 2"/>
           <p:cNvSpPr txBox="1"/>
           <p:nvPr/>
         </p:nvSpPr>
@@ -8062,6 +9136,12 @@
               </a:rPr>
               <a:t>Plan</a:t>
             </a:r>
+            <a:endParaRPr lang="en-US" altLang="zh-CN" sz="2800" dirty="0">
+              <a:latin typeface="+mn-lt"/>
+              <a:ea typeface="+mn-ea"/>
+              <a:cs typeface="+mn-ea"/>
+              <a:sym typeface="+mn-lt"/>
+            </a:endParaRPr>
           </a:p>
           <a:p>
             <a:pPr marL="457200" indent="-457200" algn="l">
@@ -8083,6 +9163,12 @@
               </a:rPr>
               <a:t>Complete the smart contract</a:t>
             </a:r>
+            <a:endParaRPr lang="en-US" altLang="zh-CN" sz="2000" dirty="0">
+              <a:latin typeface="+mn-lt"/>
+              <a:ea typeface="+mn-ea"/>
+              <a:cs typeface="+mn-ea"/>
+              <a:sym typeface="+mn-lt"/>
+            </a:endParaRPr>
           </a:p>
           <a:p>
             <a:pPr marL="457200" indent="-457200" algn="l">
@@ -8104,6 +9190,12 @@
               </a:rPr>
               <a:t>Deploy the system into cluster</a:t>
             </a:r>
+            <a:endParaRPr lang="en-US" altLang="zh-CN" sz="2000" dirty="0">
+              <a:latin typeface="+mn-lt"/>
+              <a:ea typeface="+mn-ea"/>
+              <a:cs typeface="+mn-ea"/>
+              <a:sym typeface="+mn-lt"/>
+            </a:endParaRPr>
           </a:p>
           <a:p>
             <a:pPr marL="514350" indent="-514350" algn="l">
@@ -8129,11 +9221,6 @@
         </p:txBody>
       </p:sp>
     </p:spTree>
-    <p:extLst>
-      <p:ext uri="{BB962C8B-B14F-4D97-AF65-F5344CB8AC3E}">
-        <p14:creationId xmlns:p14="http://schemas.microsoft.com/office/powerpoint/2010/main" val="2544766367"/>
-      </p:ext>
-    </p:extLst>
   </p:cSld>
   <p:clrMapOvr>
     <a:masterClrMapping/>
@@ -8490,13 +9577,7 @@
             <p:nvPr/>
           </p:nvPicPr>
           <p:blipFill>
-            <a:blip r:embed="rId3" cstate="screen">
-              <a:extLst>
-                <a:ext uri="{28A0092B-C50C-407E-A947-70E740481C1C}">
-                  <a14:useLocalDpi xmlns:a14="http://schemas.microsoft.com/office/drawing/2010/main"/>
-                </a:ext>
-              </a:extLst>
-            </a:blip>
+            <a:blip r:embed="rId1" cstate="screen"/>
             <a:stretch>
               <a:fillRect/>
             </a:stretch>
@@ -8584,13 +9665,7 @@
             <p:nvPr/>
           </p:nvPicPr>
           <p:blipFill>
-            <a:blip r:embed="rId3" cstate="screen">
-              <a:extLst>
-                <a:ext uri="{28A0092B-C50C-407E-A947-70E740481C1C}">
-                  <a14:useLocalDpi xmlns:a14="http://schemas.microsoft.com/office/drawing/2010/main"/>
-                </a:ext>
-              </a:extLst>
-            </a:blip>
+            <a:blip r:embed="rId1" cstate="screen"/>
             <a:stretch>
               <a:fillRect/>
             </a:stretch>
@@ -8678,13 +9753,7 @@
             <p:nvPr/>
           </p:nvPicPr>
           <p:blipFill>
-            <a:blip r:embed="rId3" cstate="screen">
-              <a:extLst>
-                <a:ext uri="{28A0092B-C50C-407E-A947-70E740481C1C}">
-                  <a14:useLocalDpi xmlns:a14="http://schemas.microsoft.com/office/drawing/2010/main"/>
-                </a:ext>
-              </a:extLst>
-            </a:blip>
+            <a:blip r:embed="rId1" cstate="screen"/>
             <a:stretch>
               <a:fillRect/>
             </a:stretch>
@@ -8772,13 +9841,7 @@
             <p:nvPr/>
           </p:nvPicPr>
           <p:blipFill>
-            <a:blip r:embed="rId3" cstate="screen">
-              <a:extLst>
-                <a:ext uri="{28A0092B-C50C-407E-A947-70E740481C1C}">
-                  <a14:useLocalDpi xmlns:a14="http://schemas.microsoft.com/office/drawing/2010/main"/>
-                </a:ext>
-              </a:extLst>
-            </a:blip>
+            <a:blip r:embed="rId1" cstate="screen"/>
             <a:stretch>
               <a:fillRect/>
             </a:stretch>
@@ -9266,7 +10329,7 @@
             <p:nvPr/>
           </p:nvPicPr>
           <p:blipFill>
-            <a:blip r:embed="rId2"/>
+            <a:blip r:embed="rId1"/>
             <a:stretch>
               <a:fillRect/>
             </a:stretch>
@@ -9290,7 +10353,7 @@
             <p:nvPr/>
           </p:nvPicPr>
           <p:blipFill>
-            <a:blip r:embed="rId3"/>
+            <a:blip r:embed="rId2"/>
             <a:stretch>
               <a:fillRect/>
             </a:stretch>
@@ -9314,7 +10377,7 @@
             <p:nvPr/>
           </p:nvPicPr>
           <p:blipFill>
-            <a:blip r:embed="rId4"/>
+            <a:blip r:embed="rId3"/>
             <a:stretch>
               <a:fillRect/>
             </a:stretch>
@@ -9338,7 +10401,7 @@
             <p:nvPr/>
           </p:nvPicPr>
           <p:blipFill>
-            <a:blip r:embed="rId5">
+            <a:blip r:embed="rId4">
               <a:duotone>
                 <a:prstClr val="black"/>
                 <a:srgbClr val="D9C3A5">
@@ -9370,7 +10433,7 @@
             <p:nvPr/>
           </p:nvPicPr>
           <p:blipFill>
-            <a:blip r:embed="rId6"/>
+            <a:blip r:embed="rId5"/>
             <a:stretch>
               <a:fillRect/>
             </a:stretch>
@@ -9519,179 +10582,9 @@
           <a:chExt cx="0" cy="0"/>
         </a:xfrm>
       </p:grpSpPr>
-      <p:grpSp>
-        <p:nvGrpSpPr>
-          <p:cNvPr id="32" name="组合 31"/>
-          <p:cNvGrpSpPr/>
-          <p:nvPr/>
-        </p:nvGrpSpPr>
-        <p:grpSpPr>
-          <a:xfrm>
-            <a:off x="346076" y="364699"/>
-            <a:ext cx="2142268" cy="507162"/>
-            <a:chOff x="384176" y="307549"/>
-            <a:chExt cx="2142268" cy="507162"/>
-          </a:xfrm>
-        </p:grpSpPr>
-        <p:grpSp>
-          <p:nvGrpSpPr>
-            <p:cNvPr id="16" name="组合 15"/>
-            <p:cNvGrpSpPr/>
-            <p:nvPr/>
-          </p:nvGrpSpPr>
-          <p:grpSpPr>
-            <a:xfrm>
-              <a:off x="384176" y="307549"/>
-              <a:ext cx="377371" cy="507162"/>
-              <a:chOff x="899886" y="361978"/>
-              <a:chExt cx="377371" cy="507162"/>
-            </a:xfrm>
-          </p:grpSpPr>
-          <p:sp>
-            <p:nvSpPr>
-              <p:cNvPr id="14" name="等腰三角形 13"/>
-              <p:cNvSpPr/>
-              <p:nvPr/>
-            </p:nvSpPr>
-            <p:spPr>
-              <a:xfrm>
-                <a:off x="899886" y="613178"/>
-                <a:ext cx="377371" cy="255962"/>
-              </a:xfrm>
-              <a:prstGeom prst="triangle">
-                <a:avLst/>
-              </a:prstGeom>
-              <a:solidFill>
-                <a:srgbClr val="526188"/>
-              </a:solidFill>
-              <a:ln>
-                <a:noFill/>
-              </a:ln>
-            </p:spPr>
-            <p:style>
-              <a:lnRef idx="2">
-                <a:schemeClr val="accent1">
-                  <a:shade val="50000"/>
-                </a:schemeClr>
-              </a:lnRef>
-              <a:fillRef idx="1">
-                <a:schemeClr val="accent1"/>
-              </a:fillRef>
-              <a:effectRef idx="0">
-                <a:schemeClr val="accent1"/>
-              </a:effectRef>
-              <a:fontRef idx="minor">
-                <a:schemeClr val="lt1"/>
-              </a:fontRef>
-            </p:style>
-            <p:txBody>
-              <a:bodyPr rtlCol="0" anchor="ctr"/>
-              <a:lstStyle/>
-              <a:p>
-                <a:pPr algn="ctr"/>
-                <a:endParaRPr lang="zh-CN" altLang="en-US">
-                  <a:cs typeface="+mn-ea"/>
-                  <a:sym typeface="+mn-lt"/>
-                </a:endParaRPr>
-              </a:p>
-            </p:txBody>
-          </p:sp>
-          <p:sp>
-            <p:nvSpPr>
-              <p:cNvPr id="15" name="等腰三角形 14"/>
-              <p:cNvSpPr/>
-              <p:nvPr/>
-            </p:nvSpPr>
-            <p:spPr>
-              <a:xfrm rot="10800000">
-                <a:off x="899886" y="361978"/>
-                <a:ext cx="377371" cy="255962"/>
-              </a:xfrm>
-              <a:prstGeom prst="triangle">
-                <a:avLst/>
-              </a:prstGeom>
-              <a:solidFill>
-                <a:srgbClr val="E7C7A0"/>
-              </a:solidFill>
-              <a:ln>
-                <a:noFill/>
-              </a:ln>
-            </p:spPr>
-            <p:style>
-              <a:lnRef idx="2">
-                <a:schemeClr val="accent1">
-                  <a:shade val="50000"/>
-                </a:schemeClr>
-              </a:lnRef>
-              <a:fillRef idx="1">
-                <a:schemeClr val="accent1"/>
-              </a:fillRef>
-              <a:effectRef idx="0">
-                <a:schemeClr val="accent1"/>
-              </a:effectRef>
-              <a:fontRef idx="minor">
-                <a:schemeClr val="lt1"/>
-              </a:fontRef>
-            </p:style>
-            <p:txBody>
-              <a:bodyPr rtlCol="0" anchor="ctr"/>
-              <a:lstStyle/>
-              <a:p>
-                <a:pPr algn="ctr"/>
-                <a:endParaRPr lang="zh-CN" altLang="en-US">
-                  <a:cs typeface="+mn-ea"/>
-                  <a:sym typeface="+mn-lt"/>
-                </a:endParaRPr>
-              </a:p>
-            </p:txBody>
-          </p:sp>
-        </p:grpSp>
-        <p:sp>
-          <p:nvSpPr>
-            <p:cNvPr id="29" name="文本框 28"/>
-            <p:cNvSpPr txBox="1"/>
-            <p:nvPr/>
-          </p:nvSpPr>
-          <p:spPr>
-            <a:xfrm>
-              <a:off x="786322" y="358694"/>
-              <a:ext cx="1740122" cy="400110"/>
-            </a:xfrm>
-            <a:prstGeom prst="rect">
-              <a:avLst/>
-            </a:prstGeom>
-            <a:noFill/>
-          </p:spPr>
-          <p:txBody>
-            <a:bodyPr wrap="square" rtlCol="0">
-              <a:spAutoFit/>
-            </a:bodyPr>
-            <a:lstStyle/>
-            <a:p>
-              <a:r>
-                <a:rPr lang="en-US" altLang="zh-CN" sz="2000" b="1" dirty="0">
-                  <a:solidFill>
-                    <a:srgbClr val="526188"/>
-                  </a:solidFill>
-                  <a:cs typeface="+mn-ea"/>
-                  <a:sym typeface="+mn-lt"/>
-                </a:rPr>
-                <a:t>Introduction</a:t>
-              </a:r>
-              <a:endParaRPr lang="zh-CN" altLang="en-US" sz="2000" b="1" dirty="0">
-                <a:solidFill>
-                  <a:srgbClr val="526188"/>
-                </a:solidFill>
-                <a:cs typeface="+mn-ea"/>
-                <a:sym typeface="+mn-lt"/>
-              </a:endParaRPr>
-            </a:p>
-          </p:txBody>
-        </p:sp>
-      </p:grpSp>
-      <p:sp>
-        <p:nvSpPr>
-          <p:cNvPr id="12" name="任意多边形: 形状 11"/>
+      <p:sp>
+        <p:nvSpPr>
+          <p:cNvPr id="5" name="任意多边形: 形状 4"/>
           <p:cNvSpPr/>
           <p:nvPr/>
         </p:nvSpPr>
@@ -9838,20 +10731,14 @@
       </p:sp>
       <p:sp>
         <p:nvSpPr>
-          <p:cNvPr id="2" name="文本框 1">
-            <a:extLst>
-              <a:ext uri="{FF2B5EF4-FFF2-40B4-BE49-F238E27FC236}">
-                <a16:creationId xmlns:a16="http://schemas.microsoft.com/office/drawing/2014/main" id="{8B82CF49-299D-490A-95C5-5449C5C1480D}"/>
-              </a:ext>
-            </a:extLst>
-          </p:cNvPr>
+          <p:cNvPr id="15" name="文本框 14"/>
           <p:cNvSpPr txBox="1"/>
           <p:nvPr/>
         </p:nvSpPr>
         <p:spPr>
           <a:xfrm>
-            <a:off x="2091756" y="1923999"/>
-            <a:ext cx="2618884" cy="646331"/>
+            <a:off x="3044480" y="3083852"/>
+            <a:ext cx="2613936" cy="923330"/>
           </a:xfrm>
           <a:prstGeom prst="rect">
             <a:avLst/>
@@ -9862,37 +10749,22 @@
           <a:bodyPr wrap="square" rtlCol="0">
             <a:spAutoFit/>
           </a:bodyPr>
-          <a:lstStyle>
-            <a:defPPr>
-              <a:defRPr lang="zh-CN"/>
-            </a:defPPr>
-            <a:lvl1pPr algn="dist">
-              <a:defRPr>
-                <a:latin typeface="华文仿宋" panose="02010600040101010101" pitchFamily="2" charset="-122"/>
-                <a:ea typeface="华文仿宋" panose="02010600040101010101" pitchFamily="2" charset="-122"/>
-              </a:defRPr>
-            </a:lvl1pPr>
-          </a:lstStyle>
-          <a:p>
-            <a:pPr algn="l"/>
-            <a:r>
-              <a:rPr lang="en-US" altLang="zh-CN" dirty="0">
-                <a:latin typeface="+mn-lt"/>
-                <a:ea typeface="+mn-ea"/>
+          <a:lstStyle/>
+          <a:p>
+            <a:r>
+              <a:rPr lang="en-US" altLang="zh-CN" sz="5400" b="1" dirty="0">
+                <a:solidFill>
+                  <a:srgbClr val="F2F2F2"/>
+                </a:solidFill>
                 <a:cs typeface="+mn-ea"/>
                 <a:sym typeface="+mn-lt"/>
               </a:rPr>
-              <a:t>Paper certification</a:t>
-            </a:r>
-          </a:p>
-          <a:p>
-            <a:pPr marL="285750" indent="-285750" algn="l">
-              <a:buFont typeface="Arial" panose="020B0604020202020204" pitchFamily="34" charset="0"/>
-              <a:buChar char="•"/>
-            </a:pPr>
-            <a:endParaRPr lang="en-US" altLang="zh-CN" dirty="0">
-              <a:latin typeface="+mn-lt"/>
-              <a:ea typeface="+mn-ea"/>
+              <a:t>PART.1</a:t>
+            </a:r>
+            <a:endParaRPr lang="zh-CN" altLang="en-US" sz="5400" b="1" dirty="0">
+              <a:solidFill>
+                <a:srgbClr val="F2F2F2"/>
+              </a:solidFill>
               <a:cs typeface="+mn-ea"/>
               <a:sym typeface="+mn-lt"/>
             </a:endParaRPr>
@@ -9901,20 +10773,14 @@
       </p:sp>
       <p:sp>
         <p:nvSpPr>
-          <p:cNvPr id="5" name="文本框 4">
-            <a:extLst>
-              <a:ext uri="{FF2B5EF4-FFF2-40B4-BE49-F238E27FC236}">
-                <a16:creationId xmlns:a16="http://schemas.microsoft.com/office/drawing/2014/main" id="{727C24C6-2E34-4F8C-B4A6-D99737FFAD74}"/>
-              </a:ext>
-            </a:extLst>
-          </p:cNvPr>
+          <p:cNvPr id="4" name="文本框 3"/>
           <p:cNvSpPr txBox="1"/>
           <p:nvPr/>
         </p:nvSpPr>
         <p:spPr>
           <a:xfrm>
-            <a:off x="4746473" y="1163172"/>
-            <a:ext cx="2699054" cy="523220"/>
+            <a:off x="1377950" y="1498600"/>
+            <a:ext cx="8804275" cy="4092575"/>
           </a:xfrm>
           <a:prstGeom prst="rect">
             <a:avLst/>
@@ -9925,141 +10791,193 @@
           <a:bodyPr wrap="square" rtlCol="0">
             <a:spAutoFit/>
           </a:bodyPr>
-          <a:lstStyle>
-            <a:defPPr>
-              <a:defRPr lang="zh-CN"/>
-            </a:defPPr>
-            <a:lvl1pPr algn="dist">
-              <a:defRPr>
-                <a:latin typeface="华文仿宋" panose="02010600040101010101" pitchFamily="2" charset="-122"/>
-                <a:ea typeface="华文仿宋" panose="02010600040101010101" pitchFamily="2" charset="-122"/>
-              </a:defRPr>
-            </a:lvl1pPr>
-          </a:lstStyle>
-          <a:p>
-            <a:pPr algn="ctr"/>
-            <a:r>
-              <a:rPr lang="en-US" altLang="zh-CN" sz="2800" b="1" dirty="0">
+          <a:p>
+            <a:r>
+              <a:rPr lang="en-US" altLang="zh-CN"/>
+              <a:t>    </a:t>
+            </a:r>
+            <a:r>
+              <a:rPr lang="en-US" altLang="zh-CN" sz="2000"/>
+              <a:t>The degree certification is always an important part for a college student. However, it is very difficult to ensure the authenticity of the certification. So, the digital degree certification is created. Digital degree certification can be stored in the school's database. However, it has another problem: someone may hack into the school's database and modify it viciously.</a:t>
+            </a:r>
+            <a:endParaRPr lang="en-US" altLang="zh-CN" sz="2000"/>
+          </a:p>
+          <a:p>
+            <a:r>
+              <a:rPr lang="en-US" altLang="zh-CN" sz="2000"/>
+              <a:t>     To solve this problem, we can use the blockchain. Blockchain has two big features: authenticity and traceable. Once we store the certification's hash value into a blockchain, it almost can not be modified by other user. Once we want to verify this certification, we can hash it and find whether it occurred in the blockchain. So, we can implement this system base on blockchain, such as Ethereum. In the Ethereum, we can also create several smart contract to do these transaction. So, by using Ethereum, we can ensure the authenticity of the degree certification.</a:t>
+            </a:r>
+            <a:endParaRPr lang="en-US" altLang="zh-CN" sz="2000"/>
+          </a:p>
+        </p:txBody>
+      </p:sp>
+      <p:grpSp>
+        <p:nvGrpSpPr>
+          <p:cNvPr id="32" name="组合 31"/>
+          <p:cNvGrpSpPr/>
+          <p:nvPr/>
+        </p:nvGrpSpPr>
+        <p:grpSpPr>
+          <a:xfrm>
+            <a:off x="346076" y="364699"/>
+            <a:ext cx="2142268" cy="507162"/>
+            <a:chOff x="384176" y="307549"/>
+            <a:chExt cx="2142268" cy="507162"/>
+          </a:xfrm>
+        </p:grpSpPr>
+        <p:grpSp>
+          <p:nvGrpSpPr>
+            <p:cNvPr id="16" name="组合 15"/>
+            <p:cNvGrpSpPr/>
+            <p:nvPr/>
+          </p:nvGrpSpPr>
+          <p:grpSpPr>
+            <a:xfrm>
+              <a:off x="384176" y="307549"/>
+              <a:ext cx="377371" cy="507162"/>
+              <a:chOff x="899886" y="361978"/>
+              <a:chExt cx="377371" cy="507162"/>
+            </a:xfrm>
+          </p:grpSpPr>
+          <p:sp>
+            <p:nvSpPr>
+              <p:cNvPr id="14" name="等腰三角形 13"/>
+              <p:cNvSpPr/>
+              <p:nvPr/>
+            </p:nvSpPr>
+            <p:spPr>
+              <a:xfrm>
+                <a:off x="899886" y="613178"/>
+                <a:ext cx="377371" cy="255962"/>
+              </a:xfrm>
+              <a:prstGeom prst="triangle">
+                <a:avLst/>
+              </a:prstGeom>
+              <a:solidFill>
+                <a:srgbClr val="526188"/>
+              </a:solidFill>
+              <a:ln>
+                <a:noFill/>
+              </a:ln>
+            </p:spPr>
+            <p:style>
+              <a:lnRef idx="2">
+                <a:schemeClr val="accent1">
+                  <a:shade val="50000"/>
+                </a:schemeClr>
+              </a:lnRef>
+              <a:fillRef idx="1">
+                <a:schemeClr val="accent1"/>
+              </a:fillRef>
+              <a:effectRef idx="0">
+                <a:schemeClr val="accent1"/>
+              </a:effectRef>
+              <a:fontRef idx="minor">
+                <a:schemeClr val="lt1"/>
+              </a:fontRef>
+            </p:style>
+            <p:txBody>
+              <a:bodyPr rtlCol="0" anchor="ctr"/>
+              <a:p>
+                <a:pPr algn="ctr"/>
+                <a:endParaRPr lang="zh-CN" altLang="en-US">
+                  <a:cs typeface="+mn-ea"/>
+                  <a:sym typeface="+mn-lt"/>
+                </a:endParaRPr>
+              </a:p>
+            </p:txBody>
+          </p:sp>
+          <p:sp>
+            <p:nvSpPr>
+              <p:cNvPr id="13" name="等腰三角形 12"/>
+              <p:cNvSpPr/>
+              <p:nvPr/>
+            </p:nvSpPr>
+            <p:spPr>
+              <a:xfrm rot="10800000">
+                <a:off x="899886" y="361978"/>
+                <a:ext cx="377371" cy="255962"/>
+              </a:xfrm>
+              <a:prstGeom prst="triangle">
+                <a:avLst/>
+              </a:prstGeom>
+              <a:solidFill>
+                <a:srgbClr val="E7C7A0"/>
+              </a:solidFill>
+              <a:ln>
+                <a:noFill/>
+              </a:ln>
+            </p:spPr>
+            <p:style>
+              <a:lnRef idx="2">
+                <a:schemeClr val="accent1">
+                  <a:shade val="50000"/>
+                </a:schemeClr>
+              </a:lnRef>
+              <a:fillRef idx="1">
+                <a:schemeClr val="accent1"/>
+              </a:fillRef>
+              <a:effectRef idx="0">
+                <a:schemeClr val="accent1"/>
+              </a:effectRef>
+              <a:fontRef idx="minor">
+                <a:schemeClr val="lt1"/>
+              </a:fontRef>
+            </p:style>
+            <p:txBody>
+              <a:bodyPr rtlCol="0" anchor="ctr"/>
+              <a:p>
+                <a:pPr algn="ctr"/>
+                <a:endParaRPr lang="zh-CN" altLang="en-US">
+                  <a:cs typeface="+mn-ea"/>
+                  <a:sym typeface="+mn-lt"/>
+                </a:endParaRPr>
+              </a:p>
+            </p:txBody>
+          </p:sp>
+        </p:grpSp>
+        <p:sp>
+          <p:nvSpPr>
+            <p:cNvPr id="29" name="文本框 28"/>
+            <p:cNvSpPr txBox="1"/>
+            <p:nvPr/>
+          </p:nvSpPr>
+          <p:spPr>
+            <a:xfrm>
+              <a:off x="786322" y="358694"/>
+              <a:ext cx="1740122" cy="400110"/>
+            </a:xfrm>
+            <a:prstGeom prst="rect">
+              <a:avLst/>
+            </a:prstGeom>
+            <a:noFill/>
+          </p:spPr>
+          <p:txBody>
+            <a:bodyPr wrap="square" rtlCol="0">
+              <a:spAutoFit/>
+            </a:bodyPr>
+            <a:p>
+              <a:r>
+                <a:rPr lang="en-US" altLang="zh-CN" sz="2000" b="1" dirty="0">
+                  <a:solidFill>
+                    <a:srgbClr val="526188"/>
+                  </a:solidFill>
+                  <a:cs typeface="+mn-ea"/>
+                  <a:sym typeface="+mn-lt"/>
+                </a:rPr>
+                <a:t>Introduction</a:t>
+              </a:r>
+              <a:endParaRPr lang="zh-CN" altLang="en-US" sz="2000" b="1" dirty="0">
                 <a:solidFill>
                   <a:srgbClr val="526188"/>
                 </a:solidFill>
-                <a:latin typeface="+mn-lt"/>
-                <a:ea typeface="+mn-ea"/>
                 <a:cs typeface="+mn-ea"/>
                 <a:sym typeface="+mn-lt"/>
-              </a:rPr>
-              <a:t>Compare</a:t>
-            </a:r>
-            <a:endParaRPr lang="en-US" altLang="zh-CN" sz="2400" b="1" dirty="0">
-              <a:solidFill>
-                <a:srgbClr val="526188"/>
-              </a:solidFill>
-              <a:latin typeface="+mn-lt"/>
-              <a:ea typeface="+mn-ea"/>
-              <a:cs typeface="+mn-ea"/>
-              <a:sym typeface="+mn-lt"/>
-            </a:endParaRPr>
-          </a:p>
-        </p:txBody>
-      </p:sp>
-      <p:cxnSp>
-        <p:nvCxnSpPr>
-          <p:cNvPr id="7" name="直接连接符 6">
-            <a:extLst>
-              <a:ext uri="{FF2B5EF4-FFF2-40B4-BE49-F238E27FC236}">
-                <a16:creationId xmlns:a16="http://schemas.microsoft.com/office/drawing/2014/main" id="{CA57A393-6DE3-43E8-A17D-06A95D897FCD}"/>
-              </a:ext>
-            </a:extLst>
-          </p:cNvPr>
-          <p:cNvCxnSpPr>
-            <a:cxnSpLocks/>
-          </p:cNvCxnSpPr>
-          <p:nvPr/>
-        </p:nvCxnSpPr>
-        <p:spPr>
-          <a:xfrm>
-            <a:off x="6096000" y="1874928"/>
-            <a:ext cx="0" cy="4090705"/>
-          </a:xfrm>
-          <a:prstGeom prst="line">
-            <a:avLst/>
-          </a:prstGeom>
-          <a:ln w="38100" cap="flat" cmpd="sng" algn="ctr">
-            <a:solidFill>
-              <a:schemeClr val="accent1"/>
-            </a:solidFill>
-            <a:prstDash val="dash"/>
-            <a:round/>
-            <a:headEnd type="none" w="med" len="med"/>
-            <a:tailEnd type="none" w="med" len="med"/>
-          </a:ln>
-        </p:spPr>
-        <p:style>
-          <a:lnRef idx="0">
-            <a:scrgbClr r="0" g="0" b="0"/>
-          </a:lnRef>
-          <a:fillRef idx="0">
-            <a:scrgbClr r="0" g="0" b="0"/>
-          </a:fillRef>
-          <a:effectRef idx="0">
-            <a:scrgbClr r="0" g="0" b="0"/>
-          </a:effectRef>
-          <a:fontRef idx="minor">
-            <a:schemeClr val="tx1"/>
-          </a:fontRef>
-        </p:style>
-      </p:cxnSp>
-      <p:sp>
-        <p:nvSpPr>
-          <p:cNvPr id="11" name="文本框 10">
-            <a:extLst>
-              <a:ext uri="{FF2B5EF4-FFF2-40B4-BE49-F238E27FC236}">
-                <a16:creationId xmlns:a16="http://schemas.microsoft.com/office/drawing/2014/main" id="{AEB25764-2425-4A82-8535-9F08CC783E13}"/>
-              </a:ext>
-            </a:extLst>
-          </p:cNvPr>
-          <p:cNvSpPr txBox="1"/>
-          <p:nvPr/>
-        </p:nvSpPr>
-        <p:spPr>
-          <a:xfrm>
-            <a:off x="8190714" y="1903625"/>
-            <a:ext cx="2615926" cy="369332"/>
-          </a:xfrm>
-          <a:prstGeom prst="rect">
-            <a:avLst/>
-          </a:prstGeom>
-          <a:noFill/>
-        </p:spPr>
-        <p:txBody>
-          <a:bodyPr wrap="square" rtlCol="0">
-            <a:spAutoFit/>
-          </a:bodyPr>
-          <a:lstStyle>
-            <a:defPPr>
-              <a:defRPr lang="zh-CN"/>
-            </a:defPPr>
-            <a:lvl1pPr algn="dist">
-              <a:defRPr>
-                <a:latin typeface="华文仿宋" panose="02010600040101010101" pitchFamily="2" charset="-122"/>
-                <a:ea typeface="华文仿宋" panose="02010600040101010101" pitchFamily="2" charset="-122"/>
-              </a:defRPr>
-            </a:lvl1pPr>
-          </a:lstStyle>
-          <a:p>
-            <a:pPr algn="l"/>
-            <a:r>
-              <a:rPr lang="en-US" altLang="zh-CN" dirty="0">
-                <a:latin typeface="+mn-lt"/>
-                <a:ea typeface="+mn-ea"/>
-                <a:cs typeface="+mn-ea"/>
-                <a:sym typeface="+mn-lt"/>
-              </a:rPr>
-              <a:t>Digital certification</a:t>
-            </a:r>
-          </a:p>
-        </p:txBody>
-      </p:sp>
+              </a:endParaRPr>
+            </a:p>
+          </p:txBody>
+        </p:sp>
+      </p:grpSp>
     </p:spTree>
   </p:cSld>
   <p:clrMapOvr>
@@ -10404,20 +11322,14 @@
       </p:sp>
       <p:sp>
         <p:nvSpPr>
-          <p:cNvPr id="3" name="文本框 2">
-            <a:extLst>
-              <a:ext uri="{FF2B5EF4-FFF2-40B4-BE49-F238E27FC236}">
-                <a16:creationId xmlns:a16="http://schemas.microsoft.com/office/drawing/2014/main" id="{C52092DB-A574-4487-A3E9-461EAA2110E0}"/>
-              </a:ext>
-            </a:extLst>
-          </p:cNvPr>
+          <p:cNvPr id="2" name="文本框 1"/>
           <p:cNvSpPr txBox="1"/>
           <p:nvPr/>
         </p:nvSpPr>
         <p:spPr>
           <a:xfrm>
-            <a:off x="1824472" y="1166842"/>
-            <a:ext cx="6360305" cy="4062651"/>
+            <a:off x="1156335" y="1924050"/>
+            <a:ext cx="3058795" cy="706755"/>
           </a:xfrm>
           <a:prstGeom prst="rect">
             <a:avLst/>
@@ -10440,164 +11352,380 @@
             </a:lvl1pPr>
           </a:lstStyle>
           <a:p>
-            <a:pPr algn="l">
-              <a:spcBef>
-                <a:spcPts val="600"/>
-              </a:spcBef>
-              <a:spcAft>
-                <a:spcPts val="600"/>
-              </a:spcAft>
-            </a:pPr>
-            <a:r>
-              <a:rPr lang="en-US" altLang="zh-CN" sz="2800" dirty="0">
+            <a:pPr algn="l"/>
+            <a:r>
+              <a:rPr lang="en-US" altLang="zh-CN" sz="2000" b="1" dirty="0">
                 <a:latin typeface="+mn-lt"/>
                 <a:ea typeface="+mn-ea"/>
                 <a:cs typeface="+mn-ea"/>
                 <a:sym typeface="+mn-lt"/>
               </a:rPr>
-              <a:t>Related work</a:t>
-            </a:r>
-          </a:p>
-          <a:p>
-            <a:pPr marL="342900" indent="-342900" algn="l">
-              <a:spcBef>
-                <a:spcPts val="600"/>
-              </a:spcBef>
-              <a:spcAft>
-                <a:spcPts val="600"/>
-              </a:spcAft>
-              <a:buFont typeface="Arial" panose="020B0604020202020204" pitchFamily="34" charset="0"/>
-              <a:buChar char="•"/>
-            </a:pPr>
-            <a:r>
-              <a:rPr lang="en-US" altLang="zh-CN" sz="2000" b="0" i="0" dirty="0">
-                <a:effectLst/>
-                <a:latin typeface="Arial" panose="020B0604020202020204" pitchFamily="34" charset="0"/>
-              </a:rPr>
-              <a:t>Digital academic certificates through an application based on blockchain(2017, MIT and Central New Mexico Community College)</a:t>
-            </a:r>
-          </a:p>
-          <a:p>
-            <a:pPr marL="800100" lvl="1" indent="-342900">
-              <a:spcBef>
-                <a:spcPts val="600"/>
-              </a:spcBef>
-              <a:spcAft>
-                <a:spcPts val="600"/>
-              </a:spcAft>
-              <a:buFont typeface="Arial" panose="020B0604020202020204" pitchFamily="34" charset="0"/>
-              <a:buChar char="•"/>
-            </a:pPr>
-            <a:r>
-              <a:rPr lang="en-US" altLang="zh-CN" sz="2000" dirty="0">
-                <a:latin typeface="Arial" panose="020B0604020202020204" pitchFamily="34" charset="0"/>
-              </a:rPr>
-              <a:t>Only use blockchain</a:t>
-            </a:r>
-          </a:p>
-          <a:p>
-            <a:pPr marL="800100" lvl="1" indent="-342900">
-              <a:spcBef>
-                <a:spcPts val="600"/>
-              </a:spcBef>
-              <a:spcAft>
-                <a:spcPts val="600"/>
-              </a:spcAft>
-              <a:buFont typeface="Arial" panose="020B0604020202020204" pitchFamily="34" charset="0"/>
-              <a:buChar char="•"/>
-            </a:pPr>
-            <a:r>
-              <a:rPr lang="en-US" altLang="zh-CN" sz="2000" b="0" i="0" dirty="0">
-                <a:effectLst/>
-                <a:latin typeface="Arial" panose="020B0604020202020204" pitchFamily="34" charset="0"/>
-              </a:rPr>
-              <a:t>publish a digital academic certification open source standard called </a:t>
-            </a:r>
-            <a:r>
-              <a:rPr lang="en-US" altLang="zh-CN" sz="2000" b="0" i="0" dirty="0" err="1">
-                <a:effectLst/>
-                <a:latin typeface="Arial" panose="020B0604020202020204" pitchFamily="34" charset="0"/>
-              </a:rPr>
-              <a:t>Blockcert</a:t>
-            </a:r>
-            <a:endParaRPr lang="en-US" altLang="zh-CN" sz="2000" b="0" i="0" dirty="0">
-              <a:effectLst/>
-              <a:latin typeface="Arial" panose="020B0604020202020204" pitchFamily="34" charset="0"/>
-            </a:endParaRPr>
-          </a:p>
-          <a:p>
-            <a:pPr marL="342900" indent="-342900" algn="l">
-              <a:spcBef>
-                <a:spcPts val="600"/>
-              </a:spcBef>
-              <a:spcAft>
-                <a:spcPts val="600"/>
-              </a:spcAft>
-              <a:buFont typeface="Arial" panose="020B0604020202020204" pitchFamily="34" charset="0"/>
-              <a:buChar char="•"/>
-            </a:pPr>
-            <a:r>
-              <a:rPr lang="en-US" altLang="zh-CN" sz="2000" dirty="0">
-                <a:latin typeface="Arial" panose="020B0604020202020204" pitchFamily="34" charset="0"/>
-              </a:rPr>
-              <a:t>A d</a:t>
-            </a:r>
-            <a:r>
-              <a:rPr lang="en-US" altLang="zh-CN" sz="2000" b="0" i="0" dirty="0">
-                <a:effectLst/>
-                <a:latin typeface="Arial" panose="020B0604020202020204" pitchFamily="34" charset="0"/>
-              </a:rPr>
-              <a:t>igital certificate system based on Ethereum blockchain(2020, </a:t>
-            </a:r>
-            <a:r>
-              <a:rPr lang="en-US" altLang="zh-CN" sz="2000" b="0" i="0" dirty="0">
-                <a:solidFill>
-                  <a:srgbClr val="333333"/>
-                </a:solidFill>
-                <a:effectLst/>
-                <a:latin typeface="Arial" panose="020B0604020202020204" pitchFamily="34" charset="0"/>
-              </a:rPr>
-              <a:t>HKUST)</a:t>
-            </a:r>
-            <a:endParaRPr lang="en-US" altLang="zh-CN" sz="2000" b="0" i="0" dirty="0">
-              <a:effectLst/>
-              <a:latin typeface="Arial" panose="020B0604020202020204" pitchFamily="34" charset="0"/>
-            </a:endParaRPr>
-          </a:p>
-          <a:p>
-            <a:pPr marL="800100" lvl="1" indent="-342900">
-              <a:spcBef>
-                <a:spcPts val="600"/>
-              </a:spcBef>
-              <a:spcAft>
-                <a:spcPts val="600"/>
-              </a:spcAft>
-              <a:buFont typeface="Arial" panose="020B0604020202020204" pitchFamily="34" charset="0"/>
-              <a:buChar char="•"/>
-            </a:pPr>
-            <a:r>
-              <a:rPr lang="en-US" altLang="zh-CN" sz="2000" dirty="0">
-                <a:latin typeface="Arial" panose="020B0604020202020204" pitchFamily="34" charset="0"/>
-                <a:cs typeface="+mn-ea"/>
-                <a:sym typeface="+mn-lt"/>
-              </a:rPr>
-              <a:t>Use blockchain and smart contract</a:t>
-            </a:r>
-            <a:endParaRPr lang="en-US" altLang="zh-CN" sz="2000" dirty="0">
+              <a:t>Paper certification</a:t>
+            </a:r>
+            <a:endParaRPr lang="en-US" altLang="zh-CN" sz="2000" b="1" dirty="0">
               <a:latin typeface="+mn-lt"/>
               <a:ea typeface="+mn-ea"/>
               <a:cs typeface="+mn-ea"/>
               <a:sym typeface="+mn-lt"/>
             </a:endParaRPr>
           </a:p>
+          <a:p>
+            <a:pPr marL="285750" indent="-285750" algn="l">
+              <a:buFont typeface="Arial" panose="020B0604020202020204" pitchFamily="34" charset="0"/>
+              <a:buChar char="•"/>
+            </a:pPr>
+            <a:endParaRPr lang="en-US" altLang="zh-CN" sz="2000" b="1" dirty="0">
+              <a:latin typeface="+mn-lt"/>
+              <a:ea typeface="+mn-ea"/>
+              <a:cs typeface="+mn-ea"/>
+              <a:sym typeface="+mn-lt"/>
+            </a:endParaRPr>
+          </a:p>
         </p:txBody>
       </p:sp>
+      <p:sp>
+        <p:nvSpPr>
+          <p:cNvPr id="5" name="文本框 4"/>
+          <p:cNvSpPr txBox="1"/>
+          <p:nvPr/>
+        </p:nvSpPr>
+        <p:spPr>
+          <a:xfrm>
+            <a:off x="4746473" y="1163172"/>
+            <a:ext cx="2699054" cy="523220"/>
+          </a:xfrm>
+          <a:prstGeom prst="rect">
+            <a:avLst/>
+          </a:prstGeom>
+          <a:noFill/>
+        </p:spPr>
+        <p:txBody>
+          <a:bodyPr wrap="square" rtlCol="0">
+            <a:spAutoFit/>
+          </a:bodyPr>
+          <a:lstStyle>
+            <a:defPPr>
+              <a:defRPr lang="zh-CN"/>
+            </a:defPPr>
+            <a:lvl1pPr algn="dist">
+              <a:defRPr>
+                <a:latin typeface="华文仿宋" panose="02010600040101010101" pitchFamily="2" charset="-122"/>
+                <a:ea typeface="华文仿宋" panose="02010600040101010101" pitchFamily="2" charset="-122"/>
+              </a:defRPr>
+            </a:lvl1pPr>
+          </a:lstStyle>
+          <a:p>
+            <a:pPr algn="ctr"/>
+            <a:r>
+              <a:rPr lang="en-US" altLang="zh-CN" sz="2800" b="1" dirty="0">
+                <a:solidFill>
+                  <a:srgbClr val="526188"/>
+                </a:solidFill>
+                <a:latin typeface="+mn-lt"/>
+                <a:ea typeface="+mn-ea"/>
+                <a:cs typeface="+mn-ea"/>
+                <a:sym typeface="+mn-lt"/>
+              </a:rPr>
+              <a:t>Compare</a:t>
+            </a:r>
+            <a:endParaRPr lang="en-US" altLang="zh-CN" sz="2400" b="1" dirty="0">
+              <a:solidFill>
+                <a:srgbClr val="526188"/>
+              </a:solidFill>
+              <a:latin typeface="+mn-lt"/>
+              <a:ea typeface="+mn-ea"/>
+              <a:cs typeface="+mn-ea"/>
+              <a:sym typeface="+mn-lt"/>
+            </a:endParaRPr>
+          </a:p>
+        </p:txBody>
+      </p:sp>
+      <p:cxnSp>
+        <p:nvCxnSpPr>
+          <p:cNvPr id="7" name="直接连接符 6"/>
+          <p:cNvCxnSpPr/>
+          <p:nvPr/>
+        </p:nvCxnSpPr>
+        <p:spPr>
+          <a:xfrm>
+            <a:off x="4533900" y="1923823"/>
+            <a:ext cx="0" cy="4090705"/>
+          </a:xfrm>
+          <a:prstGeom prst="line">
+            <a:avLst/>
+          </a:prstGeom>
+          <a:ln w="38100" cap="flat" cmpd="sng" algn="ctr">
+            <a:solidFill>
+              <a:schemeClr val="accent1"/>
+            </a:solidFill>
+            <a:prstDash val="dash"/>
+            <a:round/>
+            <a:headEnd type="none" w="med" len="med"/>
+            <a:tailEnd type="none" w="med" len="med"/>
+          </a:ln>
+        </p:spPr>
+        <p:style>
+          <a:lnRef idx="0">
+            <a:scrgbClr r="0" g="0" b="0"/>
+          </a:lnRef>
+          <a:fillRef idx="0">
+            <a:scrgbClr r="0" g="0" b="0"/>
+          </a:fillRef>
+          <a:effectRef idx="0">
+            <a:scrgbClr r="0" g="0" b="0"/>
+          </a:effectRef>
+          <a:fontRef idx="minor">
+            <a:schemeClr val="tx1"/>
+          </a:fontRef>
+        </p:style>
+      </p:cxnSp>
+      <p:sp>
+        <p:nvSpPr>
+          <p:cNvPr id="11" name="文本框 10"/>
+          <p:cNvSpPr txBox="1"/>
+          <p:nvPr/>
+        </p:nvSpPr>
+        <p:spPr>
+          <a:xfrm>
+            <a:off x="4829024" y="1923945"/>
+            <a:ext cx="2615926" cy="398780"/>
+          </a:xfrm>
+          <a:prstGeom prst="rect">
+            <a:avLst/>
+          </a:prstGeom>
+          <a:noFill/>
+        </p:spPr>
+        <p:txBody>
+          <a:bodyPr wrap="square" rtlCol="0">
+            <a:spAutoFit/>
+          </a:bodyPr>
+          <a:lstStyle>
+            <a:defPPr>
+              <a:defRPr lang="zh-CN"/>
+            </a:defPPr>
+            <a:lvl1pPr algn="dist">
+              <a:defRPr>
+                <a:latin typeface="华文仿宋" panose="02010600040101010101" pitchFamily="2" charset="-122"/>
+                <a:ea typeface="华文仿宋" panose="02010600040101010101" pitchFamily="2" charset="-122"/>
+              </a:defRPr>
+            </a:lvl1pPr>
+          </a:lstStyle>
+          <a:p>
+            <a:pPr algn="l"/>
+            <a:r>
+              <a:rPr lang="en-US" altLang="zh-CN" sz="2000" b="1" dirty="0">
+                <a:latin typeface="+mn-lt"/>
+                <a:ea typeface="+mn-ea"/>
+                <a:cs typeface="+mn-ea"/>
+                <a:sym typeface="+mn-lt"/>
+              </a:rPr>
+              <a:t>Digital certification</a:t>
+            </a:r>
+            <a:endParaRPr lang="en-US" altLang="zh-CN" sz="2000" b="1" dirty="0">
+              <a:latin typeface="+mn-lt"/>
+              <a:ea typeface="+mn-ea"/>
+              <a:cs typeface="+mn-ea"/>
+              <a:sym typeface="+mn-lt"/>
+            </a:endParaRPr>
+          </a:p>
+        </p:txBody>
+      </p:sp>
+      <p:sp>
+        <p:nvSpPr>
+          <p:cNvPr id="3" name="文本框 2"/>
+          <p:cNvSpPr txBox="1"/>
+          <p:nvPr/>
+        </p:nvSpPr>
+        <p:spPr>
+          <a:xfrm>
+            <a:off x="1012825" y="2457450"/>
+            <a:ext cx="3345815" cy="1753235"/>
+          </a:xfrm>
+          <a:prstGeom prst="rect">
+            <a:avLst/>
+          </a:prstGeom>
+          <a:noFill/>
+        </p:spPr>
+        <p:txBody>
+          <a:bodyPr wrap="square" rtlCol="0">
+            <a:spAutoFit/>
+          </a:bodyPr>
+          <a:p>
+            <a:r>
+              <a:rPr lang="en-US" altLang="zh-CN"/>
+              <a:t>1. may be falsify by someone</a:t>
+            </a:r>
+            <a:endParaRPr lang="en-US" altLang="zh-CN"/>
+          </a:p>
+          <a:p>
+            <a:endParaRPr lang="en-US" altLang="zh-CN"/>
+          </a:p>
+          <a:p>
+            <a:r>
+              <a:rPr lang="en-US" altLang="zh-CN"/>
+              <a:t>2. difficult to preserve(may be lost)</a:t>
+            </a:r>
+            <a:endParaRPr lang="en-US" altLang="zh-CN"/>
+          </a:p>
+          <a:p>
+            <a:endParaRPr lang="en-US" altLang="zh-CN"/>
+          </a:p>
+          <a:p>
+            <a:r>
+              <a:rPr lang="en-US" altLang="zh-CN"/>
+              <a:t>3. inconvenience</a:t>
+            </a:r>
+            <a:endParaRPr lang="en-US" altLang="zh-CN"/>
+          </a:p>
+        </p:txBody>
+      </p:sp>
+      <p:sp>
+        <p:nvSpPr>
+          <p:cNvPr id="4" name="文本框 3"/>
+          <p:cNvSpPr txBox="1"/>
+          <p:nvPr/>
+        </p:nvSpPr>
+        <p:spPr>
+          <a:xfrm>
+            <a:off x="4735195" y="2477770"/>
+            <a:ext cx="3184525" cy="1198880"/>
+          </a:xfrm>
+          <a:prstGeom prst="rect">
+            <a:avLst/>
+          </a:prstGeom>
+          <a:noFill/>
+        </p:spPr>
+        <p:txBody>
+          <a:bodyPr wrap="square" rtlCol="0">
+            <a:spAutoFit/>
+          </a:bodyPr>
+          <a:p>
+            <a:r>
+              <a:rPr lang="en-US" altLang="zh-CN"/>
+              <a:t>1. convenient</a:t>
+            </a:r>
+            <a:endParaRPr lang="en-US" altLang="zh-CN"/>
+          </a:p>
+          <a:p>
+            <a:endParaRPr lang="en-US" altLang="zh-CN"/>
+          </a:p>
+          <a:p>
+            <a:r>
+              <a:rPr lang="en-US" altLang="zh-CN"/>
+              <a:t>2. may be modified by someone(such as hacker)</a:t>
+            </a:r>
+            <a:endParaRPr lang="en-US" altLang="zh-CN"/>
+          </a:p>
+        </p:txBody>
+      </p:sp>
+      <p:cxnSp>
+        <p:nvCxnSpPr>
+          <p:cNvPr id="6" name="直接连接符 5"/>
+          <p:cNvCxnSpPr/>
+          <p:nvPr/>
+        </p:nvCxnSpPr>
+        <p:spPr>
+          <a:xfrm>
+            <a:off x="7919720" y="1923823"/>
+            <a:ext cx="0" cy="4090705"/>
+          </a:xfrm>
+          <a:prstGeom prst="line">
+            <a:avLst/>
+          </a:prstGeom>
+          <a:ln w="38100" cap="flat" cmpd="sng" algn="ctr">
+            <a:solidFill>
+              <a:schemeClr val="accent1"/>
+            </a:solidFill>
+            <a:prstDash val="dash"/>
+            <a:round/>
+            <a:headEnd type="none" w="med" len="med"/>
+            <a:tailEnd type="none" w="med" len="med"/>
+          </a:ln>
+        </p:spPr>
+        <p:style>
+          <a:lnRef idx="0">
+            <a:scrgbClr r="0" g="0" b="0"/>
+          </a:lnRef>
+          <a:fillRef idx="0">
+            <a:scrgbClr r="0" g="0" b="0"/>
+          </a:fillRef>
+          <a:effectRef idx="0">
+            <a:scrgbClr r="0" g="0" b="0"/>
+          </a:effectRef>
+          <a:fontRef idx="minor">
+            <a:schemeClr val="tx1"/>
+          </a:fontRef>
+        </p:style>
+      </p:cxnSp>
+      <p:sp>
+        <p:nvSpPr>
+          <p:cNvPr id="8" name="文本框 7"/>
+          <p:cNvSpPr txBox="1"/>
+          <p:nvPr/>
+        </p:nvSpPr>
+        <p:spPr>
+          <a:xfrm>
+            <a:off x="8244840" y="1950085"/>
+            <a:ext cx="3326765" cy="706755"/>
+          </a:xfrm>
+          <a:prstGeom prst="rect">
+            <a:avLst/>
+          </a:prstGeom>
+          <a:noFill/>
+        </p:spPr>
+        <p:txBody>
+          <a:bodyPr wrap="square" rtlCol="0">
+            <a:spAutoFit/>
+          </a:bodyPr>
+          <a:p>
+            <a:r>
+              <a:rPr lang="en-US" altLang="zh-CN" sz="2000" b="1"/>
+              <a:t>Digital certification with blockchain</a:t>
+            </a:r>
+            <a:endParaRPr lang="en-US" altLang="zh-CN" sz="2000" b="1"/>
+          </a:p>
+        </p:txBody>
+      </p:sp>
+      <p:sp>
+        <p:nvSpPr>
+          <p:cNvPr id="9" name="文本框 8"/>
+          <p:cNvSpPr txBox="1"/>
+          <p:nvPr/>
+        </p:nvSpPr>
+        <p:spPr>
+          <a:xfrm>
+            <a:off x="8183880" y="2639695"/>
+            <a:ext cx="3569970" cy="1198880"/>
+          </a:xfrm>
+          <a:prstGeom prst="rect">
+            <a:avLst/>
+          </a:prstGeom>
+          <a:noFill/>
+        </p:spPr>
+        <p:txBody>
+          <a:bodyPr wrap="square" rtlCol="0">
+            <a:spAutoFit/>
+          </a:bodyPr>
+          <a:p>
+            <a:r>
+              <a:rPr lang="en-US" altLang="zh-CN"/>
+              <a:t>1. authenticity and traceable</a:t>
+            </a:r>
+            <a:endParaRPr lang="en-US" altLang="zh-CN"/>
+          </a:p>
+          <a:p>
+            <a:endParaRPr lang="en-US" altLang="zh-CN"/>
+          </a:p>
+          <a:p>
+            <a:r>
+              <a:rPr lang="en-US" altLang="zh-CN"/>
+              <a:t>2. difficult to modified by someone</a:t>
+            </a:r>
+            <a:endParaRPr lang="en-US" altLang="zh-CN"/>
+          </a:p>
+        </p:txBody>
+      </p:sp>
     </p:spTree>
-    <p:extLst>
-      <p:ext uri="{BB962C8B-B14F-4D97-AF65-F5344CB8AC3E}">
-        <p14:creationId xmlns:p14="http://schemas.microsoft.com/office/powerpoint/2010/main" val="2444487594"/>
-      </p:ext>
-    </p:extLst>
   </p:cSld>
   <p:clrMapOvr>
     <a:masterClrMapping/>
@@ -10622,9 +11750,179 @@
           <a:chExt cx="0" cy="0"/>
         </a:xfrm>
       </p:grpSpPr>
-      <p:sp>
-        <p:nvSpPr>
-          <p:cNvPr id="5" name="任意多边形: 形状 4"/>
+      <p:grpSp>
+        <p:nvGrpSpPr>
+          <p:cNvPr id="32" name="组合 31"/>
+          <p:cNvGrpSpPr/>
+          <p:nvPr/>
+        </p:nvGrpSpPr>
+        <p:grpSpPr>
+          <a:xfrm>
+            <a:off x="346076" y="364699"/>
+            <a:ext cx="2142268" cy="507162"/>
+            <a:chOff x="384176" y="307549"/>
+            <a:chExt cx="2142268" cy="507162"/>
+          </a:xfrm>
+        </p:grpSpPr>
+        <p:grpSp>
+          <p:nvGrpSpPr>
+            <p:cNvPr id="16" name="组合 15"/>
+            <p:cNvGrpSpPr/>
+            <p:nvPr/>
+          </p:nvGrpSpPr>
+          <p:grpSpPr>
+            <a:xfrm>
+              <a:off x="384176" y="307549"/>
+              <a:ext cx="377371" cy="507162"/>
+              <a:chOff x="899886" y="361978"/>
+              <a:chExt cx="377371" cy="507162"/>
+            </a:xfrm>
+          </p:grpSpPr>
+          <p:sp>
+            <p:nvSpPr>
+              <p:cNvPr id="14" name="等腰三角形 13"/>
+              <p:cNvSpPr/>
+              <p:nvPr/>
+            </p:nvSpPr>
+            <p:spPr>
+              <a:xfrm>
+                <a:off x="899886" y="613178"/>
+                <a:ext cx="377371" cy="255962"/>
+              </a:xfrm>
+              <a:prstGeom prst="triangle">
+                <a:avLst/>
+              </a:prstGeom>
+              <a:solidFill>
+                <a:srgbClr val="526188"/>
+              </a:solidFill>
+              <a:ln>
+                <a:noFill/>
+              </a:ln>
+            </p:spPr>
+            <p:style>
+              <a:lnRef idx="2">
+                <a:schemeClr val="accent1">
+                  <a:shade val="50000"/>
+                </a:schemeClr>
+              </a:lnRef>
+              <a:fillRef idx="1">
+                <a:schemeClr val="accent1"/>
+              </a:fillRef>
+              <a:effectRef idx="0">
+                <a:schemeClr val="accent1"/>
+              </a:effectRef>
+              <a:fontRef idx="minor">
+                <a:schemeClr val="lt1"/>
+              </a:fontRef>
+            </p:style>
+            <p:txBody>
+              <a:bodyPr rtlCol="0" anchor="ctr"/>
+              <a:lstStyle/>
+              <a:p>
+                <a:pPr algn="ctr"/>
+                <a:endParaRPr lang="zh-CN" altLang="en-US">
+                  <a:cs typeface="+mn-ea"/>
+                  <a:sym typeface="+mn-lt"/>
+                </a:endParaRPr>
+              </a:p>
+            </p:txBody>
+          </p:sp>
+          <p:sp>
+            <p:nvSpPr>
+              <p:cNvPr id="15" name="等腰三角形 14"/>
+              <p:cNvSpPr/>
+              <p:nvPr/>
+            </p:nvSpPr>
+            <p:spPr>
+              <a:xfrm rot="10800000">
+                <a:off x="899886" y="361978"/>
+                <a:ext cx="377371" cy="255962"/>
+              </a:xfrm>
+              <a:prstGeom prst="triangle">
+                <a:avLst/>
+              </a:prstGeom>
+              <a:solidFill>
+                <a:srgbClr val="E7C7A0"/>
+              </a:solidFill>
+              <a:ln>
+                <a:noFill/>
+              </a:ln>
+            </p:spPr>
+            <p:style>
+              <a:lnRef idx="2">
+                <a:schemeClr val="accent1">
+                  <a:shade val="50000"/>
+                </a:schemeClr>
+              </a:lnRef>
+              <a:fillRef idx="1">
+                <a:schemeClr val="accent1"/>
+              </a:fillRef>
+              <a:effectRef idx="0">
+                <a:schemeClr val="accent1"/>
+              </a:effectRef>
+              <a:fontRef idx="minor">
+                <a:schemeClr val="lt1"/>
+              </a:fontRef>
+            </p:style>
+            <p:txBody>
+              <a:bodyPr rtlCol="0" anchor="ctr"/>
+              <a:lstStyle/>
+              <a:p>
+                <a:pPr algn="ctr"/>
+                <a:endParaRPr lang="zh-CN" altLang="en-US">
+                  <a:cs typeface="+mn-ea"/>
+                  <a:sym typeface="+mn-lt"/>
+                </a:endParaRPr>
+              </a:p>
+            </p:txBody>
+          </p:sp>
+        </p:grpSp>
+        <p:sp>
+          <p:nvSpPr>
+            <p:cNvPr id="29" name="文本框 28"/>
+            <p:cNvSpPr txBox="1"/>
+            <p:nvPr/>
+          </p:nvSpPr>
+          <p:spPr>
+            <a:xfrm>
+              <a:off x="786322" y="358694"/>
+              <a:ext cx="1740122" cy="400110"/>
+            </a:xfrm>
+            <a:prstGeom prst="rect">
+              <a:avLst/>
+            </a:prstGeom>
+            <a:noFill/>
+          </p:spPr>
+          <p:txBody>
+            <a:bodyPr wrap="square" rtlCol="0">
+              <a:spAutoFit/>
+            </a:bodyPr>
+            <a:lstStyle/>
+            <a:p>
+              <a:r>
+                <a:rPr lang="en-US" altLang="zh-CN" sz="2000" b="1" dirty="0">
+                  <a:solidFill>
+                    <a:srgbClr val="526188"/>
+                  </a:solidFill>
+                  <a:cs typeface="+mn-ea"/>
+                  <a:sym typeface="+mn-lt"/>
+                </a:rPr>
+                <a:t>Introduction</a:t>
+              </a:r>
+              <a:endParaRPr lang="zh-CN" altLang="en-US" sz="2000" b="1" dirty="0">
+                <a:solidFill>
+                  <a:srgbClr val="526188"/>
+                </a:solidFill>
+                <a:cs typeface="+mn-ea"/>
+                <a:sym typeface="+mn-lt"/>
+              </a:endParaRPr>
+            </a:p>
+          </p:txBody>
+        </p:sp>
+      </p:grpSp>
+      <p:sp>
+        <p:nvSpPr>
+          <p:cNvPr id="12" name="任意多边形: 形状 11"/>
           <p:cNvSpPr/>
           <p:nvPr/>
         </p:nvSpPr>
@@ -10769,6 +12067,775 @@
           </a:p>
         </p:txBody>
       </p:sp>
+      <p:sp>
+        <p:nvSpPr>
+          <p:cNvPr id="3" name="文本框 2"/>
+          <p:cNvSpPr txBox="1"/>
+          <p:nvPr/>
+        </p:nvSpPr>
+        <p:spPr>
+          <a:xfrm>
+            <a:off x="1824472" y="1166842"/>
+            <a:ext cx="6360305" cy="4062651"/>
+          </a:xfrm>
+          <a:prstGeom prst="rect">
+            <a:avLst/>
+          </a:prstGeom>
+          <a:noFill/>
+        </p:spPr>
+        <p:txBody>
+          <a:bodyPr wrap="square" rtlCol="0">
+            <a:spAutoFit/>
+          </a:bodyPr>
+          <a:lstStyle>
+            <a:defPPr>
+              <a:defRPr lang="zh-CN"/>
+            </a:defPPr>
+            <a:lvl1pPr algn="dist">
+              <a:defRPr>
+                <a:latin typeface="华文仿宋" panose="02010600040101010101" pitchFamily="2" charset="-122"/>
+                <a:ea typeface="华文仿宋" panose="02010600040101010101" pitchFamily="2" charset="-122"/>
+              </a:defRPr>
+            </a:lvl1pPr>
+          </a:lstStyle>
+          <a:p>
+            <a:pPr algn="l">
+              <a:spcBef>
+                <a:spcPts val="600"/>
+              </a:spcBef>
+              <a:spcAft>
+                <a:spcPts val="600"/>
+              </a:spcAft>
+            </a:pPr>
+            <a:r>
+              <a:rPr lang="en-US" altLang="zh-CN" sz="2800" dirty="0">
+                <a:latin typeface="+mn-lt"/>
+                <a:ea typeface="+mn-ea"/>
+                <a:cs typeface="+mn-ea"/>
+                <a:sym typeface="+mn-lt"/>
+              </a:rPr>
+              <a:t>Related work</a:t>
+            </a:r>
+            <a:endParaRPr lang="en-US" altLang="zh-CN" sz="2800" dirty="0">
+              <a:latin typeface="+mn-lt"/>
+              <a:ea typeface="+mn-ea"/>
+              <a:cs typeface="+mn-ea"/>
+              <a:sym typeface="+mn-lt"/>
+            </a:endParaRPr>
+          </a:p>
+          <a:p>
+            <a:pPr marL="342900" indent="-342900" algn="l">
+              <a:spcBef>
+                <a:spcPts val="600"/>
+              </a:spcBef>
+              <a:spcAft>
+                <a:spcPts val="600"/>
+              </a:spcAft>
+              <a:buFont typeface="Arial" panose="020B0604020202020204" pitchFamily="34" charset="0"/>
+              <a:buChar char="•"/>
+            </a:pPr>
+            <a:r>
+              <a:rPr lang="en-US" altLang="zh-CN" sz="2000" b="0" i="0" dirty="0">
+                <a:effectLst/>
+                <a:latin typeface="Arial" panose="020B0604020202020204" pitchFamily="34" charset="0"/>
+              </a:rPr>
+              <a:t>Digital academic certificates through an application based on blockchain(2017, MIT and Central New Mexico Community College)</a:t>
+            </a:r>
+            <a:endParaRPr lang="en-US" altLang="zh-CN" sz="2000" b="0" i="0" dirty="0">
+              <a:effectLst/>
+              <a:latin typeface="Arial" panose="020B0604020202020204" pitchFamily="34" charset="0"/>
+            </a:endParaRPr>
+          </a:p>
+          <a:p>
+            <a:pPr marL="800100" lvl="1" indent="-342900">
+              <a:spcBef>
+                <a:spcPts val="600"/>
+              </a:spcBef>
+              <a:spcAft>
+                <a:spcPts val="600"/>
+              </a:spcAft>
+              <a:buFont typeface="Arial" panose="020B0604020202020204" pitchFamily="34" charset="0"/>
+              <a:buChar char="•"/>
+            </a:pPr>
+            <a:r>
+              <a:rPr lang="en-US" altLang="zh-CN" sz="2000" dirty="0">
+                <a:latin typeface="Arial" panose="020B0604020202020204" pitchFamily="34" charset="0"/>
+              </a:rPr>
+              <a:t>Only use blockchain</a:t>
+            </a:r>
+            <a:endParaRPr lang="en-US" altLang="zh-CN" sz="2000" dirty="0">
+              <a:latin typeface="Arial" panose="020B0604020202020204" pitchFamily="34" charset="0"/>
+            </a:endParaRPr>
+          </a:p>
+          <a:p>
+            <a:pPr marL="800100" lvl="1" indent="-342900">
+              <a:spcBef>
+                <a:spcPts val="600"/>
+              </a:spcBef>
+              <a:spcAft>
+                <a:spcPts val="600"/>
+              </a:spcAft>
+              <a:buFont typeface="Arial" panose="020B0604020202020204" pitchFamily="34" charset="0"/>
+              <a:buChar char="•"/>
+            </a:pPr>
+            <a:r>
+              <a:rPr lang="en-US" altLang="zh-CN" sz="2000" b="0" i="0" dirty="0">
+                <a:effectLst/>
+                <a:latin typeface="Arial" panose="020B0604020202020204" pitchFamily="34" charset="0"/>
+              </a:rPr>
+              <a:t>publish a digital academic certification open source standard called </a:t>
+            </a:r>
+            <a:r>
+              <a:rPr lang="en-US" altLang="zh-CN" sz="2000" b="0" i="0" dirty="0" err="1">
+                <a:effectLst/>
+                <a:latin typeface="Arial" panose="020B0604020202020204" pitchFamily="34" charset="0"/>
+              </a:rPr>
+              <a:t>Blockcert</a:t>
+            </a:r>
+            <a:endParaRPr lang="en-US" altLang="zh-CN" sz="2000" b="0" i="0" dirty="0">
+              <a:effectLst/>
+              <a:latin typeface="Arial" panose="020B0604020202020204" pitchFamily="34" charset="0"/>
+            </a:endParaRPr>
+          </a:p>
+          <a:p>
+            <a:pPr marL="342900" indent="-342900" algn="l">
+              <a:spcBef>
+                <a:spcPts val="600"/>
+              </a:spcBef>
+              <a:spcAft>
+                <a:spcPts val="600"/>
+              </a:spcAft>
+              <a:buFont typeface="Arial" panose="020B0604020202020204" pitchFamily="34" charset="0"/>
+              <a:buChar char="•"/>
+            </a:pPr>
+            <a:r>
+              <a:rPr lang="en-US" altLang="zh-CN" sz="2000" dirty="0">
+                <a:latin typeface="Arial" panose="020B0604020202020204" pitchFamily="34" charset="0"/>
+              </a:rPr>
+              <a:t>A d</a:t>
+            </a:r>
+            <a:r>
+              <a:rPr lang="en-US" altLang="zh-CN" sz="2000" b="0" i="0" dirty="0">
+                <a:effectLst/>
+                <a:latin typeface="Arial" panose="020B0604020202020204" pitchFamily="34" charset="0"/>
+              </a:rPr>
+              <a:t>igital certificate system based on Ethereum blockchain(2020, </a:t>
+            </a:r>
+            <a:r>
+              <a:rPr lang="en-US" altLang="zh-CN" sz="2000" b="0" i="0" dirty="0">
+                <a:solidFill>
+                  <a:srgbClr val="333333"/>
+                </a:solidFill>
+                <a:effectLst/>
+                <a:latin typeface="Arial" panose="020B0604020202020204" pitchFamily="34" charset="0"/>
+              </a:rPr>
+              <a:t>HKUST)</a:t>
+            </a:r>
+            <a:endParaRPr lang="en-US" altLang="zh-CN" sz="2000" b="0" i="0" dirty="0">
+              <a:effectLst/>
+              <a:latin typeface="Arial" panose="020B0604020202020204" pitchFamily="34" charset="0"/>
+            </a:endParaRPr>
+          </a:p>
+          <a:p>
+            <a:pPr marL="800100" lvl="1" indent="-342900">
+              <a:spcBef>
+                <a:spcPts val="600"/>
+              </a:spcBef>
+              <a:spcAft>
+                <a:spcPts val="600"/>
+              </a:spcAft>
+              <a:buFont typeface="Arial" panose="020B0604020202020204" pitchFamily="34" charset="0"/>
+              <a:buChar char="•"/>
+            </a:pPr>
+            <a:r>
+              <a:rPr lang="en-US" altLang="zh-CN" sz="2000" dirty="0">
+                <a:latin typeface="Arial" panose="020B0604020202020204" pitchFamily="34" charset="0"/>
+                <a:cs typeface="+mn-ea"/>
+                <a:sym typeface="+mn-lt"/>
+              </a:rPr>
+              <a:t>Use blockchain and smart contract</a:t>
+            </a:r>
+            <a:endParaRPr lang="en-US" altLang="zh-CN" sz="2000" dirty="0">
+              <a:latin typeface="+mn-lt"/>
+              <a:ea typeface="+mn-ea"/>
+              <a:cs typeface="+mn-ea"/>
+              <a:sym typeface="+mn-lt"/>
+            </a:endParaRPr>
+          </a:p>
+        </p:txBody>
+      </p:sp>
+    </p:spTree>
+  </p:cSld>
+  <p:clrMapOvr>
+    <a:masterClrMapping/>
+  </p:clrMapOvr>
+</p:sld>
+</file>
+
+<file path=ppt/slides/slide7.xml><?xml version="1.0" encoding="utf-8"?>
+<p:sld xmlns:a="http://schemas.openxmlformats.org/drawingml/2006/main" xmlns:r="http://schemas.openxmlformats.org/officeDocument/2006/relationships" xmlns:p="http://schemas.openxmlformats.org/presentationml/2006/main">
+  <p:cSld>
+    <p:spTree>
+      <p:nvGrpSpPr>
+        <p:cNvPr id="1" name=""/>
+        <p:cNvGrpSpPr/>
+        <p:nvPr/>
+      </p:nvGrpSpPr>
+      <p:grpSpPr>
+        <a:xfrm>
+          <a:off x="0" y="0"/>
+          <a:ext cx="0" cy="0"/>
+          <a:chOff x="0" y="0"/>
+          <a:chExt cx="0" cy="0"/>
+        </a:xfrm>
+      </p:grpSpPr>
+      <p:grpSp>
+        <p:nvGrpSpPr>
+          <p:cNvPr id="32" name="组合 31"/>
+          <p:cNvGrpSpPr/>
+          <p:nvPr/>
+        </p:nvGrpSpPr>
+        <p:grpSpPr>
+          <a:xfrm>
+            <a:off x="346076" y="364699"/>
+            <a:ext cx="2142268" cy="507162"/>
+            <a:chOff x="384176" y="307549"/>
+            <a:chExt cx="2142268" cy="507162"/>
+          </a:xfrm>
+        </p:grpSpPr>
+        <p:grpSp>
+          <p:nvGrpSpPr>
+            <p:cNvPr id="16" name="组合 15"/>
+            <p:cNvGrpSpPr/>
+            <p:nvPr/>
+          </p:nvGrpSpPr>
+          <p:grpSpPr>
+            <a:xfrm>
+              <a:off x="384176" y="307549"/>
+              <a:ext cx="377371" cy="507162"/>
+              <a:chOff x="899886" y="361978"/>
+              <a:chExt cx="377371" cy="507162"/>
+            </a:xfrm>
+          </p:grpSpPr>
+          <p:sp>
+            <p:nvSpPr>
+              <p:cNvPr id="14" name="等腰三角形 13"/>
+              <p:cNvSpPr/>
+              <p:nvPr/>
+            </p:nvSpPr>
+            <p:spPr>
+              <a:xfrm>
+                <a:off x="899886" y="613178"/>
+                <a:ext cx="377371" cy="255962"/>
+              </a:xfrm>
+              <a:prstGeom prst="triangle">
+                <a:avLst/>
+              </a:prstGeom>
+              <a:solidFill>
+                <a:srgbClr val="526188"/>
+              </a:solidFill>
+              <a:ln>
+                <a:noFill/>
+              </a:ln>
+            </p:spPr>
+            <p:style>
+              <a:lnRef idx="2">
+                <a:schemeClr val="accent1">
+                  <a:shade val="50000"/>
+                </a:schemeClr>
+              </a:lnRef>
+              <a:fillRef idx="1">
+                <a:schemeClr val="accent1"/>
+              </a:fillRef>
+              <a:effectRef idx="0">
+                <a:schemeClr val="accent1"/>
+              </a:effectRef>
+              <a:fontRef idx="minor">
+                <a:schemeClr val="lt1"/>
+              </a:fontRef>
+            </p:style>
+            <p:txBody>
+              <a:bodyPr rtlCol="0" anchor="ctr"/>
+              <a:lstStyle/>
+              <a:p>
+                <a:pPr algn="ctr"/>
+                <a:endParaRPr lang="zh-CN" altLang="en-US">
+                  <a:cs typeface="+mn-ea"/>
+                  <a:sym typeface="+mn-lt"/>
+                </a:endParaRPr>
+              </a:p>
+            </p:txBody>
+          </p:sp>
+          <p:sp>
+            <p:nvSpPr>
+              <p:cNvPr id="15" name="等腰三角形 14"/>
+              <p:cNvSpPr/>
+              <p:nvPr/>
+            </p:nvSpPr>
+            <p:spPr>
+              <a:xfrm rot="10800000">
+                <a:off x="899886" y="361978"/>
+                <a:ext cx="377371" cy="255962"/>
+              </a:xfrm>
+              <a:prstGeom prst="triangle">
+                <a:avLst/>
+              </a:prstGeom>
+              <a:solidFill>
+                <a:srgbClr val="E7C7A0"/>
+              </a:solidFill>
+              <a:ln>
+                <a:noFill/>
+              </a:ln>
+            </p:spPr>
+            <p:style>
+              <a:lnRef idx="2">
+                <a:schemeClr val="accent1">
+                  <a:shade val="50000"/>
+                </a:schemeClr>
+              </a:lnRef>
+              <a:fillRef idx="1">
+                <a:schemeClr val="accent1"/>
+              </a:fillRef>
+              <a:effectRef idx="0">
+                <a:schemeClr val="accent1"/>
+              </a:effectRef>
+              <a:fontRef idx="minor">
+                <a:schemeClr val="lt1"/>
+              </a:fontRef>
+            </p:style>
+            <p:txBody>
+              <a:bodyPr rtlCol="0" anchor="ctr"/>
+              <a:lstStyle/>
+              <a:p>
+                <a:pPr algn="ctr"/>
+                <a:endParaRPr lang="zh-CN" altLang="en-US">
+                  <a:cs typeface="+mn-ea"/>
+                  <a:sym typeface="+mn-lt"/>
+                </a:endParaRPr>
+              </a:p>
+            </p:txBody>
+          </p:sp>
+        </p:grpSp>
+        <p:sp>
+          <p:nvSpPr>
+            <p:cNvPr id="29" name="文本框 28"/>
+            <p:cNvSpPr txBox="1"/>
+            <p:nvPr/>
+          </p:nvSpPr>
+          <p:spPr>
+            <a:xfrm>
+              <a:off x="786322" y="358694"/>
+              <a:ext cx="1740122" cy="400110"/>
+            </a:xfrm>
+            <a:prstGeom prst="rect">
+              <a:avLst/>
+            </a:prstGeom>
+            <a:noFill/>
+          </p:spPr>
+          <p:txBody>
+            <a:bodyPr wrap="square" rtlCol="0">
+              <a:spAutoFit/>
+            </a:bodyPr>
+            <a:lstStyle/>
+            <a:p>
+              <a:r>
+                <a:rPr lang="en-US" altLang="zh-CN" sz="2000" b="1" dirty="0">
+                  <a:solidFill>
+                    <a:srgbClr val="526188"/>
+                  </a:solidFill>
+                  <a:cs typeface="+mn-ea"/>
+                  <a:sym typeface="+mn-lt"/>
+                </a:rPr>
+                <a:t>Introduction</a:t>
+              </a:r>
+              <a:endParaRPr lang="zh-CN" altLang="en-US" sz="2000" b="1" dirty="0">
+                <a:solidFill>
+                  <a:srgbClr val="526188"/>
+                </a:solidFill>
+                <a:cs typeface="+mn-ea"/>
+                <a:sym typeface="+mn-lt"/>
+              </a:endParaRPr>
+            </a:p>
+          </p:txBody>
+        </p:sp>
+      </p:grpSp>
+      <p:sp>
+        <p:nvSpPr>
+          <p:cNvPr id="12" name="任意多边形: 形状 11"/>
+          <p:cNvSpPr/>
+          <p:nvPr/>
+        </p:nvSpPr>
+        <p:spPr bwMode="auto">
+          <a:xfrm flipH="1">
+            <a:off x="0" y="5871029"/>
+            <a:ext cx="12192000" cy="1012232"/>
+          </a:xfrm>
+          <a:custGeom>
+            <a:avLst/>
+            <a:gdLst>
+              <a:gd name="connsiteX0" fmla="*/ 2457949 w 12192000"/>
+              <a:gd name="connsiteY0" fmla="*/ 0 h 1012232"/>
+              <a:gd name="connsiteX1" fmla="*/ 9057549 w 12192000"/>
+              <a:gd name="connsiteY1" fmla="*/ 610553 h 1012232"/>
+              <a:gd name="connsiteX2" fmla="*/ 12192000 w 12192000"/>
+              <a:gd name="connsiteY2" fmla="*/ 305277 h 1012232"/>
+              <a:gd name="connsiteX3" fmla="*/ 12192000 w 12192000"/>
+              <a:gd name="connsiteY3" fmla="*/ 1012232 h 1012232"/>
+              <a:gd name="connsiteX4" fmla="*/ 114300 w 12192000"/>
+              <a:gd name="connsiteY4" fmla="*/ 1012232 h 1012232"/>
+              <a:gd name="connsiteX5" fmla="*/ 0 w 12192000"/>
+              <a:gd name="connsiteY5" fmla="*/ 1012232 h 1012232"/>
+              <a:gd name="connsiteX6" fmla="*/ 0 w 12192000"/>
+              <a:gd name="connsiteY6" fmla="*/ 160434 h 1012232"/>
+              <a:gd name="connsiteX7" fmla="*/ 270087 w 12192000"/>
+              <a:gd name="connsiteY7" fmla="*/ 129128 h 1012232"/>
+              <a:gd name="connsiteX8" fmla="*/ 2457949 w 12192000"/>
+              <a:gd name="connsiteY8" fmla="*/ 0 h 1012232"/>
+            </a:gdLst>
+            <a:ahLst/>
+            <a:cxnLst>
+              <a:cxn ang="0">
+                <a:pos x="connsiteX0" y="connsiteY0"/>
+              </a:cxn>
+              <a:cxn ang="0">
+                <a:pos x="connsiteX1" y="connsiteY1"/>
+              </a:cxn>
+              <a:cxn ang="0">
+                <a:pos x="connsiteX2" y="connsiteY2"/>
+              </a:cxn>
+              <a:cxn ang="0">
+                <a:pos x="connsiteX3" y="connsiteY3"/>
+              </a:cxn>
+              <a:cxn ang="0">
+                <a:pos x="connsiteX4" y="connsiteY4"/>
+              </a:cxn>
+              <a:cxn ang="0">
+                <a:pos x="connsiteX5" y="connsiteY5"/>
+              </a:cxn>
+              <a:cxn ang="0">
+                <a:pos x="connsiteX6" y="connsiteY6"/>
+              </a:cxn>
+              <a:cxn ang="0">
+                <a:pos x="connsiteX7" y="connsiteY7"/>
+              </a:cxn>
+              <a:cxn ang="0">
+                <a:pos x="connsiteX8" y="connsiteY8"/>
+              </a:cxn>
+            </a:cxnLst>
+            <a:rect l="l" t="t" r="r" b="b"/>
+            <a:pathLst>
+              <a:path w="12192000" h="1012232">
+                <a:moveTo>
+                  <a:pt x="2457949" y="0"/>
+                </a:moveTo>
+                <a:cubicBezTo>
+                  <a:pt x="4506845" y="0"/>
+                  <a:pt x="7360920" y="610553"/>
+                  <a:pt x="9057549" y="610553"/>
+                </a:cubicBezTo>
+                <a:cubicBezTo>
+                  <a:pt x="10754179" y="610553"/>
+                  <a:pt x="12192000" y="305277"/>
+                  <a:pt x="12192000" y="305277"/>
+                </a:cubicBezTo>
+                <a:cubicBezTo>
+                  <a:pt x="12192000" y="1012232"/>
+                  <a:pt x="12192000" y="1012232"/>
+                  <a:pt x="12192000" y="1012232"/>
+                </a:cubicBezTo>
+                <a:cubicBezTo>
+                  <a:pt x="5290457" y="1012232"/>
+                  <a:pt x="1839686" y="1012232"/>
+                  <a:pt x="114300" y="1012232"/>
+                </a:cubicBezTo>
+                <a:lnTo>
+                  <a:pt x="0" y="1012232"/>
+                </a:lnTo>
+                <a:lnTo>
+                  <a:pt x="0" y="160434"/>
+                </a:lnTo>
+                <a:lnTo>
+                  <a:pt x="270087" y="129128"/>
+                </a:lnTo>
+                <a:cubicBezTo>
+                  <a:pt x="925321" y="57390"/>
+                  <a:pt x="1689613" y="0"/>
+                  <a:pt x="2457949" y="0"/>
+                </a:cubicBezTo>
+                <a:close/>
+              </a:path>
+            </a:pathLst>
+          </a:custGeom>
+          <a:solidFill>
+            <a:srgbClr val="526188"/>
+          </a:solidFill>
+          <a:ln>
+            <a:noFill/>
+          </a:ln>
+        </p:spPr>
+        <p:style>
+          <a:lnRef idx="2">
+            <a:schemeClr val="accent1">
+              <a:shade val="50000"/>
+            </a:schemeClr>
+          </a:lnRef>
+          <a:fillRef idx="1">
+            <a:schemeClr val="accent1"/>
+          </a:fillRef>
+          <a:effectRef idx="0">
+            <a:schemeClr val="accent1"/>
+          </a:effectRef>
+          <a:fontRef idx="minor">
+            <a:schemeClr val="lt1"/>
+          </a:fontRef>
+        </p:style>
+        <p:txBody>
+          <a:bodyPr rot="0" spcFirstLastPara="0" vertOverflow="overflow" horzOverflow="overflow" vert="horz" wrap="square" lIns="91440" tIns="45720" rIns="91440" bIns="45720" numCol="1" spcCol="0" rtlCol="0" fromWordArt="0" anchor="ctr" anchorCtr="0" forceAA="0" compatLnSpc="1">
+            <a:noAutofit/>
+          </a:bodyPr>
+          <a:lstStyle/>
+          <a:p>
+            <a:pPr algn="ctr"/>
+            <a:endParaRPr kumimoji="1" lang="zh-CN" altLang="en-US">
+              <a:solidFill>
+                <a:schemeClr val="lt1"/>
+              </a:solidFill>
+              <a:cs typeface="+mn-ea"/>
+              <a:sym typeface="+mn-lt"/>
+            </a:endParaRPr>
+          </a:p>
+        </p:txBody>
+      </p:sp>
+      <p:sp>
+        <p:nvSpPr>
+          <p:cNvPr id="2" name="文本框 1"/>
+          <p:cNvSpPr txBox="1"/>
+          <p:nvPr/>
+        </p:nvSpPr>
+        <p:spPr>
+          <a:xfrm>
+            <a:off x="1267460" y="1179195"/>
+            <a:ext cx="9453245" cy="521970"/>
+          </a:xfrm>
+          <a:prstGeom prst="rect">
+            <a:avLst/>
+          </a:prstGeom>
+          <a:noFill/>
+        </p:spPr>
+        <p:txBody>
+          <a:bodyPr wrap="square" rtlCol="0">
+            <a:spAutoFit/>
+          </a:bodyPr>
+          <a:p>
+            <a:r>
+              <a:rPr lang="en-US" altLang="zh-CN" sz="2800"/>
+              <a:t>creation part</a:t>
+            </a:r>
+            <a:endParaRPr lang="en-US" altLang="zh-CN" sz="2800"/>
+          </a:p>
+        </p:txBody>
+      </p:sp>
+      <p:sp>
+        <p:nvSpPr>
+          <p:cNvPr id="4" name="文本框 3"/>
+          <p:cNvSpPr txBox="1"/>
+          <p:nvPr/>
+        </p:nvSpPr>
+        <p:spPr>
+          <a:xfrm>
+            <a:off x="1064260" y="2000885"/>
+            <a:ext cx="9159240" cy="1198880"/>
+          </a:xfrm>
+          <a:prstGeom prst="rect">
+            <a:avLst/>
+          </a:prstGeom>
+          <a:noFill/>
+        </p:spPr>
+        <p:txBody>
+          <a:bodyPr wrap="square" rtlCol="0">
+            <a:spAutoFit/>
+          </a:bodyPr>
+          <a:p>
+            <a:r>
+              <a:rPr lang="en-US" altLang="zh-CN"/>
+              <a:t>    We will add a credit level system, that can record the dgree certification's credit. When the certification is viewed by lots of companies and give high rate of it, the credit will increase, otherwise, the credit will decrease. Other verifiers can consider the credits as an important index to evaluate the degree certification. </a:t>
+            </a:r>
+            <a:endParaRPr lang="en-US" altLang="zh-CN"/>
+          </a:p>
+        </p:txBody>
+      </p:sp>
+    </p:spTree>
+  </p:cSld>
+  <p:clrMapOvr>
+    <a:masterClrMapping/>
+  </p:clrMapOvr>
+</p:sld>
+</file>
+
+<file path=ppt/slides/slide8.xml><?xml version="1.0" encoding="utf-8"?>
+<p:sld xmlns:a="http://schemas.openxmlformats.org/drawingml/2006/main" xmlns:r="http://schemas.openxmlformats.org/officeDocument/2006/relationships" xmlns:p="http://schemas.openxmlformats.org/presentationml/2006/main">
+  <p:cSld>
+    <p:spTree>
+      <p:nvGrpSpPr>
+        <p:cNvPr id="1" name=""/>
+        <p:cNvGrpSpPr/>
+        <p:nvPr/>
+      </p:nvGrpSpPr>
+      <p:grpSpPr>
+        <a:xfrm>
+          <a:off x="0" y="0"/>
+          <a:ext cx="0" cy="0"/>
+          <a:chOff x="0" y="0"/>
+          <a:chExt cx="0" cy="0"/>
+        </a:xfrm>
+      </p:grpSpPr>
+      <p:sp>
+        <p:nvSpPr>
+          <p:cNvPr id="5" name="任意多边形: 形状 4"/>
+          <p:cNvSpPr/>
+          <p:nvPr/>
+        </p:nvSpPr>
+        <p:spPr bwMode="auto">
+          <a:xfrm flipH="1">
+            <a:off x="0" y="5871029"/>
+            <a:ext cx="12192000" cy="1012232"/>
+          </a:xfrm>
+          <a:custGeom>
+            <a:avLst/>
+            <a:gdLst>
+              <a:gd name="connsiteX0" fmla="*/ 2457949 w 12192000"/>
+              <a:gd name="connsiteY0" fmla="*/ 0 h 1012232"/>
+              <a:gd name="connsiteX1" fmla="*/ 9057549 w 12192000"/>
+              <a:gd name="connsiteY1" fmla="*/ 610553 h 1012232"/>
+              <a:gd name="connsiteX2" fmla="*/ 12192000 w 12192000"/>
+              <a:gd name="connsiteY2" fmla="*/ 305277 h 1012232"/>
+              <a:gd name="connsiteX3" fmla="*/ 12192000 w 12192000"/>
+              <a:gd name="connsiteY3" fmla="*/ 1012232 h 1012232"/>
+              <a:gd name="connsiteX4" fmla="*/ 114300 w 12192000"/>
+              <a:gd name="connsiteY4" fmla="*/ 1012232 h 1012232"/>
+              <a:gd name="connsiteX5" fmla="*/ 0 w 12192000"/>
+              <a:gd name="connsiteY5" fmla="*/ 1012232 h 1012232"/>
+              <a:gd name="connsiteX6" fmla="*/ 0 w 12192000"/>
+              <a:gd name="connsiteY6" fmla="*/ 160434 h 1012232"/>
+              <a:gd name="connsiteX7" fmla="*/ 270087 w 12192000"/>
+              <a:gd name="connsiteY7" fmla="*/ 129128 h 1012232"/>
+              <a:gd name="connsiteX8" fmla="*/ 2457949 w 12192000"/>
+              <a:gd name="connsiteY8" fmla="*/ 0 h 1012232"/>
+            </a:gdLst>
+            <a:ahLst/>
+            <a:cxnLst>
+              <a:cxn ang="0">
+                <a:pos x="connsiteX0" y="connsiteY0"/>
+              </a:cxn>
+              <a:cxn ang="0">
+                <a:pos x="connsiteX1" y="connsiteY1"/>
+              </a:cxn>
+              <a:cxn ang="0">
+                <a:pos x="connsiteX2" y="connsiteY2"/>
+              </a:cxn>
+              <a:cxn ang="0">
+                <a:pos x="connsiteX3" y="connsiteY3"/>
+              </a:cxn>
+              <a:cxn ang="0">
+                <a:pos x="connsiteX4" y="connsiteY4"/>
+              </a:cxn>
+              <a:cxn ang="0">
+                <a:pos x="connsiteX5" y="connsiteY5"/>
+              </a:cxn>
+              <a:cxn ang="0">
+                <a:pos x="connsiteX6" y="connsiteY6"/>
+              </a:cxn>
+              <a:cxn ang="0">
+                <a:pos x="connsiteX7" y="connsiteY7"/>
+              </a:cxn>
+              <a:cxn ang="0">
+                <a:pos x="connsiteX8" y="connsiteY8"/>
+              </a:cxn>
+            </a:cxnLst>
+            <a:rect l="l" t="t" r="r" b="b"/>
+            <a:pathLst>
+              <a:path w="12192000" h="1012232">
+                <a:moveTo>
+                  <a:pt x="2457949" y="0"/>
+                </a:moveTo>
+                <a:cubicBezTo>
+                  <a:pt x="4506845" y="0"/>
+                  <a:pt x="7360920" y="610553"/>
+                  <a:pt x="9057549" y="610553"/>
+                </a:cubicBezTo>
+                <a:cubicBezTo>
+                  <a:pt x="10754179" y="610553"/>
+                  <a:pt x="12192000" y="305277"/>
+                  <a:pt x="12192000" y="305277"/>
+                </a:cubicBezTo>
+                <a:cubicBezTo>
+                  <a:pt x="12192000" y="1012232"/>
+                  <a:pt x="12192000" y="1012232"/>
+                  <a:pt x="12192000" y="1012232"/>
+                </a:cubicBezTo>
+                <a:cubicBezTo>
+                  <a:pt x="5290457" y="1012232"/>
+                  <a:pt x="1839686" y="1012232"/>
+                  <a:pt x="114300" y="1012232"/>
+                </a:cubicBezTo>
+                <a:lnTo>
+                  <a:pt x="0" y="1012232"/>
+                </a:lnTo>
+                <a:lnTo>
+                  <a:pt x="0" y="160434"/>
+                </a:lnTo>
+                <a:lnTo>
+                  <a:pt x="270087" y="129128"/>
+                </a:lnTo>
+                <a:cubicBezTo>
+                  <a:pt x="925321" y="57390"/>
+                  <a:pt x="1689613" y="0"/>
+                  <a:pt x="2457949" y="0"/>
+                </a:cubicBezTo>
+                <a:close/>
+              </a:path>
+            </a:pathLst>
+          </a:custGeom>
+          <a:solidFill>
+            <a:srgbClr val="526188"/>
+          </a:solidFill>
+          <a:ln>
+            <a:noFill/>
+          </a:ln>
+        </p:spPr>
+        <p:style>
+          <a:lnRef idx="2">
+            <a:schemeClr val="accent1">
+              <a:shade val="50000"/>
+            </a:schemeClr>
+          </a:lnRef>
+          <a:fillRef idx="1">
+            <a:schemeClr val="accent1"/>
+          </a:fillRef>
+          <a:effectRef idx="0">
+            <a:schemeClr val="accent1"/>
+          </a:effectRef>
+          <a:fontRef idx="minor">
+            <a:schemeClr val="lt1"/>
+          </a:fontRef>
+        </p:style>
+        <p:txBody>
+          <a:bodyPr rot="0" spcFirstLastPara="0" vertOverflow="overflow" horzOverflow="overflow" vert="horz" wrap="square" lIns="91440" tIns="45720" rIns="91440" bIns="45720" numCol="1" spcCol="0" rtlCol="0" fromWordArt="0" anchor="ctr" anchorCtr="0" forceAA="0" compatLnSpc="1">
+            <a:noAutofit/>
+          </a:bodyPr>
+          <a:lstStyle/>
+          <a:p>
+            <a:pPr algn="ctr"/>
+            <a:endParaRPr kumimoji="1" lang="zh-CN" altLang="en-US">
+              <a:solidFill>
+                <a:schemeClr val="lt1"/>
+              </a:solidFill>
+              <a:cs typeface="+mn-ea"/>
+              <a:sym typeface="+mn-lt"/>
+            </a:endParaRPr>
+          </a:p>
+        </p:txBody>
+      </p:sp>
       <p:grpSp>
         <p:nvGrpSpPr>
           <p:cNvPr id="6" name="组合 5"/>
@@ -10792,7 +12859,7 @@
             <p:nvPr/>
           </p:nvPicPr>
           <p:blipFill>
-            <a:blip r:embed="rId2"/>
+            <a:blip r:embed="rId1"/>
             <a:stretch>
               <a:fillRect/>
             </a:stretch>
@@ -10816,7 +12883,7 @@
             <p:nvPr/>
           </p:nvPicPr>
           <p:blipFill>
-            <a:blip r:embed="rId3"/>
+            <a:blip r:embed="rId2"/>
             <a:stretch>
               <a:fillRect/>
             </a:stretch>
@@ -10840,7 +12907,7 @@
             <p:nvPr/>
           </p:nvPicPr>
           <p:blipFill>
-            <a:blip r:embed="rId4"/>
+            <a:blip r:embed="rId3"/>
             <a:stretch>
               <a:fillRect/>
             </a:stretch>
@@ -10864,7 +12931,7 @@
             <p:nvPr/>
           </p:nvPicPr>
           <p:blipFill>
-            <a:blip r:embed="rId5">
+            <a:blip r:embed="rId4">
               <a:duotone>
                 <a:prstClr val="black"/>
                 <a:srgbClr val="D9C3A5">
@@ -10896,7 +12963,7 @@
             <p:nvPr/>
           </p:nvPicPr>
           <p:blipFill>
-            <a:blip r:embed="rId6"/>
+            <a:blip r:embed="rId5"/>
             <a:stretch>
               <a:fillRect/>
             </a:stretch>
@@ -11021,11 +13088,6 @@
         </p:txBody>
       </p:sp>
     </p:spTree>
-    <p:extLst>
-      <p:ext uri="{BB962C8B-B14F-4D97-AF65-F5344CB8AC3E}">
-        <p14:creationId xmlns:p14="http://schemas.microsoft.com/office/powerpoint/2010/main" val="3200671731"/>
-      </p:ext>
-    </p:extLst>
   </p:cSld>
   <p:clrMapOvr>
     <a:masterClrMapping/>
@@ -11033,7 +13095,7 @@
 </p:sld>
 </file>
 
-<file path=ppt/slides/slide7.xml><?xml version="1.0" encoding="utf-8"?>
+<file path=ppt/slides/slide9.xml><?xml version="1.0" encoding="utf-8"?>
 <p:sld xmlns:a="http://schemas.openxmlformats.org/drawingml/2006/main" xmlns:r="http://schemas.openxmlformats.org/officeDocument/2006/relationships" xmlns:p="http://schemas.openxmlformats.org/presentationml/2006/main">
   <p:cSld>
     <p:spTree>
@@ -11369,13 +13431,7 @@
       </p:sp>
       <p:sp>
         <p:nvSpPr>
-          <p:cNvPr id="3" name="文本框 2">
-            <a:extLst>
-              <a:ext uri="{FF2B5EF4-FFF2-40B4-BE49-F238E27FC236}">
-                <a16:creationId xmlns:a16="http://schemas.microsoft.com/office/drawing/2014/main" id="{3E2D2E90-6382-4DC5-BCAE-54F2602D996B}"/>
-              </a:ext>
-            </a:extLst>
-          </p:cNvPr>
+          <p:cNvPr id="3" name="文本框 2"/>
           <p:cNvSpPr txBox="1"/>
           <p:nvPr/>
         </p:nvSpPr>
@@ -11419,6 +13475,12 @@
               </a:rPr>
               <a:t>Blockchain</a:t>
             </a:r>
+            <a:endParaRPr lang="en-US" altLang="zh-CN" sz="2800" dirty="0">
+              <a:latin typeface="+mn-lt"/>
+              <a:ea typeface="+mn-ea"/>
+              <a:cs typeface="+mn-ea"/>
+              <a:sym typeface="+mn-lt"/>
+            </a:endParaRPr>
           </a:p>
           <a:p>
             <a:pPr marL="285750" indent="-285750" algn="l">
@@ -11437,6 +13499,12 @@
               </a:rPr>
               <a:t>Decentralization</a:t>
             </a:r>
+            <a:endParaRPr lang="en-US" altLang="zh-CN" sz="2000" dirty="0">
+              <a:latin typeface="+mn-lt"/>
+              <a:ea typeface="+mn-ea"/>
+              <a:cs typeface="+mn-ea"/>
+              <a:sym typeface="+mn-lt"/>
+            </a:endParaRPr>
           </a:p>
           <a:p>
             <a:pPr marL="285750" indent="-285750" algn="l">
@@ -11455,6 +13523,12 @@
               </a:rPr>
               <a:t>Openness</a:t>
             </a:r>
+            <a:endParaRPr lang="en-US" altLang="zh-CN" sz="2000" dirty="0">
+              <a:latin typeface="+mn-lt"/>
+              <a:ea typeface="+mn-ea"/>
+              <a:cs typeface="+mn-ea"/>
+              <a:sym typeface="+mn-lt"/>
+            </a:endParaRPr>
           </a:p>
           <a:p>
             <a:pPr marL="285750" indent="-285750" algn="l">
@@ -11470,7 +13544,7 @@
                   <a:srgbClr val="333333"/>
                 </a:solidFill>
                 <a:effectLst/>
-                <a:latin typeface="arial" panose="020B0604020202020204" pitchFamily="34" charset="0"/>
+                <a:latin typeface="Arial" panose="020B0604020202020204" pitchFamily="34" charset="0"/>
               </a:rPr>
               <a:t>PoW</a:t>
             </a:r>
@@ -11480,7 +13554,7 @@
                   <a:srgbClr val="333333"/>
                 </a:solidFill>
                 <a:effectLst/>
-                <a:latin typeface="arial" panose="020B0604020202020204" pitchFamily="34" charset="0"/>
+                <a:latin typeface="Arial" panose="020B0604020202020204" pitchFamily="34" charset="0"/>
               </a:rPr>
               <a:t>: Consensus mechanism</a:t>
             </a:r>
@@ -11495,13 +13569,7 @@
       </p:sp>
       <p:grpSp>
         <p:nvGrpSpPr>
-          <p:cNvPr id="6" name="组合 5">
-            <a:extLst>
-              <a:ext uri="{FF2B5EF4-FFF2-40B4-BE49-F238E27FC236}">
-                <a16:creationId xmlns:a16="http://schemas.microsoft.com/office/drawing/2014/main" id="{720A78BA-8A7A-42F8-8A72-6D4406798DD3}"/>
-              </a:ext>
-            </a:extLst>
-          </p:cNvPr>
+          <p:cNvPr id="6" name="组合 5"/>
           <p:cNvGrpSpPr/>
           <p:nvPr/>
         </p:nvGrpSpPr>
@@ -11515,13 +13583,7 @@
         </p:grpSpPr>
         <p:sp>
           <p:nvSpPr>
-            <p:cNvPr id="4" name="矩形: 圆角 3">
-              <a:extLst>
-                <a:ext uri="{FF2B5EF4-FFF2-40B4-BE49-F238E27FC236}">
-                  <a16:creationId xmlns:a16="http://schemas.microsoft.com/office/drawing/2014/main" id="{3F39AF95-5F88-479B-B717-0B984C728D72}"/>
-                </a:ext>
-              </a:extLst>
-            </p:cNvPr>
+            <p:cNvPr id="4" name="矩形: 圆角 3"/>
             <p:cNvSpPr/>
             <p:nvPr/>
           </p:nvSpPr>
@@ -11563,13 +13625,7 @@
         </p:sp>
         <p:sp>
           <p:nvSpPr>
-            <p:cNvPr id="5" name="文本框 4">
-              <a:extLst>
-                <a:ext uri="{FF2B5EF4-FFF2-40B4-BE49-F238E27FC236}">
-                  <a16:creationId xmlns:a16="http://schemas.microsoft.com/office/drawing/2014/main" id="{92CA739A-F88B-40F8-B0AB-F3719E2F09EE}"/>
-                </a:ext>
-              </a:extLst>
-            </p:cNvPr>
+            <p:cNvPr id="5" name="文本框 4"/>
             <p:cNvSpPr txBox="1"/>
             <p:nvPr/>
           </p:nvSpPr>
@@ -11600,6 +13656,7 @@
                 <a:rPr lang="en-US" altLang="zh-CN" sz="1400" dirty="0"/>
                 <a:t>Random number</a:t>
               </a:r>
+              <a:endParaRPr lang="en-US" altLang="zh-CN" sz="1400" dirty="0"/>
             </a:p>
             <a:p>
               <a:pPr marL="285750" indent="-285750">
@@ -11613,6 +13670,7 @@
                 <a:rPr lang="en-US" altLang="zh-CN" sz="1400" dirty="0"/>
                 <a:t>Transactions</a:t>
               </a:r>
+              <a:endParaRPr lang="en-US" altLang="zh-CN" sz="1400" dirty="0"/>
             </a:p>
             <a:p>
               <a:pPr marL="285750" indent="-285750">
@@ -11626,6 +13684,7 @@
                 <a:rPr lang="en-US" altLang="zh-CN" sz="1400" dirty="0"/>
                 <a:t>Timestamp</a:t>
               </a:r>
+              <a:endParaRPr lang="en-US" altLang="zh-CN" sz="1400" dirty="0"/>
             </a:p>
             <a:p>
               <a:pPr marL="285750" indent="-285750">
@@ -11646,13 +13705,7 @@
       </p:grpSp>
       <p:grpSp>
         <p:nvGrpSpPr>
-          <p:cNvPr id="56" name="组合 55">
-            <a:extLst>
-              <a:ext uri="{FF2B5EF4-FFF2-40B4-BE49-F238E27FC236}">
-                <a16:creationId xmlns:a16="http://schemas.microsoft.com/office/drawing/2014/main" id="{39708FAF-740E-4644-B7F3-3D5129F6CADC}"/>
-              </a:ext>
-            </a:extLst>
-          </p:cNvPr>
+          <p:cNvPr id="56" name="组合 55"/>
           <p:cNvGrpSpPr/>
           <p:nvPr/>
         </p:nvGrpSpPr>
@@ -11666,13 +13719,7 @@
         </p:grpSpPr>
         <p:sp>
           <p:nvSpPr>
-            <p:cNvPr id="57" name="矩形: 圆角 56">
-              <a:extLst>
-                <a:ext uri="{FF2B5EF4-FFF2-40B4-BE49-F238E27FC236}">
-                  <a16:creationId xmlns:a16="http://schemas.microsoft.com/office/drawing/2014/main" id="{28D20714-481C-4F72-AD2A-2DF2F04744A5}"/>
-                </a:ext>
-              </a:extLst>
-            </p:cNvPr>
+            <p:cNvPr id="57" name="矩形: 圆角 56"/>
             <p:cNvSpPr/>
             <p:nvPr/>
           </p:nvSpPr>
@@ -11714,13 +13761,7 @@
         </p:sp>
         <p:sp>
           <p:nvSpPr>
-            <p:cNvPr id="58" name="文本框 57">
-              <a:extLst>
-                <a:ext uri="{FF2B5EF4-FFF2-40B4-BE49-F238E27FC236}">
-                  <a16:creationId xmlns:a16="http://schemas.microsoft.com/office/drawing/2014/main" id="{04037529-6AF6-4669-9897-9AAC5CDECAF4}"/>
-                </a:ext>
-              </a:extLst>
-            </p:cNvPr>
+            <p:cNvPr id="58" name="文本框 57"/>
             <p:cNvSpPr txBox="1"/>
             <p:nvPr/>
           </p:nvSpPr>
@@ -11751,6 +13792,7 @@
                 <a:rPr lang="en-US" altLang="zh-CN" sz="1400" dirty="0"/>
                 <a:t>Random number</a:t>
               </a:r>
+              <a:endParaRPr lang="en-US" altLang="zh-CN" sz="1400" dirty="0"/>
             </a:p>
             <a:p>
               <a:pPr marL="285750" indent="-285750">
@@ -11764,6 +13806,7 @@
                 <a:rPr lang="en-US" altLang="zh-CN" sz="1400" dirty="0"/>
                 <a:t>Transactions</a:t>
               </a:r>
+              <a:endParaRPr lang="en-US" altLang="zh-CN" sz="1400" dirty="0"/>
             </a:p>
             <a:p>
               <a:pPr marL="285750" indent="-285750">
@@ -11777,6 +13820,7 @@
                 <a:rPr lang="en-US" altLang="zh-CN" sz="1400" dirty="0"/>
                 <a:t>Timestamp</a:t>
               </a:r>
+              <a:endParaRPr lang="en-US" altLang="zh-CN" sz="1400" dirty="0"/>
             </a:p>
             <a:p>
               <a:pPr marL="285750" indent="-285750">
@@ -11797,13 +13841,7 @@
       </p:grpSp>
       <p:grpSp>
         <p:nvGrpSpPr>
-          <p:cNvPr id="59" name="组合 58">
-            <a:extLst>
-              <a:ext uri="{FF2B5EF4-FFF2-40B4-BE49-F238E27FC236}">
-                <a16:creationId xmlns:a16="http://schemas.microsoft.com/office/drawing/2014/main" id="{E1D56DB7-91FD-46E1-8649-F2E22121236A}"/>
-              </a:ext>
-            </a:extLst>
-          </p:cNvPr>
+          <p:cNvPr id="59" name="组合 58"/>
           <p:cNvGrpSpPr/>
           <p:nvPr/>
         </p:nvGrpSpPr>
@@ -11817,13 +13855,7 @@
         </p:grpSpPr>
         <p:sp>
           <p:nvSpPr>
-            <p:cNvPr id="60" name="矩形: 圆角 59">
-              <a:extLst>
-                <a:ext uri="{FF2B5EF4-FFF2-40B4-BE49-F238E27FC236}">
-                  <a16:creationId xmlns:a16="http://schemas.microsoft.com/office/drawing/2014/main" id="{4C94776D-2A78-417D-B002-7B73B9133FF8}"/>
-                </a:ext>
-              </a:extLst>
-            </p:cNvPr>
+            <p:cNvPr id="60" name="矩形: 圆角 59"/>
             <p:cNvSpPr/>
             <p:nvPr/>
           </p:nvSpPr>
@@ -11865,13 +13897,7 @@
         </p:sp>
         <p:sp>
           <p:nvSpPr>
-            <p:cNvPr id="61" name="文本框 60">
-              <a:extLst>
-                <a:ext uri="{FF2B5EF4-FFF2-40B4-BE49-F238E27FC236}">
-                  <a16:creationId xmlns:a16="http://schemas.microsoft.com/office/drawing/2014/main" id="{0C7B6B09-A709-41C8-A6B5-3C55AA42CD3B}"/>
-                </a:ext>
-              </a:extLst>
-            </p:cNvPr>
+            <p:cNvPr id="61" name="文本框 60"/>
             <p:cNvSpPr txBox="1"/>
             <p:nvPr/>
           </p:nvSpPr>
@@ -11902,6 +13928,7 @@
                 <a:rPr lang="en-US" altLang="zh-CN" sz="1400" dirty="0"/>
                 <a:t>Random number</a:t>
               </a:r>
+              <a:endParaRPr lang="en-US" altLang="zh-CN" sz="1400" dirty="0"/>
             </a:p>
             <a:p>
               <a:pPr marL="285750" indent="-285750">
@@ -11915,6 +13942,7 @@
                 <a:rPr lang="en-US" altLang="zh-CN" sz="1400" dirty="0"/>
                 <a:t>Transactions</a:t>
               </a:r>
+              <a:endParaRPr lang="en-US" altLang="zh-CN" sz="1400" dirty="0"/>
             </a:p>
             <a:p>
               <a:pPr marL="285750" indent="-285750">
@@ -11928,6 +13956,7 @@
                 <a:rPr lang="en-US" altLang="zh-CN" sz="1400" dirty="0"/>
                 <a:t>Timestamp</a:t>
               </a:r>
+              <a:endParaRPr lang="en-US" altLang="zh-CN" sz="1400" dirty="0"/>
             </a:p>
             <a:p>
               <a:pPr marL="285750" indent="-285750">
@@ -11948,13 +13977,7 @@
       </p:grpSp>
       <p:cxnSp>
         <p:nvCxnSpPr>
-          <p:cNvPr id="10" name="连接符: 曲线 9">
-            <a:extLst>
-              <a:ext uri="{FF2B5EF4-FFF2-40B4-BE49-F238E27FC236}">
-                <a16:creationId xmlns:a16="http://schemas.microsoft.com/office/drawing/2014/main" id="{A32931EE-3576-4C9A-A03C-33D38B6F93B9}"/>
-              </a:ext>
-            </a:extLst>
-          </p:cNvPr>
+          <p:cNvPr id="10" name="连接符: 曲线 9"/>
           <p:cNvCxnSpPr>
             <a:stCxn id="4" idx="2"/>
             <a:endCxn id="57" idx="0"/>
@@ -11994,13 +14017,7 @@
       </p:cxnSp>
       <p:cxnSp>
         <p:nvCxnSpPr>
-          <p:cNvPr id="62" name="连接符: 曲线 61">
-            <a:extLst>
-              <a:ext uri="{FF2B5EF4-FFF2-40B4-BE49-F238E27FC236}">
-                <a16:creationId xmlns:a16="http://schemas.microsoft.com/office/drawing/2014/main" id="{1D574732-9529-4715-9A9A-82925B7CC5B7}"/>
-              </a:ext>
-            </a:extLst>
-          </p:cNvPr>
+          <p:cNvPr id="62" name="连接符: 曲线 61"/>
           <p:cNvCxnSpPr/>
           <p:nvPr/>
         </p:nvCxnSpPr>
@@ -12037,13 +14054,7 @@
       </p:cxnSp>
       <p:cxnSp>
         <p:nvCxnSpPr>
-          <p:cNvPr id="63" name="连接符: 曲线 62">
-            <a:extLst>
-              <a:ext uri="{FF2B5EF4-FFF2-40B4-BE49-F238E27FC236}">
-                <a16:creationId xmlns:a16="http://schemas.microsoft.com/office/drawing/2014/main" id="{B31FAC9E-BFCB-49AF-A903-0F46E406B6A8}"/>
-              </a:ext>
-            </a:extLst>
-          </p:cNvPr>
+          <p:cNvPr id="63" name="连接符: 曲线 62"/>
           <p:cNvCxnSpPr/>
           <p:nvPr/>
         </p:nvCxnSpPr>
@@ -12080,13 +14091,7 @@
       </p:cxnSp>
       <p:cxnSp>
         <p:nvCxnSpPr>
-          <p:cNvPr id="64" name="连接符: 曲线 63">
-            <a:extLst>
-              <a:ext uri="{FF2B5EF4-FFF2-40B4-BE49-F238E27FC236}">
-                <a16:creationId xmlns:a16="http://schemas.microsoft.com/office/drawing/2014/main" id="{7C0CD815-3FDF-4C9C-9484-11E0CE054EFB}"/>
-              </a:ext>
-            </a:extLst>
-          </p:cNvPr>
+          <p:cNvPr id="64" name="连接符: 曲线 63"/>
           <p:cNvCxnSpPr/>
           <p:nvPr/>
         </p:nvCxnSpPr>
@@ -12123,13 +14128,7 @@
       </p:cxnSp>
       <p:sp>
         <p:nvSpPr>
-          <p:cNvPr id="66" name="矩形: 圆角 65">
-            <a:extLst>
-              <a:ext uri="{FF2B5EF4-FFF2-40B4-BE49-F238E27FC236}">
-                <a16:creationId xmlns:a16="http://schemas.microsoft.com/office/drawing/2014/main" id="{C2748C6F-B55A-467E-A05C-08B69D4131EA}"/>
-              </a:ext>
-            </a:extLst>
-          </p:cNvPr>
+          <p:cNvPr id="66" name="矩形: 圆角 65"/>
           <p:cNvSpPr/>
           <p:nvPr/>
         </p:nvSpPr>
@@ -12171,13 +14170,7 @@
       </p:sp>
       <p:sp>
         <p:nvSpPr>
-          <p:cNvPr id="11" name="矩形: 圆角 10">
-            <a:extLst>
-              <a:ext uri="{FF2B5EF4-FFF2-40B4-BE49-F238E27FC236}">
-                <a16:creationId xmlns:a16="http://schemas.microsoft.com/office/drawing/2014/main" id="{B35DCB6A-0970-49D4-BC45-875D1B662442}"/>
-              </a:ext>
-            </a:extLst>
-          </p:cNvPr>
+          <p:cNvPr id="11" name="矩形: 圆角 10"/>
           <p:cNvSpPr/>
           <p:nvPr/>
         </p:nvSpPr>
@@ -12218,920 +14211,6 @@
         </p:txBody>
       </p:sp>
     </p:spTree>
-    <p:extLst>
-      <p:ext uri="{BB962C8B-B14F-4D97-AF65-F5344CB8AC3E}">
-        <p14:creationId xmlns:p14="http://schemas.microsoft.com/office/powerpoint/2010/main" val="459073718"/>
-      </p:ext>
-    </p:extLst>
-  </p:cSld>
-  <p:clrMapOvr>
-    <a:masterClrMapping/>
-  </p:clrMapOvr>
-</p:sld>
-</file>
-
-<file path=ppt/slides/slide8.xml><?xml version="1.0" encoding="utf-8"?>
-<p:sld xmlns:a="http://schemas.openxmlformats.org/drawingml/2006/main" xmlns:r="http://schemas.openxmlformats.org/officeDocument/2006/relationships" xmlns:p="http://schemas.openxmlformats.org/presentationml/2006/main">
-  <p:cSld>
-    <p:spTree>
-      <p:nvGrpSpPr>
-        <p:cNvPr id="1" name=""/>
-        <p:cNvGrpSpPr/>
-        <p:nvPr/>
-      </p:nvGrpSpPr>
-      <p:grpSpPr>
-        <a:xfrm>
-          <a:off x="0" y="0"/>
-          <a:ext cx="0" cy="0"/>
-          <a:chOff x="0" y="0"/>
-          <a:chExt cx="0" cy="0"/>
-        </a:xfrm>
-      </p:grpSpPr>
-      <p:grpSp>
-        <p:nvGrpSpPr>
-          <p:cNvPr id="32" name="组合 31"/>
-          <p:cNvGrpSpPr/>
-          <p:nvPr/>
-        </p:nvGrpSpPr>
-        <p:grpSpPr>
-          <a:xfrm>
-            <a:off x="346076" y="364699"/>
-            <a:ext cx="2142268" cy="507162"/>
-            <a:chOff x="384176" y="307549"/>
-            <a:chExt cx="2142268" cy="507162"/>
-          </a:xfrm>
-        </p:grpSpPr>
-        <p:grpSp>
-          <p:nvGrpSpPr>
-            <p:cNvPr id="16" name="组合 15"/>
-            <p:cNvGrpSpPr/>
-            <p:nvPr/>
-          </p:nvGrpSpPr>
-          <p:grpSpPr>
-            <a:xfrm>
-              <a:off x="384176" y="307549"/>
-              <a:ext cx="377371" cy="507162"/>
-              <a:chOff x="899886" y="361978"/>
-              <a:chExt cx="377371" cy="507162"/>
-            </a:xfrm>
-          </p:grpSpPr>
-          <p:sp>
-            <p:nvSpPr>
-              <p:cNvPr id="14" name="等腰三角形 13"/>
-              <p:cNvSpPr/>
-              <p:nvPr/>
-            </p:nvSpPr>
-            <p:spPr>
-              <a:xfrm>
-                <a:off x="899886" y="613178"/>
-                <a:ext cx="377371" cy="255962"/>
-              </a:xfrm>
-              <a:prstGeom prst="triangle">
-                <a:avLst/>
-              </a:prstGeom>
-              <a:solidFill>
-                <a:srgbClr val="526188"/>
-              </a:solidFill>
-              <a:ln>
-                <a:noFill/>
-              </a:ln>
-            </p:spPr>
-            <p:style>
-              <a:lnRef idx="2">
-                <a:schemeClr val="accent1">
-                  <a:shade val="50000"/>
-                </a:schemeClr>
-              </a:lnRef>
-              <a:fillRef idx="1">
-                <a:schemeClr val="accent1"/>
-              </a:fillRef>
-              <a:effectRef idx="0">
-                <a:schemeClr val="accent1"/>
-              </a:effectRef>
-              <a:fontRef idx="minor">
-                <a:schemeClr val="lt1"/>
-              </a:fontRef>
-            </p:style>
-            <p:txBody>
-              <a:bodyPr rtlCol="0" anchor="ctr"/>
-              <a:lstStyle/>
-              <a:p>
-                <a:pPr algn="ctr"/>
-                <a:endParaRPr lang="zh-CN" altLang="en-US">
-                  <a:cs typeface="+mn-ea"/>
-                  <a:sym typeface="+mn-lt"/>
-                </a:endParaRPr>
-              </a:p>
-            </p:txBody>
-          </p:sp>
-          <p:sp>
-            <p:nvSpPr>
-              <p:cNvPr id="15" name="等腰三角形 14"/>
-              <p:cNvSpPr/>
-              <p:nvPr/>
-            </p:nvSpPr>
-            <p:spPr>
-              <a:xfrm rot="10800000">
-                <a:off x="899886" y="361978"/>
-                <a:ext cx="377371" cy="255962"/>
-              </a:xfrm>
-              <a:prstGeom prst="triangle">
-                <a:avLst/>
-              </a:prstGeom>
-              <a:solidFill>
-                <a:srgbClr val="E7C7A0"/>
-              </a:solidFill>
-              <a:ln>
-                <a:noFill/>
-              </a:ln>
-            </p:spPr>
-            <p:style>
-              <a:lnRef idx="2">
-                <a:schemeClr val="accent1">
-                  <a:shade val="50000"/>
-                </a:schemeClr>
-              </a:lnRef>
-              <a:fillRef idx="1">
-                <a:schemeClr val="accent1"/>
-              </a:fillRef>
-              <a:effectRef idx="0">
-                <a:schemeClr val="accent1"/>
-              </a:effectRef>
-              <a:fontRef idx="minor">
-                <a:schemeClr val="lt1"/>
-              </a:fontRef>
-            </p:style>
-            <p:txBody>
-              <a:bodyPr rtlCol="0" anchor="ctr"/>
-              <a:lstStyle/>
-              <a:p>
-                <a:pPr algn="ctr"/>
-                <a:endParaRPr lang="zh-CN" altLang="en-US">
-                  <a:cs typeface="+mn-ea"/>
-                  <a:sym typeface="+mn-lt"/>
-                </a:endParaRPr>
-              </a:p>
-            </p:txBody>
-          </p:sp>
-        </p:grpSp>
-        <p:sp>
-          <p:nvSpPr>
-            <p:cNvPr id="29" name="文本框 28"/>
-            <p:cNvSpPr txBox="1"/>
-            <p:nvPr/>
-          </p:nvSpPr>
-          <p:spPr>
-            <a:xfrm>
-              <a:off x="786322" y="358694"/>
-              <a:ext cx="1740122" cy="400110"/>
-            </a:xfrm>
-            <a:prstGeom prst="rect">
-              <a:avLst/>
-            </a:prstGeom>
-            <a:noFill/>
-          </p:spPr>
-          <p:txBody>
-            <a:bodyPr wrap="square" rtlCol="0">
-              <a:spAutoFit/>
-            </a:bodyPr>
-            <a:lstStyle/>
-            <a:p>
-              <a:r>
-                <a:rPr lang="en-US" altLang="zh-CN" sz="2000" b="1" dirty="0">
-                  <a:solidFill>
-                    <a:srgbClr val="526188"/>
-                  </a:solidFill>
-                  <a:cs typeface="+mn-ea"/>
-                  <a:sym typeface="+mn-lt"/>
-                </a:rPr>
-                <a:t>Techniques</a:t>
-              </a:r>
-              <a:endParaRPr lang="zh-CN" altLang="en-US" sz="2000" b="1" dirty="0">
-                <a:solidFill>
-                  <a:srgbClr val="526188"/>
-                </a:solidFill>
-                <a:cs typeface="+mn-ea"/>
-                <a:sym typeface="+mn-lt"/>
-              </a:endParaRPr>
-            </a:p>
-          </p:txBody>
-        </p:sp>
-      </p:grpSp>
-      <p:sp>
-        <p:nvSpPr>
-          <p:cNvPr id="12" name="任意多边形: 形状 11"/>
-          <p:cNvSpPr/>
-          <p:nvPr/>
-        </p:nvSpPr>
-        <p:spPr bwMode="auto">
-          <a:xfrm flipH="1">
-            <a:off x="0" y="5871029"/>
-            <a:ext cx="12192000" cy="1012232"/>
-          </a:xfrm>
-          <a:custGeom>
-            <a:avLst/>
-            <a:gdLst>
-              <a:gd name="connsiteX0" fmla="*/ 2457949 w 12192000"/>
-              <a:gd name="connsiteY0" fmla="*/ 0 h 1012232"/>
-              <a:gd name="connsiteX1" fmla="*/ 9057549 w 12192000"/>
-              <a:gd name="connsiteY1" fmla="*/ 610553 h 1012232"/>
-              <a:gd name="connsiteX2" fmla="*/ 12192000 w 12192000"/>
-              <a:gd name="connsiteY2" fmla="*/ 305277 h 1012232"/>
-              <a:gd name="connsiteX3" fmla="*/ 12192000 w 12192000"/>
-              <a:gd name="connsiteY3" fmla="*/ 1012232 h 1012232"/>
-              <a:gd name="connsiteX4" fmla="*/ 114300 w 12192000"/>
-              <a:gd name="connsiteY4" fmla="*/ 1012232 h 1012232"/>
-              <a:gd name="connsiteX5" fmla="*/ 0 w 12192000"/>
-              <a:gd name="connsiteY5" fmla="*/ 1012232 h 1012232"/>
-              <a:gd name="connsiteX6" fmla="*/ 0 w 12192000"/>
-              <a:gd name="connsiteY6" fmla="*/ 160434 h 1012232"/>
-              <a:gd name="connsiteX7" fmla="*/ 270087 w 12192000"/>
-              <a:gd name="connsiteY7" fmla="*/ 129128 h 1012232"/>
-              <a:gd name="connsiteX8" fmla="*/ 2457949 w 12192000"/>
-              <a:gd name="connsiteY8" fmla="*/ 0 h 1012232"/>
-            </a:gdLst>
-            <a:ahLst/>
-            <a:cxnLst>
-              <a:cxn ang="0">
-                <a:pos x="connsiteX0" y="connsiteY0"/>
-              </a:cxn>
-              <a:cxn ang="0">
-                <a:pos x="connsiteX1" y="connsiteY1"/>
-              </a:cxn>
-              <a:cxn ang="0">
-                <a:pos x="connsiteX2" y="connsiteY2"/>
-              </a:cxn>
-              <a:cxn ang="0">
-                <a:pos x="connsiteX3" y="connsiteY3"/>
-              </a:cxn>
-              <a:cxn ang="0">
-                <a:pos x="connsiteX4" y="connsiteY4"/>
-              </a:cxn>
-              <a:cxn ang="0">
-                <a:pos x="connsiteX5" y="connsiteY5"/>
-              </a:cxn>
-              <a:cxn ang="0">
-                <a:pos x="connsiteX6" y="connsiteY6"/>
-              </a:cxn>
-              <a:cxn ang="0">
-                <a:pos x="connsiteX7" y="connsiteY7"/>
-              </a:cxn>
-              <a:cxn ang="0">
-                <a:pos x="connsiteX8" y="connsiteY8"/>
-              </a:cxn>
-            </a:cxnLst>
-            <a:rect l="l" t="t" r="r" b="b"/>
-            <a:pathLst>
-              <a:path w="12192000" h="1012232">
-                <a:moveTo>
-                  <a:pt x="2457949" y="0"/>
-                </a:moveTo>
-                <a:cubicBezTo>
-                  <a:pt x="4506845" y="0"/>
-                  <a:pt x="7360920" y="610553"/>
-                  <a:pt x="9057549" y="610553"/>
-                </a:cubicBezTo>
-                <a:cubicBezTo>
-                  <a:pt x="10754179" y="610553"/>
-                  <a:pt x="12192000" y="305277"/>
-                  <a:pt x="12192000" y="305277"/>
-                </a:cubicBezTo>
-                <a:cubicBezTo>
-                  <a:pt x="12192000" y="1012232"/>
-                  <a:pt x="12192000" y="1012232"/>
-                  <a:pt x="12192000" y="1012232"/>
-                </a:cubicBezTo>
-                <a:cubicBezTo>
-                  <a:pt x="5290457" y="1012232"/>
-                  <a:pt x="1839686" y="1012232"/>
-                  <a:pt x="114300" y="1012232"/>
-                </a:cubicBezTo>
-                <a:lnTo>
-                  <a:pt x="0" y="1012232"/>
-                </a:lnTo>
-                <a:lnTo>
-                  <a:pt x="0" y="160434"/>
-                </a:lnTo>
-                <a:lnTo>
-                  <a:pt x="270087" y="129128"/>
-                </a:lnTo>
-                <a:cubicBezTo>
-                  <a:pt x="925321" y="57390"/>
-                  <a:pt x="1689613" y="0"/>
-                  <a:pt x="2457949" y="0"/>
-                </a:cubicBezTo>
-                <a:close/>
-              </a:path>
-            </a:pathLst>
-          </a:custGeom>
-          <a:solidFill>
-            <a:srgbClr val="526188"/>
-          </a:solidFill>
-          <a:ln>
-            <a:noFill/>
-          </a:ln>
-        </p:spPr>
-        <p:style>
-          <a:lnRef idx="2">
-            <a:schemeClr val="accent1">
-              <a:shade val="50000"/>
-            </a:schemeClr>
-          </a:lnRef>
-          <a:fillRef idx="1">
-            <a:schemeClr val="accent1"/>
-          </a:fillRef>
-          <a:effectRef idx="0">
-            <a:schemeClr val="accent1"/>
-          </a:effectRef>
-          <a:fontRef idx="minor">
-            <a:schemeClr val="lt1"/>
-          </a:fontRef>
-        </p:style>
-        <p:txBody>
-          <a:bodyPr rot="0" spcFirstLastPara="0" vertOverflow="overflow" horzOverflow="overflow" vert="horz" wrap="square" lIns="91440" tIns="45720" rIns="91440" bIns="45720" numCol="1" spcCol="0" rtlCol="0" fromWordArt="0" anchor="ctr" anchorCtr="0" forceAA="0" compatLnSpc="1">
-            <a:noAutofit/>
-          </a:bodyPr>
-          <a:lstStyle/>
-          <a:p>
-            <a:pPr algn="ctr"/>
-            <a:endParaRPr kumimoji="1" lang="zh-CN" altLang="en-US">
-              <a:solidFill>
-                <a:schemeClr val="lt1"/>
-              </a:solidFill>
-              <a:cs typeface="+mn-ea"/>
-              <a:sym typeface="+mn-lt"/>
-            </a:endParaRPr>
-          </a:p>
-        </p:txBody>
-      </p:sp>
-      <p:sp>
-        <p:nvSpPr>
-          <p:cNvPr id="3" name="文本框 2">
-            <a:extLst>
-              <a:ext uri="{FF2B5EF4-FFF2-40B4-BE49-F238E27FC236}">
-                <a16:creationId xmlns:a16="http://schemas.microsoft.com/office/drawing/2014/main" id="{3E2D2E90-6382-4DC5-BCAE-54F2602D996B}"/>
-              </a:ext>
-            </a:extLst>
-          </p:cNvPr>
-          <p:cNvSpPr txBox="1"/>
-          <p:nvPr/>
-        </p:nvSpPr>
-        <p:spPr>
-          <a:xfrm>
-            <a:off x="1618283" y="1514044"/>
-            <a:ext cx="7068518" cy="2528321"/>
-          </a:xfrm>
-          <a:prstGeom prst="rect">
-            <a:avLst/>
-          </a:prstGeom>
-          <a:noFill/>
-        </p:spPr>
-        <p:txBody>
-          <a:bodyPr wrap="square" rtlCol="0">
-            <a:spAutoFit/>
-          </a:bodyPr>
-          <a:lstStyle>
-            <a:defPPr>
-              <a:defRPr lang="zh-CN"/>
-            </a:defPPr>
-            <a:lvl1pPr algn="dist">
-              <a:defRPr>
-                <a:latin typeface="华文仿宋" panose="02010600040101010101" pitchFamily="2" charset="-122"/>
-                <a:ea typeface="华文仿宋" panose="02010600040101010101" pitchFamily="2" charset="-122"/>
-              </a:defRPr>
-            </a:lvl1pPr>
-          </a:lstStyle>
-          <a:p>
-            <a:pPr algn="l">
-              <a:lnSpc>
-                <a:spcPct val="150000"/>
-              </a:lnSpc>
-            </a:pPr>
-            <a:r>
-              <a:rPr lang="en-US" altLang="zh-CN" sz="2800" dirty="0">
-                <a:latin typeface="+mn-lt"/>
-                <a:ea typeface="+mn-ea"/>
-                <a:cs typeface="+mn-ea"/>
-                <a:sym typeface="+mn-lt"/>
-              </a:rPr>
-              <a:t>Smart Contract</a:t>
-            </a:r>
-          </a:p>
-          <a:p>
-            <a:pPr marL="285750" indent="-285750" algn="l">
-              <a:lnSpc>
-                <a:spcPct val="150000"/>
-              </a:lnSpc>
-              <a:buFont typeface="Arial" panose="020B0604020202020204" pitchFamily="34" charset="0"/>
-              <a:buChar char="•"/>
-            </a:pPr>
-            <a:r>
-              <a:rPr lang="en-US" altLang="zh-CN" sz="2000" dirty="0">
-                <a:latin typeface="+mn-lt"/>
-                <a:ea typeface="+mn-ea"/>
-                <a:cs typeface="+mn-ea"/>
-                <a:sym typeface="+mn-lt"/>
-              </a:rPr>
-              <a:t>Ethereum: a decentralized global state machine </a:t>
-            </a:r>
-          </a:p>
-          <a:p>
-            <a:pPr marL="285750" indent="-285750" algn="l">
-              <a:lnSpc>
-                <a:spcPct val="150000"/>
-              </a:lnSpc>
-              <a:buFont typeface="Arial" panose="020B0604020202020204" pitchFamily="34" charset="0"/>
-              <a:buChar char="•"/>
-            </a:pPr>
-            <a:r>
-              <a:rPr lang="en-US" altLang="zh-CN" sz="2000" dirty="0">
-                <a:latin typeface="+mn-lt"/>
-                <a:ea typeface="+mn-ea"/>
-                <a:cs typeface="+mn-ea"/>
-                <a:sym typeface="+mn-lt"/>
-              </a:rPr>
-              <a:t>Solidity: Turing-complete languages of smart contract</a:t>
-            </a:r>
-          </a:p>
-          <a:p>
-            <a:pPr marL="285750" indent="-285750" algn="l">
-              <a:lnSpc>
-                <a:spcPct val="150000"/>
-              </a:lnSpc>
-              <a:buFont typeface="Arial" panose="020B0604020202020204" pitchFamily="34" charset="0"/>
-              <a:buChar char="•"/>
-            </a:pPr>
-            <a:r>
-              <a:rPr lang="en-US" altLang="zh-CN" sz="2000" dirty="0">
-                <a:latin typeface="+mn-lt"/>
-                <a:ea typeface="+mn-ea"/>
-                <a:cs typeface="+mn-ea"/>
-                <a:sym typeface="+mn-lt"/>
-              </a:rPr>
-              <a:t>Smart Contract: a kind of program execute in blockchain</a:t>
-            </a:r>
-          </a:p>
-          <a:p>
-            <a:pPr marL="285750" indent="-285750" algn="l">
-              <a:lnSpc>
-                <a:spcPct val="150000"/>
-              </a:lnSpc>
-              <a:buFont typeface="Arial" panose="020B0604020202020204" pitchFamily="34" charset="0"/>
-              <a:buChar char="•"/>
-            </a:pPr>
-            <a:r>
-              <a:rPr lang="en-US" altLang="zh-CN" sz="2000" b="0" i="0" dirty="0">
-                <a:solidFill>
-                  <a:srgbClr val="333333"/>
-                </a:solidFill>
-                <a:effectLst/>
-                <a:latin typeface="arial" panose="020B0604020202020204" pitchFamily="34" charset="0"/>
-              </a:rPr>
-              <a:t>Execution: Execute in EVM and cost gas</a:t>
-            </a:r>
-            <a:endParaRPr lang="en-US" altLang="zh-CN" sz="2000" dirty="0">
-              <a:latin typeface="+mn-lt"/>
-              <a:ea typeface="+mn-ea"/>
-              <a:cs typeface="+mn-ea"/>
-              <a:sym typeface="+mn-lt"/>
-            </a:endParaRPr>
-          </a:p>
-        </p:txBody>
-      </p:sp>
-    </p:spTree>
-    <p:extLst>
-      <p:ext uri="{BB962C8B-B14F-4D97-AF65-F5344CB8AC3E}">
-        <p14:creationId xmlns:p14="http://schemas.microsoft.com/office/powerpoint/2010/main" val="4107890940"/>
-      </p:ext>
-    </p:extLst>
-  </p:cSld>
-  <p:clrMapOvr>
-    <a:masterClrMapping/>
-  </p:clrMapOvr>
-</p:sld>
-</file>
-
-<file path=ppt/slides/slide9.xml><?xml version="1.0" encoding="utf-8"?>
-<p:sld xmlns:a="http://schemas.openxmlformats.org/drawingml/2006/main" xmlns:r="http://schemas.openxmlformats.org/officeDocument/2006/relationships" xmlns:p="http://schemas.openxmlformats.org/presentationml/2006/main">
-  <p:cSld>
-    <p:spTree>
-      <p:nvGrpSpPr>
-        <p:cNvPr id="1" name=""/>
-        <p:cNvGrpSpPr/>
-        <p:nvPr/>
-      </p:nvGrpSpPr>
-      <p:grpSpPr>
-        <a:xfrm>
-          <a:off x="0" y="0"/>
-          <a:ext cx="0" cy="0"/>
-          <a:chOff x="0" y="0"/>
-          <a:chExt cx="0" cy="0"/>
-        </a:xfrm>
-      </p:grpSpPr>
-      <p:sp>
-        <p:nvSpPr>
-          <p:cNvPr id="5" name="任意多边形: 形状 4"/>
-          <p:cNvSpPr/>
-          <p:nvPr/>
-        </p:nvSpPr>
-        <p:spPr bwMode="auto">
-          <a:xfrm flipH="1">
-            <a:off x="0" y="5871029"/>
-            <a:ext cx="12192000" cy="1012232"/>
-          </a:xfrm>
-          <a:custGeom>
-            <a:avLst/>
-            <a:gdLst>
-              <a:gd name="connsiteX0" fmla="*/ 2457949 w 12192000"/>
-              <a:gd name="connsiteY0" fmla="*/ 0 h 1012232"/>
-              <a:gd name="connsiteX1" fmla="*/ 9057549 w 12192000"/>
-              <a:gd name="connsiteY1" fmla="*/ 610553 h 1012232"/>
-              <a:gd name="connsiteX2" fmla="*/ 12192000 w 12192000"/>
-              <a:gd name="connsiteY2" fmla="*/ 305277 h 1012232"/>
-              <a:gd name="connsiteX3" fmla="*/ 12192000 w 12192000"/>
-              <a:gd name="connsiteY3" fmla="*/ 1012232 h 1012232"/>
-              <a:gd name="connsiteX4" fmla="*/ 114300 w 12192000"/>
-              <a:gd name="connsiteY4" fmla="*/ 1012232 h 1012232"/>
-              <a:gd name="connsiteX5" fmla="*/ 0 w 12192000"/>
-              <a:gd name="connsiteY5" fmla="*/ 1012232 h 1012232"/>
-              <a:gd name="connsiteX6" fmla="*/ 0 w 12192000"/>
-              <a:gd name="connsiteY6" fmla="*/ 160434 h 1012232"/>
-              <a:gd name="connsiteX7" fmla="*/ 270087 w 12192000"/>
-              <a:gd name="connsiteY7" fmla="*/ 129128 h 1012232"/>
-              <a:gd name="connsiteX8" fmla="*/ 2457949 w 12192000"/>
-              <a:gd name="connsiteY8" fmla="*/ 0 h 1012232"/>
-            </a:gdLst>
-            <a:ahLst/>
-            <a:cxnLst>
-              <a:cxn ang="0">
-                <a:pos x="connsiteX0" y="connsiteY0"/>
-              </a:cxn>
-              <a:cxn ang="0">
-                <a:pos x="connsiteX1" y="connsiteY1"/>
-              </a:cxn>
-              <a:cxn ang="0">
-                <a:pos x="connsiteX2" y="connsiteY2"/>
-              </a:cxn>
-              <a:cxn ang="0">
-                <a:pos x="connsiteX3" y="connsiteY3"/>
-              </a:cxn>
-              <a:cxn ang="0">
-                <a:pos x="connsiteX4" y="connsiteY4"/>
-              </a:cxn>
-              <a:cxn ang="0">
-                <a:pos x="connsiteX5" y="connsiteY5"/>
-              </a:cxn>
-              <a:cxn ang="0">
-                <a:pos x="connsiteX6" y="connsiteY6"/>
-              </a:cxn>
-              <a:cxn ang="0">
-                <a:pos x="connsiteX7" y="connsiteY7"/>
-              </a:cxn>
-              <a:cxn ang="0">
-                <a:pos x="connsiteX8" y="connsiteY8"/>
-              </a:cxn>
-            </a:cxnLst>
-            <a:rect l="l" t="t" r="r" b="b"/>
-            <a:pathLst>
-              <a:path w="12192000" h="1012232">
-                <a:moveTo>
-                  <a:pt x="2457949" y="0"/>
-                </a:moveTo>
-                <a:cubicBezTo>
-                  <a:pt x="4506845" y="0"/>
-                  <a:pt x="7360920" y="610553"/>
-                  <a:pt x="9057549" y="610553"/>
-                </a:cubicBezTo>
-                <a:cubicBezTo>
-                  <a:pt x="10754179" y="610553"/>
-                  <a:pt x="12192000" y="305277"/>
-                  <a:pt x="12192000" y="305277"/>
-                </a:cubicBezTo>
-                <a:cubicBezTo>
-                  <a:pt x="12192000" y="1012232"/>
-                  <a:pt x="12192000" y="1012232"/>
-                  <a:pt x="12192000" y="1012232"/>
-                </a:cubicBezTo>
-                <a:cubicBezTo>
-                  <a:pt x="5290457" y="1012232"/>
-                  <a:pt x="1839686" y="1012232"/>
-                  <a:pt x="114300" y="1012232"/>
-                </a:cubicBezTo>
-                <a:lnTo>
-                  <a:pt x="0" y="1012232"/>
-                </a:lnTo>
-                <a:lnTo>
-                  <a:pt x="0" y="160434"/>
-                </a:lnTo>
-                <a:lnTo>
-                  <a:pt x="270087" y="129128"/>
-                </a:lnTo>
-                <a:cubicBezTo>
-                  <a:pt x="925321" y="57390"/>
-                  <a:pt x="1689613" y="0"/>
-                  <a:pt x="2457949" y="0"/>
-                </a:cubicBezTo>
-                <a:close/>
-              </a:path>
-            </a:pathLst>
-          </a:custGeom>
-          <a:solidFill>
-            <a:srgbClr val="526188"/>
-          </a:solidFill>
-          <a:ln>
-            <a:noFill/>
-          </a:ln>
-        </p:spPr>
-        <p:style>
-          <a:lnRef idx="2">
-            <a:schemeClr val="accent1">
-              <a:shade val="50000"/>
-            </a:schemeClr>
-          </a:lnRef>
-          <a:fillRef idx="1">
-            <a:schemeClr val="accent1"/>
-          </a:fillRef>
-          <a:effectRef idx="0">
-            <a:schemeClr val="accent1"/>
-          </a:effectRef>
-          <a:fontRef idx="minor">
-            <a:schemeClr val="lt1"/>
-          </a:fontRef>
-        </p:style>
-        <p:txBody>
-          <a:bodyPr rot="0" spcFirstLastPara="0" vertOverflow="overflow" horzOverflow="overflow" vert="horz" wrap="square" lIns="91440" tIns="45720" rIns="91440" bIns="45720" numCol="1" spcCol="0" rtlCol="0" fromWordArt="0" anchor="ctr" anchorCtr="0" forceAA="0" compatLnSpc="1">
-            <a:noAutofit/>
-          </a:bodyPr>
-          <a:lstStyle/>
-          <a:p>
-            <a:pPr algn="ctr"/>
-            <a:endParaRPr kumimoji="1" lang="zh-CN" altLang="en-US">
-              <a:solidFill>
-                <a:schemeClr val="lt1"/>
-              </a:solidFill>
-              <a:cs typeface="+mn-ea"/>
-              <a:sym typeface="+mn-lt"/>
-            </a:endParaRPr>
-          </a:p>
-        </p:txBody>
-      </p:sp>
-      <p:grpSp>
-        <p:nvGrpSpPr>
-          <p:cNvPr id="6" name="组合 5"/>
-          <p:cNvGrpSpPr/>
-          <p:nvPr/>
-        </p:nvGrpSpPr>
-        <p:grpSpPr>
-          <a:xfrm>
-            <a:off x="574686" y="530846"/>
-            <a:ext cx="5376171" cy="5485135"/>
-            <a:chOff x="6698566" y="879190"/>
-            <a:chExt cx="5376171" cy="5485135"/>
-          </a:xfrm>
-        </p:grpSpPr>
-        <p:pic>
-          <p:nvPicPr>
-            <p:cNvPr id="7" name="图片 6"/>
-            <p:cNvPicPr>
-              <a:picLocks noChangeAspect="1"/>
-            </p:cNvPicPr>
-            <p:nvPr/>
-          </p:nvPicPr>
-          <p:blipFill>
-            <a:blip r:embed="rId2"/>
-            <a:stretch>
-              <a:fillRect/>
-            </a:stretch>
-          </p:blipFill>
-          <p:spPr>
-            <a:xfrm>
-              <a:off x="8811925" y="5470844"/>
-              <a:ext cx="573074" cy="652329"/>
-            </a:xfrm>
-            <a:prstGeom prst="rect">
-              <a:avLst/>
-            </a:prstGeom>
-          </p:spPr>
-        </p:pic>
-        <p:pic>
-          <p:nvPicPr>
-            <p:cNvPr id="8" name="图片 7"/>
-            <p:cNvPicPr>
-              <a:picLocks noChangeAspect="1"/>
-            </p:cNvPicPr>
-            <p:nvPr/>
-          </p:nvPicPr>
-          <p:blipFill>
-            <a:blip r:embed="rId3"/>
-            <a:stretch>
-              <a:fillRect/>
-            </a:stretch>
-          </p:blipFill>
-          <p:spPr>
-            <a:xfrm>
-              <a:off x="7483297" y="4565510"/>
-              <a:ext cx="1438781" cy="1231499"/>
-            </a:xfrm>
-            <a:prstGeom prst="rect">
-              <a:avLst/>
-            </a:prstGeom>
-          </p:spPr>
-        </p:pic>
-        <p:pic>
-          <p:nvPicPr>
-            <p:cNvPr id="9" name="图片 8"/>
-            <p:cNvPicPr>
-              <a:picLocks noChangeAspect="1"/>
-            </p:cNvPicPr>
-            <p:nvPr/>
-          </p:nvPicPr>
-          <p:blipFill>
-            <a:blip r:embed="rId4"/>
-            <a:stretch>
-              <a:fillRect/>
-            </a:stretch>
-          </p:blipFill>
-          <p:spPr>
-            <a:xfrm>
-              <a:off x="6698566" y="879190"/>
-              <a:ext cx="3828620" cy="3298222"/>
-            </a:xfrm>
-            <a:prstGeom prst="rect">
-              <a:avLst/>
-            </a:prstGeom>
-          </p:spPr>
-        </p:pic>
-        <p:pic>
-          <p:nvPicPr>
-            <p:cNvPr id="10" name="图片 9"/>
-            <p:cNvPicPr>
-              <a:picLocks noChangeAspect="1"/>
-            </p:cNvPicPr>
-            <p:nvPr/>
-          </p:nvPicPr>
-          <p:blipFill>
-            <a:blip r:embed="rId5">
-              <a:duotone>
-                <a:prstClr val="black"/>
-                <a:srgbClr val="D9C3A5">
-                  <a:tint val="50000"/>
-                  <a:satMod val="180000"/>
-                </a:srgbClr>
-              </a:duotone>
-            </a:blip>
-            <a:stretch>
-              <a:fillRect/>
-            </a:stretch>
-          </p:blipFill>
-          <p:spPr>
-            <a:xfrm>
-              <a:off x="8574362" y="1163521"/>
-              <a:ext cx="2962913" cy="2091109"/>
-            </a:xfrm>
-            <a:prstGeom prst="rect">
-              <a:avLst/>
-            </a:prstGeom>
-          </p:spPr>
-        </p:pic>
-        <p:pic>
-          <p:nvPicPr>
-            <p:cNvPr id="11" name="图片 10"/>
-            <p:cNvPicPr>
-              <a:picLocks noChangeAspect="1"/>
-            </p:cNvPicPr>
-            <p:nvPr/>
-          </p:nvPicPr>
-          <p:blipFill>
-            <a:blip r:embed="rId6"/>
-            <a:stretch>
-              <a:fillRect/>
-            </a:stretch>
-          </p:blipFill>
-          <p:spPr>
-            <a:xfrm>
-              <a:off x="8520461" y="3297771"/>
-              <a:ext cx="3554276" cy="3066554"/>
-            </a:xfrm>
-            <a:prstGeom prst="rect">
-              <a:avLst/>
-            </a:prstGeom>
-          </p:spPr>
-        </p:pic>
-      </p:grpSp>
-      <p:sp>
-        <p:nvSpPr>
-          <p:cNvPr id="12" name="文本框 11"/>
-          <p:cNvSpPr txBox="1"/>
-          <p:nvPr/>
-        </p:nvSpPr>
-        <p:spPr>
-          <a:xfrm>
-            <a:off x="6154908" y="2536791"/>
-            <a:ext cx="5833041" cy="1107996"/>
-          </a:xfrm>
-          <a:prstGeom prst="rect">
-            <a:avLst/>
-          </a:prstGeom>
-          <a:noFill/>
-          <a:ln>
-            <a:noFill/>
-          </a:ln>
-          <a:effectLst/>
-          <a:scene3d>
-            <a:camera prst="orthographicFront">
-              <a:rot lat="0" lon="0" rev="0"/>
-            </a:camera>
-            <a:lightRig rig="contrasting" dir="t">
-              <a:rot lat="0" lon="0" rev="7800000"/>
-            </a:lightRig>
-          </a:scene3d>
-          <a:sp3d>
-            <a:bevelT w="139700" h="139700"/>
-          </a:sp3d>
-        </p:spPr>
-        <p:txBody>
-          <a:bodyPr wrap="square" rtlCol="0">
-            <a:spAutoFit/>
-          </a:bodyPr>
-          <a:lstStyle/>
-          <a:p>
-            <a:pPr algn="ctr"/>
-            <a:r>
-              <a:rPr lang="en-US" altLang="zh-CN" sz="6600" dirty="0">
-                <a:effectLst>
-                  <a:outerShdw blurRad="50800" dist="38100" dir="5400000" algn="t" rotWithShape="0">
-                    <a:prstClr val="black">
-                      <a:alpha val="40000"/>
-                    </a:prstClr>
-                  </a:outerShdw>
-                </a:effectLst>
-                <a:cs typeface="+mn-ea"/>
-                <a:sym typeface="+mn-lt"/>
-              </a:rPr>
-              <a:t>System Design</a:t>
-            </a:r>
-            <a:endParaRPr lang="zh-CN" altLang="en-US" sz="6600" dirty="0">
-              <a:effectLst>
-                <a:outerShdw blurRad="50800" dist="38100" dir="5400000" algn="t" rotWithShape="0">
-                  <a:prstClr val="black">
-                    <a:alpha val="40000"/>
-                  </a:prstClr>
-                </a:outerShdw>
-              </a:effectLst>
-              <a:cs typeface="+mn-ea"/>
-              <a:sym typeface="+mn-lt"/>
-            </a:endParaRPr>
-          </a:p>
-        </p:txBody>
-      </p:sp>
-      <p:sp>
-        <p:nvSpPr>
-          <p:cNvPr id="15" name="文本框 14"/>
-          <p:cNvSpPr txBox="1"/>
-          <p:nvPr/>
-        </p:nvSpPr>
-        <p:spPr>
-          <a:xfrm>
-            <a:off x="2974582" y="3090789"/>
-            <a:ext cx="2613936" cy="923330"/>
-          </a:xfrm>
-          <a:prstGeom prst="rect">
-            <a:avLst/>
-          </a:prstGeom>
-          <a:noFill/>
-        </p:spPr>
-        <p:txBody>
-          <a:bodyPr wrap="square" rtlCol="0">
-            <a:spAutoFit/>
-          </a:bodyPr>
-          <a:lstStyle/>
-          <a:p>
-            <a:r>
-              <a:rPr lang="en-US" altLang="zh-CN" sz="5400" b="1" dirty="0">
-                <a:solidFill>
-                  <a:srgbClr val="F2F2F2"/>
-                </a:solidFill>
-                <a:cs typeface="+mn-ea"/>
-                <a:sym typeface="+mn-lt"/>
-              </a:rPr>
-              <a:t>PART.3</a:t>
-            </a:r>
-            <a:endParaRPr lang="zh-CN" altLang="en-US" sz="5400" b="1" dirty="0">
-              <a:solidFill>
-                <a:srgbClr val="F2F2F2"/>
-              </a:solidFill>
-              <a:cs typeface="+mn-ea"/>
-              <a:sym typeface="+mn-lt"/>
-            </a:endParaRPr>
-          </a:p>
-        </p:txBody>
-      </p:sp>
-    </p:spTree>
-    <p:extLst>
-      <p:ext uri="{BB962C8B-B14F-4D97-AF65-F5344CB8AC3E}">
-        <p14:creationId xmlns:p14="http://schemas.microsoft.com/office/powerpoint/2010/main" val="2267138684"/>
-      </p:ext>
-    </p:extLst>
   </p:cSld>
   <p:clrMapOvr>
     <a:masterClrMapping/>
@@ -13330,8 +14409,6 @@
       </a:bgFillStyleLst>
     </a:fmtScheme>
   </a:themeElements>
-  <a:objectDefaults/>
-  <a:extraClrSchemeLst/>
   <a:extLst>
     <a:ext uri="{05A4C25C-085E-4340-85A3-A5531E510DB2}">
       <thm15:themeFamily xmlns:thm15="http://schemas.microsoft.com/office/thememl/2012/main" name="Office Theme" id="{62F939B6-93AF-4DB8-9C6B-D6C7DFDC589F}" vid="{4A3C46E8-61CC-4603-A589-7422A47A8E4A}"/>
@@ -13591,8 +14668,6 @@
       </a:bgFillStyleLst>
     </a:fmtScheme>
   </a:themeElements>
-  <a:objectDefaults/>
-  <a:extraClrSchemeLst/>
   <a:extLst>
     <a:ext uri="{05A4C25C-085E-4340-85A3-A5531E510DB2}">
       <thm15:themeFamily xmlns:thm15="http://schemas.microsoft.com/office/thememl/2012/main" name="Office Theme" id="{62F939B6-93AF-4DB8-9C6B-D6C7DFDC589F}" vid="{4A3C46E8-61CC-4603-A589-7422A47A8E4A}"/>

--- a/slides/Report1.pptx
+++ b/slides/Report1.pptx
@@ -5,26 +5,25 @@
     <p:sldMasterId id="2147483648" r:id="rId1"/>
   </p:sldMasterIdLst>
   <p:notesMasterIdLst>
-    <p:notesMasterId r:id="rId5"/>
+    <p:notesMasterId r:id="rId18"/>
   </p:notesMasterIdLst>
   <p:sldIdLst>
-    <p:sldId id="256" r:id="rId3"/>
-    <p:sldId id="257" r:id="rId4"/>
-    <p:sldId id="261" r:id="rId6"/>
-    <p:sldId id="306" r:id="rId7"/>
-    <p:sldId id="265" r:id="rId8"/>
-    <p:sldId id="294" r:id="rId9"/>
-    <p:sldId id="308" r:id="rId10"/>
-    <p:sldId id="286" r:id="rId11"/>
-    <p:sldId id="289" r:id="rId12"/>
-    <p:sldId id="292" r:id="rId13"/>
-    <p:sldId id="287" r:id="rId14"/>
-    <p:sldId id="290" r:id="rId15"/>
-    <p:sldId id="295" r:id="rId16"/>
-    <p:sldId id="297" r:id="rId17"/>
-    <p:sldId id="296" r:id="rId18"/>
-    <p:sldId id="288" r:id="rId19"/>
-    <p:sldId id="291" r:id="rId20"/>
+    <p:sldId id="256" r:id="rId2"/>
+    <p:sldId id="257" r:id="rId3"/>
+    <p:sldId id="261" r:id="rId4"/>
+    <p:sldId id="306" r:id="rId5"/>
+    <p:sldId id="265" r:id="rId6"/>
+    <p:sldId id="294" r:id="rId7"/>
+    <p:sldId id="308" r:id="rId8"/>
+    <p:sldId id="286" r:id="rId9"/>
+    <p:sldId id="289" r:id="rId10"/>
+    <p:sldId id="292" r:id="rId11"/>
+    <p:sldId id="287" r:id="rId12"/>
+    <p:sldId id="290" r:id="rId13"/>
+    <p:sldId id="295" r:id="rId14"/>
+    <p:sldId id="296" r:id="rId15"/>
+    <p:sldId id="288" r:id="rId16"/>
+    <p:sldId id="291" r:id="rId17"/>
   </p:sldIdLst>
   <p:sldSz cx="12192000" cy="6858000"/>
   <p:notesSz cx="6858000" cy="9144000"/>
@@ -123,6 +122,22 @@
       </a:defRPr>
     </a:lvl9pPr>
   </p:defaultTextStyle>
+  <p:extLst>
+    <p:ext uri="{EFAFB233-063F-42B5-8137-9DF3F51BA10A}">
+      <p15:sldGuideLst xmlns:p15="http://schemas.microsoft.com/office/powerpoint/2012/main">
+        <p15:guide id="1" orient="horz" pos="2160">
+          <p15:clr>
+            <a:srgbClr val="A4A3A4"/>
+          </p15:clr>
+        </p15:guide>
+        <p15:guide id="2" pos="3840">
+          <p15:clr>
+            <a:srgbClr val="A4A3A4"/>
+          </p15:clr>
+        </p15:guide>
+      </p15:sldGuideLst>
+    </p:ext>
+  </p:extLst>
 </p:presentation>
 </file>
 
@@ -208,6 +223,7 @@
           <a:p>
             <a:fld id="{3D37EDBB-4C7E-458C-8081-732E81F2C989}" type="datetimeFigureOut">
               <a:rPr lang="zh-CN" altLang="en-US" smtClean="0"/>
+              <a:t>2020/10/28</a:t>
             </a:fld>
             <a:endParaRPr lang="zh-CN" altLang="en-US"/>
           </a:p>
@@ -274,7 +290,6 @@
               <a:rPr lang="zh-CN" altLang="en-US"/>
               <a:t>单击此处编辑母版文本样式</a:t>
             </a:r>
-            <a:endParaRPr lang="zh-CN" altLang="en-US"/>
           </a:p>
           <a:p>
             <a:pPr lvl="1"/>
@@ -282,7 +297,6 @@
               <a:rPr lang="zh-CN" altLang="en-US"/>
               <a:t>二级</a:t>
             </a:r>
-            <a:endParaRPr lang="zh-CN" altLang="en-US"/>
           </a:p>
           <a:p>
             <a:pPr lvl="2"/>
@@ -290,7 +304,6 @@
               <a:rPr lang="zh-CN" altLang="en-US"/>
               <a:t>三级</a:t>
             </a:r>
-            <a:endParaRPr lang="zh-CN" altLang="en-US"/>
           </a:p>
           <a:p>
             <a:pPr lvl="3"/>
@@ -298,7 +311,6 @@
               <a:rPr lang="zh-CN" altLang="en-US"/>
               <a:t>四级</a:t>
             </a:r>
-            <a:endParaRPr lang="zh-CN" altLang="en-US"/>
           </a:p>
           <a:p>
             <a:pPr lvl="4"/>
@@ -306,7 +318,6 @@
               <a:rPr lang="zh-CN" altLang="en-US"/>
               <a:t>五级</a:t>
             </a:r>
-            <a:endParaRPr lang="zh-CN" altLang="en-US"/>
           </a:p>
         </p:txBody>
       </p:sp>
@@ -370,6 +381,7 @@
           <a:p>
             <a:fld id="{0F864D19-9D93-47A8-8EC6-5175BEEC192E}" type="slidenum">
               <a:rPr lang="zh-CN" altLang="en-US" smtClean="0"/>
+              <a:t>‹#›</a:t>
             </a:fld>
             <a:endParaRPr lang="zh-CN" altLang="en-US"/>
           </a:p>
@@ -538,6 +550,7 @@
           <a:p>
             <a:fld id="{0F864D19-9D93-47A8-8EC6-5175BEEC192E}" type="slidenum">
               <a:rPr lang="zh-CN" altLang="en-US" smtClean="0"/>
+              <a:t>2</a:t>
             </a:fld>
             <a:endParaRPr lang="zh-CN" altLang="en-US"/>
           </a:p>
@@ -616,84 +629,7 @@
           <a:p>
             <a:fld id="{0F864D19-9D93-47A8-8EC6-5175BEEC192E}" type="slidenum">
               <a:rPr lang="zh-CN" altLang="en-US" smtClean="0"/>
-            </a:fld>
-            <a:endParaRPr lang="zh-CN" altLang="en-US"/>
-          </a:p>
-        </p:txBody>
-      </p:sp>
-    </p:spTree>
-  </p:cSld>
-  <p:clrMapOvr>
-    <a:masterClrMapping/>
-  </p:clrMapOvr>
-</p:notes>
-</file>
-
-<file path=ppt/notesSlides/notesSlide11.xml><?xml version="1.0" encoding="utf-8"?>
-<p:notes xmlns:a="http://schemas.openxmlformats.org/drawingml/2006/main" xmlns:r="http://schemas.openxmlformats.org/officeDocument/2006/relationships" xmlns:p="http://schemas.openxmlformats.org/presentationml/2006/main">
-  <p:cSld>
-    <p:spTree>
-      <p:nvGrpSpPr>
-        <p:cNvPr id="1" name=""/>
-        <p:cNvGrpSpPr/>
-        <p:nvPr/>
-      </p:nvGrpSpPr>
-      <p:grpSpPr>
-        <a:xfrm>
-          <a:off x="0" y="0"/>
-          <a:ext cx="0" cy="0"/>
-          <a:chOff x="0" y="0"/>
-          <a:chExt cx="0" cy="0"/>
-        </a:xfrm>
-      </p:grpSpPr>
-      <p:sp>
-        <p:nvSpPr>
-          <p:cNvPr id="2" name="幻灯片图像占位符 1"/>
-          <p:cNvSpPr>
-            <a:spLocks noGrp="1" noRot="1" noChangeAspect="1"/>
-          </p:cNvSpPr>
-          <p:nvPr>
-            <p:ph type="sldImg"/>
-          </p:nvPr>
-        </p:nvSpPr>
-        <p:spPr/>
-      </p:sp>
-      <p:sp>
-        <p:nvSpPr>
-          <p:cNvPr id="3" name="备注占位符 2"/>
-          <p:cNvSpPr>
-            <a:spLocks noGrp="1"/>
-          </p:cNvSpPr>
-          <p:nvPr>
-            <p:ph type="body" idx="1"/>
-          </p:nvPr>
-        </p:nvSpPr>
-        <p:spPr/>
-        <p:txBody>
-          <a:bodyPr/>
-          <a:lstStyle/>
-          <a:p>
-            <a:endParaRPr lang="zh-CN" altLang="en-US" dirty="0"/>
-          </a:p>
-        </p:txBody>
-      </p:sp>
-      <p:sp>
-        <p:nvSpPr>
-          <p:cNvPr id="4" name="灯片编号占位符 3"/>
-          <p:cNvSpPr>
-            <a:spLocks noGrp="1"/>
-          </p:cNvSpPr>
-          <p:nvPr>
-            <p:ph type="sldNum" sz="quarter" idx="5"/>
-          </p:nvPr>
-        </p:nvSpPr>
-        <p:spPr/>
-        <p:txBody>
-          <a:bodyPr/>
-          <a:lstStyle/>
-          <a:p>
-            <a:fld id="{0F864D19-9D93-47A8-8EC6-5175BEEC192E}" type="slidenum">
-              <a:rPr lang="zh-CN" altLang="en-US" smtClean="0"/>
+              <a:t>16</a:t>
             </a:fld>
             <a:endParaRPr lang="zh-CN" altLang="en-US"/>
           </a:p>
@@ -772,6 +708,7 @@
           <a:p>
             <a:fld id="{0F864D19-9D93-47A8-8EC6-5175BEEC192E}" type="slidenum">
               <a:rPr lang="zh-CN" altLang="en-US" smtClean="0"/>
+              <a:t>5</a:t>
             </a:fld>
             <a:endParaRPr lang="zh-CN" altLang="en-US"/>
           </a:p>
@@ -850,6 +787,7 @@
           <a:p>
             <a:fld id="{0F864D19-9D93-47A8-8EC6-5175BEEC192E}" type="slidenum">
               <a:rPr lang="zh-CN" altLang="en-US" smtClean="0"/>
+              <a:t>6</a:t>
             </a:fld>
             <a:endParaRPr lang="zh-CN" altLang="en-US"/>
           </a:p>
@@ -928,6 +866,7 @@
           <a:p>
             <a:fld id="{0F864D19-9D93-47A8-8EC6-5175BEEC192E}" type="slidenum">
               <a:rPr lang="zh-CN" altLang="en-US" smtClean="0"/>
+              <a:t>7</a:t>
             </a:fld>
             <a:endParaRPr lang="zh-CN" altLang="en-US"/>
           </a:p>
@@ -1006,6 +945,7 @@
           <a:p>
             <a:fld id="{0F864D19-9D93-47A8-8EC6-5175BEEC192E}" type="slidenum">
               <a:rPr lang="zh-CN" altLang="en-US" smtClean="0"/>
+              <a:t>9</a:t>
             </a:fld>
             <a:endParaRPr lang="zh-CN" altLang="en-US"/>
           </a:p>
@@ -1084,6 +1024,7 @@
           <a:p>
             <a:fld id="{0F864D19-9D93-47A8-8EC6-5175BEEC192E}" type="slidenum">
               <a:rPr lang="zh-CN" altLang="en-US" smtClean="0"/>
+              <a:t>10</a:t>
             </a:fld>
             <a:endParaRPr lang="zh-CN" altLang="en-US"/>
           </a:p>
@@ -1162,6 +1103,7 @@
           <a:p>
             <a:fld id="{0F864D19-9D93-47A8-8EC6-5175BEEC192E}" type="slidenum">
               <a:rPr lang="zh-CN" altLang="en-US" smtClean="0"/>
+              <a:t>12</a:t>
             </a:fld>
             <a:endParaRPr lang="zh-CN" altLang="en-US"/>
           </a:p>
@@ -1240,6 +1182,7 @@
           <a:p>
             <a:fld id="{0F864D19-9D93-47A8-8EC6-5175BEEC192E}" type="slidenum">
               <a:rPr lang="zh-CN" altLang="en-US" smtClean="0"/>
+              <a:t>13</a:t>
             </a:fld>
             <a:endParaRPr lang="zh-CN" altLang="en-US"/>
           </a:p>
@@ -1318,6 +1261,7 @@
           <a:p>
             <a:fld id="{0F864D19-9D93-47A8-8EC6-5175BEEC192E}" type="slidenum">
               <a:rPr lang="zh-CN" altLang="en-US" smtClean="0"/>
+              <a:t>14</a:t>
             </a:fld>
             <a:endParaRPr lang="zh-CN" altLang="en-US"/>
           </a:p>
@@ -1376,7 +1320,6 @@
               <a:rPr lang="zh-CN" altLang="en-US"/>
               <a:t>单击此处编辑母版标题样式</a:t>
             </a:r>
-            <a:endParaRPr lang="zh-CN" altLang="en-US"/>
           </a:p>
         </p:txBody>
       </p:sp>
@@ -1441,7 +1384,6 @@
               <a:rPr lang="zh-CN" altLang="en-US"/>
               <a:t>单击此处编辑母版副标题样式</a:t>
             </a:r>
-            <a:endParaRPr lang="zh-CN" altLang="en-US"/>
           </a:p>
         </p:txBody>
       </p:sp>
@@ -1462,6 +1404,7 @@
           <a:p>
             <a:fld id="{A640CAB6-B07E-4BA4-BC4B-DDB8D129D594}" type="datetimeFigureOut">
               <a:rPr lang="zh-CN" altLang="en-US" smtClean="0"/>
+              <a:t>2020/10/28</a:t>
             </a:fld>
             <a:endParaRPr lang="zh-CN" altLang="en-US"/>
           </a:p>
@@ -1503,6 +1446,7 @@
           <a:p>
             <a:fld id="{997B4A21-C178-4EF4-9692-581FD3539F5E}" type="slidenum">
               <a:rPr lang="zh-CN" altLang="en-US" smtClean="0"/>
+              <a:t>‹#›</a:t>
             </a:fld>
             <a:endParaRPr lang="zh-CN" altLang="en-US"/>
           </a:p>
@@ -1552,7 +1496,6 @@
               <a:rPr lang="zh-CN" altLang="en-US"/>
               <a:t>单击此处编辑母版标题样式</a:t>
             </a:r>
-            <a:endParaRPr lang="zh-CN" altLang="en-US"/>
           </a:p>
         </p:txBody>
       </p:sp>
@@ -1576,7 +1519,6 @@
               <a:rPr lang="zh-CN" altLang="en-US"/>
               <a:t>单击此处编辑母版文本样式</a:t>
             </a:r>
-            <a:endParaRPr lang="zh-CN" altLang="en-US"/>
           </a:p>
           <a:p>
             <a:pPr lvl="1"/>
@@ -1584,7 +1526,6 @@
               <a:rPr lang="zh-CN" altLang="en-US"/>
               <a:t>二级</a:t>
             </a:r>
-            <a:endParaRPr lang="zh-CN" altLang="en-US"/>
           </a:p>
           <a:p>
             <a:pPr lvl="2"/>
@@ -1592,7 +1533,6 @@
               <a:rPr lang="zh-CN" altLang="en-US"/>
               <a:t>三级</a:t>
             </a:r>
-            <a:endParaRPr lang="zh-CN" altLang="en-US"/>
           </a:p>
           <a:p>
             <a:pPr lvl="3"/>
@@ -1600,7 +1540,6 @@
               <a:rPr lang="zh-CN" altLang="en-US"/>
               <a:t>四级</a:t>
             </a:r>
-            <a:endParaRPr lang="zh-CN" altLang="en-US"/>
           </a:p>
           <a:p>
             <a:pPr lvl="4"/>
@@ -1608,7 +1547,6 @@
               <a:rPr lang="zh-CN" altLang="en-US"/>
               <a:t>五级</a:t>
             </a:r>
-            <a:endParaRPr lang="zh-CN" altLang="en-US"/>
           </a:p>
         </p:txBody>
       </p:sp>
@@ -1629,6 +1567,7 @@
           <a:p>
             <a:fld id="{A640CAB6-B07E-4BA4-BC4B-DDB8D129D594}" type="datetimeFigureOut">
               <a:rPr lang="zh-CN" altLang="en-US" smtClean="0"/>
+              <a:t>2020/10/28</a:t>
             </a:fld>
             <a:endParaRPr lang="zh-CN" altLang="en-US"/>
           </a:p>
@@ -1670,6 +1609,7 @@
           <a:p>
             <a:fld id="{997B4A21-C178-4EF4-9692-581FD3539F5E}" type="slidenum">
               <a:rPr lang="zh-CN" altLang="en-US" smtClean="0"/>
+              <a:t>‹#›</a:t>
             </a:fld>
             <a:endParaRPr lang="zh-CN" altLang="en-US"/>
           </a:p>
@@ -1724,7 +1664,6 @@
               <a:rPr lang="zh-CN" altLang="en-US"/>
               <a:t>单击此处编辑母版标题样式</a:t>
             </a:r>
-            <a:endParaRPr lang="zh-CN" altLang="en-US"/>
           </a:p>
         </p:txBody>
       </p:sp>
@@ -1753,7 +1692,6 @@
               <a:rPr lang="zh-CN" altLang="en-US"/>
               <a:t>单击此处编辑母版文本样式</a:t>
             </a:r>
-            <a:endParaRPr lang="zh-CN" altLang="en-US"/>
           </a:p>
           <a:p>
             <a:pPr lvl="1"/>
@@ -1761,7 +1699,6 @@
               <a:rPr lang="zh-CN" altLang="en-US"/>
               <a:t>二级</a:t>
             </a:r>
-            <a:endParaRPr lang="zh-CN" altLang="en-US"/>
           </a:p>
           <a:p>
             <a:pPr lvl="2"/>
@@ -1769,7 +1706,6 @@
               <a:rPr lang="zh-CN" altLang="en-US"/>
               <a:t>三级</a:t>
             </a:r>
-            <a:endParaRPr lang="zh-CN" altLang="en-US"/>
           </a:p>
           <a:p>
             <a:pPr lvl="3"/>
@@ -1777,7 +1713,6 @@
               <a:rPr lang="zh-CN" altLang="en-US"/>
               <a:t>四级</a:t>
             </a:r>
-            <a:endParaRPr lang="zh-CN" altLang="en-US"/>
           </a:p>
           <a:p>
             <a:pPr lvl="4"/>
@@ -1785,7 +1720,6 @@
               <a:rPr lang="zh-CN" altLang="en-US"/>
               <a:t>五级</a:t>
             </a:r>
-            <a:endParaRPr lang="zh-CN" altLang="en-US"/>
           </a:p>
         </p:txBody>
       </p:sp>
@@ -1806,6 +1740,7 @@
           <a:p>
             <a:fld id="{A640CAB6-B07E-4BA4-BC4B-DDB8D129D594}" type="datetimeFigureOut">
               <a:rPr lang="zh-CN" altLang="en-US" smtClean="0"/>
+              <a:t>2020/10/28</a:t>
             </a:fld>
             <a:endParaRPr lang="zh-CN" altLang="en-US"/>
           </a:p>
@@ -1847,6 +1782,7 @@
           <a:p>
             <a:fld id="{997B4A21-C178-4EF4-9692-581FD3539F5E}" type="slidenum">
               <a:rPr lang="zh-CN" altLang="en-US" smtClean="0"/>
+              <a:t>‹#›</a:t>
             </a:fld>
             <a:endParaRPr lang="zh-CN" altLang="en-US"/>
           </a:p>
@@ -1896,7 +1832,6 @@
               <a:rPr lang="zh-CN" altLang="en-US"/>
               <a:t>单击此处编辑母版标题样式</a:t>
             </a:r>
-            <a:endParaRPr lang="zh-CN" altLang="en-US"/>
           </a:p>
         </p:txBody>
       </p:sp>
@@ -1920,7 +1855,6 @@
               <a:rPr lang="zh-CN" altLang="en-US"/>
               <a:t>单击此处编辑母版文本样式</a:t>
             </a:r>
-            <a:endParaRPr lang="zh-CN" altLang="en-US"/>
           </a:p>
           <a:p>
             <a:pPr lvl="1"/>
@@ -1928,7 +1862,6 @@
               <a:rPr lang="zh-CN" altLang="en-US"/>
               <a:t>二级</a:t>
             </a:r>
-            <a:endParaRPr lang="zh-CN" altLang="en-US"/>
           </a:p>
           <a:p>
             <a:pPr lvl="2"/>
@@ -1936,7 +1869,6 @@
               <a:rPr lang="zh-CN" altLang="en-US"/>
               <a:t>三级</a:t>
             </a:r>
-            <a:endParaRPr lang="zh-CN" altLang="en-US"/>
           </a:p>
           <a:p>
             <a:pPr lvl="3"/>
@@ -1944,7 +1876,6 @@
               <a:rPr lang="zh-CN" altLang="en-US"/>
               <a:t>四级</a:t>
             </a:r>
-            <a:endParaRPr lang="zh-CN" altLang="en-US"/>
           </a:p>
           <a:p>
             <a:pPr lvl="4"/>
@@ -1952,7 +1883,6 @@
               <a:rPr lang="zh-CN" altLang="en-US"/>
               <a:t>五级</a:t>
             </a:r>
-            <a:endParaRPr lang="zh-CN" altLang="en-US"/>
           </a:p>
         </p:txBody>
       </p:sp>
@@ -1973,6 +1903,7 @@
           <a:p>
             <a:fld id="{A640CAB6-B07E-4BA4-BC4B-DDB8D129D594}" type="datetimeFigureOut">
               <a:rPr lang="zh-CN" altLang="en-US" smtClean="0"/>
+              <a:t>2020/10/28</a:t>
             </a:fld>
             <a:endParaRPr lang="zh-CN" altLang="en-US"/>
           </a:p>
@@ -2014,6 +1945,7 @@
           <a:p>
             <a:fld id="{997B4A21-C178-4EF4-9692-581FD3539F5E}" type="slidenum">
               <a:rPr lang="zh-CN" altLang="en-US" smtClean="0"/>
+              <a:t>‹#›</a:t>
             </a:fld>
             <a:endParaRPr lang="zh-CN" altLang="en-US"/>
           </a:p>
@@ -2072,7 +2004,6 @@
               <a:rPr lang="zh-CN" altLang="en-US"/>
               <a:t>单击此处编辑母版标题样式</a:t>
             </a:r>
-            <a:endParaRPr lang="zh-CN" altLang="en-US"/>
           </a:p>
         </p:txBody>
       </p:sp>
@@ -2192,7 +2123,6 @@
               <a:rPr lang="zh-CN" altLang="en-US"/>
               <a:t>单击此处编辑母版文本样式</a:t>
             </a:r>
-            <a:endParaRPr lang="zh-CN" altLang="en-US"/>
           </a:p>
         </p:txBody>
       </p:sp>
@@ -2213,6 +2143,7 @@
           <a:p>
             <a:fld id="{A640CAB6-B07E-4BA4-BC4B-DDB8D129D594}" type="datetimeFigureOut">
               <a:rPr lang="zh-CN" altLang="en-US" smtClean="0"/>
+              <a:t>2020/10/28</a:t>
             </a:fld>
             <a:endParaRPr lang="zh-CN" altLang="en-US"/>
           </a:p>
@@ -2254,6 +2185,7 @@
           <a:p>
             <a:fld id="{997B4A21-C178-4EF4-9692-581FD3539F5E}" type="slidenum">
               <a:rPr lang="zh-CN" altLang="en-US" smtClean="0"/>
+              <a:t>‹#›</a:t>
             </a:fld>
             <a:endParaRPr lang="zh-CN" altLang="en-US"/>
           </a:p>
@@ -2303,7 +2235,6 @@
               <a:rPr lang="zh-CN" altLang="en-US"/>
               <a:t>单击此处编辑母版标题样式</a:t>
             </a:r>
-            <a:endParaRPr lang="zh-CN" altLang="en-US"/>
           </a:p>
         </p:txBody>
       </p:sp>
@@ -2332,7 +2263,6 @@
               <a:rPr lang="zh-CN" altLang="en-US"/>
               <a:t>单击此处编辑母版文本样式</a:t>
             </a:r>
-            <a:endParaRPr lang="zh-CN" altLang="en-US"/>
           </a:p>
           <a:p>
             <a:pPr lvl="1"/>
@@ -2340,7 +2270,6 @@
               <a:rPr lang="zh-CN" altLang="en-US"/>
               <a:t>二级</a:t>
             </a:r>
-            <a:endParaRPr lang="zh-CN" altLang="en-US"/>
           </a:p>
           <a:p>
             <a:pPr lvl="2"/>
@@ -2348,7 +2277,6 @@
               <a:rPr lang="zh-CN" altLang="en-US"/>
               <a:t>三级</a:t>
             </a:r>
-            <a:endParaRPr lang="zh-CN" altLang="en-US"/>
           </a:p>
           <a:p>
             <a:pPr lvl="3"/>
@@ -2356,7 +2284,6 @@
               <a:rPr lang="zh-CN" altLang="en-US"/>
               <a:t>四级</a:t>
             </a:r>
-            <a:endParaRPr lang="zh-CN" altLang="en-US"/>
           </a:p>
           <a:p>
             <a:pPr lvl="4"/>
@@ -2364,7 +2291,6 @@
               <a:rPr lang="zh-CN" altLang="en-US"/>
               <a:t>五级</a:t>
             </a:r>
-            <a:endParaRPr lang="zh-CN" altLang="en-US"/>
           </a:p>
         </p:txBody>
       </p:sp>
@@ -2393,7 +2319,6 @@
               <a:rPr lang="zh-CN" altLang="en-US"/>
               <a:t>单击此处编辑母版文本样式</a:t>
             </a:r>
-            <a:endParaRPr lang="zh-CN" altLang="en-US"/>
           </a:p>
           <a:p>
             <a:pPr lvl="1"/>
@@ -2401,7 +2326,6 @@
               <a:rPr lang="zh-CN" altLang="en-US"/>
               <a:t>二级</a:t>
             </a:r>
-            <a:endParaRPr lang="zh-CN" altLang="en-US"/>
           </a:p>
           <a:p>
             <a:pPr lvl="2"/>
@@ -2409,7 +2333,6 @@
               <a:rPr lang="zh-CN" altLang="en-US"/>
               <a:t>三级</a:t>
             </a:r>
-            <a:endParaRPr lang="zh-CN" altLang="en-US"/>
           </a:p>
           <a:p>
             <a:pPr lvl="3"/>
@@ -2417,7 +2340,6 @@
               <a:rPr lang="zh-CN" altLang="en-US"/>
               <a:t>四级</a:t>
             </a:r>
-            <a:endParaRPr lang="zh-CN" altLang="en-US"/>
           </a:p>
           <a:p>
             <a:pPr lvl="4"/>
@@ -2425,7 +2347,6 @@
               <a:rPr lang="zh-CN" altLang="en-US"/>
               <a:t>五级</a:t>
             </a:r>
-            <a:endParaRPr lang="zh-CN" altLang="en-US"/>
           </a:p>
         </p:txBody>
       </p:sp>
@@ -2446,6 +2367,7 @@
           <a:p>
             <a:fld id="{A640CAB6-B07E-4BA4-BC4B-DDB8D129D594}" type="datetimeFigureOut">
               <a:rPr lang="zh-CN" altLang="en-US" smtClean="0"/>
+              <a:t>2020/10/28</a:t>
             </a:fld>
             <a:endParaRPr lang="zh-CN" altLang="en-US"/>
           </a:p>
@@ -2487,6 +2409,7 @@
           <a:p>
             <a:fld id="{997B4A21-C178-4EF4-9692-581FD3539F5E}" type="slidenum">
               <a:rPr lang="zh-CN" altLang="en-US" smtClean="0"/>
+              <a:t>‹#›</a:t>
             </a:fld>
             <a:endParaRPr lang="zh-CN" altLang="en-US"/>
           </a:p>
@@ -2541,7 +2464,6 @@
               <a:rPr lang="zh-CN" altLang="en-US"/>
               <a:t>单击此处编辑母版标题样式</a:t>
             </a:r>
-            <a:endParaRPr lang="zh-CN" altLang="en-US"/>
           </a:p>
         </p:txBody>
       </p:sp>
@@ -2607,7 +2529,6 @@
               <a:rPr lang="zh-CN" altLang="en-US"/>
               <a:t>单击此处编辑母版文本样式</a:t>
             </a:r>
-            <a:endParaRPr lang="zh-CN" altLang="en-US"/>
           </a:p>
         </p:txBody>
       </p:sp>
@@ -2636,7 +2557,6 @@
               <a:rPr lang="zh-CN" altLang="en-US"/>
               <a:t>单击此处编辑母版文本样式</a:t>
             </a:r>
-            <a:endParaRPr lang="zh-CN" altLang="en-US"/>
           </a:p>
           <a:p>
             <a:pPr lvl="1"/>
@@ -2644,7 +2564,6 @@
               <a:rPr lang="zh-CN" altLang="en-US"/>
               <a:t>二级</a:t>
             </a:r>
-            <a:endParaRPr lang="zh-CN" altLang="en-US"/>
           </a:p>
           <a:p>
             <a:pPr lvl="2"/>
@@ -2652,7 +2571,6 @@
               <a:rPr lang="zh-CN" altLang="en-US"/>
               <a:t>三级</a:t>
             </a:r>
-            <a:endParaRPr lang="zh-CN" altLang="en-US"/>
           </a:p>
           <a:p>
             <a:pPr lvl="3"/>
@@ -2660,7 +2578,6 @@
               <a:rPr lang="zh-CN" altLang="en-US"/>
               <a:t>四级</a:t>
             </a:r>
-            <a:endParaRPr lang="zh-CN" altLang="en-US"/>
           </a:p>
           <a:p>
             <a:pPr lvl="4"/>
@@ -2668,7 +2585,6 @@
               <a:rPr lang="zh-CN" altLang="en-US"/>
               <a:t>五级</a:t>
             </a:r>
-            <a:endParaRPr lang="zh-CN" altLang="en-US"/>
           </a:p>
         </p:txBody>
       </p:sp>
@@ -2734,7 +2650,6 @@
               <a:rPr lang="zh-CN" altLang="en-US"/>
               <a:t>单击此处编辑母版文本样式</a:t>
             </a:r>
-            <a:endParaRPr lang="zh-CN" altLang="en-US"/>
           </a:p>
         </p:txBody>
       </p:sp>
@@ -2763,7 +2678,6 @@
               <a:rPr lang="zh-CN" altLang="en-US"/>
               <a:t>单击此处编辑母版文本样式</a:t>
             </a:r>
-            <a:endParaRPr lang="zh-CN" altLang="en-US"/>
           </a:p>
           <a:p>
             <a:pPr lvl="1"/>
@@ -2771,7 +2685,6 @@
               <a:rPr lang="zh-CN" altLang="en-US"/>
               <a:t>二级</a:t>
             </a:r>
-            <a:endParaRPr lang="zh-CN" altLang="en-US"/>
           </a:p>
           <a:p>
             <a:pPr lvl="2"/>
@@ -2779,7 +2692,6 @@
               <a:rPr lang="zh-CN" altLang="en-US"/>
               <a:t>三级</a:t>
             </a:r>
-            <a:endParaRPr lang="zh-CN" altLang="en-US"/>
           </a:p>
           <a:p>
             <a:pPr lvl="3"/>
@@ -2787,7 +2699,6 @@
               <a:rPr lang="zh-CN" altLang="en-US"/>
               <a:t>四级</a:t>
             </a:r>
-            <a:endParaRPr lang="zh-CN" altLang="en-US"/>
           </a:p>
           <a:p>
             <a:pPr lvl="4"/>
@@ -2795,7 +2706,6 @@
               <a:rPr lang="zh-CN" altLang="en-US"/>
               <a:t>五级</a:t>
             </a:r>
-            <a:endParaRPr lang="zh-CN" altLang="en-US"/>
           </a:p>
         </p:txBody>
       </p:sp>
@@ -2816,6 +2726,7 @@
           <a:p>
             <a:fld id="{A640CAB6-B07E-4BA4-BC4B-DDB8D129D594}" type="datetimeFigureOut">
               <a:rPr lang="zh-CN" altLang="en-US" smtClean="0"/>
+              <a:t>2020/10/28</a:t>
             </a:fld>
             <a:endParaRPr lang="zh-CN" altLang="en-US"/>
           </a:p>
@@ -2857,6 +2768,7 @@
           <a:p>
             <a:fld id="{997B4A21-C178-4EF4-9692-581FD3539F5E}" type="slidenum">
               <a:rPr lang="zh-CN" altLang="en-US" smtClean="0"/>
+              <a:t>‹#›</a:t>
             </a:fld>
             <a:endParaRPr lang="zh-CN" altLang="en-US"/>
           </a:p>
@@ -2953,13 +2865,6 @@
               </a:rPr>
               <a:t>www.1ppt.com/hangye/ </a:t>
             </a:r>
-            <a:endParaRPr lang="en-US" altLang="zh-CN" sz="100" dirty="0">
-              <a:solidFill>
-                <a:prstClr val="white"/>
-              </a:solidFill>
-              <a:latin typeface="Calibri" panose="020F0502020204030204"/>
-              <a:ea typeface="宋体" panose="02010600030101010101" pitchFamily="2" charset="-122"/>
-            </a:endParaRPr>
           </a:p>
           <a:p>
             <a:r>
@@ -3022,13 +2927,6 @@
               </a:rPr>
               <a:t>www.1ppt.com/sucai/</a:t>
             </a:r>
-            <a:endParaRPr lang="en-US" altLang="zh-CN" sz="100" dirty="0">
-              <a:solidFill>
-                <a:prstClr val="white"/>
-              </a:solidFill>
-              <a:latin typeface="Calibri" panose="020F0502020204030204"/>
-              <a:ea typeface="宋体" panose="02010600030101010101" pitchFamily="2" charset="-122"/>
-            </a:endParaRPr>
           </a:p>
           <a:p>
             <a:r>
@@ -3081,13 +2979,6 @@
               </a:rPr>
               <a:t>www.1ppt.com/tubiao/      </a:t>
             </a:r>
-            <a:endParaRPr lang="en-US" altLang="zh-CN" sz="100" dirty="0">
-              <a:solidFill>
-                <a:prstClr val="white"/>
-              </a:solidFill>
-              <a:latin typeface="Calibri" panose="020F0502020204030204"/>
-              <a:ea typeface="宋体" panose="02010600030101010101" pitchFamily="2" charset="-122"/>
-            </a:endParaRPr>
           </a:p>
           <a:p>
             <a:r>
@@ -3150,13 +3041,6 @@
               </a:rPr>
               <a:t>www.1ppt.com/powerpoint/      </a:t>
             </a:r>
-            <a:endParaRPr lang="en-US" altLang="zh-CN" sz="100" dirty="0">
-              <a:solidFill>
-                <a:prstClr val="white"/>
-              </a:solidFill>
-              <a:latin typeface="Calibri" panose="020F0502020204030204"/>
-              <a:ea typeface="宋体" panose="02010600030101010101" pitchFamily="2" charset="-122"/>
-            </a:endParaRPr>
           </a:p>
           <a:p>
             <a:r>
@@ -3209,13 +3093,6 @@
               </a:rPr>
               <a:t>www.1ppt.com/ziti/</a:t>
             </a:r>
-            <a:endParaRPr lang="en-US" altLang="zh-CN" sz="100" dirty="0">
-              <a:solidFill>
-                <a:prstClr val="white"/>
-              </a:solidFill>
-              <a:latin typeface="Calibri" panose="020F0502020204030204"/>
-              <a:ea typeface="宋体" panose="02010600030101010101" pitchFamily="2" charset="-122"/>
-            </a:endParaRPr>
           </a:p>
           <a:p>
             <a:r>
@@ -3278,13 +3155,6 @@
               </a:rPr>
               <a:t>www.1ppt.com/xiazai/jihua/</a:t>
             </a:r>
-            <a:endParaRPr lang="en-US" altLang="zh-CN" sz="100" dirty="0">
-              <a:solidFill>
-                <a:prstClr val="white"/>
-              </a:solidFill>
-              <a:latin typeface="Calibri" panose="020F0502020204030204"/>
-              <a:ea typeface="宋体" panose="02010600030101010101" pitchFamily="2" charset="-122"/>
-            </a:endParaRPr>
           </a:p>
           <a:p>
             <a:r>
@@ -3367,13 +3237,6 @@
               </a:rPr>
               <a:t>www.1ppt.com/xiazai/jianli/  </a:t>
             </a:r>
-            <a:endParaRPr lang="en-US" altLang="zh-CN" sz="100" dirty="0">
-              <a:solidFill>
-                <a:prstClr val="white"/>
-              </a:solidFill>
-              <a:latin typeface="Calibri" panose="020F0502020204030204"/>
-              <a:ea typeface="宋体" panose="02010600030101010101" pitchFamily="2" charset="-122"/>
-            </a:endParaRPr>
           </a:p>
           <a:p>
             <a:r>
@@ -3456,13 +3319,6 @@
               </a:rPr>
               <a:t>www.1ppt.com/xiazai/huibao/    </a:t>
             </a:r>
-            <a:endParaRPr lang="en-US" altLang="zh-CN" sz="100" dirty="0">
-              <a:solidFill>
-                <a:prstClr val="white"/>
-              </a:solidFill>
-              <a:latin typeface="Calibri" panose="020F0502020204030204"/>
-              <a:ea typeface="宋体" panose="02010600030101010101" pitchFamily="2" charset="-122"/>
-            </a:endParaRPr>
           </a:p>
           <a:p>
             <a:r>
@@ -3475,13 +3331,6 @@
               </a:rPr>
               <a:t> </a:t>
             </a:r>
-            <a:endParaRPr lang="en-US" altLang="zh-CN" sz="100" dirty="0">
-              <a:solidFill>
-                <a:prstClr val="white"/>
-              </a:solidFill>
-              <a:latin typeface="Calibri" panose="020F0502020204030204"/>
-              <a:ea typeface="宋体" panose="02010600030101010101" pitchFamily="2" charset="-122"/>
-            </a:endParaRPr>
           </a:p>
         </p:txBody>
       </p:sp>
@@ -3529,7 +3378,6 @@
               <a:rPr lang="zh-CN" altLang="en-US"/>
               <a:t>单击此处编辑母版标题样式</a:t>
             </a:r>
-            <a:endParaRPr lang="zh-CN" altLang="en-US"/>
           </a:p>
         </p:txBody>
       </p:sp>
@@ -3550,6 +3398,7 @@
           <a:p>
             <a:fld id="{A640CAB6-B07E-4BA4-BC4B-DDB8D129D594}" type="datetimeFigureOut">
               <a:rPr lang="zh-CN" altLang="en-US" smtClean="0"/>
+              <a:t>2020/10/28</a:t>
             </a:fld>
             <a:endParaRPr lang="zh-CN" altLang="en-US"/>
           </a:p>
@@ -3591,6 +3440,7 @@
           <a:p>
             <a:fld id="{997B4A21-C178-4EF4-9692-581FD3539F5E}" type="slidenum">
               <a:rPr lang="zh-CN" altLang="en-US" smtClean="0"/>
+              <a:t>‹#›</a:t>
             </a:fld>
             <a:endParaRPr lang="zh-CN" altLang="en-US"/>
           </a:p>
@@ -3821,7 +3671,6 @@
               <a:rPr lang="zh-CN" altLang="en-US"/>
               <a:t>单击此处编辑母版标题样式</a:t>
             </a:r>
-            <a:endParaRPr lang="zh-CN" altLang="en-US"/>
           </a:p>
         </p:txBody>
       </p:sp>
@@ -3878,7 +3727,6 @@
               <a:rPr lang="zh-CN" altLang="en-US"/>
               <a:t>单击此处编辑母版文本样式</a:t>
             </a:r>
-            <a:endParaRPr lang="zh-CN" altLang="en-US"/>
           </a:p>
           <a:p>
             <a:pPr lvl="1"/>
@@ -3886,7 +3734,6 @@
               <a:rPr lang="zh-CN" altLang="en-US"/>
               <a:t>二级</a:t>
             </a:r>
-            <a:endParaRPr lang="zh-CN" altLang="en-US"/>
           </a:p>
           <a:p>
             <a:pPr lvl="2"/>
@@ -3894,7 +3741,6 @@
               <a:rPr lang="zh-CN" altLang="en-US"/>
               <a:t>三级</a:t>
             </a:r>
-            <a:endParaRPr lang="zh-CN" altLang="en-US"/>
           </a:p>
           <a:p>
             <a:pPr lvl="3"/>
@@ -3902,7 +3748,6 @@
               <a:rPr lang="zh-CN" altLang="en-US"/>
               <a:t>四级</a:t>
             </a:r>
-            <a:endParaRPr lang="zh-CN" altLang="en-US"/>
           </a:p>
           <a:p>
             <a:pPr lvl="4"/>
@@ -3910,7 +3755,6 @@
               <a:rPr lang="zh-CN" altLang="en-US"/>
               <a:t>五级</a:t>
             </a:r>
-            <a:endParaRPr lang="zh-CN" altLang="en-US"/>
           </a:p>
         </p:txBody>
       </p:sp>
@@ -3976,7 +3820,6 @@
               <a:rPr lang="zh-CN" altLang="en-US"/>
               <a:t>单击此处编辑母版文本样式</a:t>
             </a:r>
-            <a:endParaRPr lang="zh-CN" altLang="en-US"/>
           </a:p>
         </p:txBody>
       </p:sp>
@@ -3997,6 +3840,7 @@
           <a:p>
             <a:fld id="{A640CAB6-B07E-4BA4-BC4B-DDB8D129D594}" type="datetimeFigureOut">
               <a:rPr lang="zh-CN" altLang="en-US" smtClean="0"/>
+              <a:t>2020/10/28</a:t>
             </a:fld>
             <a:endParaRPr lang="zh-CN" altLang="en-US"/>
           </a:p>
@@ -4038,6 +3882,7 @@
           <a:p>
             <a:fld id="{997B4A21-C178-4EF4-9692-581FD3539F5E}" type="slidenum">
               <a:rPr lang="zh-CN" altLang="en-US" smtClean="0"/>
+              <a:t>‹#›</a:t>
             </a:fld>
             <a:endParaRPr lang="zh-CN" altLang="en-US"/>
           </a:p>
@@ -4096,7 +3941,6 @@
               <a:rPr lang="zh-CN" altLang="en-US"/>
               <a:t>单击此处编辑母版标题样式</a:t>
             </a:r>
-            <a:endParaRPr lang="zh-CN" altLang="en-US"/>
           </a:p>
         </p:txBody>
       </p:sp>
@@ -4223,7 +4067,6 @@
               <a:rPr lang="zh-CN" altLang="en-US"/>
               <a:t>单击此处编辑母版文本样式</a:t>
             </a:r>
-            <a:endParaRPr lang="zh-CN" altLang="en-US"/>
           </a:p>
         </p:txBody>
       </p:sp>
@@ -4244,6 +4087,7 @@
           <a:p>
             <a:fld id="{A640CAB6-B07E-4BA4-BC4B-DDB8D129D594}" type="datetimeFigureOut">
               <a:rPr lang="zh-CN" altLang="en-US" smtClean="0"/>
+              <a:t>2020/10/28</a:t>
             </a:fld>
             <a:endParaRPr lang="zh-CN" altLang="en-US"/>
           </a:p>
@@ -4285,6 +4129,7 @@
           <a:p>
             <a:fld id="{997B4A21-C178-4EF4-9692-581FD3539F5E}" type="slidenum">
               <a:rPr lang="zh-CN" altLang="en-US" smtClean="0"/>
+              <a:t>‹#›</a:t>
             </a:fld>
             <a:endParaRPr lang="zh-CN" altLang="en-US"/>
           </a:p>
@@ -4352,7 +4197,6 @@
               <a:rPr lang="zh-CN" altLang="en-US"/>
               <a:t>单击此处编辑母版标题样式</a:t>
             </a:r>
-            <a:endParaRPr lang="zh-CN" altLang="en-US"/>
           </a:p>
         </p:txBody>
       </p:sp>
@@ -4386,7 +4230,6 @@
               <a:rPr lang="zh-CN" altLang="en-US"/>
               <a:t>单击此处编辑母版文本样式</a:t>
             </a:r>
-            <a:endParaRPr lang="zh-CN" altLang="en-US"/>
           </a:p>
           <a:p>
             <a:pPr lvl="1"/>
@@ -4394,7 +4237,6 @@
               <a:rPr lang="zh-CN" altLang="en-US"/>
               <a:t>二级</a:t>
             </a:r>
-            <a:endParaRPr lang="zh-CN" altLang="en-US"/>
           </a:p>
           <a:p>
             <a:pPr lvl="2"/>
@@ -4402,7 +4244,6 @@
               <a:rPr lang="zh-CN" altLang="en-US"/>
               <a:t>三级</a:t>
             </a:r>
-            <a:endParaRPr lang="zh-CN" altLang="en-US"/>
           </a:p>
           <a:p>
             <a:pPr lvl="3"/>
@@ -4410,7 +4251,6 @@
               <a:rPr lang="zh-CN" altLang="en-US"/>
               <a:t>四级</a:t>
             </a:r>
-            <a:endParaRPr lang="zh-CN" altLang="en-US"/>
           </a:p>
           <a:p>
             <a:pPr lvl="4"/>
@@ -4418,7 +4258,6 @@
               <a:rPr lang="zh-CN" altLang="en-US"/>
               <a:t>五级</a:t>
             </a:r>
-            <a:endParaRPr lang="zh-CN" altLang="en-US"/>
           </a:p>
         </p:txBody>
       </p:sp>
@@ -4457,6 +4296,7 @@
           <a:p>
             <a:fld id="{A640CAB6-B07E-4BA4-BC4B-DDB8D129D594}" type="datetimeFigureOut">
               <a:rPr lang="zh-CN" altLang="en-US" smtClean="0"/>
+              <a:t>2020/10/28</a:t>
             </a:fld>
             <a:endParaRPr lang="zh-CN" altLang="en-US"/>
           </a:p>
@@ -4534,6 +4374,7 @@
           <a:p>
             <a:fld id="{997B4A21-C178-4EF4-9692-581FD3539F5E}" type="slidenum">
               <a:rPr lang="zh-CN" altLang="en-US" smtClean="0"/>
+              <a:t>‹#›</a:t>
             </a:fld>
             <a:endParaRPr lang="zh-CN" altLang="en-US"/>
           </a:p>
@@ -4889,15 +4730,6 @@
               </a:rPr>
               <a:t>Academic Certification System </a:t>
             </a:r>
-            <a:endParaRPr lang="en-US" altLang="zh-CN" sz="4000" b="1" dirty="0">
-              <a:solidFill>
-                <a:srgbClr val="C00000"/>
-              </a:solidFill>
-              <a:latin typeface="方正细谭黑简体" panose="02000000000000000000" pitchFamily="2" charset="-122"/>
-              <a:ea typeface="方正细谭黑简体" panose="02000000000000000000" pitchFamily="2" charset="-122"/>
-              <a:cs typeface="+mn-ea"/>
-              <a:sym typeface="+mn-lt"/>
-            </a:endParaRPr>
           </a:p>
           <a:p>
             <a:r>
@@ -4912,15 +4744,6 @@
               </a:rPr>
               <a:t>based on </a:t>
             </a:r>
-            <a:endParaRPr lang="en-US" altLang="zh-CN" sz="4000" b="1" dirty="0">
-              <a:solidFill>
-                <a:srgbClr val="526188"/>
-              </a:solidFill>
-              <a:latin typeface="方正细谭黑简体" panose="02000000000000000000" pitchFamily="2" charset="-122"/>
-              <a:ea typeface="方正细谭黑简体" panose="02000000000000000000" pitchFamily="2" charset="-122"/>
-              <a:cs typeface="+mn-ea"/>
-              <a:sym typeface="+mn-lt"/>
-            </a:endParaRPr>
           </a:p>
           <a:p>
             <a:r>
@@ -5031,15 +4854,6 @@
               </a:rPr>
               <a:t>程蕴玉</a:t>
             </a:r>
-            <a:endParaRPr lang="zh-CN" altLang="en-US" sz="1600" dirty="0">
-              <a:solidFill>
-                <a:schemeClr val="bg2">
-                  <a:lumMod val="50000"/>
-                </a:schemeClr>
-              </a:solidFill>
-              <a:cs typeface="+mn-ea"/>
-              <a:sym typeface="+mn-lt"/>
-            </a:endParaRPr>
           </a:p>
           <a:p>
             <a:pPr algn="dist"/>
@@ -5055,15 +4869,6 @@
               </a:rPr>
               <a:t>任博涛</a:t>
             </a:r>
-            <a:endParaRPr lang="zh-CN" altLang="en-US" sz="1600" dirty="0">
-              <a:solidFill>
-                <a:schemeClr val="bg2">
-                  <a:lumMod val="50000"/>
-                </a:schemeClr>
-              </a:solidFill>
-              <a:cs typeface="+mn-ea"/>
-              <a:sym typeface="+mn-lt"/>
-            </a:endParaRPr>
           </a:p>
           <a:p>
             <a:pPr algn="dist"/>
@@ -5079,15 +4884,6 @@
               </a:rPr>
               <a:t>黎原朝</a:t>
             </a:r>
-            <a:endParaRPr lang="zh-CN" altLang="en-US" sz="1600" dirty="0">
-              <a:solidFill>
-                <a:schemeClr val="bg2">
-                  <a:lumMod val="50000"/>
-                </a:schemeClr>
-              </a:solidFill>
-              <a:cs typeface="+mn-ea"/>
-              <a:sym typeface="+mn-lt"/>
-            </a:endParaRPr>
           </a:p>
         </p:txBody>
       </p:sp>
@@ -5149,7 +4945,7 @@
             <p:nvPr/>
           </p:nvPicPr>
           <p:blipFill>
-            <a:blip r:embed="rId1"/>
+            <a:blip r:embed="rId2"/>
             <a:stretch>
               <a:fillRect/>
             </a:stretch>
@@ -5173,7 +4969,7 @@
             <p:nvPr/>
           </p:nvPicPr>
           <p:blipFill>
-            <a:blip r:embed="rId2"/>
+            <a:blip r:embed="rId3"/>
             <a:stretch>
               <a:fillRect/>
             </a:stretch>
@@ -5197,7 +4993,7 @@
             <p:nvPr/>
           </p:nvPicPr>
           <p:blipFill>
-            <a:blip r:embed="rId3"/>
+            <a:blip r:embed="rId4"/>
             <a:stretch>
               <a:fillRect/>
             </a:stretch>
@@ -5221,7 +5017,7 @@
             <p:nvPr/>
           </p:nvPicPr>
           <p:blipFill>
-            <a:blip r:embed="rId4">
+            <a:blip r:embed="rId5">
               <a:duotone>
                 <a:prstClr val="black"/>
                 <a:srgbClr val="D9C3A5">
@@ -5253,7 +5049,7 @@
             <p:nvPr/>
           </p:nvPicPr>
           <p:blipFill>
-            <a:blip r:embed="rId5"/>
+            <a:blip r:embed="rId6"/>
             <a:stretch>
               <a:fillRect/>
             </a:stretch>
@@ -5706,12 +5502,6 @@
               </a:rPr>
               <a:t>Smart Contract</a:t>
             </a:r>
-            <a:endParaRPr lang="en-US" altLang="zh-CN" sz="2800" dirty="0">
-              <a:latin typeface="+mn-lt"/>
-              <a:ea typeface="+mn-ea"/>
-              <a:cs typeface="+mn-ea"/>
-              <a:sym typeface="+mn-lt"/>
-            </a:endParaRPr>
           </a:p>
           <a:p>
             <a:pPr marL="285750" indent="-285750" algn="l">
@@ -5730,12 +5520,6 @@
               </a:rPr>
               <a:t>Ethereum: a decentralized global state machine </a:t>
             </a:r>
-            <a:endParaRPr lang="en-US" altLang="zh-CN" sz="2000" dirty="0">
-              <a:latin typeface="+mn-lt"/>
-              <a:ea typeface="+mn-ea"/>
-              <a:cs typeface="+mn-ea"/>
-              <a:sym typeface="+mn-lt"/>
-            </a:endParaRPr>
           </a:p>
           <a:p>
             <a:pPr marL="285750" indent="-285750" algn="l">
@@ -5754,12 +5538,6 @@
               </a:rPr>
               <a:t>Solidity: Turing-complete languages of smart contract</a:t>
             </a:r>
-            <a:endParaRPr lang="en-US" altLang="zh-CN" sz="2000" dirty="0">
-              <a:latin typeface="+mn-lt"/>
-              <a:ea typeface="+mn-ea"/>
-              <a:cs typeface="+mn-ea"/>
-              <a:sym typeface="+mn-lt"/>
-            </a:endParaRPr>
           </a:p>
           <a:p>
             <a:pPr marL="285750" indent="-285750" algn="l">
@@ -5778,12 +5556,6 @@
               </a:rPr>
               <a:t>Smart Contract: a kind of program execute in blockchain</a:t>
             </a:r>
-            <a:endParaRPr lang="en-US" altLang="zh-CN" sz="2000" dirty="0">
-              <a:latin typeface="+mn-lt"/>
-              <a:ea typeface="+mn-ea"/>
-              <a:cs typeface="+mn-ea"/>
-              <a:sym typeface="+mn-lt"/>
-            </a:endParaRPr>
           </a:p>
           <a:p>
             <a:pPr marL="285750" indent="-285750" algn="l">
@@ -6007,7 +5779,7 @@
             <p:nvPr/>
           </p:nvPicPr>
           <p:blipFill>
-            <a:blip r:embed="rId1"/>
+            <a:blip r:embed="rId2"/>
             <a:stretch>
               <a:fillRect/>
             </a:stretch>
@@ -6031,7 +5803,7 @@
             <p:nvPr/>
           </p:nvPicPr>
           <p:blipFill>
-            <a:blip r:embed="rId2"/>
+            <a:blip r:embed="rId3"/>
             <a:stretch>
               <a:fillRect/>
             </a:stretch>
@@ -6055,7 +5827,7 @@
             <p:nvPr/>
           </p:nvPicPr>
           <p:blipFill>
-            <a:blip r:embed="rId3"/>
+            <a:blip r:embed="rId4"/>
             <a:stretch>
               <a:fillRect/>
             </a:stretch>
@@ -6079,7 +5851,7 @@
             <p:nvPr/>
           </p:nvPicPr>
           <p:blipFill>
-            <a:blip r:embed="rId4">
+            <a:blip r:embed="rId5">
               <a:duotone>
                 <a:prstClr val="black"/>
                 <a:srgbClr val="D9C3A5">
@@ -6111,7 +5883,7 @@
             <p:nvPr/>
           </p:nvPicPr>
           <p:blipFill>
-            <a:blip r:embed="rId5"/>
+            <a:blip r:embed="rId6"/>
             <a:stretch>
               <a:fillRect/>
             </a:stretch>
@@ -6586,7 +6358,7 @@
           <p:nvPr/>
         </p:nvPicPr>
         <p:blipFill rotWithShape="1">
-          <a:blip r:embed="rId1">
+          <a:blip r:embed="rId3">
             <a:extLst>
               <a:ext uri="{28A0092B-C50C-407E-A947-70E740481C1C}">
                 <a14:useLocalDpi xmlns:a14="http://schemas.microsoft.com/office/drawing/2010/main" val="0"/>
@@ -6667,12 +6439,6 @@
               </a:rPr>
               <a:t>Store</a:t>
             </a:r>
-            <a:endParaRPr lang="en-US" altLang="zh-CN" sz="2800" dirty="0">
-              <a:latin typeface="+mn-lt"/>
-              <a:ea typeface="+mn-ea"/>
-              <a:cs typeface="+mn-ea"/>
-              <a:sym typeface="+mn-lt"/>
-            </a:endParaRPr>
           </a:p>
           <a:p>
             <a:pPr marL="514350" indent="-514350" algn="l">
@@ -6688,12 +6454,6 @@
               </a:rPr>
               <a:t>Authenticator(Professor) sign the certification</a:t>
             </a:r>
-            <a:endParaRPr lang="en-US" altLang="zh-CN" dirty="0">
-              <a:latin typeface="+mn-lt"/>
-              <a:ea typeface="+mn-ea"/>
-              <a:cs typeface="+mn-ea"/>
-              <a:sym typeface="+mn-lt"/>
-            </a:endParaRPr>
           </a:p>
           <a:p>
             <a:pPr marL="514350" indent="-514350" algn="l">
@@ -6721,12 +6481,6 @@
               </a:rPr>
               <a:t>Authenticator store the certification into the database of university</a:t>
             </a:r>
-            <a:endParaRPr lang="en-US" altLang="zh-CN" dirty="0">
-              <a:latin typeface="+mn-lt"/>
-              <a:ea typeface="+mn-ea"/>
-              <a:cs typeface="+mn-ea"/>
-              <a:sym typeface="+mn-lt"/>
-            </a:endParaRPr>
           </a:p>
           <a:p>
             <a:pPr marL="514350" indent="-514350" algn="l">
@@ -6754,12 +6508,6 @@
               </a:rPr>
               <a:t>Authenticator store the hash value of certification into the blockchain</a:t>
             </a:r>
-            <a:endParaRPr lang="en-US" altLang="zh-CN" dirty="0">
-              <a:latin typeface="+mn-lt"/>
-              <a:ea typeface="+mn-ea"/>
-              <a:cs typeface="+mn-ea"/>
-              <a:sym typeface="+mn-lt"/>
-            </a:endParaRPr>
           </a:p>
           <a:p>
             <a:pPr marL="514350" indent="-514350" algn="l">
@@ -7166,12 +6914,6 @@
               </a:rPr>
               <a:t>Verify</a:t>
             </a:r>
-            <a:endParaRPr lang="en-US" altLang="zh-CN" sz="2800" dirty="0">
-              <a:latin typeface="+mn-lt"/>
-              <a:ea typeface="+mn-ea"/>
-              <a:cs typeface="+mn-ea"/>
-              <a:sym typeface="+mn-lt"/>
-            </a:endParaRPr>
           </a:p>
           <a:p>
             <a:pPr marL="514350" indent="-514350" algn="l">
@@ -7187,12 +6929,6 @@
               </a:rPr>
               <a:t>Verifier search the academic certification in Certification Authority(University)</a:t>
             </a:r>
-            <a:endParaRPr lang="en-US" altLang="zh-CN" dirty="0">
-              <a:latin typeface="+mn-lt"/>
-              <a:ea typeface="+mn-ea"/>
-              <a:cs typeface="+mn-ea"/>
-              <a:sym typeface="+mn-lt"/>
-            </a:endParaRPr>
           </a:p>
           <a:p>
             <a:pPr marL="514350" indent="-514350" algn="l">
@@ -7220,12 +6956,6 @@
               </a:rPr>
               <a:t>Verifier search the hash of certification in blockchain</a:t>
             </a:r>
-            <a:endParaRPr lang="en-US" altLang="zh-CN" dirty="0">
-              <a:latin typeface="+mn-lt"/>
-              <a:ea typeface="+mn-ea"/>
-              <a:cs typeface="+mn-ea"/>
-              <a:sym typeface="+mn-lt"/>
-            </a:endParaRPr>
           </a:p>
           <a:p>
             <a:pPr marL="514350" indent="-514350" algn="l">
@@ -7253,12 +6983,6 @@
               </a:rPr>
               <a:t>Verifier compare with the hash values of 1 and 2.</a:t>
             </a:r>
-            <a:endParaRPr lang="en-US" altLang="zh-CN" dirty="0">
-              <a:latin typeface="+mn-lt"/>
-              <a:ea typeface="+mn-ea"/>
-              <a:cs typeface="+mn-ea"/>
-              <a:sym typeface="+mn-lt"/>
-            </a:endParaRPr>
           </a:p>
           <a:p>
             <a:pPr marL="514350" indent="-514350" algn="l">
@@ -7286,7 +7010,7 @@
           <p:nvPr/>
         </p:nvPicPr>
         <p:blipFill>
-          <a:blip r:embed="rId1">
+          <a:blip r:embed="rId3">
             <a:extLst>
               <a:ext uri="{28A0092B-C50C-407E-A947-70E740481C1C}">
                 <a14:useLocalDpi xmlns:a14="http://schemas.microsoft.com/office/drawing/2010/main" val="0"/>
@@ -7670,8 +7394,8 @@
         </p:nvSpPr>
         <p:spPr>
           <a:xfrm>
-            <a:off x="1825449" y="1516045"/>
-            <a:ext cx="5314110" cy="3459601"/>
+            <a:off x="346075" y="2159886"/>
+            <a:ext cx="5314110" cy="1920719"/>
           </a:xfrm>
           <a:prstGeom prst="rect">
             <a:avLst/>
@@ -7712,14 +7436,8 @@
                 <a:cs typeface="+mn-ea"/>
                 <a:sym typeface="+mn-lt"/>
               </a:rPr>
-              <a:t>Innovation: credit rating</a:t>
-            </a:r>
-            <a:endParaRPr lang="en-US" altLang="zh-CN" sz="2800" dirty="0">
-              <a:latin typeface="+mn-lt"/>
-              <a:ea typeface="+mn-ea"/>
-              <a:cs typeface="+mn-ea"/>
-              <a:sym typeface="+mn-lt"/>
-            </a:endParaRPr>
+              <a:t>Addition: Raspberry Pi Cluster</a:t>
+            </a:r>
           </a:p>
           <a:p>
             <a:pPr marL="457200" indent="-457200" algn="l">
@@ -7739,68 +7457,8 @@
                 <a:cs typeface="+mn-ea"/>
                 <a:sym typeface="+mn-lt"/>
               </a:rPr>
-              <a:t>Credit rating is an indicator of the reliability of the CA(certification authority)</a:t>
-            </a:r>
-            <a:endParaRPr lang="en-US" altLang="zh-CN" sz="2000" dirty="0">
-              <a:latin typeface="+mn-lt"/>
-              <a:ea typeface="+mn-ea"/>
-              <a:cs typeface="+mn-ea"/>
-              <a:sym typeface="+mn-lt"/>
-            </a:endParaRPr>
-          </a:p>
-          <a:p>
-            <a:pPr marL="457200" indent="-457200" algn="l">
-              <a:spcBef>
-                <a:spcPts val="600"/>
-              </a:spcBef>
-              <a:spcAft>
-                <a:spcPts val="600"/>
-              </a:spcAft>
-              <a:buFont typeface="Arial" panose="020B0604020202020204" pitchFamily="34" charset="0"/>
-              <a:buChar char="•"/>
-            </a:pPr>
-            <a:r>
-              <a:rPr lang="en-US" altLang="zh-CN" sz="2000" dirty="0">
-                <a:latin typeface="+mn-lt"/>
-                <a:ea typeface="+mn-ea"/>
-                <a:cs typeface="+mn-ea"/>
-                <a:sym typeface="+mn-lt"/>
-              </a:rPr>
-              <a:t>Each certification of a CA be used, will make the rating of the CA higher. </a:t>
-            </a:r>
-            <a:endParaRPr lang="en-US" altLang="zh-CN" sz="2000" dirty="0">
-              <a:latin typeface="+mn-lt"/>
-              <a:ea typeface="+mn-ea"/>
-              <a:cs typeface="+mn-ea"/>
-              <a:sym typeface="+mn-lt"/>
-            </a:endParaRPr>
-          </a:p>
-          <a:p>
-            <a:pPr marL="457200" indent="-457200" algn="l">
-              <a:spcBef>
-                <a:spcPts val="600"/>
-              </a:spcBef>
-              <a:spcAft>
-                <a:spcPts val="600"/>
-              </a:spcAft>
-              <a:buFont typeface="Arial" panose="020B0604020202020204" pitchFamily="34" charset="0"/>
-              <a:buChar char="•"/>
-            </a:pPr>
-            <a:r>
-              <a:rPr lang="en-US" altLang="zh-CN" sz="2000" dirty="0">
-                <a:latin typeface="+mn-lt"/>
-                <a:ea typeface="+mn-ea"/>
-                <a:cs typeface="+mn-ea"/>
-                <a:sym typeface="+mn-lt"/>
-              </a:rPr>
-              <a:t>Verifier can check the rating of the CA</a:t>
-            </a:r>
-            <a:endParaRPr lang="en-US" altLang="zh-CN" sz="2000" dirty="0">
-              <a:latin typeface="+mn-lt"/>
-              <a:ea typeface="+mn-ea"/>
-              <a:cs typeface="+mn-ea"/>
-              <a:sym typeface="+mn-lt"/>
-            </a:endParaRPr>
+              <a:t>A cluster with 13+ raspberry pi 4b</a:t>
+            </a:r>
           </a:p>
           <a:p>
             <a:pPr marL="514350" indent="-514350" algn="l">
@@ -7825,6 +7483,49 @@
           </a:p>
         </p:txBody>
       </p:sp>
+      <p:pic>
+        <p:nvPicPr>
+          <p:cNvPr id="4" name="图片 3" descr="图片包含 室内, 灯光, 桌子, 蛋糕&#10;&#10;描述已自动生成"/>
+          <p:cNvPicPr>
+            <a:picLocks noChangeAspect="1"/>
+          </p:cNvPicPr>
+          <p:nvPr/>
+        </p:nvPicPr>
+        <p:blipFill>
+          <a:blip r:embed="rId3" cstate="print">
+            <a:extLst>
+              <a:ext uri="{28A0092B-C50C-407E-A947-70E740481C1C}">
+                <a14:useLocalDpi xmlns:a14="http://schemas.microsoft.com/office/drawing/2010/main" val="0"/>
+              </a:ext>
+            </a:extLst>
+          </a:blip>
+          <a:stretch>
+            <a:fillRect/>
+          </a:stretch>
+        </p:blipFill>
+        <p:spPr>
+          <a:xfrm>
+            <a:off x="5384085" y="1559001"/>
+            <a:ext cx="6461840" cy="3739998"/>
+          </a:xfrm>
+          <a:prstGeom prst="roundRect">
+            <a:avLst>
+              <a:gd name="adj" fmla="val 8594"/>
+            </a:avLst>
+          </a:prstGeom>
+          <a:solidFill>
+            <a:srgbClr val="FFFFFF">
+              <a:shade val="85000"/>
+            </a:srgbClr>
+          </a:solidFill>
+          <a:ln>
+            <a:noFill/>
+          </a:ln>
+          <a:effectLst>
+            <a:reflection blurRad="12700" stA="38000" endPos="28000" dist="5000" dir="5400000" sy="-100000" algn="bl" rotWithShape="0"/>
+          </a:effectLst>
+        </p:spPr>
+      </p:pic>
     </p:spTree>
   </p:cSld>
   <p:clrMapOvr>
@@ -7850,179 +7551,9 @@
           <a:chExt cx="0" cy="0"/>
         </a:xfrm>
       </p:grpSpPr>
-      <p:grpSp>
-        <p:nvGrpSpPr>
-          <p:cNvPr id="32" name="组合 31"/>
-          <p:cNvGrpSpPr/>
-          <p:nvPr/>
-        </p:nvGrpSpPr>
-        <p:grpSpPr>
-          <a:xfrm>
-            <a:off x="346076" y="364699"/>
-            <a:ext cx="2506852" cy="759031"/>
-            <a:chOff x="384176" y="307549"/>
-            <a:chExt cx="2230868" cy="759031"/>
-          </a:xfrm>
-        </p:grpSpPr>
-        <p:grpSp>
-          <p:nvGrpSpPr>
-            <p:cNvPr id="16" name="组合 15"/>
-            <p:cNvGrpSpPr/>
-            <p:nvPr/>
-          </p:nvGrpSpPr>
-          <p:grpSpPr>
-            <a:xfrm>
-              <a:off x="384176" y="307549"/>
-              <a:ext cx="377371" cy="507162"/>
-              <a:chOff x="899886" y="361978"/>
-              <a:chExt cx="377371" cy="507162"/>
-            </a:xfrm>
-          </p:grpSpPr>
-          <p:sp>
-            <p:nvSpPr>
-              <p:cNvPr id="14" name="等腰三角形 13"/>
-              <p:cNvSpPr/>
-              <p:nvPr/>
-            </p:nvSpPr>
-            <p:spPr>
-              <a:xfrm>
-                <a:off x="899886" y="613178"/>
-                <a:ext cx="377371" cy="255962"/>
-              </a:xfrm>
-              <a:prstGeom prst="triangle">
-                <a:avLst/>
-              </a:prstGeom>
-              <a:solidFill>
-                <a:srgbClr val="526188"/>
-              </a:solidFill>
-              <a:ln>
-                <a:noFill/>
-              </a:ln>
-            </p:spPr>
-            <p:style>
-              <a:lnRef idx="2">
-                <a:schemeClr val="accent1">
-                  <a:shade val="50000"/>
-                </a:schemeClr>
-              </a:lnRef>
-              <a:fillRef idx="1">
-                <a:schemeClr val="accent1"/>
-              </a:fillRef>
-              <a:effectRef idx="0">
-                <a:schemeClr val="accent1"/>
-              </a:effectRef>
-              <a:fontRef idx="minor">
-                <a:schemeClr val="lt1"/>
-              </a:fontRef>
-            </p:style>
-            <p:txBody>
-              <a:bodyPr rtlCol="0" anchor="ctr"/>
-              <a:lstStyle/>
-              <a:p>
-                <a:pPr algn="ctr"/>
-                <a:endParaRPr lang="zh-CN" altLang="en-US">
-                  <a:cs typeface="+mn-ea"/>
-                  <a:sym typeface="+mn-lt"/>
-                </a:endParaRPr>
-              </a:p>
-            </p:txBody>
-          </p:sp>
-          <p:sp>
-            <p:nvSpPr>
-              <p:cNvPr id="15" name="等腰三角形 14"/>
-              <p:cNvSpPr/>
-              <p:nvPr/>
-            </p:nvSpPr>
-            <p:spPr>
-              <a:xfrm rot="10800000">
-                <a:off x="899886" y="361978"/>
-                <a:ext cx="377371" cy="255962"/>
-              </a:xfrm>
-              <a:prstGeom prst="triangle">
-                <a:avLst/>
-              </a:prstGeom>
-              <a:solidFill>
-                <a:srgbClr val="E7C7A0"/>
-              </a:solidFill>
-              <a:ln>
-                <a:noFill/>
-              </a:ln>
-            </p:spPr>
-            <p:style>
-              <a:lnRef idx="2">
-                <a:schemeClr val="accent1">
-                  <a:shade val="50000"/>
-                </a:schemeClr>
-              </a:lnRef>
-              <a:fillRef idx="1">
-                <a:schemeClr val="accent1"/>
-              </a:fillRef>
-              <a:effectRef idx="0">
-                <a:schemeClr val="accent1"/>
-              </a:effectRef>
-              <a:fontRef idx="minor">
-                <a:schemeClr val="lt1"/>
-              </a:fontRef>
-            </p:style>
-            <p:txBody>
-              <a:bodyPr rtlCol="0" anchor="ctr"/>
-              <a:lstStyle/>
-              <a:p>
-                <a:pPr algn="ctr"/>
-                <a:endParaRPr lang="zh-CN" altLang="en-US">
-                  <a:cs typeface="+mn-ea"/>
-                  <a:sym typeface="+mn-lt"/>
-                </a:endParaRPr>
-              </a:p>
-            </p:txBody>
-          </p:sp>
-        </p:grpSp>
-        <p:sp>
-          <p:nvSpPr>
-            <p:cNvPr id="29" name="文本框 28"/>
-            <p:cNvSpPr txBox="1"/>
-            <p:nvPr/>
-          </p:nvSpPr>
-          <p:spPr>
-            <a:xfrm>
-              <a:off x="786321" y="358694"/>
-              <a:ext cx="1828723" cy="707886"/>
-            </a:xfrm>
-            <a:prstGeom prst="rect">
-              <a:avLst/>
-            </a:prstGeom>
-            <a:noFill/>
-          </p:spPr>
-          <p:txBody>
-            <a:bodyPr wrap="square" rtlCol="0">
-              <a:spAutoFit/>
-            </a:bodyPr>
-            <a:lstStyle/>
-            <a:p>
-              <a:r>
-                <a:rPr lang="en-US" altLang="zh-CN" sz="2000" b="1" dirty="0">
-                  <a:solidFill>
-                    <a:srgbClr val="526188"/>
-                  </a:solidFill>
-                  <a:cs typeface="+mn-ea"/>
-                  <a:sym typeface="+mn-lt"/>
-                </a:rPr>
-                <a:t>System Design</a:t>
-              </a:r>
-              <a:endParaRPr lang="zh-CN" altLang="en-US" sz="2000" b="1" dirty="0">
-                <a:solidFill>
-                  <a:srgbClr val="526188"/>
-                </a:solidFill>
-                <a:cs typeface="+mn-ea"/>
-                <a:sym typeface="+mn-lt"/>
-              </a:endParaRPr>
-            </a:p>
-          </p:txBody>
-        </p:sp>
-      </p:grpSp>
-      <p:sp>
-        <p:nvSpPr>
-          <p:cNvPr id="12" name="任意多边形: 形状 11"/>
+      <p:sp>
+        <p:nvSpPr>
+          <p:cNvPr id="5" name="任意多边形: 形状 4"/>
           <p:cNvSpPr/>
           <p:nvPr/>
         </p:nvSpPr>
@@ -8167,330 +7698,6 @@
           </a:p>
         </p:txBody>
       </p:sp>
-      <p:sp>
-        <p:nvSpPr>
-          <p:cNvPr id="6" name="文本框 5"/>
-          <p:cNvSpPr txBox="1"/>
-          <p:nvPr/>
-        </p:nvSpPr>
-        <p:spPr>
-          <a:xfrm>
-            <a:off x="346075" y="2159886"/>
-            <a:ext cx="5314110" cy="1920719"/>
-          </a:xfrm>
-          <a:prstGeom prst="rect">
-            <a:avLst/>
-          </a:prstGeom>
-          <a:noFill/>
-        </p:spPr>
-        <p:txBody>
-          <a:bodyPr wrap="square" rtlCol="0">
-            <a:spAutoFit/>
-          </a:bodyPr>
-          <a:lstStyle>
-            <a:defPPr>
-              <a:defRPr lang="zh-CN"/>
-            </a:defPPr>
-            <a:lvl1pPr algn="dist">
-              <a:defRPr>
-                <a:latin typeface="华文仿宋" panose="02010600040101010101" pitchFamily="2" charset="-122"/>
-                <a:ea typeface="华文仿宋" panose="02010600040101010101" pitchFamily="2" charset="-122"/>
-              </a:defRPr>
-            </a:lvl1pPr>
-          </a:lstStyle>
-          <a:p>
-            <a:pPr algn="l">
-              <a:lnSpc>
-                <a:spcPct val="150000"/>
-              </a:lnSpc>
-              <a:spcBef>
-                <a:spcPts val="600"/>
-              </a:spcBef>
-              <a:spcAft>
-                <a:spcPts val="600"/>
-              </a:spcAft>
-            </a:pPr>
-            <a:r>
-              <a:rPr lang="en-US" altLang="zh-CN" sz="2800" dirty="0">
-                <a:latin typeface="+mn-lt"/>
-                <a:ea typeface="+mn-ea"/>
-                <a:cs typeface="+mn-ea"/>
-                <a:sym typeface="+mn-lt"/>
-              </a:rPr>
-              <a:t>Addition: Raspberry Pi Cluster</a:t>
-            </a:r>
-            <a:endParaRPr lang="en-US" altLang="zh-CN" sz="2800" dirty="0">
-              <a:latin typeface="+mn-lt"/>
-              <a:ea typeface="+mn-ea"/>
-              <a:cs typeface="+mn-ea"/>
-              <a:sym typeface="+mn-lt"/>
-            </a:endParaRPr>
-          </a:p>
-          <a:p>
-            <a:pPr marL="457200" indent="-457200" algn="l">
-              <a:spcBef>
-                <a:spcPts val="600"/>
-              </a:spcBef>
-              <a:spcAft>
-                <a:spcPts val="600"/>
-              </a:spcAft>
-              <a:buFont typeface="Arial" panose="020B0604020202020204" pitchFamily="34" charset="0"/>
-              <a:buChar char="•"/>
-            </a:pPr>
-            <a:r>
-              <a:rPr lang="en-US" altLang="zh-CN" sz="2000" dirty="0">
-                <a:latin typeface="+mn-lt"/>
-                <a:ea typeface="+mn-ea"/>
-                <a:cs typeface="+mn-ea"/>
-                <a:sym typeface="+mn-lt"/>
-              </a:rPr>
-              <a:t>A cluster with 13+ raspberry pi 4b</a:t>
-            </a:r>
-            <a:endParaRPr lang="en-US" altLang="zh-CN" sz="2000" dirty="0">
-              <a:latin typeface="+mn-lt"/>
-              <a:ea typeface="+mn-ea"/>
-              <a:cs typeface="+mn-ea"/>
-              <a:sym typeface="+mn-lt"/>
-            </a:endParaRPr>
-          </a:p>
-          <a:p>
-            <a:pPr marL="514350" indent="-514350" algn="l">
-              <a:lnSpc>
-                <a:spcPct val="150000"/>
-              </a:lnSpc>
-              <a:spcBef>
-                <a:spcPts val="600"/>
-              </a:spcBef>
-              <a:spcAft>
-                <a:spcPts val="600"/>
-              </a:spcAft>
-              <a:buFont typeface="+mj-lt"/>
-              <a:buAutoNum type="arabicPeriod"/>
-            </a:pPr>
-            <a:endParaRPr lang="en-US" altLang="zh-CN" sz="2800" dirty="0">
-              <a:latin typeface="+mn-lt"/>
-              <a:ea typeface="+mn-ea"/>
-              <a:cs typeface="+mn-ea"/>
-              <a:sym typeface="+mn-lt"/>
-            </a:endParaRPr>
-          </a:p>
-        </p:txBody>
-      </p:sp>
-      <p:pic>
-        <p:nvPicPr>
-          <p:cNvPr id="4" name="图片 3" descr="图片包含 室内, 灯光, 桌子, 蛋糕&#10;&#10;描述已自动生成"/>
-          <p:cNvPicPr>
-            <a:picLocks noChangeAspect="1"/>
-          </p:cNvPicPr>
-          <p:nvPr/>
-        </p:nvPicPr>
-        <p:blipFill>
-          <a:blip r:embed="rId1" cstate="print">
-            <a:extLst>
-              <a:ext uri="{28A0092B-C50C-407E-A947-70E740481C1C}">
-                <a14:useLocalDpi xmlns:a14="http://schemas.microsoft.com/office/drawing/2010/main" val="0"/>
-              </a:ext>
-            </a:extLst>
-          </a:blip>
-          <a:stretch>
-            <a:fillRect/>
-          </a:stretch>
-        </p:blipFill>
-        <p:spPr>
-          <a:xfrm>
-            <a:off x="5384085" y="1559001"/>
-            <a:ext cx="6461840" cy="3739998"/>
-          </a:xfrm>
-          <a:prstGeom prst="roundRect">
-            <a:avLst>
-              <a:gd name="adj" fmla="val 8594"/>
-            </a:avLst>
-          </a:prstGeom>
-          <a:solidFill>
-            <a:srgbClr val="FFFFFF">
-              <a:shade val="85000"/>
-            </a:srgbClr>
-          </a:solidFill>
-          <a:ln>
-            <a:noFill/>
-          </a:ln>
-          <a:effectLst>
-            <a:reflection blurRad="12700" stA="38000" endPos="28000" dist="5000" dir="5400000" sy="-100000" algn="bl" rotWithShape="0"/>
-          </a:effectLst>
-        </p:spPr>
-      </p:pic>
-    </p:spTree>
-  </p:cSld>
-  <p:clrMapOvr>
-    <a:masterClrMapping/>
-  </p:clrMapOvr>
-</p:sld>
-</file>
-
-<file path=ppt/slides/slide16.xml><?xml version="1.0" encoding="utf-8"?>
-<p:sld xmlns:a="http://schemas.openxmlformats.org/drawingml/2006/main" xmlns:r="http://schemas.openxmlformats.org/officeDocument/2006/relationships" xmlns:p="http://schemas.openxmlformats.org/presentationml/2006/main">
-  <p:cSld>
-    <p:spTree>
-      <p:nvGrpSpPr>
-        <p:cNvPr id="1" name=""/>
-        <p:cNvGrpSpPr/>
-        <p:nvPr/>
-      </p:nvGrpSpPr>
-      <p:grpSpPr>
-        <a:xfrm>
-          <a:off x="0" y="0"/>
-          <a:ext cx="0" cy="0"/>
-          <a:chOff x="0" y="0"/>
-          <a:chExt cx="0" cy="0"/>
-        </a:xfrm>
-      </p:grpSpPr>
-      <p:sp>
-        <p:nvSpPr>
-          <p:cNvPr id="5" name="任意多边形: 形状 4"/>
-          <p:cNvSpPr/>
-          <p:nvPr/>
-        </p:nvSpPr>
-        <p:spPr bwMode="auto">
-          <a:xfrm flipH="1">
-            <a:off x="0" y="5871029"/>
-            <a:ext cx="12192000" cy="1012232"/>
-          </a:xfrm>
-          <a:custGeom>
-            <a:avLst/>
-            <a:gdLst>
-              <a:gd name="connsiteX0" fmla="*/ 2457949 w 12192000"/>
-              <a:gd name="connsiteY0" fmla="*/ 0 h 1012232"/>
-              <a:gd name="connsiteX1" fmla="*/ 9057549 w 12192000"/>
-              <a:gd name="connsiteY1" fmla="*/ 610553 h 1012232"/>
-              <a:gd name="connsiteX2" fmla="*/ 12192000 w 12192000"/>
-              <a:gd name="connsiteY2" fmla="*/ 305277 h 1012232"/>
-              <a:gd name="connsiteX3" fmla="*/ 12192000 w 12192000"/>
-              <a:gd name="connsiteY3" fmla="*/ 1012232 h 1012232"/>
-              <a:gd name="connsiteX4" fmla="*/ 114300 w 12192000"/>
-              <a:gd name="connsiteY4" fmla="*/ 1012232 h 1012232"/>
-              <a:gd name="connsiteX5" fmla="*/ 0 w 12192000"/>
-              <a:gd name="connsiteY5" fmla="*/ 1012232 h 1012232"/>
-              <a:gd name="connsiteX6" fmla="*/ 0 w 12192000"/>
-              <a:gd name="connsiteY6" fmla="*/ 160434 h 1012232"/>
-              <a:gd name="connsiteX7" fmla="*/ 270087 w 12192000"/>
-              <a:gd name="connsiteY7" fmla="*/ 129128 h 1012232"/>
-              <a:gd name="connsiteX8" fmla="*/ 2457949 w 12192000"/>
-              <a:gd name="connsiteY8" fmla="*/ 0 h 1012232"/>
-            </a:gdLst>
-            <a:ahLst/>
-            <a:cxnLst>
-              <a:cxn ang="0">
-                <a:pos x="connsiteX0" y="connsiteY0"/>
-              </a:cxn>
-              <a:cxn ang="0">
-                <a:pos x="connsiteX1" y="connsiteY1"/>
-              </a:cxn>
-              <a:cxn ang="0">
-                <a:pos x="connsiteX2" y="connsiteY2"/>
-              </a:cxn>
-              <a:cxn ang="0">
-                <a:pos x="connsiteX3" y="connsiteY3"/>
-              </a:cxn>
-              <a:cxn ang="0">
-                <a:pos x="connsiteX4" y="connsiteY4"/>
-              </a:cxn>
-              <a:cxn ang="0">
-                <a:pos x="connsiteX5" y="connsiteY5"/>
-              </a:cxn>
-              <a:cxn ang="0">
-                <a:pos x="connsiteX6" y="connsiteY6"/>
-              </a:cxn>
-              <a:cxn ang="0">
-                <a:pos x="connsiteX7" y="connsiteY7"/>
-              </a:cxn>
-              <a:cxn ang="0">
-                <a:pos x="connsiteX8" y="connsiteY8"/>
-              </a:cxn>
-            </a:cxnLst>
-            <a:rect l="l" t="t" r="r" b="b"/>
-            <a:pathLst>
-              <a:path w="12192000" h="1012232">
-                <a:moveTo>
-                  <a:pt x="2457949" y="0"/>
-                </a:moveTo>
-                <a:cubicBezTo>
-                  <a:pt x="4506845" y="0"/>
-                  <a:pt x="7360920" y="610553"/>
-                  <a:pt x="9057549" y="610553"/>
-                </a:cubicBezTo>
-                <a:cubicBezTo>
-                  <a:pt x="10754179" y="610553"/>
-                  <a:pt x="12192000" y="305277"/>
-                  <a:pt x="12192000" y="305277"/>
-                </a:cubicBezTo>
-                <a:cubicBezTo>
-                  <a:pt x="12192000" y="1012232"/>
-                  <a:pt x="12192000" y="1012232"/>
-                  <a:pt x="12192000" y="1012232"/>
-                </a:cubicBezTo>
-                <a:cubicBezTo>
-                  <a:pt x="5290457" y="1012232"/>
-                  <a:pt x="1839686" y="1012232"/>
-                  <a:pt x="114300" y="1012232"/>
-                </a:cubicBezTo>
-                <a:lnTo>
-                  <a:pt x="0" y="1012232"/>
-                </a:lnTo>
-                <a:lnTo>
-                  <a:pt x="0" y="160434"/>
-                </a:lnTo>
-                <a:lnTo>
-                  <a:pt x="270087" y="129128"/>
-                </a:lnTo>
-                <a:cubicBezTo>
-                  <a:pt x="925321" y="57390"/>
-                  <a:pt x="1689613" y="0"/>
-                  <a:pt x="2457949" y="0"/>
-                </a:cubicBezTo>
-                <a:close/>
-              </a:path>
-            </a:pathLst>
-          </a:custGeom>
-          <a:solidFill>
-            <a:srgbClr val="526188"/>
-          </a:solidFill>
-          <a:ln>
-            <a:noFill/>
-          </a:ln>
-        </p:spPr>
-        <p:style>
-          <a:lnRef idx="2">
-            <a:schemeClr val="accent1">
-              <a:shade val="50000"/>
-            </a:schemeClr>
-          </a:lnRef>
-          <a:fillRef idx="1">
-            <a:schemeClr val="accent1"/>
-          </a:fillRef>
-          <a:effectRef idx="0">
-            <a:schemeClr val="accent1"/>
-          </a:effectRef>
-          <a:fontRef idx="minor">
-            <a:schemeClr val="lt1"/>
-          </a:fontRef>
-        </p:style>
-        <p:txBody>
-          <a:bodyPr rot="0" spcFirstLastPara="0" vertOverflow="overflow" horzOverflow="overflow" vert="horz" wrap="square" lIns="91440" tIns="45720" rIns="91440" bIns="45720" numCol="1" spcCol="0" rtlCol="0" fromWordArt="0" anchor="ctr" anchorCtr="0" forceAA="0" compatLnSpc="1">
-            <a:noAutofit/>
-          </a:bodyPr>
-          <a:lstStyle/>
-          <a:p>
-            <a:pPr algn="ctr"/>
-            <a:endParaRPr kumimoji="1" lang="zh-CN" altLang="en-US">
-              <a:solidFill>
-                <a:schemeClr val="lt1"/>
-              </a:solidFill>
-              <a:cs typeface="+mn-ea"/>
-              <a:sym typeface="+mn-lt"/>
-            </a:endParaRPr>
-          </a:p>
-        </p:txBody>
-      </p:sp>
       <p:grpSp>
         <p:nvGrpSpPr>
           <p:cNvPr id="6" name="组合 5"/>
@@ -8514,7 +7721,7 @@
             <p:nvPr/>
           </p:nvPicPr>
           <p:blipFill>
-            <a:blip r:embed="rId1"/>
+            <a:blip r:embed="rId2"/>
             <a:stretch>
               <a:fillRect/>
             </a:stretch>
@@ -8538,7 +7745,7 @@
             <p:nvPr/>
           </p:nvPicPr>
           <p:blipFill>
-            <a:blip r:embed="rId2"/>
+            <a:blip r:embed="rId3"/>
             <a:stretch>
               <a:fillRect/>
             </a:stretch>
@@ -8562,7 +7769,7 @@
             <p:nvPr/>
           </p:nvPicPr>
           <p:blipFill>
-            <a:blip r:embed="rId3"/>
+            <a:blip r:embed="rId4"/>
             <a:stretch>
               <a:fillRect/>
             </a:stretch>
@@ -8586,7 +7793,7 @@
             <p:nvPr/>
           </p:nvPicPr>
           <p:blipFill>
-            <a:blip r:embed="rId4">
+            <a:blip r:embed="rId5">
               <a:duotone>
                 <a:prstClr val="black"/>
                 <a:srgbClr val="D9C3A5">
@@ -8618,7 +7825,7 @@
             <p:nvPr/>
           </p:nvPicPr>
           <p:blipFill>
-            <a:blip r:embed="rId5"/>
+            <a:blip r:embed="rId6"/>
             <a:stretch>
               <a:fillRect/>
             </a:stretch>
@@ -8750,7 +7957,7 @@
 </p:sld>
 </file>
 
-<file path=ppt/slides/slide17.xml><?xml version="1.0" encoding="utf-8"?>
+<file path=ppt/slides/slide16.xml><?xml version="1.0" encoding="utf-8"?>
 <p:sld xmlns:a="http://schemas.openxmlformats.org/drawingml/2006/main" xmlns:r="http://schemas.openxmlformats.org/officeDocument/2006/relationships" xmlns:p="http://schemas.openxmlformats.org/presentationml/2006/main">
   <p:cSld>
     <p:spTree>
@@ -9136,12 +8343,6 @@
               </a:rPr>
               <a:t>Plan</a:t>
             </a:r>
-            <a:endParaRPr lang="en-US" altLang="zh-CN" sz="2800" dirty="0">
-              <a:latin typeface="+mn-lt"/>
-              <a:ea typeface="+mn-ea"/>
-              <a:cs typeface="+mn-ea"/>
-              <a:sym typeface="+mn-lt"/>
-            </a:endParaRPr>
           </a:p>
           <a:p>
             <a:pPr marL="457200" indent="-457200" algn="l">
@@ -9163,12 +8364,6 @@
               </a:rPr>
               <a:t>Complete the smart contract</a:t>
             </a:r>
-            <a:endParaRPr lang="en-US" altLang="zh-CN" sz="2000" dirty="0">
-              <a:latin typeface="+mn-lt"/>
-              <a:ea typeface="+mn-ea"/>
-              <a:cs typeface="+mn-ea"/>
-              <a:sym typeface="+mn-lt"/>
-            </a:endParaRPr>
           </a:p>
           <a:p>
             <a:pPr marL="457200" indent="-457200" algn="l">
@@ -9190,12 +8385,6 @@
               </a:rPr>
               <a:t>Deploy the system into cluster</a:t>
             </a:r>
-            <a:endParaRPr lang="en-US" altLang="zh-CN" sz="2000" dirty="0">
-              <a:latin typeface="+mn-lt"/>
-              <a:ea typeface="+mn-ea"/>
-              <a:cs typeface="+mn-ea"/>
-              <a:sym typeface="+mn-lt"/>
-            </a:endParaRPr>
           </a:p>
           <a:p>
             <a:pPr marL="514350" indent="-514350" algn="l">
@@ -9577,7 +8766,7 @@
             <p:nvPr/>
           </p:nvPicPr>
           <p:blipFill>
-            <a:blip r:embed="rId1" cstate="screen"/>
+            <a:blip r:embed="rId3" cstate="screen"/>
             <a:stretch>
               <a:fillRect/>
             </a:stretch>
@@ -9665,7 +8854,7 @@
             <p:nvPr/>
           </p:nvPicPr>
           <p:blipFill>
-            <a:blip r:embed="rId1" cstate="screen"/>
+            <a:blip r:embed="rId3" cstate="screen"/>
             <a:stretch>
               <a:fillRect/>
             </a:stretch>
@@ -9753,7 +8942,7 @@
             <p:nvPr/>
           </p:nvPicPr>
           <p:blipFill>
-            <a:blip r:embed="rId1" cstate="screen"/>
+            <a:blip r:embed="rId3" cstate="screen"/>
             <a:stretch>
               <a:fillRect/>
             </a:stretch>
@@ -9841,7 +9030,7 @@
             <p:nvPr/>
           </p:nvPicPr>
           <p:blipFill>
-            <a:blip r:embed="rId1" cstate="screen"/>
+            <a:blip r:embed="rId3" cstate="screen"/>
             <a:stretch>
               <a:fillRect/>
             </a:stretch>
@@ -10329,7 +9518,7 @@
             <p:nvPr/>
           </p:nvPicPr>
           <p:blipFill>
-            <a:blip r:embed="rId1"/>
+            <a:blip r:embed="rId2"/>
             <a:stretch>
               <a:fillRect/>
             </a:stretch>
@@ -10353,7 +9542,7 @@
             <p:nvPr/>
           </p:nvPicPr>
           <p:blipFill>
-            <a:blip r:embed="rId2"/>
+            <a:blip r:embed="rId3"/>
             <a:stretch>
               <a:fillRect/>
             </a:stretch>
@@ -10377,7 +9566,7 @@
             <p:nvPr/>
           </p:nvPicPr>
           <p:blipFill>
-            <a:blip r:embed="rId3"/>
+            <a:blip r:embed="rId4"/>
             <a:stretch>
               <a:fillRect/>
             </a:stretch>
@@ -10401,7 +9590,7 @@
             <p:nvPr/>
           </p:nvPicPr>
           <p:blipFill>
-            <a:blip r:embed="rId4">
+            <a:blip r:embed="rId5">
               <a:duotone>
                 <a:prstClr val="black"/>
                 <a:srgbClr val="D9C3A5">
@@ -10433,7 +9622,7 @@
             <p:nvPr/>
           </p:nvPicPr>
           <p:blipFill>
-            <a:blip r:embed="rId5"/>
+            <a:blip r:embed="rId6"/>
             <a:stretch>
               <a:fillRect/>
             </a:stretch>
@@ -10791,6 +9980,7 @@
           <a:bodyPr wrap="square" rtlCol="0">
             <a:spAutoFit/>
           </a:bodyPr>
+          <a:lstStyle/>
           <a:p>
             <a:r>
               <a:rPr lang="en-US" altLang="zh-CN"/>
@@ -10800,14 +9990,12 @@
               <a:rPr lang="en-US" altLang="zh-CN" sz="2000"/>
               <a:t>The degree certification is always an important part for a college student. However, it is very difficult to ensure the authenticity of the certification. So, the digital degree certification is created. Digital degree certification can be stored in the school's database. However, it has another problem: someone may hack into the school's database and modify it viciously.</a:t>
             </a:r>
-            <a:endParaRPr lang="en-US" altLang="zh-CN" sz="2000"/>
           </a:p>
           <a:p>
             <a:r>
               <a:rPr lang="en-US" altLang="zh-CN" sz="2000"/>
               <a:t>     To solve this problem, we can use the blockchain. Blockchain has two big features: authenticity and traceable. Once we store the certification's hash value into a blockchain, it almost can not be modified by other user. Once we want to verify this certification, we can hash it and find whether it occurred in the blockchain. So, we can implement this system base on blockchain, such as Ethereum. In the Ethereum, we can also create several smart contract to do these transaction. So, by using Ethereum, we can ensure the authenticity of the degree certification.</a:t>
             </a:r>
-            <a:endParaRPr lang="en-US" altLang="zh-CN" sz="2000"/>
           </a:p>
         </p:txBody>
       </p:sp>
@@ -10878,6 +10066,7 @@
             </p:style>
             <p:txBody>
               <a:bodyPr rtlCol="0" anchor="ctr"/>
+              <a:lstStyle/>
               <a:p>
                 <a:pPr algn="ctr"/>
                 <a:endParaRPr lang="zh-CN" altLang="en-US">
@@ -10926,6 +10115,7 @@
             </p:style>
             <p:txBody>
               <a:bodyPr rtlCol="0" anchor="ctr"/>
+              <a:lstStyle/>
               <a:p>
                 <a:pPr algn="ctr"/>
                 <a:endParaRPr lang="zh-CN" altLang="en-US">
@@ -10956,6 +10146,7 @@
             <a:bodyPr wrap="square" rtlCol="0">
               <a:spAutoFit/>
             </a:bodyPr>
+            <a:lstStyle/>
             <a:p>
               <a:r>
                 <a:rPr lang="en-US" altLang="zh-CN" sz="2000" b="1" dirty="0">
@@ -11362,12 +10553,6 @@
               </a:rPr>
               <a:t>Paper certification</a:t>
             </a:r>
-            <a:endParaRPr lang="en-US" altLang="zh-CN" sz="2000" b="1" dirty="0">
-              <a:latin typeface="+mn-lt"/>
-              <a:ea typeface="+mn-ea"/>
-              <a:cs typeface="+mn-ea"/>
-              <a:sym typeface="+mn-lt"/>
-            </a:endParaRPr>
           </a:p>
           <a:p>
             <a:pPr marL="285750" indent="-285750" algn="l">
@@ -11521,12 +10706,6 @@
               </a:rPr>
               <a:t>Digital certification</a:t>
             </a:r>
-            <a:endParaRPr lang="en-US" altLang="zh-CN" sz="2000" b="1" dirty="0">
-              <a:latin typeface="+mn-lt"/>
-              <a:ea typeface="+mn-ea"/>
-              <a:cs typeface="+mn-ea"/>
-              <a:sym typeface="+mn-lt"/>
-            </a:endParaRPr>
           </a:p>
         </p:txBody>
       </p:sp>
@@ -11550,12 +10729,12 @@
           <a:bodyPr wrap="square" rtlCol="0">
             <a:spAutoFit/>
           </a:bodyPr>
+          <a:lstStyle/>
           <a:p>
             <a:r>
               <a:rPr lang="en-US" altLang="zh-CN"/>
               <a:t>1. may be falsify by someone</a:t>
             </a:r>
-            <a:endParaRPr lang="en-US" altLang="zh-CN"/>
           </a:p>
           <a:p>
             <a:endParaRPr lang="en-US" altLang="zh-CN"/>
@@ -11565,7 +10744,6 @@
               <a:rPr lang="en-US" altLang="zh-CN"/>
               <a:t>2. difficult to preserve(may be lost)</a:t>
             </a:r>
-            <a:endParaRPr lang="en-US" altLang="zh-CN"/>
           </a:p>
           <a:p>
             <a:endParaRPr lang="en-US" altLang="zh-CN"/>
@@ -11575,7 +10753,6 @@
               <a:rPr lang="en-US" altLang="zh-CN"/>
               <a:t>3. inconvenience</a:t>
             </a:r>
-            <a:endParaRPr lang="en-US" altLang="zh-CN"/>
           </a:p>
         </p:txBody>
       </p:sp>
@@ -11599,12 +10776,12 @@
           <a:bodyPr wrap="square" rtlCol="0">
             <a:spAutoFit/>
           </a:bodyPr>
+          <a:lstStyle/>
           <a:p>
             <a:r>
               <a:rPr lang="en-US" altLang="zh-CN"/>
               <a:t>1. convenient</a:t>
             </a:r>
-            <a:endParaRPr lang="en-US" altLang="zh-CN"/>
           </a:p>
           <a:p>
             <a:endParaRPr lang="en-US" altLang="zh-CN"/>
@@ -11614,7 +10791,6 @@
               <a:rPr lang="en-US" altLang="zh-CN"/>
               <a:t>2. may be modified by someone(such as hacker)</a:t>
             </a:r>
-            <a:endParaRPr lang="en-US" altLang="zh-CN"/>
           </a:p>
         </p:txBody>
       </p:sp>
@@ -11677,12 +10853,12 @@
           <a:bodyPr wrap="square" rtlCol="0">
             <a:spAutoFit/>
           </a:bodyPr>
+          <a:lstStyle/>
           <a:p>
             <a:r>
               <a:rPr lang="en-US" altLang="zh-CN" sz="2000" b="1"/>
               <a:t>Digital certification with blockchain</a:t>
             </a:r>
-            <a:endParaRPr lang="en-US" altLang="zh-CN" sz="2000" b="1"/>
           </a:p>
         </p:txBody>
       </p:sp>
@@ -11706,12 +10882,12 @@
           <a:bodyPr wrap="square" rtlCol="0">
             <a:spAutoFit/>
           </a:bodyPr>
+          <a:lstStyle/>
           <a:p>
             <a:r>
               <a:rPr lang="en-US" altLang="zh-CN"/>
               <a:t>1. authenticity and traceable</a:t>
             </a:r>
-            <a:endParaRPr lang="en-US" altLang="zh-CN"/>
           </a:p>
           <a:p>
             <a:endParaRPr lang="en-US" altLang="zh-CN"/>
@@ -11721,7 +10897,6 @@
               <a:rPr lang="en-US" altLang="zh-CN"/>
               <a:t>2. difficult to modified by someone</a:t>
             </a:r>
-            <a:endParaRPr lang="en-US" altLang="zh-CN"/>
           </a:p>
         </p:txBody>
       </p:sp>
@@ -12116,12 +11291,6 @@
               </a:rPr>
               <a:t>Related work</a:t>
             </a:r>
-            <a:endParaRPr lang="en-US" altLang="zh-CN" sz="2800" dirty="0">
-              <a:latin typeface="+mn-lt"/>
-              <a:ea typeface="+mn-ea"/>
-              <a:cs typeface="+mn-ea"/>
-              <a:sym typeface="+mn-lt"/>
-            </a:endParaRPr>
           </a:p>
           <a:p>
             <a:pPr marL="342900" indent="-342900" algn="l">
@@ -12141,10 +11310,6 @@
               </a:rPr>
               <a:t>Digital academic certificates through an application based on blockchain(2017, MIT and Central New Mexico Community College)</a:t>
             </a:r>
-            <a:endParaRPr lang="en-US" altLang="zh-CN" sz="2000" b="0" i="0" dirty="0">
-              <a:effectLst/>
-              <a:latin typeface="Arial" panose="020B0604020202020204" pitchFamily="34" charset="0"/>
-            </a:endParaRPr>
           </a:p>
           <a:p>
             <a:pPr marL="800100" lvl="1" indent="-342900">
@@ -12163,9 +11328,6 @@
               </a:rPr>
               <a:t>Only use blockchain</a:t>
             </a:r>
-            <a:endParaRPr lang="en-US" altLang="zh-CN" sz="2000" dirty="0">
-              <a:latin typeface="Arial" panose="020B0604020202020204" pitchFamily="34" charset="0"/>
-            </a:endParaRPr>
           </a:p>
           <a:p>
             <a:pPr marL="800100" lvl="1" indent="-342900">
@@ -12626,12 +11788,12 @@
           <a:bodyPr wrap="square" rtlCol="0">
             <a:spAutoFit/>
           </a:bodyPr>
+          <a:lstStyle/>
           <a:p>
             <a:r>
               <a:rPr lang="en-US" altLang="zh-CN" sz="2800"/>
               <a:t>creation part</a:t>
             </a:r>
-            <a:endParaRPr lang="en-US" altLang="zh-CN" sz="2800"/>
           </a:p>
         </p:txBody>
       </p:sp>
@@ -12655,12 +11817,12 @@
           <a:bodyPr wrap="square" rtlCol="0">
             <a:spAutoFit/>
           </a:bodyPr>
+          <a:lstStyle/>
           <a:p>
             <a:r>
               <a:rPr lang="en-US" altLang="zh-CN"/>
               <a:t>    We will add a credit level system, that can record the dgree certification's credit. When the certification is viewed by lots of companies and give high rate of it, the credit will increase, otherwise, the credit will decrease. Other verifiers can consider the credits as an important index to evaluate the degree certification. </a:t>
             </a:r>
-            <a:endParaRPr lang="en-US" altLang="zh-CN"/>
           </a:p>
         </p:txBody>
       </p:sp>
@@ -12859,7 +12021,7 @@
             <p:nvPr/>
           </p:nvPicPr>
           <p:blipFill>
-            <a:blip r:embed="rId1"/>
+            <a:blip r:embed="rId2"/>
             <a:stretch>
               <a:fillRect/>
             </a:stretch>
@@ -12883,7 +12045,7 @@
             <p:nvPr/>
           </p:nvPicPr>
           <p:blipFill>
-            <a:blip r:embed="rId2"/>
+            <a:blip r:embed="rId3"/>
             <a:stretch>
               <a:fillRect/>
             </a:stretch>
@@ -12907,7 +12069,7 @@
             <p:nvPr/>
           </p:nvPicPr>
           <p:blipFill>
-            <a:blip r:embed="rId3"/>
+            <a:blip r:embed="rId4"/>
             <a:stretch>
               <a:fillRect/>
             </a:stretch>
@@ -12931,7 +12093,7 @@
             <p:nvPr/>
           </p:nvPicPr>
           <p:blipFill>
-            <a:blip r:embed="rId4">
+            <a:blip r:embed="rId5">
               <a:duotone>
                 <a:prstClr val="black"/>
                 <a:srgbClr val="D9C3A5">
@@ -12963,7 +12125,7 @@
             <p:nvPr/>
           </p:nvPicPr>
           <p:blipFill>
-            <a:blip r:embed="rId5"/>
+            <a:blip r:embed="rId6"/>
             <a:stretch>
               <a:fillRect/>
             </a:stretch>
@@ -13475,12 +12637,6 @@
               </a:rPr>
               <a:t>Blockchain</a:t>
             </a:r>
-            <a:endParaRPr lang="en-US" altLang="zh-CN" sz="2800" dirty="0">
-              <a:latin typeface="+mn-lt"/>
-              <a:ea typeface="+mn-ea"/>
-              <a:cs typeface="+mn-ea"/>
-              <a:sym typeface="+mn-lt"/>
-            </a:endParaRPr>
           </a:p>
           <a:p>
             <a:pPr marL="285750" indent="-285750" algn="l">
@@ -13499,12 +12655,6 @@
               </a:rPr>
               <a:t>Decentralization</a:t>
             </a:r>
-            <a:endParaRPr lang="en-US" altLang="zh-CN" sz="2000" dirty="0">
-              <a:latin typeface="+mn-lt"/>
-              <a:ea typeface="+mn-ea"/>
-              <a:cs typeface="+mn-ea"/>
-              <a:sym typeface="+mn-lt"/>
-            </a:endParaRPr>
           </a:p>
           <a:p>
             <a:pPr marL="285750" indent="-285750" algn="l">
@@ -13523,12 +12673,6 @@
               </a:rPr>
               <a:t>Openness</a:t>
             </a:r>
-            <a:endParaRPr lang="en-US" altLang="zh-CN" sz="2000" dirty="0">
-              <a:latin typeface="+mn-lt"/>
-              <a:ea typeface="+mn-ea"/>
-              <a:cs typeface="+mn-ea"/>
-              <a:sym typeface="+mn-lt"/>
-            </a:endParaRPr>
           </a:p>
           <a:p>
             <a:pPr marL="285750" indent="-285750" algn="l">
@@ -13656,7 +12800,6 @@
                 <a:rPr lang="en-US" altLang="zh-CN" sz="1400" dirty="0"/>
                 <a:t>Random number</a:t>
               </a:r>
-              <a:endParaRPr lang="en-US" altLang="zh-CN" sz="1400" dirty="0"/>
             </a:p>
             <a:p>
               <a:pPr marL="285750" indent="-285750">
@@ -13670,7 +12813,6 @@
                 <a:rPr lang="en-US" altLang="zh-CN" sz="1400" dirty="0"/>
                 <a:t>Transactions</a:t>
               </a:r>
-              <a:endParaRPr lang="en-US" altLang="zh-CN" sz="1400" dirty="0"/>
             </a:p>
             <a:p>
               <a:pPr marL="285750" indent="-285750">
@@ -13684,7 +12826,6 @@
                 <a:rPr lang="en-US" altLang="zh-CN" sz="1400" dirty="0"/>
                 <a:t>Timestamp</a:t>
               </a:r>
-              <a:endParaRPr lang="en-US" altLang="zh-CN" sz="1400" dirty="0"/>
             </a:p>
             <a:p>
               <a:pPr marL="285750" indent="-285750">
@@ -13792,7 +12933,6 @@
                 <a:rPr lang="en-US" altLang="zh-CN" sz="1400" dirty="0"/>
                 <a:t>Random number</a:t>
               </a:r>
-              <a:endParaRPr lang="en-US" altLang="zh-CN" sz="1400" dirty="0"/>
             </a:p>
             <a:p>
               <a:pPr marL="285750" indent="-285750">
@@ -13806,7 +12946,6 @@
                 <a:rPr lang="en-US" altLang="zh-CN" sz="1400" dirty="0"/>
                 <a:t>Transactions</a:t>
               </a:r>
-              <a:endParaRPr lang="en-US" altLang="zh-CN" sz="1400" dirty="0"/>
             </a:p>
             <a:p>
               <a:pPr marL="285750" indent="-285750">
@@ -13820,7 +12959,6 @@
                 <a:rPr lang="en-US" altLang="zh-CN" sz="1400" dirty="0"/>
                 <a:t>Timestamp</a:t>
               </a:r>
-              <a:endParaRPr lang="en-US" altLang="zh-CN" sz="1400" dirty="0"/>
             </a:p>
             <a:p>
               <a:pPr marL="285750" indent="-285750">
@@ -13928,7 +13066,6 @@
                 <a:rPr lang="en-US" altLang="zh-CN" sz="1400" dirty="0"/>
                 <a:t>Random number</a:t>
               </a:r>
-              <a:endParaRPr lang="en-US" altLang="zh-CN" sz="1400" dirty="0"/>
             </a:p>
             <a:p>
               <a:pPr marL="285750" indent="-285750">
@@ -13942,7 +13079,6 @@
                 <a:rPr lang="en-US" altLang="zh-CN" sz="1400" dirty="0"/>
                 <a:t>Transactions</a:t>
               </a:r>
-              <a:endParaRPr lang="en-US" altLang="zh-CN" sz="1400" dirty="0"/>
             </a:p>
             <a:p>
               <a:pPr marL="285750" indent="-285750">
@@ -13956,7 +13092,6 @@
                 <a:rPr lang="en-US" altLang="zh-CN" sz="1400" dirty="0"/>
                 <a:t>Timestamp</a:t>
               </a:r>
-              <a:endParaRPr lang="en-US" altLang="zh-CN" sz="1400" dirty="0"/>
             </a:p>
             <a:p>
               <a:pPr marL="285750" indent="-285750">
@@ -14409,6 +13544,8 @@
       </a:bgFillStyleLst>
     </a:fmtScheme>
   </a:themeElements>
+  <a:objectDefaults/>
+  <a:extraClrSchemeLst/>
   <a:extLst>
     <a:ext uri="{05A4C25C-085E-4340-85A3-A5531E510DB2}">
       <thm15:themeFamily xmlns:thm15="http://schemas.microsoft.com/office/thememl/2012/main" name="Office Theme" id="{62F939B6-93AF-4DB8-9C6B-D6C7DFDC589F}" vid="{4A3C46E8-61CC-4603-A589-7422A47A8E4A}"/>
@@ -14668,6 +13805,8 @@
       </a:bgFillStyleLst>
     </a:fmtScheme>
   </a:themeElements>
+  <a:objectDefaults/>
+  <a:extraClrSchemeLst/>
   <a:extLst>
     <a:ext uri="{05A4C25C-085E-4340-85A3-A5531E510DB2}">
       <thm15:themeFamily xmlns:thm15="http://schemas.microsoft.com/office/thememl/2012/main" name="Office Theme" id="{62F939B6-93AF-4DB8-9C6B-D6C7DFDC589F}" vid="{4A3C46E8-61CC-4603-A589-7422A47A8E4A}"/>
